--- a/2.0_sql_dbms/sql/module_2_MySql1.pptx
+++ b/2.0_sql_dbms/sql/module_2_MySql1.pptx
@@ -4,15 +4,18 @@
   <p:sldMasterIdLst>
     <p:sldMasterId id="2147483648" r:id="rId1"/>
   </p:sldMasterIdLst>
+  <p:notesMasterIdLst>
+    <p:notesMasterId r:id="rId6"/>
+  </p:notesMasterIdLst>
   <p:sldIdLst>
     <p:sldId id="257" r:id="rId3"/>
     <p:sldId id="259" r:id="rId4"/>
     <p:sldId id="330" r:id="rId5"/>
-    <p:sldId id="333" r:id="rId6"/>
-    <p:sldId id="331" r:id="rId7"/>
-    <p:sldId id="329" r:id="rId8"/>
-    <p:sldId id="337" r:id="rId9"/>
-    <p:sldId id="258" r:id="rId10"/>
+    <p:sldId id="333" r:id="rId7"/>
+    <p:sldId id="331" r:id="rId8"/>
+    <p:sldId id="329" r:id="rId9"/>
+    <p:sldId id="337" r:id="rId10"/>
+    <p:sldId id="258" r:id="rId11"/>
   </p:sldIdLst>
   <p:sldSz cx="12192000" cy="6858000"/>
   <p:notesSz cx="6858000" cy="9144000"/>
@@ -112,6 +115,401 @@
     </a:lvl9pPr>
   </p:defaultTextStyle>
 </p:presentation>
+</file>
+
+<file path=ppt/notesMasters/notesMaster1.xml><?xml version="1.0" encoding="utf-8"?>
+<p:notesMaster xmlns:a="http://schemas.openxmlformats.org/drawingml/2006/main" xmlns:r="http://schemas.openxmlformats.org/officeDocument/2006/relationships" xmlns:p="http://schemas.openxmlformats.org/presentationml/2006/main">
+  <p:cSld>
+    <p:bg>
+      <p:bgRef idx="1001">
+        <a:schemeClr val="bg1"/>
+      </p:bgRef>
+    </p:bg>
+    <p:spTree>
+      <p:nvGrpSpPr>
+        <p:cNvPr id="1" name=""/>
+        <p:cNvGrpSpPr/>
+        <p:nvPr/>
+      </p:nvGrpSpPr>
+      <p:grpSpPr>
+        <a:xfrm>
+          <a:off x="0" y="0"/>
+          <a:ext cx="0" cy="0"/>
+          <a:chOff x="0" y="0"/>
+          <a:chExt cx="0" cy="0"/>
+        </a:xfrm>
+      </p:grpSpPr>
+      <p:sp>
+        <p:nvSpPr>
+          <p:cNvPr id="2" name="Header Placeholder 1"/>
+          <p:cNvSpPr>
+            <a:spLocks noGrp="1"/>
+          </p:cNvSpPr>
+          <p:nvPr>
+            <p:ph type="hdr" sz="quarter"/>
+          </p:nvPr>
+        </p:nvSpPr>
+        <p:spPr>
+          <a:xfrm>
+            <a:off x="0" y="0"/>
+            <a:ext cx="2971800" cy="458788"/>
+          </a:xfrm>
+          <a:prstGeom prst="rect">
+            <a:avLst/>
+          </a:prstGeom>
+        </p:spPr>
+        <p:txBody>
+          <a:bodyPr vert="horz" lIns="91440" tIns="45720" rIns="91440" bIns="45720" rtlCol="0"/>
+          <a:lstStyle>
+            <a:lvl1pPr algn="l">
+              <a:defRPr sz="1200"/>
+            </a:lvl1pPr>
+          </a:lstStyle>
+          <a:p>
+            <a:endParaRPr lang="en-US"/>
+          </a:p>
+        </p:txBody>
+      </p:sp>
+      <p:sp>
+        <p:nvSpPr>
+          <p:cNvPr id="3" name="Date Placeholder 2"/>
+          <p:cNvSpPr>
+            <a:spLocks noGrp="1"/>
+          </p:cNvSpPr>
+          <p:nvPr>
+            <p:ph type="dt" idx="1"/>
+          </p:nvPr>
+        </p:nvSpPr>
+        <p:spPr>
+          <a:xfrm>
+            <a:off x="3884613" y="0"/>
+            <a:ext cx="2971800" cy="458788"/>
+          </a:xfrm>
+          <a:prstGeom prst="rect">
+            <a:avLst/>
+          </a:prstGeom>
+        </p:spPr>
+        <p:txBody>
+          <a:bodyPr vert="horz" lIns="91440" tIns="45720" rIns="91440" bIns="45720" rtlCol="0"/>
+          <a:lstStyle>
+            <a:lvl1pPr algn="r">
+              <a:defRPr sz="1200"/>
+            </a:lvl1pPr>
+          </a:lstStyle>
+          <a:p>
+            <a:fld id="{3EFD42F7-718C-4B98-AAEC-167E6DDD60A7}" type="datetimeFigureOut">
+              <a:rPr lang="en-US" smtClean="0"/>
+            </a:fld>
+            <a:endParaRPr lang="en-US"/>
+          </a:p>
+        </p:txBody>
+      </p:sp>
+      <p:sp>
+        <p:nvSpPr>
+          <p:cNvPr id="4" name="Slide Image Placeholder 3"/>
+          <p:cNvSpPr>
+            <a:spLocks noGrp="1" noRot="1" noChangeAspect="1"/>
+          </p:cNvSpPr>
+          <p:nvPr>
+            <p:ph type="sldImg" idx="2"/>
+          </p:nvPr>
+        </p:nvSpPr>
+        <p:spPr>
+          <a:xfrm>
+            <a:off x="685800" y="1143000"/>
+            <a:ext cx="5486400" cy="3086100"/>
+          </a:xfrm>
+          <a:prstGeom prst="rect">
+            <a:avLst/>
+          </a:prstGeom>
+          <a:noFill/>
+          <a:ln w="12700">
+            <a:solidFill>
+              <a:prstClr val="black"/>
+            </a:solidFill>
+          </a:ln>
+        </p:spPr>
+        <p:txBody>
+          <a:bodyPr vert="horz" lIns="91440" tIns="45720" rIns="91440" bIns="45720" rtlCol="0" anchor="ctr"/>
+          <a:lstStyle/>
+          <a:p>
+            <a:endParaRPr lang="en-US"/>
+          </a:p>
+        </p:txBody>
+      </p:sp>
+      <p:sp>
+        <p:nvSpPr>
+          <p:cNvPr id="5" name="Notes Placeholder 4"/>
+          <p:cNvSpPr>
+            <a:spLocks noGrp="1"/>
+          </p:cNvSpPr>
+          <p:nvPr>
+            <p:ph type="body" sz="quarter" idx="3"/>
+          </p:nvPr>
+        </p:nvSpPr>
+        <p:spPr>
+          <a:xfrm>
+            <a:off x="685800" y="4400550"/>
+            <a:ext cx="5486400" cy="3600450"/>
+          </a:xfrm>
+          <a:prstGeom prst="rect">
+            <a:avLst/>
+          </a:prstGeom>
+        </p:spPr>
+        <p:txBody>
+          <a:bodyPr vert="horz" lIns="91440" tIns="45720" rIns="91440" bIns="45720" rtlCol="0"/>
+          <a:lstStyle/>
+          <a:p>
+            <a:pPr lvl="0"/>
+            <a:r>
+              <a:rPr lang="en-US" smtClean="0"/>
+              <a:t>Click to edit Master text styles</a:t>
+            </a:r>
+            <a:endParaRPr lang="en-US" smtClean="0"/>
+          </a:p>
+          <a:p>
+            <a:pPr lvl="1"/>
+            <a:r>
+              <a:rPr lang="en-US" smtClean="0"/>
+              <a:t>Second level</a:t>
+            </a:r>
+            <a:endParaRPr lang="en-US" smtClean="0"/>
+          </a:p>
+          <a:p>
+            <a:pPr lvl="2"/>
+            <a:r>
+              <a:rPr lang="en-US" smtClean="0"/>
+              <a:t>Third level</a:t>
+            </a:r>
+            <a:endParaRPr lang="en-US" smtClean="0"/>
+          </a:p>
+          <a:p>
+            <a:pPr lvl="3"/>
+            <a:r>
+              <a:rPr lang="en-US" smtClean="0"/>
+              <a:t>Fourth level</a:t>
+            </a:r>
+            <a:endParaRPr lang="en-US" smtClean="0"/>
+          </a:p>
+          <a:p>
+            <a:pPr lvl="4"/>
+            <a:r>
+              <a:rPr lang="en-US" smtClean="0"/>
+              <a:t>Fifth level</a:t>
+            </a:r>
+            <a:endParaRPr lang="en-US"/>
+          </a:p>
+        </p:txBody>
+      </p:sp>
+      <p:sp>
+        <p:nvSpPr>
+          <p:cNvPr id="6" name="Footer Placeholder 5"/>
+          <p:cNvSpPr>
+            <a:spLocks noGrp="1"/>
+          </p:cNvSpPr>
+          <p:nvPr>
+            <p:ph type="ftr" sz="quarter" idx="4"/>
+          </p:nvPr>
+        </p:nvSpPr>
+        <p:spPr>
+          <a:xfrm>
+            <a:off x="0" y="8685213"/>
+            <a:ext cx="2971800" cy="458787"/>
+          </a:xfrm>
+          <a:prstGeom prst="rect">
+            <a:avLst/>
+          </a:prstGeom>
+        </p:spPr>
+        <p:txBody>
+          <a:bodyPr vert="horz" lIns="91440" tIns="45720" rIns="91440" bIns="45720" rtlCol="0" anchor="b"/>
+          <a:lstStyle>
+            <a:lvl1pPr algn="l">
+              <a:defRPr sz="1200"/>
+            </a:lvl1pPr>
+          </a:lstStyle>
+          <a:p>
+            <a:endParaRPr lang="en-US"/>
+          </a:p>
+        </p:txBody>
+      </p:sp>
+      <p:sp>
+        <p:nvSpPr>
+          <p:cNvPr id="7" name="Slide Number Placeholder 6"/>
+          <p:cNvSpPr>
+            <a:spLocks noGrp="1"/>
+          </p:cNvSpPr>
+          <p:nvPr>
+            <p:ph type="sldNum" sz="quarter" idx="5"/>
+          </p:nvPr>
+        </p:nvSpPr>
+        <p:spPr>
+          <a:xfrm>
+            <a:off x="3884613" y="8685213"/>
+            <a:ext cx="2971800" cy="458787"/>
+          </a:xfrm>
+          <a:prstGeom prst="rect">
+            <a:avLst/>
+          </a:prstGeom>
+        </p:spPr>
+        <p:txBody>
+          <a:bodyPr vert="horz" lIns="91440" tIns="45720" rIns="91440" bIns="45720" rtlCol="0" anchor="b"/>
+          <a:lstStyle>
+            <a:lvl1pPr algn="r">
+              <a:defRPr sz="1200"/>
+            </a:lvl1pPr>
+          </a:lstStyle>
+          <a:p>
+            <a:fld id="{21B2AA4F-B828-4D7C-AFD3-893933DAFCB4}" type="slidenum">
+              <a:rPr lang="en-US" smtClean="0"/>
+            </a:fld>
+            <a:endParaRPr lang="en-US"/>
+          </a:p>
+        </p:txBody>
+      </p:sp>
+    </p:spTree>
+  </p:cSld>
+  <p:clrMap bg1="lt1" tx1="dk1" bg2="lt2" tx2="dk2" accent1="accent1" accent2="accent2" accent3="accent3" accent4="accent4" accent5="accent5" accent6="accent6" hlink="hlink" folHlink="folHlink"/>
+  <p:notesStyle>
+    <a:lvl1pPr marL="0" algn="l" defTabSz="914400" rtl="0" eaLnBrk="1" latinLnBrk="0" hangingPunct="1">
+      <a:defRPr sz="1200" kern="1200">
+        <a:solidFill>
+          <a:schemeClr val="tx1"/>
+        </a:solidFill>
+        <a:latin typeface="+mn-lt"/>
+        <a:ea typeface="+mn-ea"/>
+        <a:cs typeface="+mn-cs"/>
+      </a:defRPr>
+    </a:lvl1pPr>
+    <a:lvl2pPr marL="457200" algn="l" defTabSz="914400" rtl="0" eaLnBrk="1" latinLnBrk="0" hangingPunct="1">
+      <a:defRPr sz="1200" kern="1200">
+        <a:solidFill>
+          <a:schemeClr val="tx1"/>
+        </a:solidFill>
+        <a:latin typeface="+mn-lt"/>
+        <a:ea typeface="+mn-ea"/>
+        <a:cs typeface="+mn-cs"/>
+      </a:defRPr>
+    </a:lvl2pPr>
+    <a:lvl3pPr marL="914400" algn="l" defTabSz="914400" rtl="0" eaLnBrk="1" latinLnBrk="0" hangingPunct="1">
+      <a:defRPr sz="1200" kern="1200">
+        <a:solidFill>
+          <a:schemeClr val="tx1"/>
+        </a:solidFill>
+        <a:latin typeface="+mn-lt"/>
+        <a:ea typeface="+mn-ea"/>
+        <a:cs typeface="+mn-cs"/>
+      </a:defRPr>
+    </a:lvl3pPr>
+    <a:lvl4pPr marL="1371600" algn="l" defTabSz="914400" rtl="0" eaLnBrk="1" latinLnBrk="0" hangingPunct="1">
+      <a:defRPr sz="1200" kern="1200">
+        <a:solidFill>
+          <a:schemeClr val="tx1"/>
+        </a:solidFill>
+        <a:latin typeface="+mn-lt"/>
+        <a:ea typeface="+mn-ea"/>
+        <a:cs typeface="+mn-cs"/>
+      </a:defRPr>
+    </a:lvl4pPr>
+    <a:lvl5pPr marL="1828800" algn="l" defTabSz="914400" rtl="0" eaLnBrk="1" latinLnBrk="0" hangingPunct="1">
+      <a:defRPr sz="1200" kern="1200">
+        <a:solidFill>
+          <a:schemeClr val="tx1"/>
+        </a:solidFill>
+        <a:latin typeface="+mn-lt"/>
+        <a:ea typeface="+mn-ea"/>
+        <a:cs typeface="+mn-cs"/>
+      </a:defRPr>
+    </a:lvl5pPr>
+    <a:lvl6pPr marL="2286000" algn="l" defTabSz="914400" rtl="0" eaLnBrk="1" latinLnBrk="0" hangingPunct="1">
+      <a:defRPr sz="1200" kern="1200">
+        <a:solidFill>
+          <a:schemeClr val="tx1"/>
+        </a:solidFill>
+        <a:latin typeface="+mn-lt"/>
+        <a:ea typeface="+mn-ea"/>
+        <a:cs typeface="+mn-cs"/>
+      </a:defRPr>
+    </a:lvl6pPr>
+    <a:lvl7pPr marL="2743200" algn="l" defTabSz="914400" rtl="0" eaLnBrk="1" latinLnBrk="0" hangingPunct="1">
+      <a:defRPr sz="1200" kern="1200">
+        <a:solidFill>
+          <a:schemeClr val="tx1"/>
+        </a:solidFill>
+        <a:latin typeface="+mn-lt"/>
+        <a:ea typeface="+mn-ea"/>
+        <a:cs typeface="+mn-cs"/>
+      </a:defRPr>
+    </a:lvl7pPr>
+    <a:lvl8pPr marL="3200400" algn="l" defTabSz="914400" rtl="0" eaLnBrk="1" latinLnBrk="0" hangingPunct="1">
+      <a:defRPr sz="1200" kern="1200">
+        <a:solidFill>
+          <a:schemeClr val="tx1"/>
+        </a:solidFill>
+        <a:latin typeface="+mn-lt"/>
+        <a:ea typeface="+mn-ea"/>
+        <a:cs typeface="+mn-cs"/>
+      </a:defRPr>
+    </a:lvl8pPr>
+    <a:lvl9pPr marL="3657600" algn="l" defTabSz="914400" rtl="0" eaLnBrk="1" latinLnBrk="0" hangingPunct="1">
+      <a:defRPr sz="1200" kern="1200">
+        <a:solidFill>
+          <a:schemeClr val="tx1"/>
+        </a:solidFill>
+        <a:latin typeface="+mn-lt"/>
+        <a:ea typeface="+mn-ea"/>
+        <a:cs typeface="+mn-cs"/>
+      </a:defRPr>
+    </a:lvl9pPr>
+  </p:notesStyle>
+</p:notesMaster>
+</file>
+
+<file path=ppt/notesSlides/notesSlide1.xml><?xml version="1.0" encoding="utf-8"?>
+<p:notes xmlns:a="http://schemas.openxmlformats.org/drawingml/2006/main" xmlns:r="http://schemas.openxmlformats.org/officeDocument/2006/relationships" xmlns:p="http://schemas.openxmlformats.org/presentationml/2006/main">
+  <p:cSld>
+    <p:spTree>
+      <p:nvGrpSpPr>
+        <p:cNvPr id="1" name=""/>
+        <p:cNvGrpSpPr/>
+        <p:nvPr/>
+      </p:nvGrpSpPr>
+      <p:grpSpPr/>
+      <p:sp>
+        <p:nvSpPr>
+          <p:cNvPr id="2" name="Slide Image Placeholder 1"/>
+          <p:cNvSpPr>
+            <a:spLocks noGrp="1"/>
+          </p:cNvSpPr>
+          <p:nvPr>
+            <p:ph type="sldImg" idx="2"/>
+          </p:nvPr>
+        </p:nvSpPr>
+        <p:spPr/>
+      </p:sp>
+      <p:sp>
+        <p:nvSpPr>
+          <p:cNvPr id="3" name="Text Placeholder 2"/>
+          <p:cNvSpPr>
+            <a:spLocks noGrp="1"/>
+          </p:cNvSpPr>
+          <p:nvPr>
+            <p:ph type="body" idx="3"/>
+          </p:nvPr>
+        </p:nvSpPr>
+        <p:spPr/>
+        <p:txBody>
+          <a:bodyPr/>
+          <a:p>
+            <a:endParaRPr lang="en-US"/>
+          </a:p>
+        </p:txBody>
+      </p:sp>
+    </p:spTree>
+  </p:cSld>
+  <p:clrMapOvr>
+    <a:masterClrMapping/>
+  </p:clrMapOvr>
+</p:notes>
 </file>
 
 <file path=ppt/slideLayouts/slideLayout1.xml><?xml version="1.0" encoding="utf-8"?>
@@ -5589,6 +5987,117 @@
           </a:p>
         </p:txBody>
       </p:sp>
+      <p:sp>
+        <p:nvSpPr>
+          <p:cNvPr id="4" name="Text Box 3"/>
+          <p:cNvSpPr txBox="1"/>
+          <p:nvPr/>
+        </p:nvSpPr>
+        <p:spPr>
+          <a:xfrm>
+            <a:off x="5823585" y="419735"/>
+            <a:ext cx="6096000" cy="1198880"/>
+          </a:xfrm>
+          <a:prstGeom prst="rect">
+            <a:avLst/>
+          </a:prstGeom>
+          <a:noFill/>
+        </p:spPr>
+        <p:txBody>
+          <a:bodyPr wrap="square" rtlCol="0" anchor="t">
+            <a:spAutoFit/>
+          </a:bodyPr>
+          <a:p>
+            <a:r>
+              <a:rPr lang="en-US" b="1"/>
+              <a:t>learn resource mysql</a:t>
+            </a:r>
+            <a:endParaRPr lang="en-US" b="1"/>
+          </a:p>
+          <a:p>
+            <a:pPr indent="457200"/>
+            <a:r>
+              <a:rPr lang="en-US"/>
+              <a:t>https://www.mysqltutorial.org</a:t>
+            </a:r>
+            <a:endParaRPr lang="en-US"/>
+          </a:p>
+          <a:p>
+            <a:pPr indent="457200"/>
+            <a:r>
+              <a:rPr lang="en-US">
+                <a:sym typeface="+mn-ea"/>
+              </a:rPr>
+              <a:t>https://www.geeksforgeeks.org/mysql-tutorial/?ref=lbp</a:t>
+            </a:r>
+            <a:endParaRPr lang="en-US"/>
+          </a:p>
+          <a:p>
+            <a:endParaRPr lang="en-US"/>
+          </a:p>
+        </p:txBody>
+      </p:sp>
+      <p:sp>
+        <p:nvSpPr>
+          <p:cNvPr id="7" name="Text Box 6"/>
+          <p:cNvSpPr txBox="1"/>
+          <p:nvPr/>
+        </p:nvSpPr>
+        <p:spPr>
+          <a:xfrm>
+            <a:off x="6920865" y="4697095"/>
+            <a:ext cx="8495030" cy="1476375"/>
+          </a:xfrm>
+          <a:prstGeom prst="rect">
+            <a:avLst/>
+          </a:prstGeom>
+          <a:noFill/>
+        </p:spPr>
+        <p:txBody>
+          <a:bodyPr wrap="square" rtlCol="0" anchor="t">
+            <a:spAutoFit/>
+          </a:bodyPr>
+          <a:p>
+            <a:r>
+              <a:rPr lang="en-US" b="1"/>
+              <a:t>- Pracice</a:t>
+            </a:r>
+            <a:endParaRPr lang="en-US" b="1"/>
+          </a:p>
+          <a:p>
+            <a:pPr indent="457200"/>
+            <a:r>
+              <a:rPr lang="en-US"/>
+              <a:t>1. sqlbotl</a:t>
+            </a:r>
+            <a:endParaRPr lang="en-US"/>
+          </a:p>
+          <a:p>
+            <a:pPr indent="457200"/>
+            <a:r>
+              <a:rPr lang="en-US"/>
+              <a:t>2, hackerrank</a:t>
+            </a:r>
+            <a:endParaRPr lang="en-US"/>
+          </a:p>
+          <a:p>
+            <a:pPr indent="457200"/>
+            <a:r>
+              <a:rPr lang="en-US"/>
+              <a:t>3.https://sqlpad.io/playground/mysql/</a:t>
+            </a:r>
+            <a:endParaRPr lang="en-US"/>
+          </a:p>
+          <a:p>
+            <a:pPr indent="457200"/>
+            <a:r>
+              <a:rPr lang="en-US"/>
+              <a:t>4. https://8weeksqlchallenge.com/case-study-6/ -- analyst</a:t>
+            </a:r>
+            <a:endParaRPr lang="en-US"/>
+          </a:p>
+        </p:txBody>
+      </p:sp>
     </p:spTree>
   </p:cSld>
   <p:clrMapOvr>
@@ -6875,6 +7384,265 @@
             </a:gs>
           </a:gsLst>
           <a:lin ang="16200000" scaled="0"/>
+        </a:gradFill>
+      </a:bgFillStyleLst>
+    </a:fmtScheme>
+  </a:themeElements>
+  <a:extLst>
+    <a:ext uri="{05A4C25C-085E-4340-85A3-A5531E510DB2}">
+      <thm15:themeFamily xmlns:thm15="http://schemas.microsoft.com/office/thememl/2012/main" name="Office Theme" id="{62F939B6-93AF-4DB8-9C6B-D6C7DFDC589F}" vid="{4A3C46E8-61CC-4603-A589-7422A47A8E4A}"/>
+    </a:ext>
+  </a:extLst>
+</a:theme>
+</file>
+
+<file path=ppt/theme/theme2.xml><?xml version="1.0" encoding="utf-8"?>
+<a:theme xmlns:a="http://schemas.openxmlformats.org/drawingml/2006/main" name="Office Theme">
+  <a:themeElements>
+    <a:clrScheme name="Office">
+      <a:dk1>
+        <a:sysClr val="windowText" lastClr="000000"/>
+      </a:dk1>
+      <a:lt1>
+        <a:sysClr val="window" lastClr="FFFFFF"/>
+      </a:lt1>
+      <a:dk2>
+        <a:srgbClr val="44546A"/>
+      </a:dk2>
+      <a:lt2>
+        <a:srgbClr val="E7E6E6"/>
+      </a:lt2>
+      <a:accent1>
+        <a:srgbClr val="5B9BD5"/>
+      </a:accent1>
+      <a:accent2>
+        <a:srgbClr val="ED7D31"/>
+      </a:accent2>
+      <a:accent3>
+        <a:srgbClr val="A5A5A5"/>
+      </a:accent3>
+      <a:accent4>
+        <a:srgbClr val="FFC000"/>
+      </a:accent4>
+      <a:accent5>
+        <a:srgbClr val="4472C4"/>
+      </a:accent5>
+      <a:accent6>
+        <a:srgbClr val="70AD47"/>
+      </a:accent6>
+      <a:hlink>
+        <a:srgbClr val="0563C1"/>
+      </a:hlink>
+      <a:folHlink>
+        <a:srgbClr val="954F72"/>
+      </a:folHlink>
+    </a:clrScheme>
+    <a:fontScheme name="Office">
+      <a:majorFont>
+        <a:latin typeface="Calibri Light"/>
+        <a:ea typeface=""/>
+        <a:cs typeface=""/>
+        <a:font script="Jpan" typeface="ＭＳ Ｐゴシック"/>
+        <a:font script="Hang" typeface="맑은 고딕"/>
+        <a:font script="Hans" typeface="宋体"/>
+        <a:font script="Hant" typeface="新細明體"/>
+        <a:font script="Arab" typeface="Times New Roman"/>
+        <a:font script="Hebr" typeface="Times New Roman"/>
+        <a:font script="Thai" typeface="Angsana New"/>
+        <a:font script="Ethi" typeface="Nyala"/>
+        <a:font script="Beng" typeface="Vrinda"/>
+        <a:font script="Gujr" typeface="Shruti"/>
+        <a:font script="Khmr" typeface="MoolBoran"/>
+        <a:font script="Knda" typeface="Tunga"/>
+        <a:font script="Guru" typeface="Raavi"/>
+        <a:font script="Cans" typeface="Euphemia"/>
+        <a:font script="Cher" typeface="Plantagenet Cherokee"/>
+        <a:font script="Yiii" typeface="Microsoft Yi Baiti"/>
+        <a:font script="Tibt" typeface="Microsoft Himalaya"/>
+        <a:font script="Thaa" typeface="MV Boli"/>
+        <a:font script="Deva" typeface="Mangal"/>
+        <a:font script="Telu" typeface="Gautami"/>
+        <a:font script="Taml" typeface="Latha"/>
+        <a:font script="Syrc" typeface="Estrangelo Edessa"/>
+        <a:font script="Orya" typeface="Kalinga"/>
+        <a:font script="Mlym" typeface="Kartika"/>
+        <a:font script="Laoo" typeface="DokChampa"/>
+        <a:font script="Sinh" typeface="Iskoola Pota"/>
+        <a:font script="Mong" typeface="Mongolian Baiti"/>
+        <a:font script="Viet" typeface="Times New Roman"/>
+        <a:font script="Uigh" typeface="Microsoft Uighur"/>
+        <a:font script="Geor" typeface="Sylfaen"/>
+      </a:majorFont>
+      <a:minorFont>
+        <a:latin typeface="Calibri"/>
+        <a:ea typeface=""/>
+        <a:cs typeface=""/>
+        <a:font script="Jpan" typeface="ＭＳ Ｐゴシック"/>
+        <a:font script="Hang" typeface="맑은 고딕"/>
+        <a:font script="Hans" typeface="宋体"/>
+        <a:font script="Hant" typeface="新細明體"/>
+        <a:font script="Arab" typeface="Arial"/>
+        <a:font script="Hebr" typeface="Arial"/>
+        <a:font script="Thai" typeface="Cordia New"/>
+        <a:font script="Ethi" typeface="Nyala"/>
+        <a:font script="Beng" typeface="Vrinda"/>
+        <a:font script="Gujr" typeface="Shruti"/>
+        <a:font script="Khmr" typeface="DaunPenh"/>
+        <a:font script="Knda" typeface="Tunga"/>
+        <a:font script="Guru" typeface="Raavi"/>
+        <a:font script="Cans" typeface="Euphemia"/>
+        <a:font script="Cher" typeface="Plantagenet Cherokee"/>
+        <a:font script="Yiii" typeface="Microsoft Yi Baiti"/>
+        <a:font script="Tibt" typeface="Microsoft Himalaya"/>
+        <a:font script="Thaa" typeface="MV Boli"/>
+        <a:font script="Deva" typeface="Mangal"/>
+        <a:font script="Telu" typeface="Gautami"/>
+        <a:font script="Taml" typeface="Latha"/>
+        <a:font script="Syrc" typeface="Estrangelo Edessa"/>
+        <a:font script="Orya" typeface="Kalinga"/>
+        <a:font script="Mlym" typeface="Kartika"/>
+        <a:font script="Laoo" typeface="DokChampa"/>
+        <a:font script="Sinh" typeface="Iskoola Pota"/>
+        <a:font script="Mong" typeface="Mongolian Baiti"/>
+        <a:font script="Viet" typeface="Arial"/>
+        <a:font script="Uigh" typeface="Microsoft Uighur"/>
+        <a:font script="Geor" typeface="Sylfaen"/>
+      </a:minorFont>
+    </a:fontScheme>
+    <a:fmtScheme name="Office">
+      <a:fillStyleLst>
+        <a:solidFill>
+          <a:schemeClr val="phClr"/>
+        </a:solidFill>
+        <a:gradFill rotWithShape="1">
+          <a:gsLst>
+            <a:gs pos="0">
+              <a:schemeClr val="phClr">
+                <a:lumMod val="110000"/>
+                <a:satMod val="105000"/>
+                <a:tint val="67000"/>
+              </a:schemeClr>
+            </a:gs>
+            <a:gs pos="50000">
+              <a:schemeClr val="phClr">
+                <a:lumMod val="105000"/>
+                <a:satMod val="103000"/>
+                <a:tint val="73000"/>
+              </a:schemeClr>
+            </a:gs>
+            <a:gs pos="100000">
+              <a:schemeClr val="phClr">
+                <a:lumMod val="105000"/>
+                <a:satMod val="109000"/>
+                <a:tint val="81000"/>
+              </a:schemeClr>
+            </a:gs>
+          </a:gsLst>
+          <a:lin ang="5400000" scaled="0"/>
+        </a:gradFill>
+        <a:gradFill rotWithShape="1">
+          <a:gsLst>
+            <a:gs pos="0">
+              <a:schemeClr val="phClr">
+                <a:satMod val="103000"/>
+                <a:lumMod val="102000"/>
+                <a:tint val="94000"/>
+              </a:schemeClr>
+            </a:gs>
+            <a:gs pos="50000">
+              <a:schemeClr val="phClr">
+                <a:satMod val="110000"/>
+                <a:lumMod val="100000"/>
+                <a:shade val="100000"/>
+              </a:schemeClr>
+            </a:gs>
+            <a:gs pos="100000">
+              <a:schemeClr val="phClr">
+                <a:lumMod val="99000"/>
+                <a:satMod val="120000"/>
+                <a:shade val="78000"/>
+              </a:schemeClr>
+            </a:gs>
+          </a:gsLst>
+          <a:lin ang="5400000" scaled="0"/>
+        </a:gradFill>
+      </a:fillStyleLst>
+      <a:lnStyleLst>
+        <a:ln w="6350" cap="flat" cmpd="sng" algn="ctr">
+          <a:solidFill>
+            <a:schemeClr val="phClr"/>
+          </a:solidFill>
+          <a:prstDash val="solid"/>
+          <a:miter lim="800000"/>
+        </a:ln>
+        <a:ln w="12700" cap="flat" cmpd="sng" algn="ctr">
+          <a:solidFill>
+            <a:schemeClr val="phClr"/>
+          </a:solidFill>
+          <a:prstDash val="solid"/>
+          <a:miter lim="800000"/>
+        </a:ln>
+        <a:ln w="19050" cap="flat" cmpd="sng" algn="ctr">
+          <a:solidFill>
+            <a:schemeClr val="phClr"/>
+          </a:solidFill>
+          <a:prstDash val="solid"/>
+          <a:miter lim="800000"/>
+        </a:ln>
+      </a:lnStyleLst>
+      <a:effectStyleLst>
+        <a:effectStyle>
+          <a:effectLst/>
+        </a:effectStyle>
+        <a:effectStyle>
+          <a:effectLst/>
+        </a:effectStyle>
+        <a:effectStyle>
+          <a:effectLst>
+            <a:outerShdw blurRad="57150" dist="19050" dir="5400000" algn="ctr" rotWithShape="0">
+              <a:srgbClr val="000000">
+                <a:alpha val="63000"/>
+              </a:srgbClr>
+            </a:outerShdw>
+          </a:effectLst>
+        </a:effectStyle>
+      </a:effectStyleLst>
+      <a:bgFillStyleLst>
+        <a:solidFill>
+          <a:schemeClr val="phClr"/>
+        </a:solidFill>
+        <a:solidFill>
+          <a:schemeClr val="phClr">
+            <a:tint val="95000"/>
+            <a:satMod val="170000"/>
+          </a:schemeClr>
+        </a:solidFill>
+        <a:gradFill rotWithShape="1">
+          <a:gsLst>
+            <a:gs pos="0">
+              <a:schemeClr val="phClr">
+                <a:tint val="93000"/>
+                <a:satMod val="150000"/>
+                <a:shade val="98000"/>
+                <a:lumMod val="102000"/>
+              </a:schemeClr>
+            </a:gs>
+            <a:gs pos="50000">
+              <a:schemeClr val="phClr">
+                <a:tint val="98000"/>
+                <a:satMod val="130000"/>
+                <a:shade val="90000"/>
+                <a:lumMod val="103000"/>
+              </a:schemeClr>
+            </a:gs>
+            <a:gs pos="100000">
+              <a:schemeClr val="phClr">
+                <a:shade val="63000"/>
+                <a:satMod val="120000"/>
+              </a:schemeClr>
+            </a:gs>
+          </a:gsLst>
+          <a:lin ang="5400000" scaled="0"/>
         </a:gradFill>
       </a:bgFillStyleLst>
     </a:fmtScheme>

--- a/2.0_sql_dbms/sql/module_2_MySql1.pptx
+++ b/2.0_sql_dbms/sql/module_2_MySql1.pptx
@@ -12,10 +12,11 @@
     <p:sldId id="259" r:id="rId4"/>
     <p:sldId id="330" r:id="rId5"/>
     <p:sldId id="333" r:id="rId7"/>
-    <p:sldId id="331" r:id="rId8"/>
-    <p:sldId id="329" r:id="rId9"/>
-    <p:sldId id="337" r:id="rId10"/>
-    <p:sldId id="258" r:id="rId11"/>
+    <p:sldId id="338" r:id="rId8"/>
+    <p:sldId id="331" r:id="rId9"/>
+    <p:sldId id="329" r:id="rId10"/>
+    <p:sldId id="337" r:id="rId11"/>
+    <p:sldId id="258" r:id="rId12"/>
   </p:sldIdLst>
   <p:sldSz cx="12192000" cy="6858000"/>
   <p:notesSz cx="6858000" cy="9144000"/>
@@ -5901,7 +5902,7 @@
         </p:nvSpPr>
         <p:spPr>
           <a:xfrm>
-            <a:off x="402590" y="5753100"/>
+            <a:off x="-115570" y="5694045"/>
             <a:ext cx="6096000" cy="645160"/>
           </a:xfrm>
           <a:prstGeom prst="rect">
@@ -6251,14 +6252,14 @@
       <p:grpSpPr/>
       <p:sp>
         <p:nvSpPr>
-          <p:cNvPr id="3" name="Text Box 2"/>
+          <p:cNvPr id="2" name="Text Box 1"/>
           <p:cNvSpPr txBox="1"/>
           <p:nvPr/>
         </p:nvSpPr>
         <p:spPr>
           <a:xfrm>
-            <a:off x="570230" y="495935"/>
-            <a:ext cx="9807575" cy="1753235"/>
+            <a:off x="2200910" y="1065530"/>
+            <a:ext cx="7137400" cy="4615815"/>
           </a:xfrm>
           <a:prstGeom prst="rect">
             <a:avLst/>
@@ -6266,258 +6267,152 @@
           <a:noFill/>
         </p:spPr>
         <p:txBody>
-          <a:bodyPr wrap="square" rtlCol="0" anchor="t">
+          <a:bodyPr wrap="square" rtlCol="0">
             <a:spAutoFit/>
           </a:bodyPr>
           <a:p>
             <a:r>
-              <a:rPr lang="en-US" b="1">
-                <a:gradFill>
-                  <a:gsLst>
-                    <a:gs pos="0">
-                      <a:srgbClr val="E30000"/>
-                    </a:gs>
-                    <a:gs pos="100000">
-                      <a:srgbClr val="760303"/>
-                    </a:gs>
-                  </a:gsLst>
-                  <a:lin scaled="0"/>
-                </a:gradFill>
-              </a:rPr>
-              <a:t>EXTRA TOPICS</a:t>
-            </a:r>
-            <a:endParaRPr lang="en-US" b="1">
-              <a:gradFill>
-                <a:gsLst>
-                  <a:gs pos="0">
-                    <a:srgbClr val="E30000"/>
-                  </a:gs>
-                  <a:gs pos="100000">
-                    <a:srgbClr val="760303"/>
-                  </a:gs>
-                </a:gsLst>
-                <a:lin scaled="0"/>
-              </a:gradFill>
+              <a:rPr lang="en-US"/>
+              <a:t>workbench </a:t>
+            </a:r>
+            <a:endParaRPr lang="en-US"/>
+          </a:p>
+          <a:p>
+            <a:endParaRPr lang="en-US"/>
+          </a:p>
+          <a:p>
+            <a:r>
+              <a:rPr lang="en-US" sz="2400" b="1">
+                <a:solidFill>
+                  <a:srgbClr val="C00000"/>
+                </a:solidFill>
+                <a:effectLst>
+                  <a:outerShdw blurRad="38100" dist="38100" dir="2700000" algn="tl">
+                    <a:srgbClr val="000000">
+                      <a:alpha val="43137"/>
+                    </a:srgbClr>
+                  </a:outerShdw>
+                </a:effectLst>
+                <a:latin typeface="Arial" panose="020B0604020202020204" pitchFamily="34" charset="0"/>
+                <a:cs typeface="Arial" panose="020B0604020202020204" pitchFamily="34" charset="0"/>
+              </a:rPr>
+              <a:t> run in </a:t>
+            </a:r>
+            <a:r>
+              <a:rPr lang="en-US" sz="2400" b="1">
+                <a:solidFill>
+                  <a:srgbClr val="C00000"/>
+                </a:solidFill>
+                <a:effectLst>
+                  <a:outerShdw blurRad="38100" dist="38100" dir="2700000" algn="tl">
+                    <a:srgbClr val="000000">
+                      <a:alpha val="43137"/>
+                    </a:srgbClr>
+                  </a:outerShdw>
+                </a:effectLst>
+                <a:latin typeface="Arial" panose="020B0604020202020204" pitchFamily="34" charset="0"/>
+                <a:cs typeface="Arial" panose="020B0604020202020204" pitchFamily="34" charset="0"/>
+                <a:sym typeface="+mn-ea"/>
+              </a:rPr>
+              <a:t>shell</a:t>
+            </a:r>
+            <a:endParaRPr lang="en-US" sz="2400" b="1">
+              <a:solidFill>
+                <a:srgbClr val="C00000"/>
+              </a:solidFill>
+              <a:effectLst>
+                <a:outerShdw blurRad="38100" dist="38100" dir="2700000" algn="tl">
+                  <a:srgbClr val="000000">
+                    <a:alpha val="43137"/>
+                  </a:srgbClr>
+                </a:outerShdw>
+              </a:effectLst>
+              <a:latin typeface="Arial" panose="020B0604020202020204" pitchFamily="34" charset="0"/>
+              <a:cs typeface="Arial" panose="020B0604020202020204" pitchFamily="34" charset="0"/>
             </a:endParaRPr>
           </a:p>
           <a:p>
-            <a:endParaRPr lang="en-US" b="1">
-              <a:gradFill>
-                <a:gsLst>
-                  <a:gs pos="0">
-                    <a:srgbClr val="E30000"/>
-                  </a:gs>
-                  <a:gs pos="100000">
-                    <a:srgbClr val="760303"/>
-                  </a:gs>
-                </a:gsLst>
-                <a:lin scaled="0"/>
-              </a:gradFill>
-            </a:endParaRPr>
-          </a:p>
-          <a:p>
-            <a:r>
-              <a:rPr lang="en-US">
-                <a:sym typeface="+mn-ea"/>
-              </a:rPr>
-              <a:t>https://www.mysqltutorial.org/mysql-basics/import-csv-file-mysql-table/          ***</a:t>
-            </a:r>
-            <a:endParaRPr lang="en-US"/>
-          </a:p>
-          <a:p>
-            <a:r>
-              <a:rPr lang="en-US">
-                <a:sym typeface="+mn-ea"/>
-              </a:rPr>
-              <a:t>https://www.mysqltutorial.org/mysql-basics/mysql-export-table-to-csv/</a:t>
-            </a:r>
-            <a:endParaRPr lang="en-US"/>
-          </a:p>
-          <a:p>
-            <a:endParaRPr lang="en-US"/>
-          </a:p>
-          <a:p>
-            <a:r>
-              <a:rPr lang="en-US">
-                <a:sym typeface="+mn-ea"/>
-              </a:rPr>
-              <a:t>https://www.mysqltutorial.org/getting-started-with-mysql/mysql-sample-database/</a:t>
-            </a:r>
-            <a:endParaRPr lang="en-US">
-              <a:sym typeface="+mn-ea"/>
-            </a:endParaRPr>
-          </a:p>
-        </p:txBody>
-      </p:sp>
-      <p:sp>
-        <p:nvSpPr>
-          <p:cNvPr id="4" name="Text Box 3"/>
-          <p:cNvSpPr txBox="1"/>
-          <p:nvPr/>
-        </p:nvSpPr>
-        <p:spPr>
-          <a:xfrm>
-            <a:off x="570230" y="2712085"/>
-            <a:ext cx="11301730" cy="3138170"/>
-          </a:xfrm>
-          <a:prstGeom prst="rect">
-            <a:avLst/>
-          </a:prstGeom>
-          <a:noFill/>
-        </p:spPr>
-        <p:txBody>
-          <a:bodyPr wrap="square" rtlCol="0" anchor="t">
-            <a:spAutoFit/>
-          </a:bodyPr>
-          <a:p>
-            <a:pPr marL="285750" indent="-285750">
-              <a:buFont typeface="Arial" panose="020B0604020202020204" pitchFamily="34" charset="0"/>
-              <a:buChar char="•"/>
-            </a:pPr>
-            <a:r>
-              <a:rPr lang="en-US" b="1"/>
-              <a:t>TEMPORARY TABLE --&gt; </a:t>
-            </a:r>
-            <a:r>
-              <a:rPr lang="en-US"/>
-              <a:t>https://www.javatpoint.com/mysql-temporary-table</a:t>
-            </a:r>
-            <a:endParaRPr lang="en-US"/>
-          </a:p>
-          <a:p>
-            <a:pPr marL="285750" indent="-285750">
-              <a:buFont typeface="Arial" panose="020B0604020202020204" pitchFamily="34" charset="0"/>
-              <a:buChar char="•"/>
-            </a:pPr>
-            <a:r>
-              <a:rPr lang="en-US" b="1"/>
-              <a:t>VIEWS  </a:t>
-            </a:r>
-            <a:r>
-              <a:rPr lang="en-US"/>
-              <a:t>https://www.geeksforgeeks.org/mysql-view/?ref=lbp</a:t>
-            </a:r>
-            <a:endParaRPr lang="en-US"/>
-          </a:p>
-          <a:p>
-            <a:pPr marL="285750" indent="-285750">
-              <a:buFont typeface="Arial" panose="020B0604020202020204" pitchFamily="34" charset="0"/>
-              <a:buChar char="•"/>
-            </a:pPr>
-            <a:r>
-              <a:rPr lang="en-US" b="1"/>
-              <a:t>INDEX   </a:t>
-            </a:r>
-            <a:r>
-              <a:rPr lang="en-US"/>
-              <a:t>https://www.geeksforgeeks.org/mysql-create-index-statement/?ref=lbp</a:t>
-            </a:r>
-            <a:endParaRPr lang="en-US"/>
-          </a:p>
-          <a:p>
-            <a:pPr marL="285750" indent="-285750">
-              <a:buFont typeface="Arial" panose="020B0604020202020204" pitchFamily="34" charset="0"/>
-              <a:buChar char="•"/>
-            </a:pPr>
-            <a:r>
-              <a:rPr lang="en-US" b="1"/>
-              <a:t>CTE    </a:t>
-            </a:r>
-            <a:r>
-              <a:rPr lang="en-US"/>
-              <a:t>https://www.javatpoint.com/mysql-common-table-expression</a:t>
-            </a:r>
-            <a:endParaRPr lang="en-US"/>
-          </a:p>
-          <a:p>
-            <a:pPr marL="285750" indent="-285750">
-              <a:buFont typeface="Arial" panose="020B0604020202020204" pitchFamily="34" charset="0"/>
-              <a:buChar char="•"/>
-            </a:pPr>
-            <a:r>
-              <a:rPr lang="en-US" b="1"/>
-              <a:t>WINDOW FUNC</a:t>
-            </a:r>
-            <a:r>
-              <a:rPr lang="en-US"/>
-              <a:t> -- https://www.mysqltutorial.org/mysql-window-functions/      https://www.javatpoint.com/mysql-window-functions</a:t>
-            </a:r>
-            <a:endParaRPr lang="en-US"/>
-          </a:p>
-          <a:p>
-            <a:pPr marL="285750" indent="-285750">
-              <a:buFont typeface="Arial" panose="020B0604020202020204" pitchFamily="34" charset="0"/>
-              <a:buChar char="•"/>
-            </a:pPr>
-            <a:r>
-              <a:rPr lang="en-US" b="1"/>
-              <a:t>JOINS </a:t>
-            </a:r>
-            <a:r>
-              <a:rPr lang="en-US"/>
-              <a:t>     https://www.mysqltutorial.org/mysql-basics/mysql-join/</a:t>
-            </a:r>
-            <a:endParaRPr lang="en-US"/>
-          </a:p>
-          <a:p>
-            <a:pPr marL="285750" indent="-285750">
-              <a:buFont typeface="Arial" panose="020B0604020202020204" pitchFamily="34" charset="0"/>
-              <a:buChar char="•"/>
-            </a:pPr>
-            <a:r>
-              <a:rPr lang="en-US" b="1"/>
-              <a:t>SUBQUERIES     </a:t>
-            </a:r>
-            <a:r>
-              <a:rPr lang="en-US"/>
-              <a:t>https://www.mysqltutorial.org/mysql-basics/mysql-subquery/</a:t>
-            </a:r>
-            <a:endParaRPr lang="en-US"/>
-          </a:p>
-          <a:p>
-            <a:pPr marL="285750" indent="-285750">
-              <a:buFont typeface="Arial" panose="020B0604020202020204" pitchFamily="34" charset="0"/>
-              <a:buChar char="•"/>
-            </a:pPr>
-            <a:r>
-              <a:rPr lang="en-US" b="1"/>
-              <a:t>STORE_PROCEDURES</a:t>
-            </a:r>
-            <a:r>
-              <a:rPr lang="en-US"/>
-              <a:t>   https://www.geeksforgeeks.org/different-types-of-procedures-in-mysql/?ref=lbp</a:t>
-            </a:r>
-            <a:endParaRPr lang="en-US"/>
-          </a:p>
-          <a:p>
-            <a:pPr marL="285750" indent="-285750">
-              <a:buFont typeface="Arial" panose="020B0604020202020204" pitchFamily="34" charset="0"/>
-              <a:buChar char="•"/>
-            </a:pPr>
-            <a:r>
-              <a:rPr lang="en-US" b="1"/>
-              <a:t>FUNTIONS     </a:t>
-            </a:r>
-            <a:r>
-              <a:rPr lang="en-US"/>
-              <a:t>https://www.javatpoint.com/mysql-stored-function</a:t>
-            </a:r>
-            <a:endParaRPr lang="en-US"/>
-          </a:p>
-          <a:p>
-            <a:pPr marL="285750" indent="-285750">
-              <a:buFont typeface="Arial" panose="020B0604020202020204" pitchFamily="34" charset="0"/>
-              <a:buChar char="•"/>
-            </a:pPr>
-            <a:r>
-              <a:rPr lang="en-US" b="1"/>
-              <a:t>TRIGGERS   </a:t>
-            </a:r>
-            <a:r>
-              <a:rPr lang="en-US"/>
-              <a:t>https://www.geeksforgeeks.org/different-types-of-mysql-triggers-with-examples/?ref=lbp</a:t>
-            </a:r>
-            <a:endParaRPr lang="en-US"/>
+            <a:endParaRPr lang="en-US"/>
+          </a:p>
+          <a:p>
+            <a:pPr lvl="1"/>
+            <a:r>
+              <a:rPr lang="en-US" altLang="en-US"/>
+              <a:t>After you run MySQL Shell and you have seen following:</a:t>
+            </a:r>
+            <a:endParaRPr lang="en-US" altLang="en-US"/>
+          </a:p>
+          <a:p>
+            <a:pPr lvl="1"/>
+            <a:endParaRPr lang="en-US" altLang="en-US"/>
+          </a:p>
+          <a:p>
+            <a:pPr lvl="1"/>
+            <a:r>
+              <a:rPr lang="en-US" altLang="en-US"/>
+              <a:t>mysql-js&gt;</a:t>
+            </a:r>
+            <a:endParaRPr lang="en-US" altLang="en-US"/>
+          </a:p>
+          <a:p>
+            <a:pPr lvl="1"/>
+            <a:r>
+              <a:rPr lang="en-US" altLang="en-US"/>
+              <a:t>Firstly, you should:</a:t>
+            </a:r>
+            <a:endParaRPr lang="en-US" altLang="en-US"/>
+          </a:p>
+          <a:p>
+            <a:pPr lvl="1"/>
+            <a:endParaRPr lang="en-US" altLang="en-US"/>
+          </a:p>
+          <a:p>
+            <a:pPr lvl="1"/>
+            <a:r>
+              <a:rPr lang="en-US" altLang="en-US"/>
+              <a:t>mysql-js&gt;\sql</a:t>
+            </a:r>
+            <a:endParaRPr lang="en-US" altLang="en-US"/>
+          </a:p>
+          <a:p>
+            <a:pPr lvl="1"/>
+            <a:r>
+              <a:rPr lang="en-US" altLang="en-US"/>
+              <a:t>Secondly:</a:t>
+            </a:r>
+            <a:endParaRPr lang="en-US" altLang="en-US"/>
+          </a:p>
+          <a:p>
+            <a:pPr lvl="1"/>
+            <a:endParaRPr lang="en-US" altLang="en-US"/>
+          </a:p>
+          <a:p>
+            <a:pPr lvl="1"/>
+            <a:r>
+              <a:rPr lang="en-US" altLang="en-US"/>
+              <a:t> mysql-sql&gt;\connect username@servername (root@localhost)</a:t>
+            </a:r>
+            <a:endParaRPr lang="en-US" altLang="en-US"/>
+          </a:p>
+          <a:p>
+            <a:pPr lvl="1"/>
+            <a:r>
+              <a:rPr lang="en-US" altLang="en-US"/>
+              <a:t>And finally:</a:t>
+            </a:r>
+            <a:endParaRPr lang="en-US" altLang="en-US"/>
+          </a:p>
+          <a:p>
+            <a:pPr lvl="1"/>
+            <a:endParaRPr lang="en-US" altLang="en-US"/>
+          </a:p>
+          <a:p>
+            <a:pPr lvl="1"/>
+            <a:r>
+              <a:rPr lang="en-US" altLang="en-US"/>
+              <a:t>Enter password:*********</a:t>
+            </a:r>
+            <a:endParaRPr lang="en-US" altLang="en-US"/>
           </a:p>
         </p:txBody>
       </p:sp>
@@ -6541,14 +6436,14 @@
       <p:grpSpPr/>
       <p:sp>
         <p:nvSpPr>
-          <p:cNvPr id="2" name="Text Box 1"/>
+          <p:cNvPr id="3" name="Text Box 2"/>
           <p:cNvSpPr txBox="1"/>
           <p:nvPr/>
         </p:nvSpPr>
         <p:spPr>
           <a:xfrm>
-            <a:off x="528320" y="377825"/>
-            <a:ext cx="10130790" cy="1506855"/>
+            <a:off x="570230" y="495935"/>
+            <a:ext cx="9807575" cy="1753235"/>
           </a:xfrm>
           <a:prstGeom prst="rect">
             <a:avLst/>
@@ -6574,7 +6469,7 @@
                   <a:lin scaled="0"/>
                 </a:gradFill>
               </a:rPr>
-              <a:t>TOPICS IN DETAILS LINK</a:t>
+              <a:t>EXTRA TOPICS</a:t>
             </a:r>
             <a:endParaRPr lang="en-US" b="1">
               <a:gradFill>
@@ -6607,41 +6502,48 @@
           </a:p>
           <a:p>
             <a:r>
-              <a:rPr lang="en-US"/>
-              <a:t>https://www.mysqltutorial.org/mysql-basics/import-csv-file-mysql-table/          </a:t>
-            </a:r>
-            <a:r>
-              <a:rPr lang="en-US" sz="2000" b="1"/>
-              <a:t>***</a:t>
-            </a:r>
-            <a:endParaRPr lang="en-US" sz="2000" b="1"/>
-          </a:p>
-          <a:p>
-            <a:r>
-              <a:rPr lang="en-US"/>
+              <a:rPr lang="en-US">
+                <a:sym typeface="+mn-ea"/>
+              </a:rPr>
+              <a:t>https://www.mysqltutorial.org/mysql-basics/import-csv-file-mysql-table/          ***</a:t>
+            </a:r>
+            <a:endParaRPr lang="en-US"/>
+          </a:p>
+          <a:p>
+            <a:r>
+              <a:rPr lang="en-US">
+                <a:sym typeface="+mn-ea"/>
+              </a:rPr>
               <a:t>https://www.mysqltutorial.org/mysql-basics/mysql-export-table-to-csv/</a:t>
             </a:r>
             <a:endParaRPr lang="en-US"/>
           </a:p>
           <a:p>
-            <a:r>
-              <a:rPr lang="en-US"/>
+            <a:endParaRPr lang="en-US"/>
+          </a:p>
+          <a:p>
+            <a:r>
+              <a:rPr lang="en-US">
+                <a:sym typeface="+mn-ea"/>
+              </a:rPr>
               <a:t>https://www.mysqltutorial.org/getting-started-with-mysql/mysql-sample-database/</a:t>
             </a:r>
-            <a:endParaRPr lang="en-US"/>
-          </a:p>
-        </p:txBody>
-      </p:sp>
-      <p:sp>
-        <p:nvSpPr>
-          <p:cNvPr id="3" name="Text Box 2"/>
+            <a:endParaRPr lang="en-US">
+              <a:sym typeface="+mn-ea"/>
+            </a:endParaRPr>
+          </a:p>
+        </p:txBody>
+      </p:sp>
+      <p:sp>
+        <p:nvSpPr>
+          <p:cNvPr id="4" name="Text Box 3"/>
           <p:cNvSpPr txBox="1"/>
           <p:nvPr/>
         </p:nvSpPr>
         <p:spPr>
           <a:xfrm>
-            <a:off x="528320" y="2455545"/>
-            <a:ext cx="11363960" cy="2584450"/>
+            <a:off x="570230" y="2712085"/>
+            <a:ext cx="11301730" cy="3138170"/>
           </a:xfrm>
           <a:prstGeom prst="rect">
             <a:avLst/>
@@ -6653,136 +6555,154 @@
             <a:spAutoFit/>
           </a:bodyPr>
           <a:p>
-            <a:r>
-              <a:rPr lang="en-US">
-                <a:sym typeface="+mn-ea"/>
-              </a:rPr>
-              <a:t>https://www.mysqltutorial.org/mysql-basics/mysql-find-duplicate-values/</a:t>
-            </a:r>
-            <a:endParaRPr lang="en-US"/>
-          </a:p>
-          <a:p>
-            <a:r>
-              <a:rPr lang="en-US">
-                <a:sym typeface="+mn-ea"/>
-              </a:rPr>
-              <a:t>https://www.mysqltutorial.org/mysql-basics/mysql-compare-two-tables/</a:t>
-            </a:r>
-            <a:endParaRPr lang="en-US"/>
-          </a:p>
-          <a:p>
-            <a:r>
-              <a:rPr lang="en-US">
-                <a:sym typeface="+mn-ea"/>
-              </a:rPr>
-              <a:t>https://www.mysqltutorial.org/mysql-basics/mysql-delete-duplicate-rows/</a:t>
-            </a:r>
-            <a:endParaRPr lang="en-US"/>
-          </a:p>
-          <a:p>
-            <a:r>
-              <a:rPr lang="en-US">
-                <a:sym typeface="+mn-ea"/>
-              </a:rPr>
-              <a:t>https://www.mysqltutorial.org/mysql-basics/mysql-compare-rows-within-the-same-table/</a:t>
-            </a:r>
-            <a:endParaRPr lang="en-US"/>
-          </a:p>
-          <a:p>
-            <a:r>
-              <a:rPr lang="en-US">
-                <a:sym typeface="+mn-ea"/>
-              </a:rPr>
-              <a:t>https://www.mysqltutorial.org/mysql-basics/mysql-select-random/</a:t>
-            </a:r>
-            <a:endParaRPr lang="en-US"/>
-          </a:p>
-          <a:p>
-            <a:endParaRPr lang="en-US"/>
-          </a:p>
-          <a:p>
-            <a:r>
-              <a:rPr lang="en-US">
-                <a:sym typeface="+mn-ea"/>
-              </a:rPr>
-              <a:t>https://www.mysqltutorial.org/mysql-basics/mysql-export-table-to-csv/</a:t>
-            </a:r>
-            <a:endParaRPr lang="en-US"/>
-          </a:p>
-          <a:p>
-            <a:endParaRPr lang="en-US"/>
-          </a:p>
-          <a:p>
-            <a:endParaRPr lang="en-US"/>
-          </a:p>
-        </p:txBody>
-      </p:sp>
-      <p:sp>
-        <p:nvSpPr>
-          <p:cNvPr id="4" name="Text Box 3"/>
-          <p:cNvSpPr txBox="1"/>
-          <p:nvPr/>
-        </p:nvSpPr>
-        <p:spPr>
-          <a:xfrm>
-            <a:off x="643255" y="4559300"/>
-            <a:ext cx="9503410" cy="1476375"/>
-          </a:xfrm>
-          <a:prstGeom prst="rect">
-            <a:avLst/>
-          </a:prstGeom>
-          <a:noFill/>
-        </p:spPr>
-        <p:txBody>
-          <a:bodyPr wrap="square" rtlCol="0" anchor="t">
-            <a:spAutoFit/>
-          </a:bodyPr>
-          <a:p>
-            <a:r>
-              <a:rPr lang="en-US">
-                <a:sym typeface="+mn-ea"/>
-              </a:rPr>
-              <a:t>https://www.javatpoint.com/mysql-union-vs-join</a:t>
-            </a:r>
-            <a:endParaRPr lang="en-US"/>
-          </a:p>
-          <a:p>
-            <a:r>
-              <a:rPr lang="en-US">
-                <a:sym typeface="+mn-ea"/>
-              </a:rPr>
-              <a:t>https://www.javatpoint.com/mysql-trigger</a:t>
-            </a:r>
-            <a:endParaRPr lang="en-US"/>
-          </a:p>
-          <a:p>
-            <a:r>
-              <a:rPr lang="en-US">
-                <a:sym typeface="+mn-ea"/>
-              </a:rPr>
-              <a:t>https://www.javatpoint.com/mysql-export-and-import-database </a:t>
-            </a:r>
-            <a:endParaRPr lang="en-US"/>
-          </a:p>
-          <a:p>
-            <a:r>
-              <a:rPr lang="en-US">
-                <a:sym typeface="+mn-ea"/>
-              </a:rPr>
+            <a:pPr marL="285750" indent="-285750">
+              <a:buFont typeface="Arial" panose="020B0604020202020204" pitchFamily="34" charset="0"/>
+              <a:buChar char="•"/>
+            </a:pPr>
+            <a:r>
+              <a:rPr lang="en-US" b="1"/>
+              <a:t>TEMPORARY TABLE --&gt; </a:t>
+            </a:r>
+            <a:r>
+              <a:rPr lang="en-US"/>
+              <a:t>https://www.javatpoint.com/mysql-temporary-table</a:t>
+            </a:r>
+            <a:endParaRPr lang="en-US"/>
+          </a:p>
+          <a:p>
+            <a:pPr marL="285750" indent="-285750">
+              <a:buFont typeface="Arial" panose="020B0604020202020204" pitchFamily="34" charset="0"/>
+              <a:buChar char="•"/>
+            </a:pPr>
+            <a:r>
+              <a:rPr lang="en-US" b="1"/>
+              <a:t>VIEWS  </a:t>
+            </a:r>
+            <a:r>
+              <a:rPr lang="en-US"/>
+              <a:t>https://www.geeksforgeeks.org/mysql-view/?ref=lbp</a:t>
+            </a:r>
+            <a:endParaRPr lang="en-US"/>
+          </a:p>
+          <a:p>
+            <a:pPr marL="285750" indent="-285750">
+              <a:buFont typeface="Arial" panose="020B0604020202020204" pitchFamily="34" charset="0"/>
+              <a:buChar char="•"/>
+            </a:pPr>
+            <a:r>
+              <a:rPr lang="en-US" b="1"/>
+              <a:t>INDEX   </a:t>
+            </a:r>
+            <a:r>
+              <a:rPr lang="en-US"/>
+              <a:t>https://www.geeksforgeeks.org/mysql-create-index-statement/?ref=lbp</a:t>
+            </a:r>
+            <a:endParaRPr lang="en-US"/>
+          </a:p>
+          <a:p>
+            <a:pPr marL="285750" indent="-285750">
+              <a:buFont typeface="Arial" panose="020B0604020202020204" pitchFamily="34" charset="0"/>
+              <a:buChar char="•"/>
+            </a:pPr>
+            <a:r>
+              <a:rPr lang="en-US" b="1"/>
+              <a:t>CTE    </a:t>
+            </a:r>
+            <a:r>
+              <a:rPr lang="en-US"/>
               <a:t>https://www.javatpoint.com/mysql-common-table-expression</a:t>
             </a:r>
             <a:endParaRPr lang="en-US"/>
           </a:p>
           <a:p>
-            <a:r>
-              <a:rPr lang="en-US">
-                <a:sym typeface="+mn-ea"/>
-              </a:rPr>
-              <a:t>https://www.javatpoint.com/mysql-on-delete-cascade</a:t>
-            </a:r>
-            <a:endParaRPr lang="en-US">
-              <a:sym typeface="+mn-ea"/>
-            </a:endParaRPr>
+            <a:pPr marL="285750" indent="-285750">
+              <a:buFont typeface="Arial" panose="020B0604020202020204" pitchFamily="34" charset="0"/>
+              <a:buChar char="•"/>
+            </a:pPr>
+            <a:r>
+              <a:rPr lang="en-US" b="1"/>
+              <a:t>WINDOW FUNC</a:t>
+            </a:r>
+            <a:r>
+              <a:rPr lang="en-US"/>
+              <a:t> -- https://www.mysqltutorial.org/mysql-window-functions/      https://www.javatpoint.com/mysql-window-functions</a:t>
+            </a:r>
+            <a:endParaRPr lang="en-US"/>
+          </a:p>
+          <a:p>
+            <a:pPr marL="285750" indent="-285750">
+              <a:buFont typeface="Arial" panose="020B0604020202020204" pitchFamily="34" charset="0"/>
+              <a:buChar char="•"/>
+            </a:pPr>
+            <a:r>
+              <a:rPr lang="en-US" b="1"/>
+              <a:t>JOINS </a:t>
+            </a:r>
+            <a:r>
+              <a:rPr lang="en-US"/>
+              <a:t>     https://www.mysqltutorial.org/mysql-basics/mysql-join/</a:t>
+            </a:r>
+            <a:endParaRPr lang="en-US"/>
+          </a:p>
+          <a:p>
+            <a:pPr marL="285750" indent="-285750">
+              <a:buFont typeface="Arial" panose="020B0604020202020204" pitchFamily="34" charset="0"/>
+              <a:buChar char="•"/>
+            </a:pPr>
+            <a:r>
+              <a:rPr lang="en-US" b="1"/>
+              <a:t>SUBQUERIES     </a:t>
+            </a:r>
+            <a:r>
+              <a:rPr lang="en-US"/>
+              <a:t>https://www.mysqltutorial.org/mysql-basics/mysql-subquery/</a:t>
+            </a:r>
+            <a:endParaRPr lang="en-US"/>
+          </a:p>
+          <a:p>
+            <a:pPr marL="285750" indent="-285750">
+              <a:buFont typeface="Arial" panose="020B0604020202020204" pitchFamily="34" charset="0"/>
+              <a:buChar char="•"/>
+            </a:pPr>
+            <a:r>
+              <a:rPr lang="en-US" b="1"/>
+              <a:t>STORE_PROCEDURES</a:t>
+            </a:r>
+            <a:r>
+              <a:rPr lang="en-US"/>
+              <a:t>   https://www.geeksforgeeks.org/different-types-of-procedures-in-mysql/?ref=lbp</a:t>
+            </a:r>
+            <a:endParaRPr lang="en-US"/>
+          </a:p>
+          <a:p>
+            <a:pPr marL="285750" indent="-285750">
+              <a:buFont typeface="Arial" panose="020B0604020202020204" pitchFamily="34" charset="0"/>
+              <a:buChar char="•"/>
+            </a:pPr>
+            <a:r>
+              <a:rPr lang="en-US" b="1"/>
+              <a:t>FUNTIONS     </a:t>
+            </a:r>
+            <a:r>
+              <a:rPr lang="en-US"/>
+              <a:t>https://www.javatpoint.com/mysql-stored-function</a:t>
+            </a:r>
+            <a:endParaRPr lang="en-US"/>
+          </a:p>
+          <a:p>
+            <a:pPr marL="285750" indent="-285750">
+              <a:buFont typeface="Arial" panose="020B0604020202020204" pitchFamily="34" charset="0"/>
+              <a:buChar char="•"/>
+            </a:pPr>
+            <a:r>
+              <a:rPr lang="en-US" b="1"/>
+              <a:t>TRIGGERS   </a:t>
+            </a:r>
+            <a:r>
+              <a:rPr lang="en-US"/>
+              <a:t>https://www.geeksforgeeks.org/different-types-of-mysql-triggers-with-examples/?ref=lbp</a:t>
+            </a:r>
+            <a:endParaRPr lang="en-US"/>
           </a:p>
         </p:txBody>
       </p:sp>
@@ -6812,8 +6732,8 @@
         </p:nvSpPr>
         <p:spPr>
           <a:xfrm>
-            <a:off x="476250" y="506095"/>
-            <a:ext cx="10570210" cy="3138170"/>
+            <a:off x="528320" y="377825"/>
+            <a:ext cx="10130790" cy="1506855"/>
           </a:xfrm>
           <a:prstGeom prst="rect">
             <a:avLst/>
@@ -6825,125 +6745,229 @@
             <a:spAutoFit/>
           </a:bodyPr>
           <a:p>
-            <a:pPr marL="285750" indent="-285750">
-              <a:buFont typeface="Arial" panose="020B0604020202020204" pitchFamily="34" charset="0"/>
-              <a:buChar char="•"/>
-            </a:pPr>
-            <a:r>
-              <a:rPr lang="en-US"/>
-              <a:t>https://www.javatpoint.com/mysql-date-and-time</a:t>
-            </a:r>
-            <a:endParaRPr lang="en-US"/>
-          </a:p>
-          <a:p>
-            <a:pPr marL="285750" indent="-285750">
-              <a:buFont typeface="Arial" panose="020B0604020202020204" pitchFamily="34" charset="0"/>
-              <a:buChar char="•"/>
-            </a:pPr>
-            <a:r>
-              <a:rPr lang="en-US"/>
-              <a:t>https://www.javatpoint.com/mysql-change-column-type  ALTER</a:t>
-            </a:r>
-            <a:endParaRPr lang="en-US"/>
-          </a:p>
-          <a:p>
-            <a:pPr marL="285750" indent="-285750">
-              <a:buFont typeface="Arial" panose="020B0604020202020204" pitchFamily="34" charset="0"/>
-              <a:buChar char="•"/>
-            </a:pPr>
-            <a:r>
-              <a:rPr lang="en-US"/>
-              <a:t>https://www.javatpoint.com/docker-compose-mysql</a:t>
-            </a:r>
-            <a:endParaRPr lang="en-US"/>
-          </a:p>
-          <a:p>
-            <a:pPr marL="285750" indent="-285750">
-              <a:buFont typeface="Arial" panose="020B0604020202020204" pitchFamily="34" charset="0"/>
-              <a:buChar char="•"/>
-            </a:pPr>
-            <a:r>
-              <a:rPr lang="en-US"/>
-              <a:t>https://www.javatpoint.com/azure-mysql</a:t>
-            </a:r>
-            <a:endParaRPr lang="en-US"/>
-          </a:p>
-          <a:p>
-            <a:pPr marL="285750" indent="-285750">
-              <a:buFont typeface="Arial" panose="020B0604020202020204" pitchFamily="34" charset="0"/>
-              <a:buChar char="•"/>
-            </a:pPr>
-            <a:r>
-              <a:rPr lang="en-US"/>
-              <a:t>https://www.javatpoint.com/run-mysql-online</a:t>
-            </a:r>
-            <a:endParaRPr lang="en-US"/>
-          </a:p>
-          <a:p>
-            <a:pPr marL="285750" indent="-285750">
-              <a:buFont typeface="Arial" panose="020B0604020202020204" pitchFamily="34" charset="0"/>
-              <a:buChar char="•"/>
-            </a:pPr>
-            <a:r>
-              <a:rPr lang="en-US"/>
-              <a:t>https://www.javatpoint.com/free-mysql-hosting</a:t>
-            </a:r>
-            <a:endParaRPr lang="en-US"/>
-          </a:p>
-          <a:p>
-            <a:pPr marL="285750" indent="-285750">
-              <a:buFont typeface="Arial" panose="020B0604020202020204" pitchFamily="34" charset="0"/>
-              <a:buChar char="•"/>
-            </a:pPr>
-            <a:r>
-              <a:rPr lang="en-US"/>
-              <a:t>https://www.javatpoint.com/disabling-safe-mode-in-mysql</a:t>
-            </a:r>
-            <a:endParaRPr lang="en-US"/>
-          </a:p>
-          <a:p>
-            <a:pPr marL="285750" indent="-285750">
-              <a:buFont typeface="Arial" panose="020B0604020202020204" pitchFamily="34" charset="0"/>
-              <a:buChar char="•"/>
-            </a:pPr>
-            <a:r>
-              <a:rPr lang="en-US"/>
-              <a:t>https://www.javatpoint.com/mysql-import-dump</a:t>
-            </a:r>
-            <a:endParaRPr lang="en-US"/>
-          </a:p>
-          <a:p>
-            <a:pPr marL="285750" indent="-285750">
-              <a:buFont typeface="Arial" panose="020B0604020202020204" pitchFamily="34" charset="0"/>
-              <a:buChar char="•"/>
-            </a:pPr>
-            <a:r>
-              <a:rPr lang="en-US"/>
-              <a:t>https://www.javatpoint.com/data-analyst-skills</a:t>
-            </a:r>
-            <a:endParaRPr lang="en-US"/>
-          </a:p>
-          <a:p>
-            <a:pPr marL="285750" indent="-285750">
-              <a:buFont typeface="Arial" panose="020B0604020202020204" pitchFamily="34" charset="0"/>
-              <a:buChar char="•"/>
-            </a:pPr>
-            <a:r>
-              <a:rPr lang="en-US"/>
-              <a:t>https://www.javatpoint.com/mysql-fulltext-search</a:t>
-            </a:r>
-            <a:endParaRPr lang="en-US"/>
-          </a:p>
-          <a:p>
-            <a:pPr marL="285750" indent="-285750">
-              <a:buFont typeface="Arial" panose="020B0604020202020204" pitchFamily="34" charset="0"/>
-              <a:buChar char="•"/>
-            </a:pPr>
-            <a:r>
-              <a:rPr lang="en-US"/>
-              <a:t>https://www.javatpoint.com/table-vs-view</a:t>
-            </a:r>
-            <a:endParaRPr lang="en-US"/>
+            <a:r>
+              <a:rPr lang="en-US" b="1">
+                <a:gradFill>
+                  <a:gsLst>
+                    <a:gs pos="0">
+                      <a:srgbClr val="E30000"/>
+                    </a:gs>
+                    <a:gs pos="100000">
+                      <a:srgbClr val="760303"/>
+                    </a:gs>
+                  </a:gsLst>
+                  <a:lin scaled="0"/>
+                </a:gradFill>
+              </a:rPr>
+              <a:t>TOPICS IN DETAILS LINK</a:t>
+            </a:r>
+            <a:endParaRPr lang="en-US" b="1">
+              <a:gradFill>
+                <a:gsLst>
+                  <a:gs pos="0">
+                    <a:srgbClr val="E30000"/>
+                  </a:gs>
+                  <a:gs pos="100000">
+                    <a:srgbClr val="760303"/>
+                  </a:gs>
+                </a:gsLst>
+                <a:lin scaled="0"/>
+              </a:gradFill>
+            </a:endParaRPr>
+          </a:p>
+          <a:p>
+            <a:endParaRPr lang="en-US" b="1">
+              <a:gradFill>
+                <a:gsLst>
+                  <a:gs pos="0">
+                    <a:srgbClr val="E30000"/>
+                  </a:gs>
+                  <a:gs pos="100000">
+                    <a:srgbClr val="760303"/>
+                  </a:gs>
+                </a:gsLst>
+                <a:lin scaled="0"/>
+              </a:gradFill>
+            </a:endParaRPr>
+          </a:p>
+          <a:p>
+            <a:r>
+              <a:rPr lang="en-US"/>
+              <a:t>https://www.mysqltutorial.org/mysql-basics/import-csv-file-mysql-table/          </a:t>
+            </a:r>
+            <a:r>
+              <a:rPr lang="en-US" sz="2000" b="1"/>
+              <a:t>***</a:t>
+            </a:r>
+            <a:endParaRPr lang="en-US" sz="2000" b="1"/>
+          </a:p>
+          <a:p>
+            <a:r>
+              <a:rPr lang="en-US"/>
+              <a:t>https://www.mysqltutorial.org/mysql-basics/mysql-export-table-to-csv/</a:t>
+            </a:r>
+            <a:endParaRPr lang="en-US"/>
+          </a:p>
+          <a:p>
+            <a:r>
+              <a:rPr lang="en-US"/>
+              <a:t>https://www.mysqltutorial.org/getting-started-with-mysql/mysql-sample-database/</a:t>
+            </a:r>
+            <a:endParaRPr lang="en-US"/>
+          </a:p>
+        </p:txBody>
+      </p:sp>
+      <p:sp>
+        <p:nvSpPr>
+          <p:cNvPr id="3" name="Text Box 2"/>
+          <p:cNvSpPr txBox="1"/>
+          <p:nvPr/>
+        </p:nvSpPr>
+        <p:spPr>
+          <a:xfrm>
+            <a:off x="528320" y="2455545"/>
+            <a:ext cx="11363960" cy="2584450"/>
+          </a:xfrm>
+          <a:prstGeom prst="rect">
+            <a:avLst/>
+          </a:prstGeom>
+          <a:noFill/>
+        </p:spPr>
+        <p:txBody>
+          <a:bodyPr wrap="square" rtlCol="0" anchor="t">
+            <a:spAutoFit/>
+          </a:bodyPr>
+          <a:p>
+            <a:r>
+              <a:rPr lang="en-US">
+                <a:sym typeface="+mn-ea"/>
+              </a:rPr>
+              <a:t>https://www.mysqltutorial.org/mysql-basics/mysql-find-duplicate-values/</a:t>
+            </a:r>
+            <a:endParaRPr lang="en-US"/>
+          </a:p>
+          <a:p>
+            <a:r>
+              <a:rPr lang="en-US">
+                <a:sym typeface="+mn-ea"/>
+              </a:rPr>
+              <a:t>https://www.mysqltutorial.org/mysql-basics/mysql-compare-two-tables/</a:t>
+            </a:r>
+            <a:endParaRPr lang="en-US"/>
+          </a:p>
+          <a:p>
+            <a:r>
+              <a:rPr lang="en-US">
+                <a:sym typeface="+mn-ea"/>
+              </a:rPr>
+              <a:t>https://www.mysqltutorial.org/mysql-basics/mysql-delete-duplicate-rows/</a:t>
+            </a:r>
+            <a:endParaRPr lang="en-US"/>
+          </a:p>
+          <a:p>
+            <a:r>
+              <a:rPr lang="en-US">
+                <a:sym typeface="+mn-ea"/>
+              </a:rPr>
+              <a:t>https://www.mysqltutorial.org/mysql-basics/mysql-compare-rows-within-the-same-table/</a:t>
+            </a:r>
+            <a:endParaRPr lang="en-US"/>
+          </a:p>
+          <a:p>
+            <a:r>
+              <a:rPr lang="en-US">
+                <a:sym typeface="+mn-ea"/>
+              </a:rPr>
+              <a:t>https://www.mysqltutorial.org/mysql-basics/mysql-select-random/</a:t>
+            </a:r>
+            <a:endParaRPr lang="en-US"/>
+          </a:p>
+          <a:p>
+            <a:endParaRPr lang="en-US"/>
+          </a:p>
+          <a:p>
+            <a:r>
+              <a:rPr lang="en-US">
+                <a:sym typeface="+mn-ea"/>
+              </a:rPr>
+              <a:t>https://www.mysqltutorial.org/mysql-basics/mysql-export-table-to-csv/</a:t>
+            </a:r>
+            <a:endParaRPr lang="en-US"/>
+          </a:p>
+          <a:p>
+            <a:endParaRPr lang="en-US"/>
+          </a:p>
+          <a:p>
+            <a:endParaRPr lang="en-US"/>
+          </a:p>
+        </p:txBody>
+      </p:sp>
+      <p:sp>
+        <p:nvSpPr>
+          <p:cNvPr id="4" name="Text Box 3"/>
+          <p:cNvSpPr txBox="1"/>
+          <p:nvPr/>
+        </p:nvSpPr>
+        <p:spPr>
+          <a:xfrm>
+            <a:off x="643255" y="4559300"/>
+            <a:ext cx="9503410" cy="1476375"/>
+          </a:xfrm>
+          <a:prstGeom prst="rect">
+            <a:avLst/>
+          </a:prstGeom>
+          <a:noFill/>
+        </p:spPr>
+        <p:txBody>
+          <a:bodyPr wrap="square" rtlCol="0" anchor="t">
+            <a:spAutoFit/>
+          </a:bodyPr>
+          <a:p>
+            <a:r>
+              <a:rPr lang="en-US">
+                <a:sym typeface="+mn-ea"/>
+              </a:rPr>
+              <a:t>https://www.javatpoint.com/mysql-union-vs-join</a:t>
+            </a:r>
+            <a:endParaRPr lang="en-US"/>
+          </a:p>
+          <a:p>
+            <a:r>
+              <a:rPr lang="en-US">
+                <a:sym typeface="+mn-ea"/>
+              </a:rPr>
+              <a:t>https://www.javatpoint.com/mysql-trigger</a:t>
+            </a:r>
+            <a:endParaRPr lang="en-US"/>
+          </a:p>
+          <a:p>
+            <a:r>
+              <a:rPr lang="en-US">
+                <a:sym typeface="+mn-ea"/>
+              </a:rPr>
+              <a:t>https://www.javatpoint.com/mysql-export-and-import-database </a:t>
+            </a:r>
+            <a:endParaRPr lang="en-US"/>
+          </a:p>
+          <a:p>
+            <a:r>
+              <a:rPr lang="en-US">
+                <a:sym typeface="+mn-ea"/>
+              </a:rPr>
+              <a:t>https://www.javatpoint.com/mysql-common-table-expression</a:t>
+            </a:r>
+            <a:endParaRPr lang="en-US"/>
+          </a:p>
+          <a:p>
+            <a:r>
+              <a:rPr lang="en-US">
+                <a:sym typeface="+mn-ea"/>
+              </a:rPr>
+              <a:t>https://www.javatpoint.com/mysql-on-delete-cascade</a:t>
+            </a:r>
+            <a:endParaRPr lang="en-US">
+              <a:sym typeface="+mn-ea"/>
+            </a:endParaRPr>
           </a:p>
         </p:txBody>
       </p:sp>
@@ -6956,6 +6980,167 @@
 </file>
 
 <file path=ppt/slides/slide8.xml><?xml version="1.0" encoding="utf-8"?>
+<p:sld xmlns:a="http://schemas.openxmlformats.org/drawingml/2006/main" xmlns:r="http://schemas.openxmlformats.org/officeDocument/2006/relationships" xmlns:p="http://schemas.openxmlformats.org/presentationml/2006/main">
+  <p:cSld>
+    <p:spTree>
+      <p:nvGrpSpPr>
+        <p:cNvPr id="1" name=""/>
+        <p:cNvGrpSpPr/>
+        <p:nvPr/>
+      </p:nvGrpSpPr>
+      <p:grpSpPr/>
+      <p:sp>
+        <p:nvSpPr>
+          <p:cNvPr id="2" name="Text Box 1"/>
+          <p:cNvSpPr txBox="1"/>
+          <p:nvPr/>
+        </p:nvSpPr>
+        <p:spPr>
+          <a:xfrm>
+            <a:off x="476250" y="506095"/>
+            <a:ext cx="10570210" cy="3138170"/>
+          </a:xfrm>
+          <a:prstGeom prst="rect">
+            <a:avLst/>
+          </a:prstGeom>
+          <a:noFill/>
+        </p:spPr>
+        <p:txBody>
+          <a:bodyPr wrap="square" rtlCol="0" anchor="t">
+            <a:spAutoFit/>
+          </a:bodyPr>
+          <a:p>
+            <a:pPr marL="285750" indent="-285750">
+              <a:buFont typeface="Arial" panose="020B0604020202020204" pitchFamily="34" charset="0"/>
+              <a:buChar char="•"/>
+            </a:pPr>
+            <a:r>
+              <a:rPr lang="en-US"/>
+              <a:t>https://www.javatpoint.com/mysql-date-and-time</a:t>
+            </a:r>
+            <a:endParaRPr lang="en-US"/>
+          </a:p>
+          <a:p>
+            <a:pPr marL="285750" indent="-285750">
+              <a:buFont typeface="Arial" panose="020B0604020202020204" pitchFamily="34" charset="0"/>
+              <a:buChar char="•"/>
+            </a:pPr>
+            <a:r>
+              <a:rPr lang="en-US"/>
+              <a:t>https://www.javatpoint.com/mysql-change-column-type  ALTER</a:t>
+            </a:r>
+            <a:endParaRPr lang="en-US"/>
+          </a:p>
+          <a:p>
+            <a:pPr marL="285750" indent="-285750">
+              <a:buFont typeface="Arial" panose="020B0604020202020204" pitchFamily="34" charset="0"/>
+              <a:buChar char="•"/>
+            </a:pPr>
+            <a:r>
+              <a:rPr lang="en-US"/>
+              <a:t>https://www.javatpoint.com/docker-compose-mysql</a:t>
+            </a:r>
+            <a:endParaRPr lang="en-US"/>
+          </a:p>
+          <a:p>
+            <a:pPr marL="285750" indent="-285750">
+              <a:buFont typeface="Arial" panose="020B0604020202020204" pitchFamily="34" charset="0"/>
+              <a:buChar char="•"/>
+            </a:pPr>
+            <a:r>
+              <a:rPr lang="en-US"/>
+              <a:t>https://www.javatpoint.com/azure-mysql</a:t>
+            </a:r>
+            <a:endParaRPr lang="en-US"/>
+          </a:p>
+          <a:p>
+            <a:pPr marL="285750" indent="-285750">
+              <a:buFont typeface="Arial" panose="020B0604020202020204" pitchFamily="34" charset="0"/>
+              <a:buChar char="•"/>
+            </a:pPr>
+            <a:r>
+              <a:rPr lang="en-US"/>
+              <a:t>https://www.javatpoint.com/run-mysql-online</a:t>
+            </a:r>
+            <a:endParaRPr lang="en-US"/>
+          </a:p>
+          <a:p>
+            <a:pPr marL="285750" indent="-285750">
+              <a:buFont typeface="Arial" panose="020B0604020202020204" pitchFamily="34" charset="0"/>
+              <a:buChar char="•"/>
+            </a:pPr>
+            <a:r>
+              <a:rPr lang="en-US"/>
+              <a:t>https://www.javatpoint.com/free-mysql-hosting</a:t>
+            </a:r>
+            <a:endParaRPr lang="en-US"/>
+          </a:p>
+          <a:p>
+            <a:pPr marL="285750" indent="-285750">
+              <a:buFont typeface="Arial" panose="020B0604020202020204" pitchFamily="34" charset="0"/>
+              <a:buChar char="•"/>
+            </a:pPr>
+            <a:r>
+              <a:rPr lang="en-US"/>
+              <a:t>https://www.javatpoint.com/disabling-safe-mode-in-mysql</a:t>
+            </a:r>
+            <a:endParaRPr lang="en-US"/>
+          </a:p>
+          <a:p>
+            <a:pPr marL="285750" indent="-285750">
+              <a:buFont typeface="Arial" panose="020B0604020202020204" pitchFamily="34" charset="0"/>
+              <a:buChar char="•"/>
+            </a:pPr>
+            <a:r>
+              <a:rPr lang="en-US"/>
+              <a:t>https://www.javatpoint.com/mysql-import-dump</a:t>
+            </a:r>
+            <a:endParaRPr lang="en-US"/>
+          </a:p>
+          <a:p>
+            <a:pPr marL="285750" indent="-285750">
+              <a:buFont typeface="Arial" panose="020B0604020202020204" pitchFamily="34" charset="0"/>
+              <a:buChar char="•"/>
+            </a:pPr>
+            <a:r>
+              <a:rPr lang="en-US"/>
+              <a:t>https://www.javatpoint.com/data-analyst-skills</a:t>
+            </a:r>
+            <a:endParaRPr lang="en-US"/>
+          </a:p>
+          <a:p>
+            <a:pPr marL="285750" indent="-285750">
+              <a:buFont typeface="Arial" panose="020B0604020202020204" pitchFamily="34" charset="0"/>
+              <a:buChar char="•"/>
+            </a:pPr>
+            <a:r>
+              <a:rPr lang="en-US"/>
+              <a:t>https://www.javatpoint.com/mysql-fulltext-search</a:t>
+            </a:r>
+            <a:endParaRPr lang="en-US"/>
+          </a:p>
+          <a:p>
+            <a:pPr marL="285750" indent="-285750">
+              <a:buFont typeface="Arial" panose="020B0604020202020204" pitchFamily="34" charset="0"/>
+              <a:buChar char="•"/>
+            </a:pPr>
+            <a:r>
+              <a:rPr lang="en-US"/>
+              <a:t>https://www.javatpoint.com/table-vs-view</a:t>
+            </a:r>
+            <a:endParaRPr lang="en-US"/>
+          </a:p>
+        </p:txBody>
+      </p:sp>
+    </p:spTree>
+  </p:cSld>
+  <p:clrMapOvr>
+    <a:masterClrMapping/>
+  </p:clrMapOvr>
+</p:sld>
+</file>
+
+<file path=ppt/slides/slide9.xml><?xml version="1.0" encoding="utf-8"?>
 <p:sld xmlns:a="http://schemas.openxmlformats.org/drawingml/2006/main" xmlns:r="http://schemas.openxmlformats.org/officeDocument/2006/relationships" xmlns:p="http://schemas.openxmlformats.org/presentationml/2006/main">
   <p:cSld>
     <p:bg>

--- a/2.0_sql_dbms/sql/module_2_MySql1.pptx
+++ b/2.0_sql_dbms/sql/module_2_MySql1.pptx
@@ -16,7 +16,14 @@
     <p:sldId id="331" r:id="rId9"/>
     <p:sldId id="329" r:id="rId10"/>
     <p:sldId id="337" r:id="rId11"/>
-    <p:sldId id="258" r:id="rId12"/>
+    <p:sldId id="339" r:id="rId12"/>
+    <p:sldId id="340" r:id="rId13"/>
+    <p:sldId id="341" r:id="rId14"/>
+    <p:sldId id="342" r:id="rId15"/>
+    <p:sldId id="343" r:id="rId16"/>
+    <p:sldId id="344" r:id="rId17"/>
+    <p:sldId id="345" r:id="rId18"/>
+    <p:sldId id="258" r:id="rId19"/>
   </p:sldIdLst>
   <p:sldSz cx="12192000" cy="6858000"/>
   <p:notesSz cx="6858000" cy="9144000"/>
@@ -4059,1672 +4066,7 @@
 </p:sld>
 </file>
 
-<file path=ppt/slides/slide2.xml><?xml version="1.0" encoding="utf-8"?>
-<p:sld xmlns:a="http://schemas.openxmlformats.org/drawingml/2006/main" xmlns:r="http://schemas.openxmlformats.org/officeDocument/2006/relationships" xmlns:p="http://schemas.openxmlformats.org/presentationml/2006/main">
-  <p:cSld>
-    <p:spTree>
-      <p:nvGrpSpPr>
-        <p:cNvPr id="1" name=""/>
-        <p:cNvGrpSpPr/>
-        <p:nvPr/>
-      </p:nvGrpSpPr>
-      <p:grpSpPr>
-        <a:xfrm>
-          <a:off x="0" y="0"/>
-          <a:ext cx="0" cy="0"/>
-          <a:chOff x="0" y="0"/>
-          <a:chExt cx="0" cy="0"/>
-        </a:xfrm>
-      </p:grpSpPr>
-      <p:sp>
-        <p:nvSpPr>
-          <p:cNvPr id="2" name="Text Box 1"/>
-          <p:cNvSpPr txBox="1"/>
-          <p:nvPr/>
-        </p:nvSpPr>
-        <p:spPr>
-          <a:xfrm>
-            <a:off x="6590665" y="-3493"/>
-            <a:ext cx="5080000" cy="6494780"/>
-          </a:xfrm>
-          <a:prstGeom prst="rect">
-            <a:avLst/>
-          </a:prstGeom>
-        </p:spPr>
-        <p:txBody>
-          <a:bodyPr>
-            <a:spAutoFit/>
-          </a:bodyPr>
-          <a:p>
-            <a:pPr defTabSz="266700">
-              <a:lnSpc>
-                <a:spcPct val="107000"/>
-              </a:lnSpc>
-              <a:spcAft>
-                <a:spcPts val="800"/>
-              </a:spcAft>
-            </a:pPr>
-            <a:r>
-              <a:rPr sz="1400" b="1">
-                <a:solidFill>
-                  <a:schemeClr val="tx1"/>
-                </a:solidFill>
-                <a:latin typeface="Calibri" panose="020F0502020204030204"/>
-                <a:ea typeface="Calibri" panose="020F0502020204030204"/>
-              </a:rPr>
-              <a:t> </a:t>
-            </a:r>
-            <a:r>
-              <a:rPr sz="1400" b="1" u="sng">
-                <a:solidFill>
-                  <a:schemeClr val="tx1"/>
-                </a:solidFill>
-                <a:latin typeface="Calibri" panose="020F0502020204030204"/>
-                <a:ea typeface="Calibri" panose="020F0502020204030204"/>
-              </a:rPr>
-              <a:t>Unlock the Built in Functions</a:t>
-            </a:r>
-            <a:endParaRPr sz="1400" b="1" u="sng">
-              <a:solidFill>
-                <a:schemeClr val="tx1"/>
-              </a:solidFill>
-              <a:latin typeface="Calibri" panose="020F0502020204030204"/>
-              <a:ea typeface="Calibri" panose="020F0502020204030204"/>
-            </a:endParaRPr>
-          </a:p>
-          <a:p>
-            <a:pPr defTabSz="266700">
-              <a:lnSpc>
-                <a:spcPct val="107000"/>
-              </a:lnSpc>
-              <a:spcAft>
-                <a:spcPts val="800"/>
-              </a:spcAft>
-            </a:pPr>
-            <a:r>
-              <a:rPr sz="1400">
-                <a:solidFill>
-                  <a:schemeClr val="tx1"/>
-                </a:solidFill>
-                <a:latin typeface="Calibri" panose="020F0502020204030204"/>
-                <a:ea typeface="Calibri" panose="020F0502020204030204"/>
-              </a:rPr>
-              <a:t> </a:t>
-            </a:r>
-            <a:r>
-              <a:rPr sz="1400" u="sng">
-                <a:solidFill>
-                  <a:schemeClr val="tx1"/>
-                </a:solidFill>
-                <a:latin typeface="Calibri" panose="020F0502020204030204"/>
-                <a:ea typeface="Calibri" panose="020F0502020204030204"/>
-              </a:rPr>
-              <a:t>String Function</a:t>
-            </a:r>
-            <a:endParaRPr sz="1400" u="sng">
-              <a:solidFill>
-                <a:schemeClr val="tx1"/>
-              </a:solidFill>
-              <a:latin typeface="Calibri" panose="020F0502020204030204"/>
-              <a:ea typeface="Calibri" panose="020F0502020204030204"/>
-            </a:endParaRPr>
-          </a:p>
-          <a:p>
-            <a:pPr defTabSz="266700"/>
-            <a:r>
-              <a:rPr sz="1400" u="sng">
-                <a:solidFill>
-                  <a:schemeClr val="tx1"/>
-                </a:solidFill>
-                <a:latin typeface="Calibri" panose="020F0502020204030204"/>
-                <a:ea typeface="Calibri" panose="020F0502020204030204"/>
-              </a:rPr>
-              <a:t>Math Function</a:t>
-            </a:r>
-            <a:r>
-              <a:rPr sz="1400">
-                <a:solidFill>
-                  <a:schemeClr val="tx1"/>
-                </a:solidFill>
-                <a:latin typeface="Calibri" panose="020F0502020204030204"/>
-                <a:ea typeface="Calibri" panose="020F0502020204030204"/>
-              </a:rPr>
-              <a:t>  </a:t>
-            </a:r>
-            <a:endParaRPr sz="1400">
-              <a:solidFill>
-                <a:schemeClr val="tx1"/>
-              </a:solidFill>
-              <a:latin typeface="Calibri" panose="020F0502020204030204"/>
-              <a:ea typeface="Calibri" panose="020F0502020204030204"/>
-            </a:endParaRPr>
-          </a:p>
-          <a:p>
-            <a:pPr defTabSz="266700"/>
-            <a:r>
-              <a:rPr sz="1400" u="sng">
-                <a:solidFill>
-                  <a:schemeClr val="tx1"/>
-                </a:solidFill>
-                <a:latin typeface="Calibri" panose="020F0502020204030204"/>
-                <a:ea typeface="Calibri" panose="020F0502020204030204"/>
-              </a:rPr>
-              <a:t>Date Function</a:t>
-            </a:r>
-            <a:r>
-              <a:rPr sz="1400">
-                <a:solidFill>
-                  <a:schemeClr val="tx1"/>
-                </a:solidFill>
-                <a:latin typeface="Calibri" panose="020F0502020204030204"/>
-                <a:ea typeface="Calibri" panose="020F0502020204030204"/>
-              </a:rPr>
-              <a:t>  </a:t>
-            </a:r>
-            <a:endParaRPr sz="1400">
-              <a:solidFill>
-                <a:schemeClr val="tx1"/>
-              </a:solidFill>
-              <a:latin typeface="Calibri" panose="020F0502020204030204"/>
-              <a:ea typeface="Calibri" panose="020F0502020204030204"/>
-            </a:endParaRPr>
-          </a:p>
-          <a:p>
-            <a:pPr defTabSz="266700"/>
-            <a:r>
-              <a:rPr sz="1400" u="sng">
-                <a:solidFill>
-                  <a:schemeClr val="tx1"/>
-                </a:solidFill>
-                <a:latin typeface="Calibri" panose="020F0502020204030204"/>
-                <a:ea typeface="Calibri" panose="020F0502020204030204"/>
-              </a:rPr>
-              <a:t>Comparison Functions</a:t>
-            </a:r>
-            <a:r>
-              <a:rPr sz="1400">
-                <a:solidFill>
-                  <a:schemeClr val="tx1"/>
-                </a:solidFill>
-                <a:latin typeface="Calibri" panose="020F0502020204030204"/>
-                <a:ea typeface="Calibri" panose="020F0502020204030204"/>
-              </a:rPr>
-              <a:t> </a:t>
-            </a:r>
-            <a:endParaRPr sz="1400">
-              <a:solidFill>
-                <a:schemeClr val="tx1"/>
-              </a:solidFill>
-              <a:latin typeface="Calibri" panose="020F0502020204030204"/>
-              <a:ea typeface="Calibri" panose="020F0502020204030204"/>
-            </a:endParaRPr>
-          </a:p>
-          <a:p>
-            <a:pPr defTabSz="266700"/>
-            <a:r>
-              <a:rPr sz="1400" u="sng">
-                <a:solidFill>
-                  <a:schemeClr val="tx1"/>
-                </a:solidFill>
-                <a:latin typeface="Calibri" panose="020F0502020204030204"/>
-                <a:ea typeface="Calibri" panose="020F0502020204030204"/>
-              </a:rPr>
-              <a:t>Aggregate Function</a:t>
-            </a:r>
-            <a:r>
-              <a:rPr sz="1400">
-                <a:solidFill>
-                  <a:schemeClr val="tx1"/>
-                </a:solidFill>
-                <a:latin typeface="Calibri" panose="020F0502020204030204"/>
-                <a:ea typeface="Calibri" panose="020F0502020204030204"/>
-              </a:rPr>
-              <a:t>  </a:t>
-            </a:r>
-            <a:endParaRPr sz="1400">
-              <a:solidFill>
-                <a:schemeClr val="tx1"/>
-              </a:solidFill>
-              <a:latin typeface="Calibri" panose="020F0502020204030204"/>
-              <a:ea typeface="Calibri" panose="020F0502020204030204"/>
-            </a:endParaRPr>
-          </a:p>
-          <a:p>
-            <a:pPr defTabSz="266700"/>
-            <a:r>
-              <a:rPr sz="1400" u="sng">
-                <a:solidFill>
-                  <a:schemeClr val="tx1"/>
-                </a:solidFill>
-                <a:latin typeface="Calibri" panose="020F0502020204030204"/>
-                <a:ea typeface="Calibri" panose="020F0502020204030204"/>
-              </a:rPr>
-              <a:t>GROUP BY clause with HAVING</a:t>
-            </a:r>
-            <a:r>
-              <a:rPr sz="1400">
-                <a:solidFill>
-                  <a:schemeClr val="tx1"/>
-                </a:solidFill>
-                <a:latin typeface="Calibri" panose="020F0502020204030204"/>
-                <a:ea typeface="Calibri" panose="020F0502020204030204"/>
-              </a:rPr>
-              <a:t>  </a:t>
-            </a:r>
-            <a:endParaRPr sz="1400">
-              <a:solidFill>
-                <a:schemeClr val="tx1"/>
-              </a:solidFill>
-              <a:latin typeface="Calibri" panose="020F0502020204030204"/>
-              <a:ea typeface="Calibri" panose="020F0502020204030204"/>
-            </a:endParaRPr>
-          </a:p>
-          <a:p>
-            <a:pPr defTabSz="266700"/>
-            <a:r>
-              <a:rPr sz="1400" u="sng">
-                <a:solidFill>
-                  <a:schemeClr val="tx1"/>
-                </a:solidFill>
-                <a:latin typeface="Calibri" panose="020F0502020204030204"/>
-                <a:ea typeface="Calibri" panose="020F0502020204030204"/>
-              </a:rPr>
-              <a:t>Assignment</a:t>
-            </a:r>
-            <a:r>
-              <a:rPr sz="1400">
-                <a:solidFill>
-                  <a:schemeClr val="tx1"/>
-                </a:solidFill>
-                <a:latin typeface="Calibri" panose="020F0502020204030204"/>
-                <a:ea typeface="Calibri" panose="020F0502020204030204"/>
-              </a:rPr>
-              <a:t> </a:t>
-            </a:r>
-            <a:endParaRPr sz="1400">
-              <a:solidFill>
-                <a:schemeClr val="tx1"/>
-              </a:solidFill>
-              <a:latin typeface="Calibri" panose="020F0502020204030204"/>
-              <a:ea typeface="Calibri" panose="020F0502020204030204"/>
-            </a:endParaRPr>
-          </a:p>
-          <a:p>
-            <a:pPr defTabSz="266700">
-              <a:lnSpc>
-                <a:spcPct val="107000"/>
-              </a:lnSpc>
-              <a:spcAft>
-                <a:spcPts val="800"/>
-              </a:spcAft>
-            </a:pPr>
-            <a:r>
-              <a:rPr sz="1400">
-                <a:solidFill>
-                  <a:schemeClr val="tx1"/>
-                </a:solidFill>
-                <a:latin typeface="Calibri" panose="020F0502020204030204"/>
-                <a:ea typeface="Calibri" panose="020F0502020204030204"/>
-              </a:rPr>
-              <a:t> </a:t>
-            </a:r>
-            <a:endParaRPr sz="1400">
-              <a:solidFill>
-                <a:schemeClr val="tx1"/>
-              </a:solidFill>
-              <a:latin typeface="Calibri" panose="020F0502020204030204"/>
-              <a:ea typeface="Calibri" panose="020F0502020204030204"/>
-            </a:endParaRPr>
-          </a:p>
-          <a:p>
-            <a:pPr defTabSz="266700">
-              <a:lnSpc>
-                <a:spcPct val="107000"/>
-              </a:lnSpc>
-              <a:spcAft>
-                <a:spcPts val="800"/>
-              </a:spcAft>
-            </a:pPr>
-            <a:r>
-              <a:rPr sz="1400" b="1">
-                <a:solidFill>
-                  <a:schemeClr val="tx1"/>
-                </a:solidFill>
-                <a:latin typeface="Calibri" panose="020F0502020204030204"/>
-                <a:ea typeface="Calibri" panose="020F0502020204030204"/>
-              </a:rPr>
-              <a:t> </a:t>
-            </a:r>
-            <a:r>
-              <a:rPr sz="1400" b="1" u="sng">
-                <a:solidFill>
-                  <a:schemeClr val="tx1"/>
-                </a:solidFill>
-                <a:latin typeface="Calibri" panose="020F0502020204030204"/>
-                <a:ea typeface="Calibri" panose="020F0502020204030204"/>
-              </a:rPr>
-              <a:t>Connecting Data for Insights</a:t>
-            </a:r>
-            <a:endParaRPr sz="1400" b="1" u="sng">
-              <a:solidFill>
-                <a:schemeClr val="tx1"/>
-              </a:solidFill>
-              <a:latin typeface="Calibri" panose="020F0502020204030204"/>
-              <a:ea typeface="Calibri" panose="020F0502020204030204"/>
-            </a:endParaRPr>
-          </a:p>
-          <a:p>
-            <a:pPr defTabSz="266700">
-              <a:lnSpc>
-                <a:spcPct val="107000"/>
-              </a:lnSpc>
-              <a:spcAft>
-                <a:spcPts val="800"/>
-              </a:spcAft>
-            </a:pPr>
-            <a:r>
-              <a:rPr sz="1400">
-                <a:solidFill>
-                  <a:schemeClr val="tx1"/>
-                </a:solidFill>
-                <a:latin typeface="Calibri" panose="020F0502020204030204"/>
-                <a:ea typeface="Calibri" panose="020F0502020204030204"/>
-              </a:rPr>
-              <a:t> </a:t>
-            </a:r>
-            <a:r>
-              <a:rPr sz="1400" u="sng">
-                <a:solidFill>
-                  <a:schemeClr val="tx1"/>
-                </a:solidFill>
-                <a:latin typeface="Calibri" panose="020F0502020204030204"/>
-                <a:ea typeface="Calibri" panose="020F0502020204030204"/>
-              </a:rPr>
-              <a:t>Introduction to Joins</a:t>
-            </a:r>
-            <a:endParaRPr sz="1400" u="sng">
-              <a:solidFill>
-                <a:schemeClr val="tx1"/>
-              </a:solidFill>
-              <a:latin typeface="Calibri" panose="020F0502020204030204"/>
-              <a:ea typeface="Calibri" panose="020F0502020204030204"/>
-            </a:endParaRPr>
-          </a:p>
-          <a:p>
-            <a:pPr defTabSz="266700"/>
-            <a:r>
-              <a:rPr sz="1400" u="sng">
-                <a:solidFill>
-                  <a:schemeClr val="tx1"/>
-                </a:solidFill>
-                <a:latin typeface="Calibri" panose="020F0502020204030204"/>
-                <a:ea typeface="Calibri" panose="020F0502020204030204"/>
-              </a:rPr>
-              <a:t>Types of Joins</a:t>
-            </a:r>
-            <a:r>
-              <a:rPr sz="1400">
-                <a:solidFill>
-                  <a:schemeClr val="tx1"/>
-                </a:solidFill>
-                <a:latin typeface="Calibri" panose="020F0502020204030204"/>
-                <a:ea typeface="Calibri" panose="020F0502020204030204"/>
-              </a:rPr>
-              <a:t> </a:t>
-            </a:r>
-            <a:endParaRPr sz="1400">
-              <a:solidFill>
-                <a:schemeClr val="tx1"/>
-              </a:solidFill>
-              <a:latin typeface="Calibri" panose="020F0502020204030204"/>
-              <a:ea typeface="Calibri" panose="020F0502020204030204"/>
-            </a:endParaRPr>
-          </a:p>
-          <a:p>
-            <a:pPr defTabSz="266700"/>
-            <a:r>
-              <a:rPr sz="1400" u="sng">
-                <a:solidFill>
-                  <a:schemeClr val="tx1"/>
-                </a:solidFill>
-                <a:latin typeface="Calibri" panose="020F0502020204030204"/>
-                <a:ea typeface="Calibri" panose="020F0502020204030204"/>
-              </a:rPr>
-              <a:t>Types of Sub-queries</a:t>
-            </a:r>
-            <a:r>
-              <a:rPr sz="1400">
-                <a:solidFill>
-                  <a:schemeClr val="tx1"/>
-                </a:solidFill>
-                <a:latin typeface="Calibri" panose="020F0502020204030204"/>
-                <a:ea typeface="Calibri" panose="020F0502020204030204"/>
-              </a:rPr>
-              <a:t>  </a:t>
-            </a:r>
-            <a:endParaRPr sz="1400">
-              <a:solidFill>
-                <a:schemeClr val="tx1"/>
-              </a:solidFill>
-              <a:latin typeface="Calibri" panose="020F0502020204030204"/>
-              <a:ea typeface="Calibri" panose="020F0502020204030204"/>
-            </a:endParaRPr>
-          </a:p>
-          <a:p>
-            <a:pPr defTabSz="266700"/>
-            <a:r>
-              <a:rPr sz="1400" u="sng">
-                <a:solidFill>
-                  <a:schemeClr val="tx1"/>
-                </a:solidFill>
-                <a:latin typeface="Calibri" panose="020F0502020204030204"/>
-                <a:ea typeface="Calibri" panose="020F0502020204030204"/>
-              </a:rPr>
-              <a:t>Introduction to Views</a:t>
-            </a:r>
-            <a:r>
-              <a:rPr sz="1400">
-                <a:solidFill>
-                  <a:schemeClr val="tx1"/>
-                </a:solidFill>
-                <a:latin typeface="Calibri" panose="020F0502020204030204"/>
-                <a:ea typeface="Calibri" panose="020F0502020204030204"/>
-              </a:rPr>
-              <a:t>  </a:t>
-            </a:r>
-            <a:endParaRPr sz="1400">
-              <a:solidFill>
-                <a:schemeClr val="tx1"/>
-              </a:solidFill>
-              <a:latin typeface="Calibri" panose="020F0502020204030204"/>
-              <a:ea typeface="Calibri" panose="020F0502020204030204"/>
-            </a:endParaRPr>
-          </a:p>
-          <a:p>
-            <a:pPr defTabSz="266700"/>
-            <a:r>
-              <a:rPr sz="1400" u="sng">
-                <a:solidFill>
-                  <a:schemeClr val="tx1"/>
-                </a:solidFill>
-                <a:latin typeface="Calibri" panose="020F0502020204030204"/>
-                <a:ea typeface="Calibri" panose="020F0502020204030204"/>
-              </a:rPr>
-              <a:t>Assignment</a:t>
-            </a:r>
-            <a:r>
-              <a:rPr sz="1400">
-                <a:solidFill>
-                  <a:schemeClr val="tx1"/>
-                </a:solidFill>
-                <a:latin typeface="Calibri" panose="020F0502020204030204"/>
-                <a:ea typeface="Calibri" panose="020F0502020204030204"/>
-              </a:rPr>
-              <a:t> </a:t>
-            </a:r>
-            <a:endParaRPr sz="1400">
-              <a:solidFill>
-                <a:schemeClr val="tx1"/>
-              </a:solidFill>
-              <a:latin typeface="Calibri" panose="020F0502020204030204"/>
-              <a:ea typeface="Calibri" panose="020F0502020204030204"/>
-            </a:endParaRPr>
-          </a:p>
-          <a:p>
-            <a:pPr defTabSz="266700"/>
-            <a:endParaRPr sz="1400">
-              <a:solidFill>
-                <a:schemeClr val="tx1"/>
-              </a:solidFill>
-              <a:latin typeface="Calibri" panose="020F0502020204030204"/>
-              <a:ea typeface="Calibri" panose="020F0502020204030204"/>
-            </a:endParaRPr>
-          </a:p>
-          <a:p>
-            <a:pPr defTabSz="266700"/>
-            <a:r>
-              <a:rPr lang="en-US" sz="1400" b="1">
-                <a:solidFill>
-                  <a:schemeClr val="tx1"/>
-                </a:solidFill>
-                <a:latin typeface="Calibri" panose="020F0502020204030204"/>
-                <a:ea typeface="Calibri" panose="020F0502020204030204"/>
-              </a:rPr>
-              <a:t>FOR EXPERIENCE</a:t>
-            </a:r>
-            <a:endParaRPr sz="1400">
-              <a:solidFill>
-                <a:schemeClr val="tx1"/>
-              </a:solidFill>
-              <a:latin typeface="Calibri" panose="020F0502020204030204"/>
-              <a:ea typeface="Calibri" panose="020F0502020204030204"/>
-            </a:endParaRPr>
-          </a:p>
-          <a:p>
-            <a:pPr lvl="1" defTabSz="266700"/>
-            <a:r>
-              <a:rPr lang="en-US" sz="1400">
-                <a:solidFill>
-                  <a:schemeClr val="tx1"/>
-                </a:solidFill>
-                <a:latin typeface="Calibri" panose="020F0502020204030204"/>
-                <a:ea typeface="Calibri" panose="020F0502020204030204"/>
-              </a:rPr>
-              <a:t>- INDEX</a:t>
-            </a:r>
-            <a:endParaRPr lang="en-US" sz="1400">
-              <a:solidFill>
-                <a:schemeClr val="tx1"/>
-              </a:solidFill>
-              <a:latin typeface="Calibri" panose="020F0502020204030204"/>
-              <a:ea typeface="Calibri" panose="020F0502020204030204"/>
-            </a:endParaRPr>
-          </a:p>
-          <a:p>
-            <a:pPr lvl="1" defTabSz="266700"/>
-            <a:r>
-              <a:rPr lang="en-US" sz="1400">
-                <a:solidFill>
-                  <a:schemeClr val="tx1"/>
-                </a:solidFill>
-                <a:latin typeface="Calibri" panose="020F0502020204030204"/>
-                <a:ea typeface="Calibri" panose="020F0502020204030204"/>
-              </a:rPr>
-              <a:t>- VIEW</a:t>
-            </a:r>
-            <a:endParaRPr lang="en-US" sz="1400">
-              <a:solidFill>
-                <a:schemeClr val="tx1"/>
-              </a:solidFill>
-              <a:latin typeface="Calibri" panose="020F0502020204030204"/>
-              <a:ea typeface="Calibri" panose="020F0502020204030204"/>
-            </a:endParaRPr>
-          </a:p>
-          <a:p>
-            <a:pPr lvl="1" defTabSz="266700"/>
-            <a:r>
-              <a:rPr lang="en-US" sz="1400">
-                <a:solidFill>
-                  <a:schemeClr val="tx1"/>
-                </a:solidFill>
-                <a:latin typeface="Calibri" panose="020F0502020204030204"/>
-                <a:ea typeface="Calibri" panose="020F0502020204030204"/>
-              </a:rPr>
-              <a:t>- CTE </a:t>
-            </a:r>
-            <a:endParaRPr lang="en-US" sz="1400">
-              <a:solidFill>
-                <a:schemeClr val="tx1"/>
-              </a:solidFill>
-              <a:latin typeface="Calibri" panose="020F0502020204030204"/>
-              <a:ea typeface="Calibri" panose="020F0502020204030204"/>
-            </a:endParaRPr>
-          </a:p>
-          <a:p>
-            <a:pPr lvl="1" defTabSz="266700"/>
-            <a:r>
-              <a:rPr lang="en-US" sz="1400">
-                <a:solidFill>
-                  <a:schemeClr val="tx1"/>
-                </a:solidFill>
-                <a:latin typeface="Calibri" panose="020F0502020204030204"/>
-                <a:ea typeface="Calibri" panose="020F0502020204030204"/>
-              </a:rPr>
-              <a:t>- WINDOW FUNCTIONS</a:t>
-            </a:r>
-            <a:endParaRPr lang="en-US" sz="1400">
-              <a:solidFill>
-                <a:schemeClr val="tx1"/>
-              </a:solidFill>
-              <a:latin typeface="Calibri" panose="020F0502020204030204"/>
-              <a:ea typeface="Calibri" panose="020F0502020204030204"/>
-            </a:endParaRPr>
-          </a:p>
-          <a:p>
-            <a:pPr defTabSz="266700"/>
-            <a:endParaRPr lang="en-US" sz="1400">
-              <a:solidFill>
-                <a:schemeClr val="tx1"/>
-              </a:solidFill>
-              <a:latin typeface="Calibri" panose="020F0502020204030204"/>
-              <a:ea typeface="Calibri" panose="020F0502020204030204"/>
-            </a:endParaRPr>
-          </a:p>
-          <a:p>
-            <a:pPr defTabSz="266700"/>
-            <a:r>
-              <a:rPr lang="en-US" sz="1400" b="1">
-                <a:solidFill>
-                  <a:schemeClr val="tx1"/>
-                </a:solidFill>
-                <a:latin typeface="Calibri" panose="020F0502020204030204"/>
-                <a:ea typeface="Calibri" panose="020F0502020204030204"/>
-              </a:rPr>
-              <a:t>OPTIONAL </a:t>
-            </a:r>
-            <a:endParaRPr lang="en-US" sz="1400">
-              <a:solidFill>
-                <a:schemeClr val="tx1"/>
-              </a:solidFill>
-              <a:latin typeface="Calibri" panose="020F0502020204030204"/>
-              <a:ea typeface="Calibri" panose="020F0502020204030204"/>
-            </a:endParaRPr>
-          </a:p>
-          <a:p>
-            <a:pPr lvl="1" defTabSz="266700"/>
-            <a:r>
-              <a:rPr lang="en-US" sz="1400">
-                <a:solidFill>
-                  <a:schemeClr val="tx1"/>
-                </a:solidFill>
-                <a:latin typeface="Calibri" panose="020F0502020204030204"/>
-                <a:ea typeface="Calibri" panose="020F0502020204030204"/>
-              </a:rPr>
-              <a:t>- STORE PROCEDURES</a:t>
-            </a:r>
-            <a:endParaRPr lang="en-US" sz="1400">
-              <a:solidFill>
-                <a:schemeClr val="tx1"/>
-              </a:solidFill>
-              <a:latin typeface="Calibri" panose="020F0502020204030204"/>
-              <a:ea typeface="Calibri" panose="020F0502020204030204"/>
-            </a:endParaRPr>
-          </a:p>
-          <a:p>
-            <a:pPr lvl="1" defTabSz="266700"/>
-            <a:r>
-              <a:rPr lang="en-US" sz="1400">
-                <a:solidFill>
-                  <a:schemeClr val="tx1"/>
-                </a:solidFill>
-                <a:latin typeface="Calibri" panose="020F0502020204030204"/>
-                <a:ea typeface="Calibri" panose="020F0502020204030204"/>
-              </a:rPr>
-              <a:t>- TRIGEERS</a:t>
-            </a:r>
-            <a:endParaRPr lang="en-US" sz="1400">
-              <a:solidFill>
-                <a:schemeClr val="tx1"/>
-              </a:solidFill>
-              <a:latin typeface="Calibri" panose="020F0502020204030204"/>
-              <a:ea typeface="Calibri" panose="020F0502020204030204"/>
-            </a:endParaRPr>
-          </a:p>
-          <a:p>
-            <a:pPr lvl="1" defTabSz="266700"/>
-            <a:r>
-              <a:rPr lang="en-US" sz="1400">
-                <a:solidFill>
-                  <a:schemeClr val="tx1"/>
-                </a:solidFill>
-                <a:latin typeface="Calibri" panose="020F0502020204030204"/>
-                <a:ea typeface="Calibri" panose="020F0502020204030204"/>
-              </a:rPr>
-              <a:t>-FUNCTIONS</a:t>
-            </a:r>
-            <a:endParaRPr lang="en-US" sz="1400">
-              <a:solidFill>
-                <a:schemeClr val="tx1"/>
-              </a:solidFill>
-              <a:latin typeface="Calibri" panose="020F0502020204030204"/>
-              <a:ea typeface="Calibri" panose="020F0502020204030204"/>
-            </a:endParaRPr>
-          </a:p>
-          <a:p>
-            <a:pPr defTabSz="266700"/>
-            <a:endParaRPr lang="en-US" sz="1400">
-              <a:solidFill>
-                <a:schemeClr val="tx1"/>
-              </a:solidFill>
-              <a:latin typeface="Calibri" panose="020F0502020204030204"/>
-              <a:ea typeface="Calibri" panose="020F0502020204030204"/>
-            </a:endParaRPr>
-          </a:p>
-        </p:txBody>
-      </p:sp>
-      <p:sp>
-        <p:nvSpPr>
-          <p:cNvPr id="3" name="Text Box 2"/>
-          <p:cNvSpPr txBox="1"/>
-          <p:nvPr/>
-        </p:nvSpPr>
-        <p:spPr>
-          <a:xfrm>
-            <a:off x="183515" y="65405"/>
-            <a:ext cx="6096000" cy="6416040"/>
-          </a:xfrm>
-          <a:prstGeom prst="rect">
-            <a:avLst/>
-          </a:prstGeom>
-          <a:noFill/>
-        </p:spPr>
-        <p:txBody>
-          <a:bodyPr wrap="square" rtlCol="0" anchor="t">
-            <a:spAutoFit/>
-          </a:bodyPr>
-          <a:p>
-            <a:pPr defTabSz="266700">
-              <a:lnSpc>
-                <a:spcPct val="107000"/>
-              </a:lnSpc>
-              <a:spcAft>
-                <a:spcPts val="800"/>
-              </a:spcAft>
-            </a:pPr>
-            <a:r>
-              <a:rPr lang="en-US" sz="1400" b="1">
-                <a:solidFill>
-                  <a:schemeClr val="tx1"/>
-                </a:solidFill>
-                <a:latin typeface="Calibri" panose="020F0502020204030204"/>
-                <a:ea typeface="Calibri" panose="020F0502020204030204"/>
-                <a:sym typeface="+mn-ea"/>
-              </a:rPr>
-              <a:t>DBMS (NORMS)</a:t>
-            </a:r>
-            <a:r>
-              <a:rPr sz="1400" b="1">
-                <a:solidFill>
-                  <a:schemeClr val="tx1"/>
-                </a:solidFill>
-                <a:latin typeface="Calibri" panose="020F0502020204030204"/>
-                <a:ea typeface="Calibri" panose="020F0502020204030204"/>
-                <a:sym typeface="+mn-ea"/>
-              </a:rPr>
-              <a:t> </a:t>
-            </a:r>
-            <a:endParaRPr sz="1400" b="1">
-              <a:solidFill>
-                <a:schemeClr val="tx1"/>
-              </a:solidFill>
-              <a:latin typeface="Calibri" panose="020F0502020204030204"/>
-              <a:ea typeface="Calibri" panose="020F0502020204030204"/>
-              <a:sym typeface="+mn-ea"/>
-            </a:endParaRPr>
-          </a:p>
-          <a:p>
-            <a:pPr defTabSz="266700">
-              <a:lnSpc>
-                <a:spcPct val="107000"/>
-              </a:lnSpc>
-              <a:spcAft>
-                <a:spcPts val="800"/>
-              </a:spcAft>
-            </a:pPr>
-            <a:r>
-              <a:rPr sz="1400" u="sng">
-                <a:solidFill>
-                  <a:schemeClr val="tx1"/>
-                </a:solidFill>
-                <a:latin typeface="Calibri" panose="020F0502020204030204"/>
-                <a:ea typeface="Calibri" panose="020F0502020204030204"/>
-                <a:sym typeface="+mn-ea"/>
-              </a:rPr>
-              <a:t>SQL Setup and Basics</a:t>
-            </a:r>
-            <a:r>
-              <a:rPr sz="1400">
-                <a:solidFill>
-                  <a:schemeClr val="tx1"/>
-                </a:solidFill>
-                <a:latin typeface="Calibri" panose="020F0502020204030204"/>
-                <a:ea typeface="Calibri" panose="020F0502020204030204"/>
-                <a:sym typeface="+mn-ea"/>
-              </a:rPr>
-              <a:t>  </a:t>
-            </a:r>
-            <a:endParaRPr sz="1400">
-              <a:solidFill>
-                <a:schemeClr val="tx1"/>
-              </a:solidFill>
-              <a:latin typeface="Calibri" panose="020F0502020204030204"/>
-              <a:ea typeface="Calibri" panose="020F0502020204030204"/>
-            </a:endParaRPr>
-          </a:p>
-          <a:p>
-            <a:pPr defTabSz="266700"/>
-            <a:r>
-              <a:rPr sz="1400" u="sng">
-                <a:solidFill>
-                  <a:schemeClr val="tx1"/>
-                </a:solidFill>
-                <a:latin typeface="Calibri" panose="020F0502020204030204"/>
-                <a:ea typeface="Calibri" panose="020F0502020204030204"/>
-                <a:sym typeface="+mn-ea"/>
-              </a:rPr>
-              <a:t>Introduction to MySQL</a:t>
-            </a:r>
-            <a:r>
-              <a:rPr sz="1400">
-                <a:solidFill>
-                  <a:schemeClr val="tx1"/>
-                </a:solidFill>
-                <a:latin typeface="Calibri" panose="020F0502020204030204"/>
-                <a:ea typeface="Calibri" panose="020F0502020204030204"/>
-                <a:sym typeface="+mn-ea"/>
-              </a:rPr>
-              <a:t> </a:t>
-            </a:r>
-            <a:endParaRPr sz="1400">
-              <a:solidFill>
-                <a:schemeClr val="tx1"/>
-              </a:solidFill>
-              <a:latin typeface="Calibri" panose="020F0502020204030204"/>
-              <a:ea typeface="Calibri" panose="020F0502020204030204"/>
-            </a:endParaRPr>
-          </a:p>
-          <a:p>
-            <a:pPr defTabSz="266700"/>
-            <a:r>
-              <a:rPr sz="1400" u="sng">
-                <a:solidFill>
-                  <a:schemeClr val="tx1"/>
-                </a:solidFill>
-                <a:latin typeface="Calibri" panose="020F0502020204030204"/>
-                <a:ea typeface="Calibri" panose="020F0502020204030204"/>
-                <a:sym typeface="+mn-ea"/>
-              </a:rPr>
-              <a:t>First view of Data</a:t>
-            </a:r>
-            <a:r>
-              <a:rPr sz="1400">
-                <a:solidFill>
-                  <a:schemeClr val="tx1"/>
-                </a:solidFill>
-                <a:latin typeface="Calibri" panose="020F0502020204030204"/>
-                <a:ea typeface="Calibri" panose="020F0502020204030204"/>
-                <a:sym typeface="+mn-ea"/>
-              </a:rPr>
-              <a:t> </a:t>
-            </a:r>
-            <a:endParaRPr sz="1400">
-              <a:solidFill>
-                <a:schemeClr val="tx1"/>
-              </a:solidFill>
-              <a:latin typeface="Calibri" panose="020F0502020204030204"/>
-              <a:ea typeface="Calibri" panose="020F0502020204030204"/>
-            </a:endParaRPr>
-          </a:p>
-          <a:p>
-            <a:pPr defTabSz="266700"/>
-            <a:r>
-              <a:rPr sz="1400" u="sng">
-                <a:solidFill>
-                  <a:schemeClr val="tx1"/>
-                </a:solidFill>
-                <a:latin typeface="Calibri" panose="020F0502020204030204"/>
-                <a:ea typeface="Calibri" panose="020F0502020204030204"/>
-                <a:sym typeface="+mn-ea"/>
-              </a:rPr>
-              <a:t>Understanding databases, tables, and rows</a:t>
-            </a:r>
-            <a:r>
-              <a:rPr sz="1400">
-                <a:solidFill>
-                  <a:schemeClr val="tx1"/>
-                </a:solidFill>
-                <a:latin typeface="Calibri" panose="020F0502020204030204"/>
-                <a:ea typeface="Calibri" panose="020F0502020204030204"/>
-                <a:sym typeface="+mn-ea"/>
-              </a:rPr>
-              <a:t> </a:t>
-            </a:r>
-            <a:endParaRPr sz="1400">
-              <a:solidFill>
-                <a:schemeClr val="tx1"/>
-              </a:solidFill>
-              <a:latin typeface="Calibri" panose="020F0502020204030204"/>
-              <a:ea typeface="Calibri" panose="020F0502020204030204"/>
-            </a:endParaRPr>
-          </a:p>
-          <a:p>
-            <a:pPr defTabSz="266700"/>
-            <a:r>
-              <a:rPr sz="1400" u="sng">
-                <a:solidFill>
-                  <a:schemeClr val="tx1"/>
-                </a:solidFill>
-                <a:latin typeface="Calibri" panose="020F0502020204030204"/>
-                <a:ea typeface="Calibri" panose="020F0502020204030204"/>
-                <a:sym typeface="+mn-ea"/>
-              </a:rPr>
-              <a:t>Data types, expressions</a:t>
-            </a:r>
-            <a:r>
-              <a:rPr sz="1400">
-                <a:solidFill>
-                  <a:schemeClr val="tx1"/>
-                </a:solidFill>
-                <a:latin typeface="Calibri" panose="020F0502020204030204"/>
-                <a:ea typeface="Calibri" panose="020F0502020204030204"/>
-                <a:sym typeface="+mn-ea"/>
-              </a:rPr>
-              <a:t> </a:t>
-            </a:r>
-            <a:endParaRPr sz="1400">
-              <a:solidFill>
-                <a:schemeClr val="tx1"/>
-              </a:solidFill>
-              <a:latin typeface="Calibri" panose="020F0502020204030204"/>
-              <a:ea typeface="Calibri" panose="020F0502020204030204"/>
-            </a:endParaRPr>
-          </a:p>
-          <a:p>
-            <a:pPr defTabSz="266700"/>
-            <a:r>
-              <a:rPr sz="1400" u="sng">
-                <a:solidFill>
-                  <a:schemeClr val="tx1"/>
-                </a:solidFill>
-                <a:latin typeface="Calibri" panose="020F0502020204030204"/>
-                <a:ea typeface="Calibri" panose="020F0502020204030204"/>
-                <a:sym typeface="+mn-ea"/>
-              </a:rPr>
-              <a:t>Assignment</a:t>
-            </a:r>
-            <a:r>
-              <a:rPr sz="1400">
-                <a:solidFill>
-                  <a:schemeClr val="tx1"/>
-                </a:solidFill>
-                <a:latin typeface="Calibri" panose="020F0502020204030204"/>
-                <a:ea typeface="Calibri" panose="020F0502020204030204"/>
-                <a:sym typeface="+mn-ea"/>
-              </a:rPr>
-              <a:t> </a:t>
-            </a:r>
-            <a:endParaRPr sz="1400">
-              <a:solidFill>
-                <a:schemeClr val="tx1"/>
-              </a:solidFill>
-              <a:latin typeface="Calibri" panose="020F0502020204030204"/>
-              <a:ea typeface="Calibri" panose="020F0502020204030204"/>
-            </a:endParaRPr>
-          </a:p>
-          <a:p>
-            <a:pPr defTabSz="266700">
-              <a:lnSpc>
-                <a:spcPct val="107000"/>
-              </a:lnSpc>
-              <a:spcAft>
-                <a:spcPts val="800"/>
-              </a:spcAft>
-            </a:pPr>
-            <a:r>
-              <a:rPr sz="1400">
-                <a:solidFill>
-                  <a:schemeClr val="tx1"/>
-                </a:solidFill>
-                <a:latin typeface="Calibri" panose="020F0502020204030204"/>
-                <a:ea typeface="Calibri" panose="020F0502020204030204"/>
-                <a:sym typeface="+mn-ea"/>
-              </a:rPr>
-              <a:t> </a:t>
-            </a:r>
-            <a:endParaRPr sz="1400">
-              <a:solidFill>
-                <a:schemeClr val="tx1"/>
-              </a:solidFill>
-              <a:latin typeface="Calibri" panose="020F0502020204030204"/>
-              <a:ea typeface="Calibri" panose="020F0502020204030204"/>
-            </a:endParaRPr>
-          </a:p>
-          <a:p>
-            <a:pPr defTabSz="266700">
-              <a:lnSpc>
-                <a:spcPct val="107000"/>
-              </a:lnSpc>
-              <a:spcAft>
-                <a:spcPts val="800"/>
-              </a:spcAft>
-            </a:pPr>
-            <a:r>
-              <a:rPr sz="1400" b="1">
-                <a:solidFill>
-                  <a:schemeClr val="tx1"/>
-                </a:solidFill>
-                <a:latin typeface="Calibri" panose="020F0502020204030204"/>
-                <a:ea typeface="Calibri" panose="020F0502020204030204"/>
-                <a:sym typeface="+mn-ea"/>
-              </a:rPr>
-              <a:t> </a:t>
-            </a:r>
-            <a:r>
-              <a:rPr sz="1400" b="1" u="sng">
-                <a:solidFill>
-                  <a:schemeClr val="tx1"/>
-                </a:solidFill>
-                <a:latin typeface="Calibri" panose="020F0502020204030204"/>
-                <a:ea typeface="Calibri" panose="020F0502020204030204"/>
-                <a:sym typeface="+mn-ea"/>
-              </a:rPr>
-              <a:t>Crafting SQL Databases (DDL) &amp; Mastering Data Control (DML</a:t>
-            </a:r>
-            <a:r>
-              <a:rPr sz="1400" u="sng">
-                <a:solidFill>
-                  <a:schemeClr val="tx1"/>
-                </a:solidFill>
-                <a:latin typeface="Calibri" panose="020F0502020204030204"/>
-                <a:ea typeface="Calibri" panose="020F0502020204030204"/>
-                <a:sym typeface="+mn-ea"/>
-              </a:rPr>
-              <a:t>)</a:t>
-            </a:r>
-            <a:endParaRPr sz="1400" u="sng">
-              <a:solidFill>
-                <a:schemeClr val="tx1"/>
-              </a:solidFill>
-              <a:latin typeface="Calibri" panose="020F0502020204030204"/>
-              <a:ea typeface="Calibri" panose="020F0502020204030204"/>
-            </a:endParaRPr>
-          </a:p>
-          <a:p>
-            <a:pPr defTabSz="266700">
-              <a:lnSpc>
-                <a:spcPct val="107000"/>
-              </a:lnSpc>
-              <a:spcAft>
-                <a:spcPts val="800"/>
-              </a:spcAft>
-            </a:pPr>
-            <a:r>
-              <a:rPr sz="1400">
-                <a:solidFill>
-                  <a:schemeClr val="tx1"/>
-                </a:solidFill>
-                <a:latin typeface="Calibri" panose="020F0502020204030204"/>
-                <a:ea typeface="Calibri" panose="020F0502020204030204"/>
-                <a:sym typeface="+mn-ea"/>
-              </a:rPr>
-              <a:t> </a:t>
-            </a:r>
-            <a:r>
-              <a:rPr sz="1400" u="sng">
-                <a:solidFill>
-                  <a:schemeClr val="tx1"/>
-                </a:solidFill>
-                <a:latin typeface="Calibri" panose="020F0502020204030204"/>
-                <a:ea typeface="Calibri" panose="020F0502020204030204"/>
-                <a:sym typeface="+mn-ea"/>
-              </a:rPr>
-              <a:t>Creation of table</a:t>
-            </a:r>
-            <a:endParaRPr sz="1400" u="sng">
-              <a:solidFill>
-                <a:schemeClr val="tx1"/>
-              </a:solidFill>
-              <a:latin typeface="Calibri" panose="020F0502020204030204"/>
-              <a:ea typeface="Calibri" panose="020F0502020204030204"/>
-              <a:sym typeface="+mn-ea"/>
-            </a:endParaRPr>
-          </a:p>
-          <a:p>
-            <a:pPr defTabSz="266700">
-              <a:lnSpc>
-                <a:spcPct val="107000"/>
-              </a:lnSpc>
-              <a:spcAft>
-                <a:spcPts val="800"/>
-              </a:spcAft>
-            </a:pPr>
-            <a:r>
-              <a:rPr sz="1400" u="sng">
-                <a:latin typeface="Calibri" panose="020F0502020204030204"/>
-                <a:ea typeface="Calibri" panose="020F0502020204030204"/>
-                <a:sym typeface="+mn-ea"/>
-              </a:rPr>
-              <a:t>Constraints</a:t>
-            </a:r>
-            <a:endParaRPr sz="1400" u="sng">
-              <a:solidFill>
-                <a:schemeClr val="tx1"/>
-              </a:solidFill>
-              <a:latin typeface="Calibri" panose="020F0502020204030204"/>
-              <a:ea typeface="Calibri" panose="020F0502020204030204"/>
-            </a:endParaRPr>
-          </a:p>
-          <a:p>
-            <a:pPr defTabSz="266700"/>
-            <a:r>
-              <a:rPr sz="1400" u="sng">
-                <a:solidFill>
-                  <a:schemeClr val="tx1"/>
-                </a:solidFill>
-                <a:latin typeface="Calibri" panose="020F0502020204030204"/>
-                <a:ea typeface="Calibri" panose="020F0502020204030204"/>
-                <a:sym typeface="+mn-ea"/>
-              </a:rPr>
-              <a:t>Modifying the structure of a table</a:t>
-            </a:r>
-            <a:r>
-              <a:rPr sz="1400">
-                <a:solidFill>
-                  <a:schemeClr val="tx1"/>
-                </a:solidFill>
-                <a:latin typeface="Calibri" panose="020F0502020204030204"/>
-                <a:ea typeface="Calibri" panose="020F0502020204030204"/>
-                <a:sym typeface="+mn-ea"/>
-              </a:rPr>
-              <a:t> </a:t>
-            </a:r>
-            <a:endParaRPr sz="1400">
-              <a:solidFill>
-                <a:schemeClr val="tx1"/>
-              </a:solidFill>
-              <a:latin typeface="Calibri" panose="020F0502020204030204"/>
-              <a:ea typeface="Calibri" panose="020F0502020204030204"/>
-            </a:endParaRPr>
-          </a:p>
-          <a:p>
-            <a:pPr defTabSz="266700"/>
-            <a:r>
-              <a:rPr sz="1400" u="sng">
-                <a:solidFill>
-                  <a:schemeClr val="tx1"/>
-                </a:solidFill>
-                <a:latin typeface="Calibri" panose="020F0502020204030204"/>
-                <a:ea typeface="Calibri" panose="020F0502020204030204"/>
-                <a:sym typeface="+mn-ea"/>
-              </a:rPr>
-              <a:t>Dropping a table</a:t>
-            </a:r>
-            <a:r>
-              <a:rPr sz="1400">
-                <a:solidFill>
-                  <a:schemeClr val="tx1"/>
-                </a:solidFill>
-                <a:latin typeface="Calibri" panose="020F0502020204030204"/>
-                <a:ea typeface="Calibri" panose="020F0502020204030204"/>
-                <a:sym typeface="+mn-ea"/>
-              </a:rPr>
-              <a:t> </a:t>
-            </a:r>
-            <a:endParaRPr sz="1400">
-              <a:solidFill>
-                <a:schemeClr val="tx1"/>
-              </a:solidFill>
-              <a:latin typeface="Calibri" panose="020F0502020204030204"/>
-              <a:ea typeface="Calibri" panose="020F0502020204030204"/>
-            </a:endParaRPr>
-          </a:p>
-          <a:p>
-            <a:pPr defTabSz="266700"/>
-            <a:r>
-              <a:rPr sz="1400" u="sng">
-                <a:solidFill>
-                  <a:schemeClr val="tx1"/>
-                </a:solidFill>
-                <a:latin typeface="Calibri" panose="020F0502020204030204"/>
-                <a:ea typeface="Calibri" panose="020F0502020204030204"/>
-                <a:sym typeface="+mn-ea"/>
-              </a:rPr>
-              <a:t>INSER</a:t>
-            </a:r>
-            <a:r>
-              <a:rPr lang="en-US" sz="1400" u="sng">
-                <a:solidFill>
-                  <a:schemeClr val="tx1"/>
-                </a:solidFill>
-                <a:latin typeface="Calibri" panose="020F0502020204030204"/>
-                <a:ea typeface="Calibri" panose="020F0502020204030204"/>
-                <a:sym typeface="+mn-ea"/>
-              </a:rPr>
-              <a:t>T, UPDATE, DELETE</a:t>
-            </a:r>
-            <a:r>
-              <a:rPr sz="1400" u="sng">
-                <a:solidFill>
-                  <a:schemeClr val="tx1"/>
-                </a:solidFill>
-                <a:latin typeface="Calibri" panose="020F0502020204030204"/>
-                <a:ea typeface="Calibri" panose="020F0502020204030204"/>
-                <a:sym typeface="+mn-ea"/>
-              </a:rPr>
-              <a:t> statement</a:t>
-            </a:r>
-            <a:r>
-              <a:rPr sz="1400">
-                <a:solidFill>
-                  <a:schemeClr val="tx1"/>
-                </a:solidFill>
-                <a:latin typeface="Calibri" panose="020F0502020204030204"/>
-                <a:ea typeface="Calibri" panose="020F0502020204030204"/>
-                <a:sym typeface="+mn-ea"/>
-              </a:rPr>
-              <a:t>   </a:t>
-            </a:r>
-            <a:endParaRPr sz="1400">
-              <a:solidFill>
-                <a:schemeClr val="tx1"/>
-              </a:solidFill>
-              <a:latin typeface="Calibri" panose="020F0502020204030204"/>
-              <a:ea typeface="Calibri" panose="020F0502020204030204"/>
-            </a:endParaRPr>
-          </a:p>
-          <a:p>
-            <a:pPr defTabSz="266700"/>
-            <a:r>
-              <a:rPr sz="1400" u="sng">
-                <a:solidFill>
-                  <a:schemeClr val="tx1"/>
-                </a:solidFill>
-                <a:latin typeface="Calibri" panose="020F0502020204030204"/>
-                <a:ea typeface="Calibri" panose="020F0502020204030204"/>
-                <a:sym typeface="+mn-ea"/>
-              </a:rPr>
-              <a:t>Assignment</a:t>
-            </a:r>
-            <a:r>
-              <a:rPr sz="1400">
-                <a:solidFill>
-                  <a:schemeClr val="tx1"/>
-                </a:solidFill>
-                <a:latin typeface="Calibri" panose="020F0502020204030204"/>
-                <a:ea typeface="Calibri" panose="020F0502020204030204"/>
-                <a:sym typeface="+mn-ea"/>
-              </a:rPr>
-              <a:t> </a:t>
-            </a:r>
-            <a:endParaRPr sz="1400">
-              <a:solidFill>
-                <a:schemeClr val="tx1"/>
-              </a:solidFill>
-              <a:latin typeface="Calibri" panose="020F0502020204030204"/>
-              <a:ea typeface="Calibri" panose="020F0502020204030204"/>
-              <a:sym typeface="+mn-ea"/>
-            </a:endParaRPr>
-          </a:p>
-          <a:p>
-            <a:pPr defTabSz="266700"/>
-            <a:endParaRPr sz="1400">
-              <a:solidFill>
-                <a:schemeClr val="tx1"/>
-              </a:solidFill>
-              <a:latin typeface="Calibri" panose="020F0502020204030204"/>
-              <a:ea typeface="Calibri" panose="020F0502020204030204"/>
-            </a:endParaRPr>
-          </a:p>
-          <a:p>
-            <a:pPr defTabSz="266700">
-              <a:lnSpc>
-                <a:spcPct val="107000"/>
-              </a:lnSpc>
-              <a:spcAft>
-                <a:spcPts val="800"/>
-              </a:spcAft>
-            </a:pPr>
-            <a:r>
-              <a:rPr sz="1400" b="1">
-                <a:solidFill>
-                  <a:schemeClr val="tx1"/>
-                </a:solidFill>
-                <a:latin typeface="Calibri" panose="020F0502020204030204"/>
-                <a:ea typeface="Calibri" panose="020F0502020204030204"/>
-                <a:sym typeface="+mn-ea"/>
-              </a:rPr>
-              <a:t> </a:t>
-            </a:r>
-            <a:r>
-              <a:rPr sz="1400" b="1" u="sng">
-                <a:solidFill>
-                  <a:schemeClr val="tx1"/>
-                </a:solidFill>
-                <a:latin typeface="Calibri" panose="020F0502020204030204"/>
-                <a:ea typeface="Calibri" panose="020F0502020204030204"/>
-                <a:sym typeface="+mn-ea"/>
-              </a:rPr>
-              <a:t>Querying into Data (DQL)</a:t>
-            </a:r>
-            <a:endParaRPr sz="1400" b="1" u="sng">
-              <a:solidFill>
-                <a:schemeClr val="tx1"/>
-              </a:solidFill>
-              <a:latin typeface="Calibri" panose="020F0502020204030204"/>
-              <a:ea typeface="Calibri" panose="020F0502020204030204"/>
-            </a:endParaRPr>
-          </a:p>
-          <a:p>
-            <a:pPr defTabSz="266700">
-              <a:lnSpc>
-                <a:spcPct val="107000"/>
-              </a:lnSpc>
-              <a:spcAft>
-                <a:spcPts val="800"/>
-              </a:spcAft>
-            </a:pPr>
-            <a:r>
-              <a:rPr sz="1400">
-                <a:solidFill>
-                  <a:schemeClr val="tx1"/>
-                </a:solidFill>
-                <a:latin typeface="Calibri" panose="020F0502020204030204"/>
-                <a:ea typeface="Calibri" panose="020F0502020204030204"/>
-                <a:sym typeface="+mn-ea"/>
-              </a:rPr>
-              <a:t> </a:t>
-            </a:r>
-            <a:r>
-              <a:rPr sz="1400" u="sng">
-                <a:solidFill>
-                  <a:schemeClr val="tx1"/>
-                </a:solidFill>
-                <a:latin typeface="Calibri" panose="020F0502020204030204"/>
-                <a:ea typeface="Calibri" panose="020F0502020204030204"/>
-                <a:sym typeface="+mn-ea"/>
-              </a:rPr>
-              <a:t>SELECT statement</a:t>
-            </a:r>
-            <a:endParaRPr sz="1400" u="sng">
-              <a:solidFill>
-                <a:schemeClr val="tx1"/>
-              </a:solidFill>
-              <a:latin typeface="Calibri" panose="020F0502020204030204"/>
-              <a:ea typeface="Calibri" panose="020F0502020204030204"/>
-            </a:endParaRPr>
-          </a:p>
-          <a:p>
-            <a:pPr defTabSz="266700"/>
-            <a:r>
-              <a:rPr sz="1400" u="sng">
-                <a:solidFill>
-                  <a:schemeClr val="tx1"/>
-                </a:solidFill>
-                <a:latin typeface="Calibri" panose="020F0502020204030204"/>
-                <a:ea typeface="Calibri" panose="020F0502020204030204"/>
-                <a:sym typeface="+mn-ea"/>
-              </a:rPr>
-              <a:t>WHERE clause search condition</a:t>
-            </a:r>
-            <a:r>
-              <a:rPr sz="1400">
-                <a:solidFill>
-                  <a:schemeClr val="tx1"/>
-                </a:solidFill>
-                <a:latin typeface="Calibri" panose="020F0502020204030204"/>
-                <a:ea typeface="Calibri" panose="020F0502020204030204"/>
-                <a:sym typeface="+mn-ea"/>
-              </a:rPr>
-              <a:t> </a:t>
-            </a:r>
-            <a:endParaRPr sz="1400">
-              <a:solidFill>
-                <a:schemeClr val="tx1"/>
-              </a:solidFill>
-              <a:latin typeface="Calibri" panose="020F0502020204030204"/>
-              <a:ea typeface="Calibri" panose="020F0502020204030204"/>
-            </a:endParaRPr>
-          </a:p>
-          <a:p>
-            <a:pPr defTabSz="266700"/>
-            <a:r>
-              <a:rPr sz="1400" u="sng">
-                <a:solidFill>
-                  <a:schemeClr val="tx1"/>
-                </a:solidFill>
-                <a:latin typeface="Calibri" panose="020F0502020204030204"/>
-                <a:ea typeface="Calibri" panose="020F0502020204030204"/>
-                <a:sym typeface="+mn-ea"/>
-              </a:rPr>
-              <a:t>Arithmetic, Comparison and Logical operator</a:t>
-            </a:r>
-            <a:r>
-              <a:rPr sz="1400">
-                <a:solidFill>
-                  <a:schemeClr val="tx1"/>
-                </a:solidFill>
-                <a:latin typeface="Calibri" panose="020F0502020204030204"/>
-                <a:ea typeface="Calibri" panose="020F0502020204030204"/>
-                <a:sym typeface="+mn-ea"/>
-              </a:rPr>
-              <a:t> </a:t>
-            </a:r>
-            <a:endParaRPr sz="1400">
-              <a:solidFill>
-                <a:schemeClr val="tx1"/>
-              </a:solidFill>
-              <a:latin typeface="Calibri" panose="020F0502020204030204"/>
-              <a:ea typeface="Calibri" panose="020F0502020204030204"/>
-            </a:endParaRPr>
-          </a:p>
-          <a:p>
-            <a:pPr defTabSz="266700"/>
-            <a:r>
-              <a:rPr sz="1400" u="sng">
-                <a:solidFill>
-                  <a:schemeClr val="tx1"/>
-                </a:solidFill>
-                <a:latin typeface="Calibri" panose="020F0502020204030204"/>
-                <a:ea typeface="Calibri" panose="020F0502020204030204"/>
-                <a:sym typeface="+mn-ea"/>
-              </a:rPr>
-              <a:t>Range operator</a:t>
-            </a:r>
-            <a:r>
-              <a:rPr sz="1400">
-                <a:solidFill>
-                  <a:schemeClr val="tx1"/>
-                </a:solidFill>
-                <a:latin typeface="Calibri" panose="020F0502020204030204"/>
-                <a:ea typeface="Calibri" panose="020F0502020204030204"/>
-                <a:sym typeface="+mn-ea"/>
-              </a:rPr>
-              <a:t> </a:t>
-            </a:r>
-            <a:r>
-              <a:rPr lang="en-US" sz="1400">
-                <a:solidFill>
-                  <a:schemeClr val="tx1"/>
-                </a:solidFill>
-                <a:latin typeface="Calibri" panose="020F0502020204030204"/>
-                <a:ea typeface="Calibri" panose="020F0502020204030204"/>
-                <a:sym typeface="+mn-ea"/>
-              </a:rPr>
-              <a:t>,</a:t>
-            </a:r>
-            <a:r>
-              <a:rPr sz="1400" u="sng">
-                <a:solidFill>
-                  <a:schemeClr val="tx1"/>
-                </a:solidFill>
-                <a:latin typeface="Calibri" panose="020F0502020204030204"/>
-                <a:ea typeface="Calibri" panose="020F0502020204030204"/>
-                <a:sym typeface="+mn-ea"/>
-              </a:rPr>
-              <a:t>List operator</a:t>
-            </a:r>
-            <a:r>
-              <a:rPr sz="1400">
-                <a:solidFill>
-                  <a:schemeClr val="tx1"/>
-                </a:solidFill>
-                <a:latin typeface="Calibri" panose="020F0502020204030204"/>
-                <a:ea typeface="Calibri" panose="020F0502020204030204"/>
-                <a:sym typeface="+mn-ea"/>
-              </a:rPr>
-              <a:t> </a:t>
-            </a:r>
-            <a:r>
-              <a:rPr lang="en-US" sz="1400">
-                <a:solidFill>
-                  <a:schemeClr val="tx1"/>
-                </a:solidFill>
-                <a:latin typeface="Calibri" panose="020F0502020204030204"/>
-                <a:ea typeface="Calibri" panose="020F0502020204030204"/>
-                <a:sym typeface="+mn-ea"/>
-              </a:rPr>
-              <a:t>,</a:t>
-            </a:r>
-            <a:r>
-              <a:rPr sz="1400" u="sng">
-                <a:solidFill>
-                  <a:schemeClr val="tx1"/>
-                </a:solidFill>
-                <a:latin typeface="Calibri" panose="020F0502020204030204"/>
-                <a:ea typeface="Calibri" panose="020F0502020204030204"/>
-                <a:sym typeface="+mn-ea"/>
-              </a:rPr>
-              <a:t>Like operator</a:t>
-            </a:r>
-            <a:r>
-              <a:rPr sz="1400">
-                <a:solidFill>
-                  <a:schemeClr val="tx1"/>
-                </a:solidFill>
-                <a:latin typeface="Calibri" panose="020F0502020204030204"/>
-                <a:ea typeface="Calibri" panose="020F0502020204030204"/>
-                <a:sym typeface="+mn-ea"/>
-              </a:rPr>
-              <a:t> </a:t>
-            </a:r>
-            <a:endParaRPr sz="1400">
-              <a:solidFill>
-                <a:schemeClr val="tx1"/>
-              </a:solidFill>
-              <a:latin typeface="Calibri" panose="020F0502020204030204"/>
-              <a:ea typeface="Calibri" panose="020F0502020204030204"/>
-            </a:endParaRPr>
-          </a:p>
-          <a:p>
-            <a:pPr defTabSz="266700"/>
-            <a:r>
-              <a:rPr sz="1400" u="sng">
-                <a:solidFill>
-                  <a:schemeClr val="tx1"/>
-                </a:solidFill>
-                <a:latin typeface="Calibri" panose="020F0502020204030204"/>
-                <a:ea typeface="Calibri" panose="020F0502020204030204"/>
-                <a:sym typeface="+mn-ea"/>
-              </a:rPr>
-              <a:t>Using ORDER BY, DISTINCT and TOP</a:t>
-            </a:r>
-            <a:r>
-              <a:rPr sz="1400">
-                <a:solidFill>
-                  <a:schemeClr val="tx1"/>
-                </a:solidFill>
-                <a:latin typeface="Calibri" panose="020F0502020204030204"/>
-                <a:ea typeface="Calibri" panose="020F0502020204030204"/>
-                <a:sym typeface="+mn-ea"/>
-              </a:rPr>
-              <a:t> </a:t>
-            </a:r>
-            <a:endParaRPr sz="1400">
-              <a:solidFill>
-                <a:schemeClr val="tx1"/>
-              </a:solidFill>
-              <a:latin typeface="Calibri" panose="020F0502020204030204"/>
-              <a:ea typeface="Calibri" panose="020F0502020204030204"/>
-            </a:endParaRPr>
-          </a:p>
-          <a:p>
-            <a:pPr defTabSz="266700"/>
-            <a:r>
-              <a:rPr sz="1400" u="sng">
-                <a:solidFill>
-                  <a:schemeClr val="tx1"/>
-                </a:solidFill>
-                <a:latin typeface="Calibri" panose="020F0502020204030204"/>
-                <a:ea typeface="Calibri" panose="020F0502020204030204"/>
-                <a:sym typeface="+mn-ea"/>
-              </a:rPr>
-              <a:t>Using IS NULL and IS NOT NULL</a:t>
-            </a:r>
-            <a:r>
-              <a:rPr sz="1400">
-                <a:solidFill>
-                  <a:schemeClr val="tx1"/>
-                </a:solidFill>
-                <a:latin typeface="Calibri" panose="020F0502020204030204"/>
-                <a:ea typeface="Calibri" panose="020F0502020204030204"/>
-                <a:sym typeface="+mn-ea"/>
-              </a:rPr>
-              <a:t>  </a:t>
-            </a:r>
-            <a:endParaRPr sz="1400">
-              <a:solidFill>
-                <a:schemeClr val="tx1"/>
-              </a:solidFill>
-              <a:latin typeface="Calibri" panose="020F0502020204030204"/>
-              <a:ea typeface="Calibri" panose="020F0502020204030204"/>
-            </a:endParaRPr>
-          </a:p>
-          <a:p>
-            <a:pPr defTabSz="266700"/>
-            <a:r>
-              <a:rPr sz="1400" u="sng">
-                <a:solidFill>
-                  <a:schemeClr val="tx1"/>
-                </a:solidFill>
-                <a:latin typeface="Calibri" panose="020F0502020204030204"/>
-                <a:ea typeface="Calibri" panose="020F0502020204030204"/>
-                <a:sym typeface="+mn-ea"/>
-              </a:rPr>
-              <a:t>CASE statement</a:t>
-            </a:r>
-            <a:r>
-              <a:rPr sz="1400">
-                <a:solidFill>
-                  <a:schemeClr val="tx1"/>
-                </a:solidFill>
-                <a:latin typeface="Calibri" panose="020F0502020204030204"/>
-                <a:ea typeface="Calibri" panose="020F0502020204030204"/>
-                <a:sym typeface="+mn-ea"/>
-              </a:rPr>
-              <a:t> </a:t>
-            </a:r>
-            <a:endParaRPr sz="1400">
-              <a:solidFill>
-                <a:schemeClr val="tx1"/>
-              </a:solidFill>
-              <a:latin typeface="Calibri" panose="020F0502020204030204"/>
-              <a:ea typeface="Calibri" panose="020F0502020204030204"/>
-            </a:endParaRPr>
-          </a:p>
-          <a:p>
-            <a:pPr defTabSz="266700"/>
-            <a:r>
-              <a:rPr sz="1400" u="sng">
-                <a:solidFill>
-                  <a:schemeClr val="tx1"/>
-                </a:solidFill>
-                <a:latin typeface="Calibri" panose="020F0502020204030204"/>
-                <a:ea typeface="Calibri" panose="020F0502020204030204"/>
-                <a:sym typeface="+mn-ea"/>
-              </a:rPr>
-              <a:t>Assignment</a:t>
-            </a:r>
-            <a:r>
-              <a:rPr sz="1400">
-                <a:solidFill>
-                  <a:schemeClr val="tx1"/>
-                </a:solidFill>
-                <a:latin typeface="Calibri" panose="020F0502020204030204"/>
-                <a:ea typeface="Calibri" panose="020F0502020204030204"/>
-                <a:sym typeface="+mn-ea"/>
-              </a:rPr>
-              <a:t> </a:t>
-            </a:r>
-            <a:endParaRPr lang="en-US" sz="1400">
-              <a:solidFill>
-                <a:schemeClr val="tx1"/>
-              </a:solidFill>
-              <a:latin typeface="Calibri" panose="020F0502020204030204"/>
-              <a:ea typeface="Calibri" panose="020F0502020204030204"/>
-              <a:sym typeface="+mn-ea"/>
-            </a:endParaRPr>
-          </a:p>
-        </p:txBody>
-      </p:sp>
-    </p:spTree>
-  </p:cSld>
-  <p:clrMapOvr>
-    <a:masterClrMapping/>
-  </p:clrMapOvr>
-</p:sld>
-</file>
-
-<file path=ppt/slides/slide3.xml><?xml version="1.0" encoding="utf-8"?>
+<file path=ppt/slides/slide10.xml><?xml version="1.0" encoding="utf-8"?>
 <p:sld xmlns:a="http://schemas.openxmlformats.org/drawingml/2006/main" xmlns:r="http://schemas.openxmlformats.org/officeDocument/2006/relationships" xmlns:p="http://schemas.openxmlformats.org/presentationml/2006/main">
   <p:cSld>
     <p:spTree>
@@ -5742,8 +4084,444 @@
         </p:nvSpPr>
         <p:spPr>
           <a:xfrm>
-            <a:off x="288290" y="84455"/>
-            <a:ext cx="9263380" cy="4523105"/>
+            <a:off x="5814695" y="-2685415"/>
+            <a:ext cx="6377940" cy="5149215"/>
+          </a:xfrm>
+          <a:prstGeom prst="rect">
+            <a:avLst/>
+          </a:prstGeom>
+        </p:spPr>
+        <p:txBody>
+          <a:bodyPr wrap="square">
+            <a:spAutoFit/>
+          </a:bodyPr>
+          <a:p>
+            <a:pPr marL="0" indent="0">
+              <a:spcBef>
+                <a:spcPts val="500"/>
+              </a:spcBef>
+              <a:spcAft>
+                <a:spcPts val="500"/>
+              </a:spcAft>
+            </a:pPr>
+            <a:r>
+              <a:rPr sz="3200" b="0" i="0">
+                <a:solidFill>
+                  <a:srgbClr val="000000"/>
+                </a:solidFill>
+                <a:latin typeface="Segoe UI" panose="020B0502040204020203"/>
+                <a:ea typeface="Segoe UI" panose="020B0502040204020203"/>
+              </a:rPr>
+              <a:t>The ALL Operator</a:t>
+            </a:r>
+            <a:endParaRPr sz="3200" b="0" i="0">
+              <a:solidFill>
+                <a:srgbClr val="000000"/>
+              </a:solidFill>
+              <a:latin typeface="Segoe UI" panose="020B0502040204020203"/>
+              <a:ea typeface="Segoe UI" panose="020B0502040204020203"/>
+            </a:endParaRPr>
+          </a:p>
+          <a:p>
+            <a:pPr marL="0" indent="0">
+              <a:spcBef>
+                <a:spcPts val="1200"/>
+              </a:spcBef>
+              <a:spcAft>
+                <a:spcPts val="1200"/>
+              </a:spcAft>
+            </a:pPr>
+            <a:r>
+              <a:rPr sz="1600" b="0" i="0">
+                <a:solidFill>
+                  <a:srgbClr val="000000"/>
+                </a:solidFill>
+                <a:latin typeface="Verdana" panose="020B0604030504040204"/>
+                <a:ea typeface="Verdana" panose="020B0604030504040204"/>
+              </a:rPr>
+              <a:t>The </a:t>
+            </a:r>
+            <a:r>
+              <a:rPr sz="1600" b="0" i="0">
+                <a:solidFill>
+                  <a:srgbClr val="DC143C"/>
+                </a:solidFill>
+                <a:latin typeface="Consolas" panose="020B0609020204030204"/>
+                <a:ea typeface="Consolas" panose="020B0609020204030204"/>
+              </a:rPr>
+              <a:t>ALL</a:t>
+            </a:r>
+            <a:r>
+              <a:rPr sz="1600" b="0" i="0">
+                <a:solidFill>
+                  <a:srgbClr val="000000"/>
+                </a:solidFill>
+                <a:latin typeface="Verdana" panose="020B0604030504040204"/>
+                <a:ea typeface="Verdana" panose="020B0604030504040204"/>
+              </a:rPr>
+              <a:t> operator:</a:t>
+            </a:r>
+            <a:endParaRPr sz="1600" b="0" i="0">
+              <a:solidFill>
+                <a:srgbClr val="000000"/>
+              </a:solidFill>
+              <a:latin typeface="Verdana" panose="020B0604030504040204"/>
+              <a:ea typeface="Verdana" panose="020B0604030504040204"/>
+            </a:endParaRPr>
+          </a:p>
+          <a:p>
+            <a:pPr marL="0" indent="0">
+              <a:buFont typeface="Arial" panose="020B0604020202020204"/>
+              <a:buChar char="•"/>
+            </a:pPr>
+            <a:r>
+              <a:rPr sz="1600" b="0" i="0">
+                <a:solidFill>
+                  <a:srgbClr val="000000"/>
+                </a:solidFill>
+                <a:latin typeface="Verdana" panose="020B0604030504040204"/>
+                <a:ea typeface="Verdana" panose="020B0604030504040204"/>
+              </a:rPr>
+              <a:t>returns a boolean value as a result</a:t>
+            </a:r>
+            <a:endParaRPr sz="1600" b="0" i="0">
+              <a:solidFill>
+                <a:srgbClr val="000000"/>
+              </a:solidFill>
+              <a:latin typeface="Verdana" panose="020B0604030504040204"/>
+              <a:ea typeface="Verdana" panose="020B0604030504040204"/>
+            </a:endParaRPr>
+          </a:p>
+          <a:p>
+            <a:pPr marL="0" indent="0">
+              <a:buFont typeface="Arial" panose="020B0604020202020204"/>
+              <a:buChar char="•"/>
+            </a:pPr>
+            <a:r>
+              <a:rPr sz="1600" b="0" i="0">
+                <a:solidFill>
+                  <a:srgbClr val="000000"/>
+                </a:solidFill>
+                <a:latin typeface="Verdana" panose="020B0604030504040204"/>
+                <a:ea typeface="Verdana" panose="020B0604030504040204"/>
+              </a:rPr>
+              <a:t>returns TRUE if ALL of the subquery values meet the condition</a:t>
+            </a:r>
+            <a:endParaRPr sz="1600" b="0" i="0">
+              <a:solidFill>
+                <a:srgbClr val="000000"/>
+              </a:solidFill>
+              <a:latin typeface="Verdana" panose="020B0604030504040204"/>
+              <a:ea typeface="Verdana" panose="020B0604030504040204"/>
+            </a:endParaRPr>
+          </a:p>
+          <a:p>
+            <a:pPr marL="0" indent="0">
+              <a:buFont typeface="Arial" panose="020B0604020202020204"/>
+              <a:buChar char="•"/>
+            </a:pPr>
+            <a:r>
+              <a:rPr sz="1600" b="0" i="0">
+                <a:solidFill>
+                  <a:srgbClr val="000000"/>
+                </a:solidFill>
+                <a:latin typeface="Verdana" panose="020B0604030504040204"/>
+                <a:ea typeface="Verdana" panose="020B0604030504040204"/>
+              </a:rPr>
+              <a:t>is used with </a:t>
+            </a:r>
+            <a:r>
+              <a:rPr sz="1600" b="0" i="0">
+                <a:solidFill>
+                  <a:srgbClr val="DC143C"/>
+                </a:solidFill>
+                <a:latin typeface="Consolas" panose="020B0609020204030204"/>
+                <a:ea typeface="Consolas" panose="020B0609020204030204"/>
+              </a:rPr>
+              <a:t>SELECT</a:t>
+            </a:r>
+            <a:r>
+              <a:rPr sz="1600" b="0" i="0">
+                <a:solidFill>
+                  <a:srgbClr val="000000"/>
+                </a:solidFill>
+                <a:latin typeface="Verdana" panose="020B0604030504040204"/>
+                <a:ea typeface="Verdana" panose="020B0604030504040204"/>
+              </a:rPr>
+              <a:t>, </a:t>
+            </a:r>
+            <a:r>
+              <a:rPr sz="1600" b="0" i="0">
+                <a:solidFill>
+                  <a:srgbClr val="DC143C"/>
+                </a:solidFill>
+                <a:latin typeface="Consolas" panose="020B0609020204030204"/>
+                <a:ea typeface="Consolas" panose="020B0609020204030204"/>
+              </a:rPr>
+              <a:t>WHERE</a:t>
+            </a:r>
+            <a:r>
+              <a:rPr sz="1600" b="0" i="0">
+                <a:solidFill>
+                  <a:srgbClr val="000000"/>
+                </a:solidFill>
+                <a:latin typeface="Verdana" panose="020B0604030504040204"/>
+                <a:ea typeface="Verdana" panose="020B0604030504040204"/>
+              </a:rPr>
+              <a:t> and </a:t>
+            </a:r>
+            <a:r>
+              <a:rPr sz="1600" b="0" i="0">
+                <a:solidFill>
+                  <a:srgbClr val="DC143C"/>
+                </a:solidFill>
+                <a:latin typeface="Consolas" panose="020B0609020204030204"/>
+                <a:ea typeface="Consolas" panose="020B0609020204030204"/>
+              </a:rPr>
+              <a:t>HAVING</a:t>
+            </a:r>
+            <a:r>
+              <a:rPr sz="1600" b="0" i="0">
+                <a:solidFill>
+                  <a:srgbClr val="000000"/>
+                </a:solidFill>
+                <a:latin typeface="Verdana" panose="020B0604030504040204"/>
+                <a:ea typeface="Verdana" panose="020B0604030504040204"/>
+              </a:rPr>
+              <a:t> statements</a:t>
+            </a:r>
+            <a:endParaRPr sz="1600" b="0" i="0">
+              <a:solidFill>
+                <a:srgbClr val="000000"/>
+              </a:solidFill>
+              <a:latin typeface="Verdana" panose="020B0604030504040204"/>
+              <a:ea typeface="Verdana" panose="020B0604030504040204"/>
+            </a:endParaRPr>
+          </a:p>
+          <a:p>
+            <a:pPr marL="0" indent="0">
+              <a:spcBef>
+                <a:spcPts val="1200"/>
+              </a:spcBef>
+              <a:spcAft>
+                <a:spcPts val="1200"/>
+              </a:spcAft>
+            </a:pPr>
+            <a:r>
+              <a:rPr sz="1600" b="0" i="0">
+                <a:solidFill>
+                  <a:srgbClr val="DC143C"/>
+                </a:solidFill>
+                <a:latin typeface="Consolas" panose="020B0609020204030204"/>
+                <a:ea typeface="Consolas" panose="020B0609020204030204"/>
+              </a:rPr>
+              <a:t>ALL</a:t>
+            </a:r>
+            <a:r>
+              <a:rPr sz="1600" b="0" i="0">
+                <a:solidFill>
+                  <a:srgbClr val="000000"/>
+                </a:solidFill>
+                <a:latin typeface="Verdana" panose="020B0604030504040204"/>
+                <a:ea typeface="Verdana" panose="020B0604030504040204"/>
+              </a:rPr>
+              <a:t> means that the condition will be true only if the operation is true for all values in the range.</a:t>
+            </a:r>
+            <a:endParaRPr sz="1600" b="0" i="0">
+              <a:solidFill>
+                <a:srgbClr val="000000"/>
+              </a:solidFill>
+              <a:latin typeface="Verdana" panose="020B0604030504040204"/>
+              <a:ea typeface="Verdana" panose="020B0604030504040204"/>
+            </a:endParaRPr>
+          </a:p>
+          <a:p>
+            <a:pPr marL="0" indent="0">
+              <a:spcBef>
+                <a:spcPts val="500"/>
+              </a:spcBef>
+              <a:spcAft>
+                <a:spcPts val="500"/>
+              </a:spcAft>
+            </a:pPr>
+            <a:r>
+              <a:rPr sz="2400" b="0" i="0">
+                <a:solidFill>
+                  <a:srgbClr val="000000"/>
+                </a:solidFill>
+                <a:latin typeface="Segoe UI" panose="020B0502040204020203"/>
+                <a:ea typeface="Segoe UI" panose="020B0502040204020203"/>
+              </a:rPr>
+              <a:t>ALL Syntax With SELECT</a:t>
+            </a:r>
+            <a:endParaRPr sz="2400" b="0" i="0">
+              <a:solidFill>
+                <a:srgbClr val="000000"/>
+              </a:solidFill>
+              <a:latin typeface="Segoe UI" panose="020B0502040204020203"/>
+              <a:ea typeface="Segoe UI" panose="020B0502040204020203"/>
+            </a:endParaRPr>
+          </a:p>
+          <a:p>
+            <a:pPr marL="0" indent="0">
+              <a:spcBef>
+                <a:spcPts val="800"/>
+              </a:spcBef>
+              <a:spcAft>
+                <a:spcPts val="800"/>
+              </a:spcAft>
+            </a:pPr>
+            <a:r>
+              <a:rPr sz="1600" b="0" i="0">
+                <a:solidFill>
+                  <a:srgbClr val="005CC5"/>
+                </a:solidFill>
+                <a:latin typeface="Consolas" panose="020B0609020204030204"/>
+                <a:ea typeface="Consolas" panose="020B0609020204030204"/>
+              </a:rPr>
+              <a:t>SELECT</a:t>
+            </a:r>
+            <a:r>
+              <a:rPr sz="1600" b="0" i="0">
+                <a:solidFill>
+                  <a:srgbClr val="000000"/>
+                </a:solidFill>
+                <a:latin typeface="Consolas" panose="020B0609020204030204"/>
+                <a:ea typeface="Consolas" panose="020B0609020204030204"/>
+              </a:rPr>
+              <a:t> </a:t>
+            </a:r>
+            <a:r>
+              <a:rPr sz="1600" b="0" i="0">
+                <a:solidFill>
+                  <a:srgbClr val="005CC5"/>
+                </a:solidFill>
+                <a:latin typeface="Consolas" panose="020B0609020204030204"/>
+                <a:ea typeface="Consolas" panose="020B0609020204030204"/>
+              </a:rPr>
+              <a:t>ALL</a:t>
+            </a:r>
+            <a:r>
+              <a:rPr sz="1600" b="0" i="0">
+                <a:solidFill>
+                  <a:srgbClr val="000000"/>
+                </a:solidFill>
+                <a:latin typeface="Consolas" panose="020B0609020204030204"/>
+                <a:ea typeface="Consolas" panose="020B0609020204030204"/>
+              </a:rPr>
+              <a:t> column_name(s)</a:t>
+            </a:r>
+            <a:endParaRPr sz="1600" b="0" i="0">
+              <a:solidFill>
+                <a:srgbClr val="000000"/>
+              </a:solidFill>
+              <a:latin typeface="Consolas" panose="020B0609020204030204"/>
+              <a:ea typeface="Consolas" panose="020B0609020204030204"/>
+            </a:endParaRPr>
+          </a:p>
+          <a:p>
+            <a:pPr marL="0" indent="0">
+              <a:spcBef>
+                <a:spcPts val="800"/>
+              </a:spcBef>
+              <a:spcAft>
+                <a:spcPts val="800"/>
+              </a:spcAft>
+            </a:pPr>
+            <a:r>
+              <a:rPr sz="1600" b="0" i="0">
+                <a:solidFill>
+                  <a:srgbClr val="005CC5"/>
+                </a:solidFill>
+                <a:latin typeface="Consolas" panose="020B0609020204030204"/>
+                <a:ea typeface="Consolas" panose="020B0609020204030204"/>
+              </a:rPr>
+              <a:t>FROM</a:t>
+            </a:r>
+            <a:r>
+              <a:rPr sz="1600" b="0" i="0">
+                <a:solidFill>
+                  <a:srgbClr val="000000"/>
+                </a:solidFill>
+                <a:latin typeface="Consolas" panose="020B0609020204030204"/>
+                <a:ea typeface="Consolas" panose="020B0609020204030204"/>
+              </a:rPr>
+              <a:t> table_name</a:t>
+            </a:r>
+            <a:endParaRPr sz="1600" b="0" i="0">
+              <a:solidFill>
+                <a:srgbClr val="000000"/>
+              </a:solidFill>
+              <a:latin typeface="Consolas" panose="020B0609020204030204"/>
+              <a:ea typeface="Consolas" panose="020B0609020204030204"/>
+            </a:endParaRPr>
+          </a:p>
+          <a:p>
+            <a:pPr marL="0" indent="0">
+              <a:spcBef>
+                <a:spcPts val="800"/>
+              </a:spcBef>
+              <a:spcAft>
+                <a:spcPts val="800"/>
+              </a:spcAft>
+            </a:pPr>
+            <a:r>
+              <a:rPr sz="1600" b="0" i="0">
+                <a:solidFill>
+                  <a:srgbClr val="005CC5"/>
+                </a:solidFill>
+                <a:latin typeface="Consolas" panose="020B0609020204030204"/>
+                <a:ea typeface="Consolas" panose="020B0609020204030204"/>
+              </a:rPr>
+              <a:t>WHERE</a:t>
+            </a:r>
+            <a:r>
+              <a:rPr sz="1600" b="0" i="0">
+                <a:solidFill>
+                  <a:srgbClr val="000000"/>
+                </a:solidFill>
+                <a:latin typeface="Consolas" panose="020B0609020204030204"/>
+                <a:ea typeface="Consolas" panose="020B0609020204030204"/>
+              </a:rPr>
+              <a:t> condition;</a:t>
+            </a:r>
+            <a:endParaRPr sz="1600" b="0" i="0">
+              <a:solidFill>
+                <a:srgbClr val="000000"/>
+              </a:solidFill>
+              <a:latin typeface="Consolas" panose="020B0609020204030204"/>
+              <a:ea typeface="Consolas" panose="020B0609020204030204"/>
+            </a:endParaRPr>
+          </a:p>
+          <a:p>
+            <a:pPr marL="0" indent="0">
+              <a:spcBef>
+                <a:spcPts val="500"/>
+              </a:spcBef>
+              <a:spcAft>
+                <a:spcPts val="500"/>
+              </a:spcAft>
+            </a:pPr>
+            <a:endParaRPr sz="1600" b="0" i="0">
+              <a:solidFill>
+                <a:srgbClr val="000000"/>
+              </a:solidFill>
+              <a:latin typeface="Verdana" panose="020B0604030504040204"/>
+              <a:ea typeface="Verdana" panose="020B0604030504040204"/>
+            </a:endParaRPr>
+          </a:p>
+        </p:txBody>
+      </p:sp>
+      <p:sp>
+        <p:nvSpPr>
+          <p:cNvPr id="3" name="Text Box 2"/>
+          <p:cNvSpPr txBox="1"/>
+          <p:nvPr/>
+        </p:nvSpPr>
+        <p:spPr>
+          <a:xfrm>
+            <a:off x="6006465" y="2463800"/>
+            <a:ext cx="6096000" cy="3853815"/>
           </a:xfrm>
           <a:prstGeom prst="rect">
             <a:avLst/>
@@ -5755,155 +4533,352 @@
             <a:spAutoFit/>
           </a:bodyPr>
           <a:p>
-            <a:r>
-              <a:rPr lang="en-US" sz="2400" b="1">
-                <a:solidFill>
-                  <a:srgbClr val="C00000"/>
-                </a:solidFill>
-              </a:rPr>
-              <a:t>******</a:t>
-            </a:r>
-            <a:endParaRPr lang="en-US" sz="2400" b="1">
-              <a:solidFill>
-                <a:srgbClr val="C00000"/>
-              </a:solidFill>
-            </a:endParaRPr>
-          </a:p>
-          <a:p>
-            <a:r>
-              <a:rPr lang="en-US" sz="2400" b="1">
-                <a:solidFill>
-                  <a:srgbClr val="C00000"/>
-                </a:solidFill>
-              </a:rPr>
-              <a:t>LEARN</a:t>
-            </a:r>
-            <a:endParaRPr lang="en-US" sz="2400" b="1">
-              <a:solidFill>
-                <a:srgbClr val="C00000"/>
-              </a:solidFill>
-            </a:endParaRPr>
-          </a:p>
-          <a:p>
-            <a:pPr marL="342900" indent="-342900">
-              <a:buFont typeface="Arial" panose="020B0604020202020204" pitchFamily="34" charset="0"/>
-              <a:buChar char="•"/>
-            </a:pPr>
-            <a:r>
-              <a:rPr lang="en-US" sz="2400">
-                <a:sym typeface="+mn-ea"/>
-              </a:rPr>
-              <a:t>https://www.javatpoint.com/dbms-tutorial</a:t>
-            </a:r>
-            <a:endParaRPr lang="en-US" sz="2400" b="1">
-              <a:solidFill>
-                <a:srgbClr val="C00000"/>
-              </a:solidFill>
-            </a:endParaRPr>
-          </a:p>
-          <a:p>
-            <a:pPr marL="285750" indent="-285750">
-              <a:buFont typeface="Arial" panose="020B0604020202020204" pitchFamily="34" charset="0"/>
-              <a:buChar char="•"/>
-            </a:pPr>
-            <a:r>
-              <a:rPr lang="en-US" sz="2400"/>
-              <a:t>https://www.mysqltutorial.org/mysql-basics/</a:t>
-            </a:r>
-            <a:endParaRPr lang="en-US" sz="2400"/>
-          </a:p>
-          <a:p>
-            <a:pPr marL="285750" indent="-285750">
-              <a:buFont typeface="Arial" panose="020B0604020202020204" pitchFamily="34" charset="0"/>
-              <a:buChar char="•"/>
-            </a:pPr>
-            <a:r>
-              <a:rPr lang="en-US" sz="2400"/>
-              <a:t>https://www.javatpoint.com/mysql-tutorial</a:t>
-            </a:r>
-            <a:endParaRPr lang="en-US" sz="2400"/>
-          </a:p>
-          <a:p>
-            <a:pPr marL="285750" indent="-285750">
-              <a:buFont typeface="Arial" panose="020B0604020202020204" pitchFamily="34" charset="0"/>
-              <a:buChar char="•"/>
-            </a:pPr>
-            <a:r>
-              <a:rPr lang="en-US" sz="2400"/>
-              <a:t>https://www.geeksforgeeks.org/mysql-tutorial/</a:t>
-            </a:r>
-            <a:endParaRPr lang="en-US" sz="2400"/>
-          </a:p>
-          <a:p>
-            <a:endParaRPr lang="en-US" sz="2400"/>
-          </a:p>
-          <a:p>
-            <a:r>
-              <a:rPr lang="en-US" sz="2400" b="1">
-                <a:solidFill>
-                  <a:srgbClr val="C00000"/>
-                </a:solidFill>
-              </a:rPr>
-              <a:t>QUESTIONS PRACTICE</a:t>
-            </a:r>
-            <a:endParaRPr lang="en-US" sz="2400"/>
-          </a:p>
-          <a:p>
-            <a:pPr marL="285750" indent="-285750">
-              <a:buFont typeface="Arial" panose="020B0604020202020204" pitchFamily="34" charset="0"/>
-              <a:buChar char="•"/>
-            </a:pPr>
-            <a:r>
-              <a:rPr lang="en-US" sz="2400"/>
-              <a:t>https://www.w3resource.com/mysql-exercises/join-exercises/</a:t>
-            </a:r>
-            <a:endParaRPr lang="en-US" sz="2400"/>
-          </a:p>
-          <a:p>
-            <a:pPr marL="342900" indent="-342900">
-              <a:buFont typeface="Arial" panose="020B0604020202020204" pitchFamily="34" charset="0"/>
-              <a:buChar char="•"/>
-            </a:pPr>
-            <a:r>
-              <a:rPr lang="en-US" sz="2400"/>
-              <a:t>https://test.sanfoundry.com/mysql-tests/ (mcQ)</a:t>
-            </a:r>
-            <a:endParaRPr lang="en-US" sz="2400"/>
-          </a:p>
-          <a:p>
-            <a:pPr marL="342900" indent="-342900">
-              <a:buFont typeface="Arial" panose="020B0604020202020204" pitchFamily="34" charset="0"/>
-              <a:buChar char="•"/>
-            </a:pPr>
-            <a:r>
-              <a:rPr lang="en-US" sz="2400"/>
-              <a:t>https://www.interviewbit.com/courses/databases/sql-queries/</a:t>
-            </a:r>
-            <a:endParaRPr lang="en-US" sz="2400"/>
-          </a:p>
-          <a:p>
-            <a:pPr marL="342900" indent="-342900">
-              <a:buFont typeface="Arial" panose="020B0604020202020204" pitchFamily="34" charset="0"/>
-              <a:buChar char="•"/>
-            </a:pPr>
-            <a:r>
-              <a:rPr lang="en-US" sz="2400"/>
-              <a:t>https://www.hackerrank.com/domains/sql</a:t>
-            </a:r>
-            <a:endParaRPr lang="en-US" sz="2400"/>
+            <a:pPr marL="0" indent="0">
+              <a:spcBef>
+                <a:spcPts val="500"/>
+              </a:spcBef>
+              <a:spcAft>
+                <a:spcPts val="500"/>
+              </a:spcAft>
+            </a:pPr>
+            <a:r>
+              <a:rPr sz="2400">
+                <a:solidFill>
+                  <a:srgbClr val="000000"/>
+                </a:solidFill>
+                <a:latin typeface="Segoe UI" panose="020B0502040204020203"/>
+                <a:ea typeface="Segoe UI" panose="020B0502040204020203"/>
+                <a:sym typeface="+mn-ea"/>
+              </a:rPr>
+              <a:t>ALL Syntax With WHERE or HAVING</a:t>
+            </a:r>
+            <a:endParaRPr sz="2400" b="0" i="0">
+              <a:solidFill>
+                <a:srgbClr val="000000"/>
+              </a:solidFill>
+              <a:latin typeface="Segoe UI" panose="020B0502040204020203"/>
+              <a:ea typeface="Segoe UI" panose="020B0502040204020203"/>
+            </a:endParaRPr>
+          </a:p>
+          <a:p>
+            <a:pPr marL="0" indent="0">
+              <a:spcBef>
+                <a:spcPts val="800"/>
+              </a:spcBef>
+              <a:spcAft>
+                <a:spcPts val="800"/>
+              </a:spcAft>
+            </a:pPr>
+            <a:r>
+              <a:rPr sz="1600">
+                <a:solidFill>
+                  <a:srgbClr val="005CC5"/>
+                </a:solidFill>
+                <a:latin typeface="Consolas" panose="020B0609020204030204"/>
+                <a:ea typeface="Consolas" panose="020B0609020204030204"/>
+                <a:sym typeface="+mn-ea"/>
+              </a:rPr>
+              <a:t>SELECT</a:t>
+            </a:r>
+            <a:r>
+              <a:rPr sz="1600">
+                <a:solidFill>
+                  <a:srgbClr val="000000"/>
+                </a:solidFill>
+                <a:latin typeface="Consolas" panose="020B0609020204030204"/>
+                <a:ea typeface="Consolas" panose="020B0609020204030204"/>
+                <a:sym typeface="+mn-ea"/>
+              </a:rPr>
+              <a:t> column_name(s)</a:t>
+            </a:r>
+            <a:endParaRPr sz="1600" b="0" i="0">
+              <a:solidFill>
+                <a:srgbClr val="000000"/>
+              </a:solidFill>
+              <a:latin typeface="Consolas" panose="020B0609020204030204"/>
+              <a:ea typeface="Consolas" panose="020B0609020204030204"/>
+            </a:endParaRPr>
+          </a:p>
+          <a:p>
+            <a:pPr marL="0" indent="0">
+              <a:spcBef>
+                <a:spcPts val="800"/>
+              </a:spcBef>
+              <a:spcAft>
+                <a:spcPts val="800"/>
+              </a:spcAft>
+            </a:pPr>
+            <a:r>
+              <a:rPr sz="1600">
+                <a:solidFill>
+                  <a:srgbClr val="005CC5"/>
+                </a:solidFill>
+                <a:latin typeface="Consolas" panose="020B0609020204030204"/>
+                <a:ea typeface="Consolas" panose="020B0609020204030204"/>
+                <a:sym typeface="+mn-ea"/>
+              </a:rPr>
+              <a:t>FROM</a:t>
+            </a:r>
+            <a:r>
+              <a:rPr sz="1600">
+                <a:solidFill>
+                  <a:srgbClr val="000000"/>
+                </a:solidFill>
+                <a:latin typeface="Consolas" panose="020B0609020204030204"/>
+                <a:ea typeface="Consolas" panose="020B0609020204030204"/>
+                <a:sym typeface="+mn-ea"/>
+              </a:rPr>
+              <a:t> table_name</a:t>
+            </a:r>
+            <a:endParaRPr sz="1600" b="0" i="0">
+              <a:solidFill>
+                <a:srgbClr val="000000"/>
+              </a:solidFill>
+              <a:latin typeface="Consolas" panose="020B0609020204030204"/>
+              <a:ea typeface="Consolas" panose="020B0609020204030204"/>
+            </a:endParaRPr>
+          </a:p>
+          <a:p>
+            <a:pPr marL="0" indent="0">
+              <a:spcBef>
+                <a:spcPts val="800"/>
+              </a:spcBef>
+              <a:spcAft>
+                <a:spcPts val="800"/>
+              </a:spcAft>
+            </a:pPr>
+            <a:r>
+              <a:rPr sz="1600">
+                <a:solidFill>
+                  <a:srgbClr val="005CC5"/>
+                </a:solidFill>
+                <a:latin typeface="Consolas" panose="020B0609020204030204"/>
+                <a:ea typeface="Consolas" panose="020B0609020204030204"/>
+                <a:sym typeface="+mn-ea"/>
+              </a:rPr>
+              <a:t>WHERE</a:t>
+            </a:r>
+            <a:r>
+              <a:rPr sz="1600">
+                <a:solidFill>
+                  <a:srgbClr val="000000"/>
+                </a:solidFill>
+                <a:latin typeface="Consolas" panose="020B0609020204030204"/>
+                <a:ea typeface="Consolas" panose="020B0609020204030204"/>
+                <a:sym typeface="+mn-ea"/>
+              </a:rPr>
+              <a:t> column_name operator </a:t>
+            </a:r>
+            <a:r>
+              <a:rPr sz="1600">
+                <a:solidFill>
+                  <a:srgbClr val="005CC5"/>
+                </a:solidFill>
+                <a:latin typeface="Consolas" panose="020B0609020204030204"/>
+                <a:ea typeface="Consolas" panose="020B0609020204030204"/>
+                <a:sym typeface="+mn-ea"/>
+              </a:rPr>
+              <a:t>ALL</a:t>
+            </a:r>
+            <a:endParaRPr sz="1600" b="0" i="0">
+              <a:solidFill>
+                <a:srgbClr val="005CC5"/>
+              </a:solidFill>
+              <a:latin typeface="Consolas" panose="020B0609020204030204"/>
+              <a:ea typeface="Consolas" panose="020B0609020204030204"/>
+            </a:endParaRPr>
+          </a:p>
+          <a:p>
+            <a:pPr marL="0" indent="0">
+              <a:spcBef>
+                <a:spcPts val="800"/>
+              </a:spcBef>
+              <a:spcAft>
+                <a:spcPts val="800"/>
+              </a:spcAft>
+            </a:pPr>
+            <a:r>
+              <a:rPr sz="1600">
+                <a:solidFill>
+                  <a:srgbClr val="000000"/>
+                </a:solidFill>
+                <a:latin typeface="Consolas" panose="020B0609020204030204"/>
+                <a:ea typeface="Consolas" panose="020B0609020204030204"/>
+                <a:sym typeface="+mn-ea"/>
+              </a:rPr>
+              <a:t>  (</a:t>
+            </a:r>
+            <a:r>
+              <a:rPr sz="1600">
+                <a:solidFill>
+                  <a:srgbClr val="005CC5"/>
+                </a:solidFill>
+                <a:latin typeface="Consolas" panose="020B0609020204030204"/>
+                <a:ea typeface="Consolas" panose="020B0609020204030204"/>
+                <a:sym typeface="+mn-ea"/>
+              </a:rPr>
+              <a:t>SELECT</a:t>
+            </a:r>
+            <a:r>
+              <a:rPr sz="1600">
+                <a:solidFill>
+                  <a:srgbClr val="000000"/>
+                </a:solidFill>
+                <a:latin typeface="Consolas" panose="020B0609020204030204"/>
+                <a:ea typeface="Consolas" panose="020B0609020204030204"/>
+                <a:sym typeface="+mn-ea"/>
+              </a:rPr>
+              <a:t> column_name</a:t>
+            </a:r>
+            <a:endParaRPr sz="1600" b="0" i="0">
+              <a:solidFill>
+                <a:srgbClr val="000000"/>
+              </a:solidFill>
+              <a:latin typeface="Consolas" panose="020B0609020204030204"/>
+              <a:ea typeface="Consolas" panose="020B0609020204030204"/>
+            </a:endParaRPr>
+          </a:p>
+          <a:p>
+            <a:pPr marL="0" indent="0">
+              <a:spcBef>
+                <a:spcPts val="800"/>
+              </a:spcBef>
+              <a:spcAft>
+                <a:spcPts val="800"/>
+              </a:spcAft>
+            </a:pPr>
+            <a:r>
+              <a:rPr sz="1600">
+                <a:solidFill>
+                  <a:srgbClr val="000000"/>
+                </a:solidFill>
+                <a:latin typeface="Consolas" panose="020B0609020204030204"/>
+                <a:ea typeface="Consolas" panose="020B0609020204030204"/>
+                <a:sym typeface="+mn-ea"/>
+              </a:rPr>
+              <a:t>  </a:t>
+            </a:r>
+            <a:r>
+              <a:rPr sz="1600">
+                <a:solidFill>
+                  <a:srgbClr val="005CC5"/>
+                </a:solidFill>
+                <a:latin typeface="Consolas" panose="020B0609020204030204"/>
+                <a:ea typeface="Consolas" panose="020B0609020204030204"/>
+                <a:sym typeface="+mn-ea"/>
+              </a:rPr>
+              <a:t>FROM</a:t>
+            </a:r>
+            <a:r>
+              <a:rPr sz="1600">
+                <a:solidFill>
+                  <a:srgbClr val="000000"/>
+                </a:solidFill>
+                <a:latin typeface="Consolas" panose="020B0609020204030204"/>
+                <a:ea typeface="Consolas" panose="020B0609020204030204"/>
+                <a:sym typeface="+mn-ea"/>
+              </a:rPr>
+              <a:t> table_name</a:t>
+            </a:r>
+            <a:endParaRPr sz="1600" b="0" i="0">
+              <a:solidFill>
+                <a:srgbClr val="000000"/>
+              </a:solidFill>
+              <a:latin typeface="Consolas" panose="020B0609020204030204"/>
+              <a:ea typeface="Consolas" panose="020B0609020204030204"/>
+            </a:endParaRPr>
+          </a:p>
+          <a:p>
+            <a:pPr marL="0" indent="0">
+              <a:spcBef>
+                <a:spcPts val="800"/>
+              </a:spcBef>
+              <a:spcAft>
+                <a:spcPts val="800"/>
+              </a:spcAft>
+            </a:pPr>
+            <a:r>
+              <a:rPr sz="1600">
+                <a:solidFill>
+                  <a:srgbClr val="000000"/>
+                </a:solidFill>
+                <a:latin typeface="Consolas" panose="020B0609020204030204"/>
+                <a:ea typeface="Consolas" panose="020B0609020204030204"/>
+                <a:sym typeface="+mn-ea"/>
+              </a:rPr>
+              <a:t>  </a:t>
+            </a:r>
+            <a:r>
+              <a:rPr sz="1600">
+                <a:solidFill>
+                  <a:srgbClr val="005CC5"/>
+                </a:solidFill>
+                <a:latin typeface="Consolas" panose="020B0609020204030204"/>
+                <a:ea typeface="Consolas" panose="020B0609020204030204"/>
+                <a:sym typeface="+mn-ea"/>
+              </a:rPr>
+              <a:t>WHERE</a:t>
+            </a:r>
+            <a:r>
+              <a:rPr sz="1600">
+                <a:solidFill>
+                  <a:srgbClr val="000000"/>
+                </a:solidFill>
+                <a:latin typeface="Consolas" panose="020B0609020204030204"/>
+                <a:ea typeface="Consolas" panose="020B0609020204030204"/>
+                <a:sym typeface="+mn-ea"/>
+              </a:rPr>
+              <a:t> condition);</a:t>
+            </a:r>
+            <a:endParaRPr sz="1600" b="0" i="0">
+              <a:solidFill>
+                <a:srgbClr val="000000"/>
+              </a:solidFill>
+              <a:latin typeface="Consolas" panose="020B0609020204030204"/>
+              <a:ea typeface="Consolas" panose="020B0609020204030204"/>
+            </a:endParaRPr>
+          </a:p>
+          <a:p>
+            <a:pPr marL="0" indent="0">
+              <a:spcBef>
+                <a:spcPts val="1000"/>
+              </a:spcBef>
+              <a:spcAft>
+                <a:spcPts val="1000"/>
+              </a:spcAft>
+            </a:pPr>
+            <a:r>
+              <a:rPr sz="1600">
+                <a:solidFill>
+                  <a:srgbClr val="000000"/>
+                </a:solidFill>
+                <a:latin typeface="Verdana" panose="020B0604030504040204"/>
+                <a:ea typeface="Verdana" panose="020B0604030504040204"/>
+                <a:sym typeface="+mn-ea"/>
+              </a:rPr>
+              <a:t>Note: The operator must be a standard comparison operator (=, &lt;&gt;, !=, &gt;, &gt;=, &lt;, or &lt;=).</a:t>
+            </a:r>
+            <a:endParaRPr lang="en-US" sz="1600">
+              <a:solidFill>
+                <a:srgbClr val="000000"/>
+              </a:solidFill>
+              <a:latin typeface="Verdana" panose="020B0604030504040204"/>
+              <a:ea typeface="Verdana" panose="020B0604030504040204"/>
+              <a:sym typeface="+mn-ea"/>
+            </a:endParaRPr>
           </a:p>
         </p:txBody>
       </p:sp>
       <p:sp>
         <p:nvSpPr>
-          <p:cNvPr id="5" name="Text Box 4"/>
+          <p:cNvPr id="4" name="Text Box 3"/>
           <p:cNvSpPr txBox="1"/>
           <p:nvPr/>
         </p:nvSpPr>
         <p:spPr>
           <a:xfrm>
-            <a:off x="-115570" y="5694045"/>
-            <a:ext cx="6096000" cy="645160"/>
+            <a:off x="225425" y="0"/>
+            <a:ext cx="6566535" cy="6864985"/>
           </a:xfrm>
           <a:prstGeom prst="rect">
             <a:avLst/>
@@ -5915,187 +4890,587 @@
             <a:spAutoFit/>
           </a:bodyPr>
           <a:p>
-            <a:r>
-              <a:rPr lang="en-US"/>
-              <a:t>- </a:t>
-            </a:r>
-            <a:r>
-              <a:rPr lang="en-US" b="1"/>
-              <a:t>online complier</a:t>
-            </a:r>
-            <a:endParaRPr lang="en-US"/>
-          </a:p>
-          <a:p>
-            <a:pPr indent="457200"/>
-            <a:r>
-              <a:rPr lang="en-US"/>
-              <a:t>https://onecompiler.com/mysql</a:t>
-            </a:r>
-            <a:endParaRPr lang="en-US"/>
-          </a:p>
-        </p:txBody>
-      </p:sp>
-      <p:sp>
-        <p:nvSpPr>
-          <p:cNvPr id="6" name="Text Box 5"/>
-          <p:cNvSpPr txBox="1"/>
-          <p:nvPr/>
-        </p:nvSpPr>
-        <p:spPr>
-          <a:xfrm>
-            <a:off x="288290" y="4430395"/>
-            <a:ext cx="8495030" cy="1198880"/>
-          </a:xfrm>
-          <a:prstGeom prst="rect">
-            <a:avLst/>
-          </a:prstGeom>
-          <a:noFill/>
-        </p:spPr>
-        <p:txBody>
-          <a:bodyPr wrap="square" rtlCol="0" anchor="t">
-            <a:spAutoFit/>
-          </a:bodyPr>
-          <a:p>
-            <a:r>
-              <a:rPr lang="en-US" b="1"/>
-              <a:t>- Pracice</a:t>
-            </a:r>
-            <a:endParaRPr lang="en-US" b="1"/>
-          </a:p>
-          <a:p>
-            <a:pPr indent="457200"/>
-            <a:r>
-              <a:rPr lang="en-US"/>
-              <a:t>1. sqlbotl</a:t>
-            </a:r>
-            <a:endParaRPr lang="en-US"/>
-          </a:p>
-          <a:p>
-            <a:pPr indent="457200"/>
-            <a:r>
-              <a:rPr lang="en-US"/>
-              <a:t>3.https://sqlpad.io/playground/mysql/</a:t>
-            </a:r>
-            <a:endParaRPr lang="en-US"/>
-          </a:p>
-          <a:p>
-            <a:pPr indent="457200"/>
-            <a:r>
-              <a:rPr lang="en-US"/>
-              <a:t>4. https://8weeksqlchallenge.com/case-study-6/ -- analyst</a:t>
-            </a:r>
-            <a:endParaRPr lang="en-US"/>
-          </a:p>
-        </p:txBody>
-      </p:sp>
-      <p:sp>
-        <p:nvSpPr>
-          <p:cNvPr id="4" name="Text Box 3"/>
-          <p:cNvSpPr txBox="1"/>
-          <p:nvPr/>
-        </p:nvSpPr>
-        <p:spPr>
-          <a:xfrm>
-            <a:off x="5823585" y="419735"/>
-            <a:ext cx="6096000" cy="1198880"/>
-          </a:xfrm>
-          <a:prstGeom prst="rect">
-            <a:avLst/>
-          </a:prstGeom>
-          <a:noFill/>
-        </p:spPr>
-        <p:txBody>
-          <a:bodyPr wrap="square" rtlCol="0" anchor="t">
-            <a:spAutoFit/>
-          </a:bodyPr>
-          <a:p>
-            <a:r>
-              <a:rPr lang="en-US" b="1"/>
-              <a:t>learn resource mysql</a:t>
-            </a:r>
-            <a:endParaRPr lang="en-US" b="1"/>
-          </a:p>
-          <a:p>
-            <a:pPr indent="457200"/>
-            <a:r>
-              <a:rPr lang="en-US"/>
-              <a:t>https://www.mysqltutorial.org</a:t>
-            </a:r>
-            <a:endParaRPr lang="en-US"/>
-          </a:p>
-          <a:p>
-            <a:pPr indent="457200"/>
-            <a:r>
-              <a:rPr lang="en-US">
-                <a:sym typeface="+mn-ea"/>
-              </a:rPr>
-              <a:t>https://www.geeksforgeeks.org/mysql-tutorial/?ref=lbp</a:t>
-            </a:r>
-            <a:endParaRPr lang="en-US"/>
-          </a:p>
-          <a:p>
-            <a:endParaRPr lang="en-US"/>
-          </a:p>
-        </p:txBody>
-      </p:sp>
-      <p:sp>
-        <p:nvSpPr>
-          <p:cNvPr id="7" name="Text Box 6"/>
-          <p:cNvSpPr txBox="1"/>
-          <p:nvPr/>
-        </p:nvSpPr>
-        <p:spPr>
-          <a:xfrm>
-            <a:off x="6920865" y="4697095"/>
-            <a:ext cx="8495030" cy="1476375"/>
-          </a:xfrm>
-          <a:prstGeom prst="rect">
-            <a:avLst/>
-          </a:prstGeom>
-          <a:noFill/>
-        </p:spPr>
-        <p:txBody>
-          <a:bodyPr wrap="square" rtlCol="0" anchor="t">
-            <a:spAutoFit/>
-          </a:bodyPr>
-          <a:p>
-            <a:r>
-              <a:rPr lang="en-US" b="1"/>
-              <a:t>- Pracice</a:t>
-            </a:r>
-            <a:endParaRPr lang="en-US" b="1"/>
-          </a:p>
-          <a:p>
-            <a:pPr indent="457200"/>
-            <a:r>
-              <a:rPr lang="en-US"/>
-              <a:t>1. sqlbotl</a:t>
-            </a:r>
-            <a:endParaRPr lang="en-US"/>
-          </a:p>
-          <a:p>
-            <a:pPr indent="457200"/>
-            <a:r>
-              <a:rPr lang="en-US"/>
-              <a:t>2, hackerrank</a:t>
-            </a:r>
-            <a:endParaRPr lang="en-US"/>
-          </a:p>
-          <a:p>
-            <a:pPr indent="457200"/>
-            <a:r>
-              <a:rPr lang="en-US"/>
-              <a:t>3.https://sqlpad.io/playground/mysql/</a:t>
-            </a:r>
-            <a:endParaRPr lang="en-US"/>
-          </a:p>
-          <a:p>
-            <a:pPr indent="457200"/>
-            <a:r>
-              <a:rPr lang="en-US"/>
-              <a:t>4. https://8weeksqlchallenge.com/case-study-6/ -- analyst</a:t>
-            </a:r>
-            <a:endParaRPr lang="en-US"/>
+            <a:pPr marL="0" indent="0">
+              <a:spcBef>
+                <a:spcPts val="500"/>
+              </a:spcBef>
+              <a:spcAft>
+                <a:spcPts val="500"/>
+              </a:spcAft>
+            </a:pPr>
+            <a:r>
+              <a:rPr sz="2400">
+                <a:solidFill>
+                  <a:srgbClr val="000000"/>
+                </a:solidFill>
+                <a:latin typeface="Segoe UI" panose="020B0502040204020203"/>
+                <a:ea typeface="Segoe UI" panose="020B0502040204020203"/>
+                <a:sym typeface="+mn-ea"/>
+              </a:rPr>
+              <a:t>The MySQL ANY and ALL Operators</a:t>
+            </a:r>
+            <a:endParaRPr sz="2400" b="0" i="0">
+              <a:solidFill>
+                <a:srgbClr val="000000"/>
+              </a:solidFill>
+              <a:latin typeface="Segoe UI" panose="020B0502040204020203"/>
+              <a:ea typeface="Segoe UI" panose="020B0502040204020203"/>
+            </a:endParaRPr>
+          </a:p>
+          <a:p>
+            <a:pPr marL="0" indent="0">
+              <a:spcBef>
+                <a:spcPts val="1200"/>
+              </a:spcBef>
+              <a:spcAft>
+                <a:spcPts val="1200"/>
+              </a:spcAft>
+            </a:pPr>
+            <a:r>
+              <a:rPr sz="1600">
+                <a:solidFill>
+                  <a:srgbClr val="000000"/>
+                </a:solidFill>
+                <a:latin typeface="Verdana" panose="020B0604030504040204"/>
+                <a:ea typeface="Verdana" panose="020B0604030504040204"/>
+                <a:sym typeface="+mn-ea"/>
+              </a:rPr>
+              <a:t>The </a:t>
+            </a:r>
+            <a:r>
+              <a:rPr sz="1600">
+                <a:solidFill>
+                  <a:srgbClr val="DC143C"/>
+                </a:solidFill>
+                <a:latin typeface="Consolas" panose="020B0609020204030204"/>
+                <a:ea typeface="Consolas" panose="020B0609020204030204"/>
+                <a:sym typeface="+mn-ea"/>
+              </a:rPr>
+              <a:t>ANY</a:t>
+            </a:r>
+            <a:r>
+              <a:rPr sz="1600">
+                <a:solidFill>
+                  <a:srgbClr val="000000"/>
+                </a:solidFill>
+                <a:latin typeface="Verdana" panose="020B0604030504040204"/>
+                <a:ea typeface="Verdana" panose="020B0604030504040204"/>
+                <a:sym typeface="+mn-ea"/>
+              </a:rPr>
+              <a:t> and </a:t>
+            </a:r>
+            <a:r>
+              <a:rPr sz="1600">
+                <a:solidFill>
+                  <a:srgbClr val="DC143C"/>
+                </a:solidFill>
+                <a:latin typeface="Consolas" panose="020B0609020204030204"/>
+                <a:ea typeface="Consolas" panose="020B0609020204030204"/>
+                <a:sym typeface="+mn-ea"/>
+              </a:rPr>
+              <a:t>ALL</a:t>
+            </a:r>
+            <a:r>
+              <a:rPr sz="1600">
+                <a:solidFill>
+                  <a:srgbClr val="000000"/>
+                </a:solidFill>
+                <a:latin typeface="Verdana" panose="020B0604030504040204"/>
+                <a:ea typeface="Verdana" panose="020B0604030504040204"/>
+                <a:sym typeface="+mn-ea"/>
+              </a:rPr>
+              <a:t> operators allow you to perform a comparison between a single column value and a range of other values.</a:t>
+            </a:r>
+            <a:endParaRPr sz="1600" b="0" i="0">
+              <a:solidFill>
+                <a:srgbClr val="000000"/>
+              </a:solidFill>
+              <a:latin typeface="Verdana" panose="020B0604030504040204"/>
+              <a:ea typeface="Verdana" panose="020B0604030504040204"/>
+            </a:endParaRPr>
+          </a:p>
+          <a:p>
+            <a:pPr marL="0" indent="0">
+              <a:spcBef>
+                <a:spcPts val="500"/>
+              </a:spcBef>
+              <a:spcAft>
+                <a:spcPts val="500"/>
+              </a:spcAft>
+            </a:pPr>
+            <a:r>
+              <a:rPr sz="2400">
+                <a:solidFill>
+                  <a:srgbClr val="000000"/>
+                </a:solidFill>
+                <a:latin typeface="Segoe UI" panose="020B0502040204020203"/>
+                <a:ea typeface="Segoe UI" panose="020B0502040204020203"/>
+                <a:sym typeface="+mn-ea"/>
+              </a:rPr>
+              <a:t>The ANY Operator</a:t>
+            </a:r>
+            <a:endParaRPr sz="2400" b="0" i="0">
+              <a:solidFill>
+                <a:srgbClr val="000000"/>
+              </a:solidFill>
+              <a:latin typeface="Segoe UI" panose="020B0502040204020203"/>
+              <a:ea typeface="Segoe UI" panose="020B0502040204020203"/>
+            </a:endParaRPr>
+          </a:p>
+          <a:p>
+            <a:pPr marL="0" indent="0">
+              <a:spcBef>
+                <a:spcPts val="1200"/>
+              </a:spcBef>
+              <a:spcAft>
+                <a:spcPts val="1200"/>
+              </a:spcAft>
+            </a:pPr>
+            <a:r>
+              <a:rPr sz="1600">
+                <a:solidFill>
+                  <a:srgbClr val="000000"/>
+                </a:solidFill>
+                <a:latin typeface="Verdana" panose="020B0604030504040204"/>
+                <a:ea typeface="Verdana" panose="020B0604030504040204"/>
+                <a:sym typeface="+mn-ea"/>
+              </a:rPr>
+              <a:t>The </a:t>
+            </a:r>
+            <a:r>
+              <a:rPr sz="1600">
+                <a:solidFill>
+                  <a:srgbClr val="DC143C"/>
+                </a:solidFill>
+                <a:latin typeface="Consolas" panose="020B0609020204030204"/>
+                <a:ea typeface="Consolas" panose="020B0609020204030204"/>
+                <a:sym typeface="+mn-ea"/>
+              </a:rPr>
+              <a:t>ANY</a:t>
+            </a:r>
+            <a:r>
+              <a:rPr sz="1600">
+                <a:solidFill>
+                  <a:srgbClr val="000000"/>
+                </a:solidFill>
+                <a:latin typeface="Verdana" panose="020B0604030504040204"/>
+                <a:ea typeface="Verdana" panose="020B0604030504040204"/>
+                <a:sym typeface="+mn-ea"/>
+              </a:rPr>
+              <a:t> operator:</a:t>
+            </a:r>
+            <a:endParaRPr sz="1600" b="0" i="0">
+              <a:solidFill>
+                <a:srgbClr val="000000"/>
+              </a:solidFill>
+              <a:latin typeface="Verdana" panose="020B0604030504040204"/>
+              <a:ea typeface="Verdana" panose="020B0604030504040204"/>
+            </a:endParaRPr>
+          </a:p>
+          <a:p>
+            <a:pPr marL="0" indent="0">
+              <a:buFont typeface="Arial" panose="020B0604020202020204"/>
+              <a:buChar char="•"/>
+            </a:pPr>
+            <a:r>
+              <a:rPr sz="1600">
+                <a:solidFill>
+                  <a:srgbClr val="000000"/>
+                </a:solidFill>
+                <a:latin typeface="Verdana" panose="020B0604030504040204"/>
+                <a:ea typeface="Verdana" panose="020B0604030504040204"/>
+                <a:sym typeface="+mn-ea"/>
+              </a:rPr>
+              <a:t>returns a boolean value as a result</a:t>
+            </a:r>
+            <a:endParaRPr sz="1600" b="0" i="0">
+              <a:solidFill>
+                <a:srgbClr val="000000"/>
+              </a:solidFill>
+              <a:latin typeface="Verdana" panose="020B0604030504040204"/>
+              <a:ea typeface="Verdana" panose="020B0604030504040204"/>
+            </a:endParaRPr>
+          </a:p>
+          <a:p>
+            <a:pPr marL="0" indent="0">
+              <a:buFont typeface="Arial" panose="020B0604020202020204"/>
+              <a:buChar char="•"/>
+            </a:pPr>
+            <a:r>
+              <a:rPr sz="1600">
+                <a:solidFill>
+                  <a:srgbClr val="000000"/>
+                </a:solidFill>
+                <a:latin typeface="Verdana" panose="020B0604030504040204"/>
+                <a:ea typeface="Verdana" panose="020B0604030504040204"/>
+                <a:sym typeface="+mn-ea"/>
+              </a:rPr>
+              <a:t>returns TRUE if ANY of the subquery values meet the condition</a:t>
+            </a:r>
+            <a:endParaRPr sz="1600" b="0" i="0">
+              <a:solidFill>
+                <a:srgbClr val="000000"/>
+              </a:solidFill>
+              <a:latin typeface="Verdana" panose="020B0604030504040204"/>
+              <a:ea typeface="Verdana" panose="020B0604030504040204"/>
+            </a:endParaRPr>
+          </a:p>
+          <a:p>
+            <a:pPr marL="0" indent="0">
+              <a:spcBef>
+                <a:spcPts val="1200"/>
+              </a:spcBef>
+              <a:spcAft>
+                <a:spcPts val="1200"/>
+              </a:spcAft>
+            </a:pPr>
+            <a:r>
+              <a:rPr sz="1600">
+                <a:solidFill>
+                  <a:srgbClr val="DC143C"/>
+                </a:solidFill>
+                <a:latin typeface="Consolas" panose="020B0609020204030204"/>
+                <a:ea typeface="Consolas" panose="020B0609020204030204"/>
+                <a:sym typeface="+mn-ea"/>
+              </a:rPr>
+              <a:t>ANY</a:t>
+            </a:r>
+            <a:r>
+              <a:rPr sz="1600">
+                <a:solidFill>
+                  <a:srgbClr val="000000"/>
+                </a:solidFill>
+                <a:latin typeface="Verdana" panose="020B0604030504040204"/>
+                <a:ea typeface="Verdana" panose="020B0604030504040204"/>
+                <a:sym typeface="+mn-ea"/>
+              </a:rPr>
+              <a:t> means that the condition will be true if the operation is true for any of the values in the range.</a:t>
+            </a:r>
+            <a:endParaRPr sz="1600" b="0" i="0">
+              <a:solidFill>
+                <a:srgbClr val="000000"/>
+              </a:solidFill>
+              <a:latin typeface="Verdana" panose="020B0604030504040204"/>
+              <a:ea typeface="Verdana" panose="020B0604030504040204"/>
+            </a:endParaRPr>
+          </a:p>
+          <a:p>
+            <a:pPr marL="0" indent="0">
+              <a:spcBef>
+                <a:spcPts val="500"/>
+              </a:spcBef>
+              <a:spcAft>
+                <a:spcPts val="500"/>
+              </a:spcAft>
+            </a:pPr>
+            <a:r>
+              <a:rPr sz="1400">
+                <a:solidFill>
+                  <a:srgbClr val="000000"/>
+                </a:solidFill>
+                <a:latin typeface="Segoe UI" panose="020B0502040204020203"/>
+                <a:ea typeface="Segoe UI" panose="020B0502040204020203"/>
+                <a:sym typeface="+mn-ea"/>
+              </a:rPr>
+              <a:t>ANY Syntax</a:t>
+            </a:r>
+            <a:endParaRPr sz="1400" b="0" i="0">
+              <a:solidFill>
+                <a:srgbClr val="000000"/>
+              </a:solidFill>
+              <a:latin typeface="Segoe UI" panose="020B0502040204020203"/>
+              <a:ea typeface="Segoe UI" panose="020B0502040204020203"/>
+            </a:endParaRPr>
+          </a:p>
+          <a:p>
+            <a:pPr marL="0" indent="0">
+              <a:spcBef>
+                <a:spcPts val="800"/>
+              </a:spcBef>
+              <a:spcAft>
+                <a:spcPts val="800"/>
+              </a:spcAft>
+            </a:pPr>
+            <a:r>
+              <a:rPr sz="1600">
+                <a:solidFill>
+                  <a:srgbClr val="005CC5"/>
+                </a:solidFill>
+                <a:latin typeface="Consolas" panose="020B0609020204030204"/>
+                <a:ea typeface="Consolas" panose="020B0609020204030204"/>
+                <a:sym typeface="+mn-ea"/>
+              </a:rPr>
+              <a:t>SELECT</a:t>
+            </a:r>
+            <a:r>
+              <a:rPr sz="1600">
+                <a:solidFill>
+                  <a:srgbClr val="000000"/>
+                </a:solidFill>
+                <a:latin typeface="Consolas" panose="020B0609020204030204"/>
+                <a:ea typeface="Consolas" panose="020B0609020204030204"/>
+                <a:sym typeface="+mn-ea"/>
+              </a:rPr>
+              <a:t> column_name(s)</a:t>
+            </a:r>
+            <a:endParaRPr sz="1600" b="0" i="0">
+              <a:solidFill>
+                <a:srgbClr val="000000"/>
+              </a:solidFill>
+              <a:latin typeface="Consolas" panose="020B0609020204030204"/>
+              <a:ea typeface="Consolas" panose="020B0609020204030204"/>
+            </a:endParaRPr>
+          </a:p>
+          <a:p>
+            <a:pPr marL="0" indent="0">
+              <a:spcBef>
+                <a:spcPts val="800"/>
+              </a:spcBef>
+              <a:spcAft>
+                <a:spcPts val="800"/>
+              </a:spcAft>
+            </a:pPr>
+            <a:r>
+              <a:rPr sz="1600">
+                <a:solidFill>
+                  <a:srgbClr val="005CC5"/>
+                </a:solidFill>
+                <a:latin typeface="Consolas" panose="020B0609020204030204"/>
+                <a:ea typeface="Consolas" panose="020B0609020204030204"/>
+                <a:sym typeface="+mn-ea"/>
+              </a:rPr>
+              <a:t>FROM</a:t>
+            </a:r>
+            <a:r>
+              <a:rPr sz="1600">
+                <a:solidFill>
+                  <a:srgbClr val="000000"/>
+                </a:solidFill>
+                <a:latin typeface="Consolas" panose="020B0609020204030204"/>
+                <a:ea typeface="Consolas" panose="020B0609020204030204"/>
+                <a:sym typeface="+mn-ea"/>
+              </a:rPr>
+              <a:t> table_name</a:t>
+            </a:r>
+            <a:endParaRPr sz="1600" b="0" i="0">
+              <a:solidFill>
+                <a:srgbClr val="000000"/>
+              </a:solidFill>
+              <a:latin typeface="Consolas" panose="020B0609020204030204"/>
+              <a:ea typeface="Consolas" panose="020B0609020204030204"/>
+            </a:endParaRPr>
+          </a:p>
+          <a:p>
+            <a:pPr marL="0" indent="0">
+              <a:spcBef>
+                <a:spcPts val="800"/>
+              </a:spcBef>
+              <a:spcAft>
+                <a:spcPts val="800"/>
+              </a:spcAft>
+            </a:pPr>
+            <a:r>
+              <a:rPr sz="1600">
+                <a:solidFill>
+                  <a:srgbClr val="005CC5"/>
+                </a:solidFill>
+                <a:latin typeface="Consolas" panose="020B0609020204030204"/>
+                <a:ea typeface="Consolas" panose="020B0609020204030204"/>
+                <a:sym typeface="+mn-ea"/>
+              </a:rPr>
+              <a:t>WHERE</a:t>
+            </a:r>
+            <a:r>
+              <a:rPr sz="1600">
+                <a:solidFill>
+                  <a:srgbClr val="000000"/>
+                </a:solidFill>
+                <a:latin typeface="Consolas" panose="020B0609020204030204"/>
+                <a:ea typeface="Consolas" panose="020B0609020204030204"/>
+                <a:sym typeface="+mn-ea"/>
+              </a:rPr>
+              <a:t> column_name operator </a:t>
+            </a:r>
+            <a:r>
+              <a:rPr sz="1600">
+                <a:solidFill>
+                  <a:srgbClr val="005CC5"/>
+                </a:solidFill>
+                <a:latin typeface="Consolas" panose="020B0609020204030204"/>
+                <a:ea typeface="Consolas" panose="020B0609020204030204"/>
+                <a:sym typeface="+mn-ea"/>
+              </a:rPr>
+              <a:t>ANY</a:t>
+            </a:r>
+            <a:endParaRPr sz="1600" b="0" i="0">
+              <a:solidFill>
+                <a:srgbClr val="005CC5"/>
+              </a:solidFill>
+              <a:latin typeface="Consolas" panose="020B0609020204030204"/>
+              <a:ea typeface="Consolas" panose="020B0609020204030204"/>
+            </a:endParaRPr>
+          </a:p>
+          <a:p>
+            <a:pPr marL="0" indent="0">
+              <a:spcBef>
+                <a:spcPts val="800"/>
+              </a:spcBef>
+              <a:spcAft>
+                <a:spcPts val="800"/>
+              </a:spcAft>
+            </a:pPr>
+            <a:r>
+              <a:rPr sz="1600">
+                <a:solidFill>
+                  <a:srgbClr val="000000"/>
+                </a:solidFill>
+                <a:latin typeface="Consolas" panose="020B0609020204030204"/>
+                <a:ea typeface="Consolas" panose="020B0609020204030204"/>
+                <a:sym typeface="+mn-ea"/>
+              </a:rPr>
+              <a:t>  (</a:t>
+            </a:r>
+            <a:r>
+              <a:rPr sz="1600">
+                <a:solidFill>
+                  <a:srgbClr val="005CC5"/>
+                </a:solidFill>
+                <a:latin typeface="Consolas" panose="020B0609020204030204"/>
+                <a:ea typeface="Consolas" panose="020B0609020204030204"/>
+                <a:sym typeface="+mn-ea"/>
+              </a:rPr>
+              <a:t>SELECT</a:t>
+            </a:r>
+            <a:r>
+              <a:rPr sz="1600">
+                <a:solidFill>
+                  <a:srgbClr val="000000"/>
+                </a:solidFill>
+                <a:latin typeface="Consolas" panose="020B0609020204030204"/>
+                <a:ea typeface="Consolas" panose="020B0609020204030204"/>
+                <a:sym typeface="+mn-ea"/>
+              </a:rPr>
+              <a:t> column_name</a:t>
+            </a:r>
+            <a:endParaRPr sz="1600" b="0" i="0">
+              <a:solidFill>
+                <a:srgbClr val="000000"/>
+              </a:solidFill>
+              <a:latin typeface="Consolas" panose="020B0609020204030204"/>
+              <a:ea typeface="Consolas" panose="020B0609020204030204"/>
+            </a:endParaRPr>
+          </a:p>
+          <a:p>
+            <a:pPr marL="0" indent="0">
+              <a:spcBef>
+                <a:spcPts val="800"/>
+              </a:spcBef>
+              <a:spcAft>
+                <a:spcPts val="800"/>
+              </a:spcAft>
+            </a:pPr>
+            <a:r>
+              <a:rPr sz="1600">
+                <a:solidFill>
+                  <a:srgbClr val="000000"/>
+                </a:solidFill>
+                <a:latin typeface="Consolas" panose="020B0609020204030204"/>
+                <a:ea typeface="Consolas" panose="020B0609020204030204"/>
+                <a:sym typeface="+mn-ea"/>
+              </a:rPr>
+              <a:t>  </a:t>
+            </a:r>
+            <a:r>
+              <a:rPr sz="1600">
+                <a:solidFill>
+                  <a:srgbClr val="005CC5"/>
+                </a:solidFill>
+                <a:latin typeface="Consolas" panose="020B0609020204030204"/>
+                <a:ea typeface="Consolas" panose="020B0609020204030204"/>
+                <a:sym typeface="+mn-ea"/>
+              </a:rPr>
+              <a:t>FROM</a:t>
+            </a:r>
+            <a:r>
+              <a:rPr sz="1600">
+                <a:solidFill>
+                  <a:srgbClr val="000000"/>
+                </a:solidFill>
+                <a:latin typeface="Consolas" panose="020B0609020204030204"/>
+                <a:ea typeface="Consolas" panose="020B0609020204030204"/>
+                <a:sym typeface="+mn-ea"/>
+              </a:rPr>
+              <a:t> table_name</a:t>
+            </a:r>
+            <a:endParaRPr sz="1600" b="0" i="0">
+              <a:solidFill>
+                <a:srgbClr val="000000"/>
+              </a:solidFill>
+              <a:latin typeface="Consolas" panose="020B0609020204030204"/>
+              <a:ea typeface="Consolas" panose="020B0609020204030204"/>
+            </a:endParaRPr>
+          </a:p>
+          <a:p>
+            <a:pPr marL="0" indent="0">
+              <a:spcBef>
+                <a:spcPts val="800"/>
+              </a:spcBef>
+              <a:spcAft>
+                <a:spcPts val="800"/>
+              </a:spcAft>
+            </a:pPr>
+            <a:r>
+              <a:rPr sz="1600">
+                <a:solidFill>
+                  <a:srgbClr val="000000"/>
+                </a:solidFill>
+                <a:latin typeface="Consolas" panose="020B0609020204030204"/>
+                <a:ea typeface="Consolas" panose="020B0609020204030204"/>
+                <a:sym typeface="+mn-ea"/>
+              </a:rPr>
+              <a:t>  </a:t>
+            </a:r>
+            <a:r>
+              <a:rPr sz="1600">
+                <a:solidFill>
+                  <a:srgbClr val="005CC5"/>
+                </a:solidFill>
+                <a:latin typeface="Consolas" panose="020B0609020204030204"/>
+                <a:ea typeface="Consolas" panose="020B0609020204030204"/>
+                <a:sym typeface="+mn-ea"/>
+              </a:rPr>
+              <a:t>WHERE</a:t>
+            </a:r>
+            <a:r>
+              <a:rPr sz="1600">
+                <a:solidFill>
+                  <a:srgbClr val="990055"/>
+                </a:solidFill>
+                <a:latin typeface="Consolas" panose="020B0609020204030204"/>
+                <a:ea typeface="Consolas" panose="020B0609020204030204"/>
+                <a:sym typeface="+mn-ea"/>
+              </a:rPr>
+              <a:t> </a:t>
+            </a:r>
+            <a:r>
+              <a:rPr sz="1600">
+                <a:solidFill>
+                  <a:srgbClr val="000000"/>
+                </a:solidFill>
+                <a:latin typeface="Consolas" panose="020B0609020204030204"/>
+                <a:ea typeface="Consolas" panose="020B0609020204030204"/>
+                <a:sym typeface="+mn-ea"/>
+              </a:rPr>
+              <a:t>condition);</a:t>
+            </a:r>
+            <a:endParaRPr lang="en-US" sz="1600">
+              <a:solidFill>
+                <a:srgbClr val="000000"/>
+              </a:solidFill>
+              <a:latin typeface="Verdana" panose="020B0604030504040204"/>
+              <a:ea typeface="Verdana" panose="020B0604030504040204"/>
+              <a:sym typeface="+mn-ea"/>
+            </a:endParaRPr>
           </a:p>
         </p:txBody>
       </p:sp>
@@ -6107,7 +5482,7 @@
 </p:sld>
 </file>
 
-<file path=ppt/slides/slide4.xml><?xml version="1.0" encoding="utf-8"?>
+<file path=ppt/slides/slide11.xml><?xml version="1.0" encoding="utf-8"?>
 <p:sld xmlns:a="http://schemas.openxmlformats.org/drawingml/2006/main" xmlns:r="http://schemas.openxmlformats.org/officeDocument/2006/relationships" xmlns:p="http://schemas.openxmlformats.org/presentationml/2006/main">
   <p:cSld>
     <p:spTree>
@@ -6125,110 +5500,228 @@
         </p:nvSpPr>
         <p:spPr>
           <a:xfrm>
-            <a:off x="278130" y="212090"/>
-            <a:ext cx="6096000" cy="420370"/>
+            <a:off x="390525" y="407670"/>
+            <a:ext cx="7685405" cy="2950845"/>
           </a:xfrm>
           <a:prstGeom prst="rect">
             <a:avLst/>
           </a:prstGeom>
-          <a:noFill/>
         </p:spPr>
         <p:txBody>
-          <a:bodyPr wrap="square" rtlCol="0" anchor="t">
+          <a:bodyPr wrap="square">
             <a:spAutoFit/>
           </a:bodyPr>
           <a:p>
-            <a:pPr defTabSz="266700">
-              <a:lnSpc>
-                <a:spcPct val="107000"/>
-              </a:lnSpc>
+            <a:pPr marL="0" indent="0">
+              <a:spcBef>
+                <a:spcPts val="500"/>
+              </a:spcBef>
+              <a:spcAft>
+                <a:spcPts val="500"/>
+              </a:spcAft>
+            </a:pPr>
+            <a:r>
+              <a:rPr sz="3200" b="0" i="0">
+                <a:solidFill>
+                  <a:srgbClr val="000000"/>
+                </a:solidFill>
+                <a:latin typeface="Segoe UI" panose="020B0502040204020203"/>
+                <a:ea typeface="Segoe UI" panose="020B0502040204020203"/>
+              </a:rPr>
+              <a:t>The MySQL UPDATE Statement</a:t>
+            </a:r>
+            <a:endParaRPr sz="3200" b="0" i="0">
+              <a:solidFill>
+                <a:srgbClr val="000000"/>
+              </a:solidFill>
+              <a:latin typeface="Segoe UI" panose="020B0502040204020203"/>
+              <a:ea typeface="Segoe UI" panose="020B0502040204020203"/>
+            </a:endParaRPr>
+          </a:p>
+          <a:p>
+            <a:pPr marL="0" indent="0">
+              <a:spcBef>
+                <a:spcPts val="1200"/>
+              </a:spcBef>
+              <a:spcAft>
+                <a:spcPts val="1200"/>
+              </a:spcAft>
+            </a:pPr>
+            <a:r>
+              <a:rPr sz="1600" b="0" i="0">
+                <a:solidFill>
+                  <a:srgbClr val="000000"/>
+                </a:solidFill>
+                <a:latin typeface="Verdana" panose="020B0604030504040204"/>
+                <a:ea typeface="Verdana" panose="020B0604030504040204"/>
+              </a:rPr>
+              <a:t>The </a:t>
+            </a:r>
+            <a:r>
+              <a:rPr sz="1600" b="0" i="0">
+                <a:solidFill>
+                  <a:srgbClr val="DC143C"/>
+                </a:solidFill>
+                <a:latin typeface="Consolas" panose="020B0609020204030204"/>
+                <a:ea typeface="Consolas" panose="020B0609020204030204"/>
+              </a:rPr>
+              <a:t>UPDATE</a:t>
+            </a:r>
+            <a:r>
+              <a:rPr sz="1600" b="0" i="0">
+                <a:solidFill>
+                  <a:srgbClr val="000000"/>
+                </a:solidFill>
+                <a:latin typeface="Verdana" panose="020B0604030504040204"/>
+                <a:ea typeface="Verdana" panose="020B0604030504040204"/>
+              </a:rPr>
+              <a:t> statement is used to modify the existing records in a table.</a:t>
+            </a:r>
+            <a:endParaRPr sz="1600" b="0" i="0">
+              <a:solidFill>
+                <a:srgbClr val="000000"/>
+              </a:solidFill>
+              <a:latin typeface="Verdana" panose="020B0604030504040204"/>
+              <a:ea typeface="Verdana" panose="020B0604030504040204"/>
+            </a:endParaRPr>
+          </a:p>
+          <a:p>
+            <a:pPr marL="0" indent="0">
+              <a:spcBef>
+                <a:spcPts val="500"/>
+              </a:spcBef>
+              <a:spcAft>
+                <a:spcPts val="500"/>
+              </a:spcAft>
+            </a:pPr>
+            <a:r>
+              <a:rPr sz="2400" b="0" i="0">
+                <a:solidFill>
+                  <a:srgbClr val="000000"/>
+                </a:solidFill>
+                <a:latin typeface="Segoe UI" panose="020B0502040204020203"/>
+                <a:ea typeface="Segoe UI" panose="020B0502040204020203"/>
+              </a:rPr>
+              <a:t>UPDATE Syntax</a:t>
+            </a:r>
+            <a:endParaRPr sz="2400" b="0" i="0">
+              <a:solidFill>
+                <a:srgbClr val="000000"/>
+              </a:solidFill>
+              <a:latin typeface="Segoe UI" panose="020B0502040204020203"/>
+              <a:ea typeface="Segoe UI" panose="020B0502040204020203"/>
+            </a:endParaRPr>
+          </a:p>
+          <a:p>
+            <a:pPr marL="0" indent="0">
+              <a:spcBef>
+                <a:spcPts val="800"/>
+              </a:spcBef>
               <a:spcAft>
                 <a:spcPts val="800"/>
               </a:spcAft>
             </a:pPr>
             <a:r>
-              <a:rPr lang="en-US" sz="2000" b="1">
-                <a:latin typeface="Calibri" panose="020F0502020204030204"/>
-                <a:ea typeface="Calibri" panose="020F0502020204030204"/>
-                <a:sym typeface="+mn-ea"/>
-              </a:rPr>
-              <a:t>DBMS (NORMS)</a:t>
-            </a:r>
-            <a:r>
-              <a:rPr sz="2000" b="1">
-                <a:latin typeface="Calibri" panose="020F0502020204030204"/>
-                <a:ea typeface="Calibri" panose="020F0502020204030204"/>
-                <a:sym typeface="+mn-ea"/>
-              </a:rPr>
-              <a:t> </a:t>
-            </a:r>
-            <a:endParaRPr lang="en-US" sz="2000">
-              <a:latin typeface="Calibri" panose="020F0502020204030204"/>
-              <a:ea typeface="Calibri" panose="020F0502020204030204"/>
-              <a:sym typeface="+mn-ea"/>
-            </a:endParaRPr>
-          </a:p>
-        </p:txBody>
-      </p:sp>
-      <p:sp>
-        <p:nvSpPr>
-          <p:cNvPr id="3" name="Text Box 2"/>
-          <p:cNvSpPr txBox="1"/>
-          <p:nvPr/>
-        </p:nvSpPr>
-        <p:spPr>
-          <a:xfrm>
-            <a:off x="392430" y="632460"/>
-            <a:ext cx="6096000" cy="1198880"/>
-          </a:xfrm>
-          <a:prstGeom prst="rect">
-            <a:avLst/>
-          </a:prstGeom>
-          <a:noFill/>
-        </p:spPr>
-        <p:txBody>
-          <a:bodyPr wrap="square" rtlCol="0" anchor="t">
-            <a:spAutoFit/>
-          </a:bodyPr>
-          <a:p>
-            <a:r>
-              <a:rPr lang="en-US"/>
-              <a:t>teach from pdf DBMS</a:t>
-            </a:r>
-            <a:endParaRPr lang="en-US"/>
-          </a:p>
-          <a:p>
-            <a:pPr marL="285750" indent="-285750">
-              <a:buFont typeface="Arial" panose="020B0604020202020204" pitchFamily="34" charset="0"/>
-              <a:buChar char="•"/>
-            </a:pPr>
-            <a:r>
-              <a:rPr lang="en-US"/>
-              <a:t>https://www.javatpoint.com/dbms-normalization</a:t>
-            </a:r>
-            <a:endParaRPr lang="en-US"/>
-          </a:p>
-          <a:p>
-            <a:pPr marL="285750" indent="-285750">
-              <a:buFont typeface="Arial" panose="020B0604020202020204" pitchFamily="34" charset="0"/>
-              <a:buChar char="•"/>
-            </a:pPr>
-            <a:r>
-              <a:rPr lang="en-US"/>
-              <a:t>https://www.javatpoint.com/dbms-interview-questions</a:t>
-            </a:r>
-            <a:endParaRPr lang="en-US"/>
-          </a:p>
-          <a:p>
-            <a:pPr marL="285750" indent="-285750">
-              <a:buFont typeface="Arial" panose="020B0604020202020204" pitchFamily="34" charset="0"/>
-              <a:buChar char="•"/>
-            </a:pPr>
-            <a:r>
-              <a:rPr lang="en-US"/>
-              <a:t>https://www.interviewbit.com/dbms-interview-questions</a:t>
-            </a:r>
-            <a:endParaRPr lang="en-US"/>
+              <a:rPr sz="1600" b="0" i="0">
+                <a:solidFill>
+                  <a:srgbClr val="005CC5"/>
+                </a:solidFill>
+                <a:latin typeface="Consolas" panose="020B0609020204030204"/>
+                <a:ea typeface="Consolas" panose="020B0609020204030204"/>
+              </a:rPr>
+              <a:t>UPDATE</a:t>
+            </a:r>
+            <a:r>
+              <a:rPr sz="1600" b="0" i="0">
+                <a:solidFill>
+                  <a:srgbClr val="000000"/>
+                </a:solidFill>
+                <a:latin typeface="Consolas" panose="020B0609020204030204"/>
+                <a:ea typeface="Consolas" panose="020B0609020204030204"/>
+              </a:rPr>
+              <a:t> table_name</a:t>
+            </a:r>
+            <a:endParaRPr sz="1600" b="0" i="0">
+              <a:solidFill>
+                <a:srgbClr val="000000"/>
+              </a:solidFill>
+              <a:latin typeface="Consolas" panose="020B0609020204030204"/>
+              <a:ea typeface="Consolas" panose="020B0609020204030204"/>
+            </a:endParaRPr>
+          </a:p>
+          <a:p>
+            <a:pPr marL="0" indent="0">
+              <a:spcBef>
+                <a:spcPts val="800"/>
+              </a:spcBef>
+              <a:spcAft>
+                <a:spcPts val="800"/>
+              </a:spcAft>
+            </a:pPr>
+            <a:r>
+              <a:rPr sz="1600" b="0" i="0">
+                <a:solidFill>
+                  <a:srgbClr val="005CC5"/>
+                </a:solidFill>
+                <a:latin typeface="Consolas" panose="020B0609020204030204"/>
+                <a:ea typeface="Consolas" panose="020B0609020204030204"/>
+              </a:rPr>
+              <a:t>SET</a:t>
+            </a:r>
+            <a:r>
+              <a:rPr sz="1600" b="0" i="0">
+                <a:solidFill>
+                  <a:srgbClr val="000000"/>
+                </a:solidFill>
+                <a:latin typeface="Consolas" panose="020B0609020204030204"/>
+                <a:ea typeface="Consolas" panose="020B0609020204030204"/>
+              </a:rPr>
+              <a:t> column1 = value1, column2 = value2, ...</a:t>
+            </a:r>
+            <a:endParaRPr sz="1600" b="0" i="0">
+              <a:solidFill>
+                <a:srgbClr val="000000"/>
+              </a:solidFill>
+              <a:latin typeface="Consolas" panose="020B0609020204030204"/>
+              <a:ea typeface="Consolas" panose="020B0609020204030204"/>
+            </a:endParaRPr>
+          </a:p>
+          <a:p>
+            <a:pPr marL="0" indent="0">
+              <a:spcBef>
+                <a:spcPts val="800"/>
+              </a:spcBef>
+              <a:spcAft>
+                <a:spcPts val="800"/>
+              </a:spcAft>
+            </a:pPr>
+            <a:r>
+              <a:rPr sz="1600" b="0" i="0">
+                <a:solidFill>
+                  <a:srgbClr val="005CC5"/>
+                </a:solidFill>
+                <a:latin typeface="Consolas" panose="020B0609020204030204"/>
+                <a:ea typeface="Consolas" panose="020B0609020204030204"/>
+              </a:rPr>
+              <a:t>WHERE</a:t>
+            </a:r>
+            <a:r>
+              <a:rPr sz="1600" b="0" i="0">
+                <a:solidFill>
+                  <a:srgbClr val="000000"/>
+                </a:solidFill>
+                <a:latin typeface="Consolas" panose="020B0609020204030204"/>
+                <a:ea typeface="Consolas" panose="020B0609020204030204"/>
+              </a:rPr>
+              <a:t> condition;</a:t>
+            </a:r>
+            <a:endParaRPr sz="1600" b="0" i="0">
+              <a:solidFill>
+                <a:srgbClr val="000000"/>
+              </a:solidFill>
+              <a:latin typeface="Consolas" panose="020B0609020204030204"/>
+              <a:ea typeface="Consolas" panose="020B0609020204030204"/>
+            </a:endParaRPr>
           </a:p>
         </p:txBody>
       </p:sp>
@@ -6240,7 +5733,7 @@
 </p:sld>
 </file>
 
-<file path=ppt/slides/slide5.xml><?xml version="1.0" encoding="utf-8"?>
+<file path=ppt/slides/slide12.xml><?xml version="1.0" encoding="utf-8"?>
 <p:sld xmlns:a="http://schemas.openxmlformats.org/drawingml/2006/main" xmlns:r="http://schemas.openxmlformats.org/officeDocument/2006/relationships" xmlns:p="http://schemas.openxmlformats.org/presentationml/2006/main">
   <p:cSld>
     <p:spTree>
@@ -6258,161 +5751,301 @@
         </p:nvSpPr>
         <p:spPr>
           <a:xfrm>
-            <a:off x="2200910" y="1065530"/>
-            <a:ext cx="7137400" cy="4615815"/>
+            <a:off x="448310" y="1181100"/>
+            <a:ext cx="8187690" cy="3017520"/>
           </a:xfrm>
           <a:prstGeom prst="rect">
             <a:avLst/>
           </a:prstGeom>
-          <a:noFill/>
         </p:spPr>
         <p:txBody>
-          <a:bodyPr wrap="square" rtlCol="0">
+          <a:bodyPr wrap="square">
             <a:spAutoFit/>
           </a:bodyPr>
           <a:p>
-            <a:r>
-              <a:rPr lang="en-US"/>
-              <a:t>workbench </a:t>
-            </a:r>
-            <a:endParaRPr lang="en-US"/>
-          </a:p>
-          <a:p>
-            <a:endParaRPr lang="en-US"/>
-          </a:p>
-          <a:p>
-            <a:r>
-              <a:rPr lang="en-US" sz="2400" b="1">
-                <a:solidFill>
-                  <a:srgbClr val="C00000"/>
-                </a:solidFill>
-                <a:effectLst>
-                  <a:outerShdw blurRad="38100" dist="38100" dir="2700000" algn="tl">
-                    <a:srgbClr val="000000">
-                      <a:alpha val="43137"/>
-                    </a:srgbClr>
-                  </a:outerShdw>
-                </a:effectLst>
-                <a:latin typeface="Arial" panose="020B0604020202020204" pitchFamily="34" charset="0"/>
-                <a:cs typeface="Arial" panose="020B0604020202020204" pitchFamily="34" charset="0"/>
-              </a:rPr>
-              <a:t> run in </a:t>
-            </a:r>
-            <a:r>
-              <a:rPr lang="en-US" sz="2400" b="1">
-                <a:solidFill>
-                  <a:srgbClr val="C00000"/>
-                </a:solidFill>
-                <a:effectLst>
-                  <a:outerShdw blurRad="38100" dist="38100" dir="2700000" algn="tl">
-                    <a:srgbClr val="000000">
-                      <a:alpha val="43137"/>
-                    </a:srgbClr>
-                  </a:outerShdw>
-                </a:effectLst>
-                <a:latin typeface="Arial" panose="020B0604020202020204" pitchFamily="34" charset="0"/>
-                <a:cs typeface="Arial" panose="020B0604020202020204" pitchFamily="34" charset="0"/>
-                <a:sym typeface="+mn-ea"/>
-              </a:rPr>
-              <a:t>shell</a:t>
-            </a:r>
-            <a:endParaRPr lang="en-US" sz="2400" b="1">
-              <a:solidFill>
-                <a:srgbClr val="C00000"/>
-              </a:solidFill>
-              <a:effectLst>
-                <a:outerShdw blurRad="38100" dist="38100" dir="2700000" algn="tl">
-                  <a:srgbClr val="000000">
-                    <a:alpha val="43137"/>
-                  </a:srgbClr>
-                </a:outerShdw>
-              </a:effectLst>
-              <a:latin typeface="Arial" panose="020B0604020202020204" pitchFamily="34" charset="0"/>
-              <a:cs typeface="Arial" panose="020B0604020202020204" pitchFamily="34" charset="0"/>
-            </a:endParaRPr>
-          </a:p>
-          <a:p>
-            <a:endParaRPr lang="en-US"/>
-          </a:p>
-          <a:p>
-            <a:pPr lvl="1"/>
-            <a:r>
-              <a:rPr lang="en-US" altLang="en-US"/>
-              <a:t>After you run MySQL Shell and you have seen following:</a:t>
-            </a:r>
-            <a:endParaRPr lang="en-US" altLang="en-US"/>
-          </a:p>
-          <a:p>
-            <a:pPr lvl="1"/>
-            <a:endParaRPr lang="en-US" altLang="en-US"/>
-          </a:p>
-          <a:p>
-            <a:pPr lvl="1"/>
-            <a:r>
-              <a:rPr lang="en-US" altLang="en-US"/>
-              <a:t>mysql-js&gt;</a:t>
-            </a:r>
-            <a:endParaRPr lang="en-US" altLang="en-US"/>
-          </a:p>
-          <a:p>
-            <a:pPr lvl="1"/>
-            <a:r>
-              <a:rPr lang="en-US" altLang="en-US"/>
-              <a:t>Firstly, you should:</a:t>
-            </a:r>
-            <a:endParaRPr lang="en-US" altLang="en-US"/>
-          </a:p>
-          <a:p>
-            <a:pPr lvl="1"/>
-            <a:endParaRPr lang="en-US" altLang="en-US"/>
-          </a:p>
-          <a:p>
-            <a:pPr lvl="1"/>
-            <a:r>
-              <a:rPr lang="en-US" altLang="en-US"/>
-              <a:t>mysql-js&gt;\sql</a:t>
-            </a:r>
-            <a:endParaRPr lang="en-US" altLang="en-US"/>
-          </a:p>
-          <a:p>
-            <a:pPr lvl="1"/>
-            <a:r>
-              <a:rPr lang="en-US" altLang="en-US"/>
-              <a:t>Secondly:</a:t>
-            </a:r>
-            <a:endParaRPr lang="en-US" altLang="en-US"/>
-          </a:p>
-          <a:p>
-            <a:pPr lvl="1"/>
-            <a:endParaRPr lang="en-US" altLang="en-US"/>
-          </a:p>
-          <a:p>
-            <a:pPr lvl="1"/>
-            <a:r>
-              <a:rPr lang="en-US" altLang="en-US"/>
-              <a:t> mysql-sql&gt;\connect username@servername (root@localhost)</a:t>
-            </a:r>
-            <a:endParaRPr lang="en-US" altLang="en-US"/>
-          </a:p>
-          <a:p>
-            <a:pPr lvl="1"/>
-            <a:r>
-              <a:rPr lang="en-US" altLang="en-US"/>
-              <a:t>And finally:</a:t>
-            </a:r>
-            <a:endParaRPr lang="en-US" altLang="en-US"/>
-          </a:p>
-          <a:p>
-            <a:pPr lvl="1"/>
-            <a:endParaRPr lang="en-US" altLang="en-US"/>
-          </a:p>
-          <a:p>
-            <a:pPr lvl="1"/>
-            <a:r>
-              <a:rPr lang="en-US" altLang="en-US"/>
-              <a:t>Enter password:*********</a:t>
-            </a:r>
-            <a:endParaRPr lang="en-US" altLang="en-US"/>
+            <a:pPr marL="0" indent="0">
+              <a:spcBef>
+                <a:spcPts val="500"/>
+              </a:spcBef>
+              <a:spcAft>
+                <a:spcPts val="500"/>
+              </a:spcAft>
+            </a:pPr>
+            <a:r>
+              <a:rPr sz="3200" b="0" i="0">
+                <a:solidFill>
+                  <a:srgbClr val="000000"/>
+                </a:solidFill>
+                <a:latin typeface="Segoe UI" panose="020B0502040204020203"/>
+                <a:ea typeface="Segoe UI" panose="020B0502040204020203"/>
+              </a:rPr>
+              <a:t>The MySQL DELETE Statement</a:t>
+            </a:r>
+            <a:endParaRPr sz="3200" b="0" i="0">
+              <a:solidFill>
+                <a:srgbClr val="000000"/>
+              </a:solidFill>
+              <a:latin typeface="Segoe UI" panose="020B0502040204020203"/>
+              <a:ea typeface="Segoe UI" panose="020B0502040204020203"/>
+            </a:endParaRPr>
+          </a:p>
+          <a:p>
+            <a:pPr marL="0" indent="0">
+              <a:spcBef>
+                <a:spcPts val="1200"/>
+              </a:spcBef>
+              <a:spcAft>
+                <a:spcPts val="1200"/>
+              </a:spcAft>
+            </a:pPr>
+            <a:r>
+              <a:rPr sz="1600" b="0" i="0">
+                <a:solidFill>
+                  <a:srgbClr val="000000"/>
+                </a:solidFill>
+                <a:latin typeface="Verdana" panose="020B0604030504040204"/>
+                <a:ea typeface="Verdana" panose="020B0604030504040204"/>
+              </a:rPr>
+              <a:t>The </a:t>
+            </a:r>
+            <a:r>
+              <a:rPr sz="1600" b="0" i="0">
+                <a:solidFill>
+                  <a:srgbClr val="DC143C"/>
+                </a:solidFill>
+                <a:latin typeface="Consolas" panose="020B0609020204030204"/>
+                <a:ea typeface="Consolas" panose="020B0609020204030204"/>
+              </a:rPr>
+              <a:t>DELETE</a:t>
+            </a:r>
+            <a:r>
+              <a:rPr sz="1600" b="0" i="0">
+                <a:solidFill>
+                  <a:srgbClr val="000000"/>
+                </a:solidFill>
+                <a:latin typeface="Verdana" panose="020B0604030504040204"/>
+                <a:ea typeface="Verdana" panose="020B0604030504040204"/>
+              </a:rPr>
+              <a:t> statement is used to delete existing records in a table.</a:t>
+            </a:r>
+            <a:endParaRPr sz="1600" b="0" i="0">
+              <a:solidFill>
+                <a:srgbClr val="000000"/>
+              </a:solidFill>
+              <a:latin typeface="Verdana" panose="020B0604030504040204"/>
+              <a:ea typeface="Verdana" panose="020B0604030504040204"/>
+            </a:endParaRPr>
+          </a:p>
+          <a:p>
+            <a:pPr marL="0" indent="0">
+              <a:spcBef>
+                <a:spcPts val="500"/>
+              </a:spcBef>
+              <a:spcAft>
+                <a:spcPts val="500"/>
+              </a:spcAft>
+            </a:pPr>
+            <a:r>
+              <a:rPr sz="2400" b="0" i="0">
+                <a:solidFill>
+                  <a:srgbClr val="000000"/>
+                </a:solidFill>
+                <a:latin typeface="Segoe UI" panose="020B0502040204020203"/>
+                <a:ea typeface="Segoe UI" panose="020B0502040204020203"/>
+              </a:rPr>
+              <a:t>DELETE Syntax</a:t>
+            </a:r>
+            <a:endParaRPr sz="2400" b="0" i="0">
+              <a:solidFill>
+                <a:srgbClr val="000000"/>
+              </a:solidFill>
+              <a:latin typeface="Segoe UI" panose="020B0502040204020203"/>
+              <a:ea typeface="Segoe UI" panose="020B0502040204020203"/>
+            </a:endParaRPr>
+          </a:p>
+          <a:p>
+            <a:pPr marL="0" indent="0">
+              <a:spcBef>
+                <a:spcPts val="800"/>
+              </a:spcBef>
+              <a:spcAft>
+                <a:spcPts val="800"/>
+              </a:spcAft>
+            </a:pPr>
+            <a:r>
+              <a:rPr sz="1600" b="0" i="0">
+                <a:solidFill>
+                  <a:srgbClr val="005CC5"/>
+                </a:solidFill>
+                <a:latin typeface="Consolas" panose="020B0609020204030204"/>
+                <a:ea typeface="Consolas" panose="020B0609020204030204"/>
+              </a:rPr>
+              <a:t>DELETE</a:t>
+            </a:r>
+            <a:r>
+              <a:rPr sz="1600" b="0" i="0">
+                <a:solidFill>
+                  <a:srgbClr val="000000"/>
+                </a:solidFill>
+                <a:latin typeface="Consolas" panose="020B0609020204030204"/>
+                <a:ea typeface="Consolas" panose="020B0609020204030204"/>
+              </a:rPr>
+              <a:t> </a:t>
+            </a:r>
+            <a:r>
+              <a:rPr sz="1600" b="0" i="0">
+                <a:solidFill>
+                  <a:srgbClr val="005CC5"/>
+                </a:solidFill>
+                <a:latin typeface="Consolas" panose="020B0609020204030204"/>
+                <a:ea typeface="Consolas" panose="020B0609020204030204"/>
+              </a:rPr>
+              <a:t>FROM</a:t>
+            </a:r>
+            <a:r>
+              <a:rPr sz="1600" b="0" i="0">
+                <a:solidFill>
+                  <a:srgbClr val="000000"/>
+                </a:solidFill>
+                <a:latin typeface="Consolas" panose="020B0609020204030204"/>
+                <a:ea typeface="Consolas" panose="020B0609020204030204"/>
+              </a:rPr>
+              <a:t> table_name </a:t>
+            </a:r>
+            <a:r>
+              <a:rPr sz="1600" b="0" i="0">
+                <a:solidFill>
+                  <a:srgbClr val="005CC5"/>
+                </a:solidFill>
+                <a:latin typeface="Consolas" panose="020B0609020204030204"/>
+                <a:ea typeface="Consolas" panose="020B0609020204030204"/>
+              </a:rPr>
+              <a:t>WHERE</a:t>
+            </a:r>
+            <a:r>
+              <a:rPr sz="1600" b="0" i="0">
+                <a:solidFill>
+                  <a:srgbClr val="000000"/>
+                </a:solidFill>
+                <a:latin typeface="Consolas" panose="020B0609020204030204"/>
+                <a:ea typeface="Consolas" panose="020B0609020204030204"/>
+              </a:rPr>
+              <a:t> condition;</a:t>
+            </a:r>
+            <a:endParaRPr sz="1600" b="0" i="0">
+              <a:solidFill>
+                <a:srgbClr val="000000"/>
+              </a:solidFill>
+              <a:latin typeface="Consolas" panose="020B0609020204030204"/>
+              <a:ea typeface="Consolas" panose="020B0609020204030204"/>
+            </a:endParaRPr>
+          </a:p>
+          <a:p>
+            <a:pPr marL="0" indent="0">
+              <a:spcBef>
+                <a:spcPts val="1000"/>
+              </a:spcBef>
+              <a:spcAft>
+                <a:spcPts val="1000"/>
+              </a:spcAft>
+            </a:pPr>
+            <a:r>
+              <a:rPr sz="1600" b="0" i="0">
+                <a:solidFill>
+                  <a:srgbClr val="000000"/>
+                </a:solidFill>
+                <a:latin typeface="Verdana" panose="020B0604030504040204"/>
+                <a:ea typeface="Verdana" panose="020B0604030504040204"/>
+              </a:rPr>
+              <a:t>Note: Be careful when deleting records in a table! Notice the </a:t>
+            </a:r>
+            <a:r>
+              <a:rPr sz="1600" b="0" i="0">
+                <a:solidFill>
+                  <a:srgbClr val="DC143C"/>
+                </a:solidFill>
+                <a:latin typeface="Consolas" panose="020B0609020204030204"/>
+                <a:ea typeface="Consolas" panose="020B0609020204030204"/>
+              </a:rPr>
+              <a:t>WHERE</a:t>
+            </a:r>
+            <a:r>
+              <a:rPr sz="1600" b="0" i="0">
+                <a:solidFill>
+                  <a:srgbClr val="000000"/>
+                </a:solidFill>
+                <a:latin typeface="Verdana" panose="020B0604030504040204"/>
+                <a:ea typeface="Verdana" panose="020B0604030504040204"/>
+              </a:rPr>
+              <a:t> clause in the </a:t>
+            </a:r>
+            <a:r>
+              <a:rPr sz="1600" b="0" i="0">
+                <a:solidFill>
+                  <a:srgbClr val="DC143C"/>
+                </a:solidFill>
+                <a:latin typeface="Consolas" panose="020B0609020204030204"/>
+                <a:ea typeface="Consolas" panose="020B0609020204030204"/>
+              </a:rPr>
+              <a:t>DELETE</a:t>
+            </a:r>
+            <a:r>
+              <a:rPr sz="1600" b="0" i="0">
+                <a:solidFill>
+                  <a:srgbClr val="000000"/>
+                </a:solidFill>
+                <a:latin typeface="Verdana" panose="020B0604030504040204"/>
+                <a:ea typeface="Verdana" panose="020B0604030504040204"/>
+              </a:rPr>
+              <a:t> statement. The </a:t>
+            </a:r>
+            <a:r>
+              <a:rPr sz="1600" b="0" i="0">
+                <a:solidFill>
+                  <a:srgbClr val="DC143C"/>
+                </a:solidFill>
+                <a:latin typeface="Consolas" panose="020B0609020204030204"/>
+                <a:ea typeface="Consolas" panose="020B0609020204030204"/>
+              </a:rPr>
+              <a:t>WHERE</a:t>
+            </a:r>
+            <a:r>
+              <a:rPr sz="1600" b="0" i="0">
+                <a:solidFill>
+                  <a:srgbClr val="000000"/>
+                </a:solidFill>
+                <a:latin typeface="Verdana" panose="020B0604030504040204"/>
+                <a:ea typeface="Verdana" panose="020B0604030504040204"/>
+              </a:rPr>
+              <a:t> clause specifies which record(s) should be deleted. If you omit the </a:t>
+            </a:r>
+            <a:r>
+              <a:rPr sz="1600" b="0" i="0">
+                <a:solidFill>
+                  <a:srgbClr val="DC143C"/>
+                </a:solidFill>
+                <a:latin typeface="Consolas" panose="020B0609020204030204"/>
+                <a:ea typeface="Consolas" panose="020B0609020204030204"/>
+              </a:rPr>
+              <a:t>WHERE</a:t>
+            </a:r>
+            <a:r>
+              <a:rPr sz="1600" b="0" i="0">
+                <a:solidFill>
+                  <a:srgbClr val="000000"/>
+                </a:solidFill>
+                <a:latin typeface="Verdana" panose="020B0604030504040204"/>
+                <a:ea typeface="Verdana" panose="020B0604030504040204"/>
+              </a:rPr>
+              <a:t> clause, all records in the table will be deleted!</a:t>
+            </a:r>
+            <a:endParaRPr sz="1600" b="0" i="0">
+              <a:solidFill>
+                <a:srgbClr val="000000"/>
+              </a:solidFill>
+              <a:latin typeface="Verdana" panose="020B0604030504040204"/>
+              <a:ea typeface="Verdana" panose="020B0604030504040204"/>
+            </a:endParaRPr>
           </a:p>
         </p:txBody>
       </p:sp>
@@ -6424,7 +6057,7 @@
 </p:sld>
 </file>
 
-<file path=ppt/slides/slide6.xml><?xml version="1.0" encoding="utf-8"?>
+<file path=ppt/slides/slide13.xml><?xml version="1.0" encoding="utf-8"?>
 <p:sld xmlns:a="http://schemas.openxmlformats.org/drawingml/2006/main" xmlns:r="http://schemas.openxmlformats.org/officeDocument/2006/relationships" xmlns:p="http://schemas.openxmlformats.org/presentationml/2006/main">
   <p:cSld>
     <p:spTree>
@@ -6434,278 +6067,28 @@
         <p:nvPr/>
       </p:nvGrpSpPr>
       <p:grpSpPr/>
-      <p:sp>
-        <p:nvSpPr>
-          <p:cNvPr id="3" name="Text Box 2"/>
-          <p:cNvSpPr txBox="1"/>
+      <p:pic>
+        <p:nvPicPr>
+          <p:cNvPr id="2" name="Picture 1"/>
+          <p:cNvPicPr/>
           <p:nvPr/>
-        </p:nvSpPr>
+        </p:nvPicPr>
+        <p:blipFill>
+          <a:blip r:embed="rId1"/>
+          <a:stretch>
+            <a:fillRect/>
+          </a:stretch>
+        </p:blipFill>
         <p:spPr>
           <a:xfrm>
-            <a:off x="570230" y="495935"/>
-            <a:ext cx="9807575" cy="1753235"/>
+            <a:off x="1644015" y="0"/>
+            <a:ext cx="8373745" cy="6412865"/>
           </a:xfrm>
           <a:prstGeom prst="rect">
             <a:avLst/>
           </a:prstGeom>
-          <a:noFill/>
         </p:spPr>
-        <p:txBody>
-          <a:bodyPr wrap="square" rtlCol="0" anchor="t">
-            <a:spAutoFit/>
-          </a:bodyPr>
-          <a:p>
-            <a:r>
-              <a:rPr lang="en-US" b="1">
-                <a:gradFill>
-                  <a:gsLst>
-                    <a:gs pos="0">
-                      <a:srgbClr val="E30000"/>
-                    </a:gs>
-                    <a:gs pos="100000">
-                      <a:srgbClr val="760303"/>
-                    </a:gs>
-                  </a:gsLst>
-                  <a:lin scaled="0"/>
-                </a:gradFill>
-              </a:rPr>
-              <a:t>EXTRA TOPICS</a:t>
-            </a:r>
-            <a:endParaRPr lang="en-US" b="1">
-              <a:gradFill>
-                <a:gsLst>
-                  <a:gs pos="0">
-                    <a:srgbClr val="E30000"/>
-                  </a:gs>
-                  <a:gs pos="100000">
-                    <a:srgbClr val="760303"/>
-                  </a:gs>
-                </a:gsLst>
-                <a:lin scaled="0"/>
-              </a:gradFill>
-            </a:endParaRPr>
-          </a:p>
-          <a:p>
-            <a:endParaRPr lang="en-US" b="1">
-              <a:gradFill>
-                <a:gsLst>
-                  <a:gs pos="0">
-                    <a:srgbClr val="E30000"/>
-                  </a:gs>
-                  <a:gs pos="100000">
-                    <a:srgbClr val="760303"/>
-                  </a:gs>
-                </a:gsLst>
-                <a:lin scaled="0"/>
-              </a:gradFill>
-            </a:endParaRPr>
-          </a:p>
-          <a:p>
-            <a:r>
-              <a:rPr lang="en-US">
-                <a:sym typeface="+mn-ea"/>
-              </a:rPr>
-              <a:t>https://www.mysqltutorial.org/mysql-basics/import-csv-file-mysql-table/          ***</a:t>
-            </a:r>
-            <a:endParaRPr lang="en-US"/>
-          </a:p>
-          <a:p>
-            <a:r>
-              <a:rPr lang="en-US">
-                <a:sym typeface="+mn-ea"/>
-              </a:rPr>
-              <a:t>https://www.mysqltutorial.org/mysql-basics/mysql-export-table-to-csv/</a:t>
-            </a:r>
-            <a:endParaRPr lang="en-US"/>
-          </a:p>
-          <a:p>
-            <a:endParaRPr lang="en-US"/>
-          </a:p>
-          <a:p>
-            <a:r>
-              <a:rPr lang="en-US">
-                <a:sym typeface="+mn-ea"/>
-              </a:rPr>
-              <a:t>https://www.mysqltutorial.org/getting-started-with-mysql/mysql-sample-database/</a:t>
-            </a:r>
-            <a:endParaRPr lang="en-US">
-              <a:sym typeface="+mn-ea"/>
-            </a:endParaRPr>
-          </a:p>
-        </p:txBody>
-      </p:sp>
-      <p:sp>
-        <p:nvSpPr>
-          <p:cNvPr id="4" name="Text Box 3"/>
-          <p:cNvSpPr txBox="1"/>
-          <p:nvPr/>
-        </p:nvSpPr>
-        <p:spPr>
-          <a:xfrm>
-            <a:off x="570230" y="2712085"/>
-            <a:ext cx="11301730" cy="3138170"/>
-          </a:xfrm>
-          <a:prstGeom prst="rect">
-            <a:avLst/>
-          </a:prstGeom>
-          <a:noFill/>
-        </p:spPr>
-        <p:txBody>
-          <a:bodyPr wrap="square" rtlCol="0" anchor="t">
-            <a:spAutoFit/>
-          </a:bodyPr>
-          <a:p>
-            <a:pPr marL="285750" indent="-285750">
-              <a:buFont typeface="Arial" panose="020B0604020202020204" pitchFamily="34" charset="0"/>
-              <a:buChar char="•"/>
-            </a:pPr>
-            <a:r>
-              <a:rPr lang="en-US" b="1"/>
-              <a:t>TEMPORARY TABLE --&gt; </a:t>
-            </a:r>
-            <a:r>
-              <a:rPr lang="en-US"/>
-              <a:t>https://www.javatpoint.com/mysql-temporary-table</a:t>
-            </a:r>
-            <a:endParaRPr lang="en-US"/>
-          </a:p>
-          <a:p>
-            <a:pPr marL="285750" indent="-285750">
-              <a:buFont typeface="Arial" panose="020B0604020202020204" pitchFamily="34" charset="0"/>
-              <a:buChar char="•"/>
-            </a:pPr>
-            <a:r>
-              <a:rPr lang="en-US" b="1"/>
-              <a:t>VIEWS  </a:t>
-            </a:r>
-            <a:r>
-              <a:rPr lang="en-US"/>
-              <a:t>https://www.geeksforgeeks.org/mysql-view/?ref=lbp</a:t>
-            </a:r>
-            <a:endParaRPr lang="en-US"/>
-          </a:p>
-          <a:p>
-            <a:pPr marL="285750" indent="-285750">
-              <a:buFont typeface="Arial" panose="020B0604020202020204" pitchFamily="34" charset="0"/>
-              <a:buChar char="•"/>
-            </a:pPr>
-            <a:r>
-              <a:rPr lang="en-US" b="1"/>
-              <a:t>INDEX   </a:t>
-            </a:r>
-            <a:r>
-              <a:rPr lang="en-US"/>
-              <a:t>https://www.geeksforgeeks.org/mysql-create-index-statement/?ref=lbp</a:t>
-            </a:r>
-            <a:endParaRPr lang="en-US"/>
-          </a:p>
-          <a:p>
-            <a:pPr marL="285750" indent="-285750">
-              <a:buFont typeface="Arial" panose="020B0604020202020204" pitchFamily="34" charset="0"/>
-              <a:buChar char="•"/>
-            </a:pPr>
-            <a:r>
-              <a:rPr lang="en-US" b="1"/>
-              <a:t>CTE    </a:t>
-            </a:r>
-            <a:r>
-              <a:rPr lang="en-US"/>
-              <a:t>https://www.javatpoint.com/mysql-common-table-expression</a:t>
-            </a:r>
-            <a:endParaRPr lang="en-US"/>
-          </a:p>
-          <a:p>
-            <a:pPr marL="285750" indent="-285750">
-              <a:buFont typeface="Arial" panose="020B0604020202020204" pitchFamily="34" charset="0"/>
-              <a:buChar char="•"/>
-            </a:pPr>
-            <a:r>
-              <a:rPr lang="en-US" b="1"/>
-              <a:t>WINDOW FUNC</a:t>
-            </a:r>
-            <a:r>
-              <a:rPr lang="en-US"/>
-              <a:t> -- https://www.mysqltutorial.org/mysql-window-functions/      https://www.javatpoint.com/mysql-window-functions</a:t>
-            </a:r>
-            <a:endParaRPr lang="en-US"/>
-          </a:p>
-          <a:p>
-            <a:pPr marL="285750" indent="-285750">
-              <a:buFont typeface="Arial" panose="020B0604020202020204" pitchFamily="34" charset="0"/>
-              <a:buChar char="•"/>
-            </a:pPr>
-            <a:r>
-              <a:rPr lang="en-US" b="1"/>
-              <a:t>JOINS </a:t>
-            </a:r>
-            <a:r>
-              <a:rPr lang="en-US"/>
-              <a:t>     https://www.mysqltutorial.org/mysql-basics/mysql-join/</a:t>
-            </a:r>
-            <a:endParaRPr lang="en-US"/>
-          </a:p>
-          <a:p>
-            <a:pPr marL="285750" indent="-285750">
-              <a:buFont typeface="Arial" panose="020B0604020202020204" pitchFamily="34" charset="0"/>
-              <a:buChar char="•"/>
-            </a:pPr>
-            <a:r>
-              <a:rPr lang="en-US" b="1"/>
-              <a:t>SUBQUERIES     </a:t>
-            </a:r>
-            <a:r>
-              <a:rPr lang="en-US"/>
-              <a:t>https://www.mysqltutorial.org/mysql-basics/mysql-subquery/</a:t>
-            </a:r>
-            <a:endParaRPr lang="en-US"/>
-          </a:p>
-          <a:p>
-            <a:pPr marL="285750" indent="-285750">
-              <a:buFont typeface="Arial" panose="020B0604020202020204" pitchFamily="34" charset="0"/>
-              <a:buChar char="•"/>
-            </a:pPr>
-            <a:r>
-              <a:rPr lang="en-US" b="1"/>
-              <a:t>STORE_PROCEDURES</a:t>
-            </a:r>
-            <a:r>
-              <a:rPr lang="en-US"/>
-              <a:t>   https://www.geeksforgeeks.org/different-types-of-procedures-in-mysql/?ref=lbp</a:t>
-            </a:r>
-            <a:endParaRPr lang="en-US"/>
-          </a:p>
-          <a:p>
-            <a:pPr marL="285750" indent="-285750">
-              <a:buFont typeface="Arial" panose="020B0604020202020204" pitchFamily="34" charset="0"/>
-              <a:buChar char="•"/>
-            </a:pPr>
-            <a:r>
-              <a:rPr lang="en-US" b="1"/>
-              <a:t>FUNTIONS     </a:t>
-            </a:r>
-            <a:r>
-              <a:rPr lang="en-US"/>
-              <a:t>https://www.javatpoint.com/mysql-stored-function</a:t>
-            </a:r>
-            <a:endParaRPr lang="en-US"/>
-          </a:p>
-          <a:p>
-            <a:pPr marL="285750" indent="-285750">
-              <a:buFont typeface="Arial" panose="020B0604020202020204" pitchFamily="34" charset="0"/>
-              <a:buChar char="•"/>
-            </a:pPr>
-            <a:r>
-              <a:rPr lang="en-US" b="1"/>
-              <a:t>TRIGGERS   </a:t>
-            </a:r>
-            <a:r>
-              <a:rPr lang="en-US"/>
-              <a:t>https://www.geeksforgeeks.org/different-types-of-mysql-triggers-with-examples/?ref=lbp</a:t>
-            </a:r>
-            <a:endParaRPr lang="en-US"/>
-          </a:p>
-        </p:txBody>
-      </p:sp>
+      </p:pic>
     </p:spTree>
   </p:cSld>
   <p:clrMapOvr>
@@ -6714,7 +6097,47 @@
 </p:sld>
 </file>
 
-<file path=ppt/slides/slide7.xml><?xml version="1.0" encoding="utf-8"?>
+<file path=ppt/slides/slide14.xml><?xml version="1.0" encoding="utf-8"?>
+<p:sld xmlns:a="http://schemas.openxmlformats.org/drawingml/2006/main" xmlns:r="http://schemas.openxmlformats.org/officeDocument/2006/relationships" xmlns:p="http://schemas.openxmlformats.org/presentationml/2006/main">
+  <p:cSld>
+    <p:spTree>
+      <p:nvGrpSpPr>
+        <p:cNvPr id="1" name=""/>
+        <p:cNvGrpSpPr/>
+        <p:nvPr/>
+      </p:nvGrpSpPr>
+      <p:grpSpPr/>
+      <p:pic>
+        <p:nvPicPr>
+          <p:cNvPr id="2" name="Picture 1"/>
+          <p:cNvPicPr/>
+          <p:nvPr/>
+        </p:nvPicPr>
+        <p:blipFill>
+          <a:blip r:embed="rId1"/>
+          <a:stretch>
+            <a:fillRect/>
+          </a:stretch>
+        </p:blipFill>
+        <p:spPr>
+          <a:xfrm>
+            <a:off x="2937510" y="152400"/>
+            <a:ext cx="5045075" cy="6104255"/>
+          </a:xfrm>
+          <a:prstGeom prst="rect">
+            <a:avLst/>
+          </a:prstGeom>
+        </p:spPr>
+      </p:pic>
+    </p:spTree>
+  </p:cSld>
+  <p:clrMapOvr>
+    <a:masterClrMapping/>
+  </p:clrMapOvr>
+</p:sld>
+</file>
+
+<file path=ppt/slides/slide15.xml><?xml version="1.0" encoding="utf-8"?>
 <p:sld xmlns:a="http://schemas.openxmlformats.org/drawingml/2006/main" xmlns:r="http://schemas.openxmlformats.org/officeDocument/2006/relationships" xmlns:p="http://schemas.openxmlformats.org/presentationml/2006/main">
   <p:cSld>
     <p:spTree>
@@ -6732,8 +6155,602 @@
         </p:nvSpPr>
         <p:spPr>
           <a:xfrm>
-            <a:off x="528320" y="377825"/>
-            <a:ext cx="10130790" cy="1506855"/>
+            <a:off x="173990" y="0"/>
+            <a:ext cx="5661660" cy="5387340"/>
+          </a:xfrm>
+          <a:prstGeom prst="rect">
+            <a:avLst/>
+          </a:prstGeom>
+        </p:spPr>
+        <p:txBody>
+          <a:bodyPr wrap="square">
+            <a:spAutoFit/>
+          </a:bodyPr>
+          <a:p>
+            <a:pPr marL="0" indent="0">
+              <a:spcBef>
+                <a:spcPct val="0"/>
+              </a:spcBef>
+              <a:spcAft>
+                <a:spcPts val="1000"/>
+              </a:spcAft>
+            </a:pPr>
+            <a:r>
+              <a:rPr sz="2100" b="0" i="0">
+                <a:solidFill>
+                  <a:srgbClr val="001D35"/>
+                </a:solidFill>
+                <a:latin typeface="Google Sans"/>
+                <a:ea typeface="Google Sans"/>
+              </a:rPr>
+              <a:t>While MySQL doesn't directly support a </a:t>
+            </a:r>
+            <a:r>
+              <a:rPr sz="2100" b="0" i="0">
+                <a:solidFill>
+                  <a:srgbClr val="001D35"/>
+                </a:solidFill>
+                <a:latin typeface="monospace"/>
+                <a:ea typeface="monospace"/>
+              </a:rPr>
+              <a:t>FULL OUTER JOIN</a:t>
+            </a:r>
+            <a:r>
+              <a:rPr sz="2100" b="0" i="0">
+                <a:solidFill>
+                  <a:srgbClr val="001D35"/>
+                </a:solidFill>
+                <a:latin typeface="Google Sans"/>
+                <a:ea typeface="Google Sans"/>
+              </a:rPr>
+              <a:t>, you can achieve the same result by combining </a:t>
+            </a:r>
+            <a:r>
+              <a:rPr sz="2100" b="0" i="0">
+                <a:solidFill>
+                  <a:srgbClr val="001D35"/>
+                </a:solidFill>
+                <a:latin typeface="monospace"/>
+                <a:ea typeface="monospace"/>
+              </a:rPr>
+              <a:t>LEFT JOIN</a:t>
+            </a:r>
+            <a:r>
+              <a:rPr sz="2100" b="0" i="0">
+                <a:solidFill>
+                  <a:srgbClr val="001D35"/>
+                </a:solidFill>
+                <a:latin typeface="Google Sans"/>
+                <a:ea typeface="Google Sans"/>
+              </a:rPr>
+              <a:t>, </a:t>
+            </a:r>
+            <a:r>
+              <a:rPr sz="2100" b="0" i="0">
+                <a:solidFill>
+                  <a:srgbClr val="001D35"/>
+                </a:solidFill>
+                <a:latin typeface="monospace"/>
+                <a:ea typeface="monospace"/>
+              </a:rPr>
+              <a:t>RIGHT JOIN</a:t>
+            </a:r>
+            <a:r>
+              <a:rPr sz="2100" b="0" i="0">
+                <a:solidFill>
+                  <a:srgbClr val="001D35"/>
+                </a:solidFill>
+                <a:latin typeface="Google Sans"/>
+                <a:ea typeface="Google Sans"/>
+              </a:rPr>
+              <a:t>, and </a:t>
+            </a:r>
+            <a:r>
+              <a:rPr sz="2100" b="0" i="0">
+                <a:solidFill>
+                  <a:srgbClr val="001D35"/>
+                </a:solidFill>
+                <a:latin typeface="monospace"/>
+                <a:ea typeface="monospace"/>
+              </a:rPr>
+              <a:t>UNION ALL</a:t>
+            </a:r>
+            <a:r>
+              <a:rPr sz="2100" b="0" i="0">
+                <a:solidFill>
+                  <a:srgbClr val="001D35"/>
+                </a:solidFill>
+                <a:latin typeface="Google Sans"/>
+                <a:ea typeface="Google Sans"/>
+              </a:rPr>
+              <a:t>. </a:t>
+            </a:r>
+            <a:endParaRPr sz="2100" b="0" i="0">
+              <a:solidFill>
+                <a:srgbClr val="001D35"/>
+              </a:solidFill>
+              <a:latin typeface="Google Sans"/>
+              <a:ea typeface="Google Sans"/>
+            </a:endParaRPr>
+          </a:p>
+          <a:p>
+            <a:pPr marL="0" indent="0">
+              <a:spcBef>
+                <a:spcPts val="500"/>
+              </a:spcBef>
+              <a:spcAft>
+                <a:spcPts val="1000"/>
+              </a:spcAft>
+            </a:pPr>
+            <a:r>
+              <a:rPr sz="2100" b="0" i="0">
+                <a:solidFill>
+                  <a:srgbClr val="001D35"/>
+                </a:solidFill>
+                <a:latin typeface="Google Sans"/>
+                <a:ea typeface="Google Sans"/>
+              </a:rPr>
+              <a:t>Here's how:</a:t>
+            </a:r>
+            <a:endParaRPr sz="2100" b="0" i="0">
+              <a:solidFill>
+                <a:srgbClr val="001D35"/>
+              </a:solidFill>
+              <a:latin typeface="Google Sans"/>
+              <a:ea typeface="Google Sans"/>
+            </a:endParaRPr>
+          </a:p>
+          <a:p>
+            <a:pPr marL="0" indent="0">
+              <a:spcBef>
+                <a:spcPts val="1000"/>
+              </a:spcBef>
+              <a:spcAft>
+                <a:spcPts val="500"/>
+              </a:spcAft>
+            </a:pPr>
+            <a:r>
+              <a:rPr sz="2100" b="0" i="0">
+                <a:solidFill>
+                  <a:srgbClr val="001D35"/>
+                </a:solidFill>
+                <a:latin typeface="Google Sans"/>
+                <a:ea typeface="Google Sans"/>
+              </a:rPr>
+              <a:t>1. Perform a </a:t>
+            </a:r>
+            <a:r>
+              <a:rPr sz="2100" b="0" i="0">
+                <a:solidFill>
+                  <a:srgbClr val="001D35"/>
+                </a:solidFill>
+                <a:latin typeface="monospace"/>
+                <a:ea typeface="monospace"/>
+              </a:rPr>
+              <a:t>LEFT JOIN</a:t>
+            </a:r>
+            <a:r>
+              <a:rPr sz="2100" b="0" i="0">
+                <a:solidFill>
+                  <a:srgbClr val="001D35"/>
+                </a:solidFill>
+                <a:latin typeface="Google Sans"/>
+                <a:ea typeface="Google Sans"/>
+              </a:rPr>
+              <a:t>:</a:t>
+            </a:r>
+            <a:endParaRPr sz="2100" b="0" i="0">
+              <a:solidFill>
+                <a:srgbClr val="001D35"/>
+              </a:solidFill>
+              <a:latin typeface="Google Sans"/>
+              <a:ea typeface="Google Sans"/>
+            </a:endParaRPr>
+          </a:p>
+          <a:p>
+            <a:pPr marL="0" indent="0">
+              <a:spcAft>
+                <a:spcPts val="1000"/>
+              </a:spcAft>
+            </a:pPr>
+            <a:r>
+              <a:rPr sz="1600" b="0" i="0">
+                <a:solidFill>
+                  <a:srgbClr val="001D35"/>
+                </a:solidFill>
+                <a:latin typeface="Google Sans"/>
+                <a:ea typeface="Google Sans"/>
+              </a:rPr>
+              <a:t>Code</a:t>
+            </a:r>
+            <a:endParaRPr sz="1600" b="0" i="0">
+              <a:solidFill>
+                <a:srgbClr val="001D35"/>
+              </a:solidFill>
+              <a:latin typeface="Google Sans"/>
+              <a:ea typeface="Google Sans"/>
+            </a:endParaRPr>
+          </a:p>
+          <a:p>
+            <a:pPr marL="0" indent="0">
+              <a:lnSpc>
+                <a:spcPts val="1100"/>
+              </a:lnSpc>
+              <a:spcBef>
+                <a:spcPct val="0"/>
+              </a:spcBef>
+              <a:spcAft>
+                <a:spcPct val="0"/>
+              </a:spcAft>
+            </a:pPr>
+            <a:r>
+              <a:rPr sz="1600" b="0" i="0">
+                <a:solidFill>
+                  <a:srgbClr val="9334E6"/>
+                </a:solidFill>
+                <a:latin typeface="monospace"/>
+                <a:ea typeface="monospace"/>
+              </a:rPr>
+              <a:t>SELECT</a:t>
+            </a:r>
+            <a:r>
+              <a:rPr sz="1600" b="0" i="0">
+                <a:solidFill>
+                  <a:srgbClr val="001D35"/>
+                </a:solidFill>
+                <a:latin typeface="monospace"/>
+                <a:ea typeface="monospace"/>
+              </a:rPr>
+              <a:t> *</a:t>
+            </a:r>
+            <a:endParaRPr sz="1600" b="0" i="0">
+              <a:solidFill>
+                <a:srgbClr val="001D35"/>
+              </a:solidFill>
+              <a:latin typeface="monospace"/>
+              <a:ea typeface="monospace"/>
+            </a:endParaRPr>
+          </a:p>
+          <a:p>
+            <a:pPr marL="0" indent="0">
+              <a:lnSpc>
+                <a:spcPts val="1100"/>
+              </a:lnSpc>
+              <a:spcBef>
+                <a:spcPct val="0"/>
+              </a:spcBef>
+              <a:spcAft>
+                <a:spcPct val="0"/>
+              </a:spcAft>
+            </a:pPr>
+            <a:r>
+              <a:rPr sz="1600" b="0" i="0">
+                <a:solidFill>
+                  <a:srgbClr val="9334E6"/>
+                </a:solidFill>
+                <a:latin typeface="monospace"/>
+                <a:ea typeface="monospace"/>
+              </a:rPr>
+              <a:t>FROM</a:t>
+            </a:r>
+            <a:r>
+              <a:rPr sz="1600" b="0" i="0">
+                <a:solidFill>
+                  <a:srgbClr val="001D35"/>
+                </a:solidFill>
+                <a:latin typeface="monospace"/>
+                <a:ea typeface="monospace"/>
+              </a:rPr>
+              <a:t> table1</a:t>
+            </a:r>
+            <a:endParaRPr sz="1600" b="0" i="0">
+              <a:solidFill>
+                <a:srgbClr val="001D35"/>
+              </a:solidFill>
+              <a:latin typeface="monospace"/>
+              <a:ea typeface="monospace"/>
+            </a:endParaRPr>
+          </a:p>
+          <a:p>
+            <a:pPr marL="0" indent="0">
+              <a:lnSpc>
+                <a:spcPts val="1100"/>
+              </a:lnSpc>
+              <a:spcBef>
+                <a:spcPct val="0"/>
+              </a:spcBef>
+              <a:spcAft>
+                <a:spcPct val="0"/>
+              </a:spcAft>
+            </a:pPr>
+            <a:r>
+              <a:rPr sz="1600" b="0" i="0">
+                <a:solidFill>
+                  <a:srgbClr val="9334E6"/>
+                </a:solidFill>
+                <a:latin typeface="monospace"/>
+                <a:ea typeface="monospace"/>
+              </a:rPr>
+              <a:t>LEFTJOIN</a:t>
+            </a:r>
+            <a:r>
+              <a:rPr sz="1600" b="0" i="0">
+                <a:solidFill>
+                  <a:srgbClr val="001D35"/>
+                </a:solidFill>
+                <a:latin typeface="monospace"/>
+                <a:ea typeface="monospace"/>
+              </a:rPr>
+              <a:t> table2 </a:t>
+            </a:r>
+            <a:r>
+              <a:rPr sz="1600" b="0" i="0">
+                <a:solidFill>
+                  <a:srgbClr val="9334E6"/>
+                </a:solidFill>
+                <a:latin typeface="monospace"/>
+                <a:ea typeface="monospace"/>
+              </a:rPr>
+              <a:t>ON</a:t>
+            </a:r>
+            <a:r>
+              <a:rPr sz="1600" b="0" i="0">
+                <a:solidFill>
+                  <a:srgbClr val="001D35"/>
+                </a:solidFill>
+                <a:latin typeface="monospace"/>
+                <a:ea typeface="monospace"/>
+              </a:rPr>
+              <a:t> table1.matching_column = table2.matching_column;</a:t>
+            </a:r>
+            <a:endParaRPr sz="1600" b="0" i="0">
+              <a:solidFill>
+                <a:srgbClr val="001D35"/>
+              </a:solidFill>
+              <a:latin typeface="monospace"/>
+              <a:ea typeface="monospace"/>
+            </a:endParaRPr>
+          </a:p>
+          <a:p>
+            <a:pPr marL="0" indent="0">
+              <a:spcBef>
+                <a:spcPts val="1000"/>
+              </a:spcBef>
+              <a:spcAft>
+                <a:spcPts val="500"/>
+              </a:spcAft>
+            </a:pPr>
+            <a:r>
+              <a:rPr sz="2100" b="0" i="0">
+                <a:solidFill>
+                  <a:srgbClr val="001D35"/>
+                </a:solidFill>
+                <a:latin typeface="Google Sans"/>
+                <a:ea typeface="Google Sans"/>
+              </a:rPr>
+              <a:t>2. Perform a </a:t>
+            </a:r>
+            <a:r>
+              <a:rPr sz="2100" b="0" i="0">
+                <a:solidFill>
+                  <a:srgbClr val="001D35"/>
+                </a:solidFill>
+                <a:latin typeface="monospace"/>
+                <a:ea typeface="monospace"/>
+              </a:rPr>
+              <a:t>RIGHT JOIN</a:t>
+            </a:r>
+            <a:r>
+              <a:rPr sz="2100" b="0" i="0">
+                <a:solidFill>
+                  <a:srgbClr val="001D35"/>
+                </a:solidFill>
+                <a:latin typeface="Google Sans"/>
+                <a:ea typeface="Google Sans"/>
+              </a:rPr>
+              <a:t>:</a:t>
+            </a:r>
+            <a:endParaRPr sz="2100" b="0" i="0">
+              <a:solidFill>
+                <a:srgbClr val="001D35"/>
+              </a:solidFill>
+              <a:latin typeface="Google Sans"/>
+              <a:ea typeface="Google Sans"/>
+            </a:endParaRPr>
+          </a:p>
+          <a:p>
+            <a:pPr marL="0" indent="0">
+              <a:spcAft>
+                <a:spcPts val="1000"/>
+              </a:spcAft>
+            </a:pPr>
+            <a:r>
+              <a:rPr sz="1600" b="0" i="0">
+                <a:solidFill>
+                  <a:srgbClr val="001D35"/>
+                </a:solidFill>
+                <a:latin typeface="Google Sans"/>
+                <a:ea typeface="Google Sans"/>
+              </a:rPr>
+              <a:t>Code</a:t>
+            </a:r>
+            <a:endParaRPr sz="1600" b="0" i="0">
+              <a:solidFill>
+                <a:srgbClr val="001D35"/>
+              </a:solidFill>
+              <a:latin typeface="Google Sans"/>
+              <a:ea typeface="Google Sans"/>
+            </a:endParaRPr>
+          </a:p>
+          <a:p>
+            <a:pPr marL="0" indent="0">
+              <a:lnSpc>
+                <a:spcPts val="1100"/>
+              </a:lnSpc>
+              <a:spcBef>
+                <a:spcPct val="0"/>
+              </a:spcBef>
+              <a:spcAft>
+                <a:spcPct val="0"/>
+              </a:spcAft>
+            </a:pPr>
+            <a:r>
+              <a:rPr sz="1600" b="0" i="0">
+                <a:solidFill>
+                  <a:srgbClr val="9334E6"/>
+                </a:solidFill>
+                <a:latin typeface="monospace"/>
+                <a:ea typeface="monospace"/>
+              </a:rPr>
+              <a:t>SELECT</a:t>
+            </a:r>
+            <a:r>
+              <a:rPr sz="1600" b="0" i="0">
+                <a:solidFill>
+                  <a:srgbClr val="001D35"/>
+                </a:solidFill>
+                <a:latin typeface="monospace"/>
+                <a:ea typeface="monospace"/>
+              </a:rPr>
+              <a:t> *</a:t>
+            </a:r>
+            <a:endParaRPr sz="1600" b="0" i="0">
+              <a:solidFill>
+                <a:srgbClr val="001D35"/>
+              </a:solidFill>
+              <a:latin typeface="monospace"/>
+              <a:ea typeface="monospace"/>
+            </a:endParaRPr>
+          </a:p>
+          <a:p>
+            <a:pPr marL="0" indent="0">
+              <a:lnSpc>
+                <a:spcPts val="1100"/>
+              </a:lnSpc>
+              <a:spcBef>
+                <a:spcPct val="0"/>
+              </a:spcBef>
+              <a:spcAft>
+                <a:spcPct val="0"/>
+              </a:spcAft>
+            </a:pPr>
+            <a:r>
+              <a:rPr sz="1600" b="0" i="0">
+                <a:solidFill>
+                  <a:srgbClr val="9334E6"/>
+                </a:solidFill>
+                <a:latin typeface="monospace"/>
+                <a:ea typeface="monospace"/>
+              </a:rPr>
+              <a:t>FROM</a:t>
+            </a:r>
+            <a:r>
+              <a:rPr sz="1600" b="0" i="0">
+                <a:solidFill>
+                  <a:srgbClr val="001D35"/>
+                </a:solidFill>
+                <a:latin typeface="monospace"/>
+                <a:ea typeface="monospace"/>
+              </a:rPr>
+              <a:t> table1</a:t>
+            </a:r>
+            <a:endParaRPr sz="1600" b="0" i="0">
+              <a:solidFill>
+                <a:srgbClr val="001D35"/>
+              </a:solidFill>
+              <a:latin typeface="monospace"/>
+              <a:ea typeface="monospace"/>
+            </a:endParaRPr>
+          </a:p>
+          <a:p>
+            <a:pPr marL="0" indent="0">
+              <a:lnSpc>
+                <a:spcPts val="1100"/>
+              </a:lnSpc>
+              <a:spcBef>
+                <a:spcPct val="0"/>
+              </a:spcBef>
+              <a:spcAft>
+                <a:spcPct val="0"/>
+              </a:spcAft>
+            </a:pPr>
+            <a:r>
+              <a:rPr sz="1600" b="0" i="0">
+                <a:solidFill>
+                  <a:srgbClr val="9334E6"/>
+                </a:solidFill>
+                <a:latin typeface="monospace"/>
+                <a:ea typeface="monospace"/>
+              </a:rPr>
+              <a:t>RIGHTJOIN</a:t>
+            </a:r>
+            <a:r>
+              <a:rPr sz="1600" b="0" i="0">
+                <a:solidFill>
+                  <a:srgbClr val="001D35"/>
+                </a:solidFill>
+                <a:latin typeface="monospace"/>
+                <a:ea typeface="monospace"/>
+              </a:rPr>
+              <a:t> table2 </a:t>
+            </a:r>
+            <a:r>
+              <a:rPr sz="1600" b="0" i="0">
+                <a:solidFill>
+                  <a:srgbClr val="9334E6"/>
+                </a:solidFill>
+                <a:latin typeface="monospace"/>
+                <a:ea typeface="monospace"/>
+              </a:rPr>
+              <a:t>ON</a:t>
+            </a:r>
+            <a:r>
+              <a:rPr sz="1600" b="0" i="0">
+                <a:solidFill>
+                  <a:srgbClr val="001D35"/>
+                </a:solidFill>
+                <a:latin typeface="monospace"/>
+                <a:ea typeface="monospace"/>
+              </a:rPr>
+              <a:t> table1.matching_column = table2.matching_column;</a:t>
+            </a:r>
+            <a:endParaRPr sz="1600" b="0" i="0">
+              <a:solidFill>
+                <a:srgbClr val="001D35"/>
+              </a:solidFill>
+              <a:latin typeface="monospace"/>
+              <a:ea typeface="monospace"/>
+            </a:endParaRPr>
+          </a:p>
+          <a:p>
+            <a:pPr marL="0" indent="0">
+              <a:spcBef>
+                <a:spcPts val="1000"/>
+              </a:spcBef>
+              <a:spcAft>
+                <a:spcPts val="500"/>
+              </a:spcAft>
+            </a:pPr>
+            <a:endParaRPr sz="2100" b="0" i="0">
+              <a:solidFill>
+                <a:srgbClr val="001D35"/>
+              </a:solidFill>
+              <a:latin typeface="Google Sans"/>
+              <a:ea typeface="Google Sans"/>
+            </a:endParaRPr>
+          </a:p>
+        </p:txBody>
+      </p:sp>
+      <p:sp>
+        <p:nvSpPr>
+          <p:cNvPr id="3" name="Text Box 2"/>
+          <p:cNvSpPr txBox="1"/>
+          <p:nvPr/>
+        </p:nvSpPr>
+        <p:spPr>
+          <a:xfrm>
+            <a:off x="5835650" y="0"/>
+            <a:ext cx="6096000" cy="6670040"/>
           </a:xfrm>
           <a:prstGeom prst="rect">
             <a:avLst/>
@@ -6745,227 +6762,619 @@
             <a:spAutoFit/>
           </a:bodyPr>
           <a:p>
-            <a:r>
-              <a:rPr lang="en-US" b="1">
-                <a:gradFill>
-                  <a:gsLst>
-                    <a:gs pos="0">
-                      <a:srgbClr val="E30000"/>
-                    </a:gs>
-                    <a:gs pos="100000">
-                      <a:srgbClr val="760303"/>
-                    </a:gs>
-                  </a:gsLst>
-                  <a:lin scaled="0"/>
-                </a:gradFill>
-              </a:rPr>
-              <a:t>TOPICS IN DETAILS LINK</a:t>
-            </a:r>
-            <a:endParaRPr lang="en-US" b="1">
-              <a:gradFill>
-                <a:gsLst>
-                  <a:gs pos="0">
-                    <a:srgbClr val="E30000"/>
-                  </a:gs>
-                  <a:gs pos="100000">
-                    <a:srgbClr val="760303"/>
-                  </a:gs>
-                </a:gsLst>
-                <a:lin scaled="0"/>
-              </a:gradFill>
-            </a:endParaRPr>
-          </a:p>
-          <a:p>
-            <a:endParaRPr lang="en-US" b="1">
-              <a:gradFill>
-                <a:gsLst>
-                  <a:gs pos="0">
-                    <a:srgbClr val="E30000"/>
-                  </a:gs>
-                  <a:gs pos="100000">
-                    <a:srgbClr val="760303"/>
-                  </a:gs>
-                </a:gsLst>
-                <a:lin scaled="0"/>
-              </a:gradFill>
-            </a:endParaRPr>
-          </a:p>
-          <a:p>
-            <a:r>
-              <a:rPr lang="en-US"/>
-              <a:t>https://www.mysqltutorial.org/mysql-basics/import-csv-file-mysql-table/          </a:t>
-            </a:r>
-            <a:r>
-              <a:rPr lang="en-US" sz="2000" b="1"/>
-              <a:t>***</a:t>
-            </a:r>
-            <a:endParaRPr lang="en-US" sz="2000" b="1"/>
-          </a:p>
-          <a:p>
-            <a:r>
-              <a:rPr lang="en-US"/>
-              <a:t>https://www.mysqltutorial.org/mysql-basics/mysql-export-table-to-csv/</a:t>
-            </a:r>
-            <a:endParaRPr lang="en-US"/>
-          </a:p>
-          <a:p>
-            <a:r>
-              <a:rPr lang="en-US"/>
-              <a:t>https://www.mysqltutorial.org/getting-started-with-mysql/mysql-sample-database/</a:t>
-            </a:r>
-            <a:endParaRPr lang="en-US"/>
-          </a:p>
-        </p:txBody>
-      </p:sp>
-      <p:sp>
-        <p:nvSpPr>
-          <p:cNvPr id="3" name="Text Box 2"/>
-          <p:cNvSpPr txBox="1"/>
-          <p:nvPr/>
-        </p:nvSpPr>
-        <p:spPr>
-          <a:xfrm>
-            <a:off x="528320" y="2455545"/>
-            <a:ext cx="11363960" cy="2584450"/>
-          </a:xfrm>
-          <a:prstGeom prst="rect">
-            <a:avLst/>
-          </a:prstGeom>
-          <a:noFill/>
-        </p:spPr>
-        <p:txBody>
-          <a:bodyPr wrap="square" rtlCol="0" anchor="t">
-            <a:spAutoFit/>
-          </a:bodyPr>
-          <a:p>
-            <a:r>
-              <a:rPr lang="en-US">
-                <a:sym typeface="+mn-ea"/>
-              </a:rPr>
-              <a:t>https://www.mysqltutorial.org/mysql-basics/mysql-find-duplicate-values/</a:t>
-            </a:r>
-            <a:endParaRPr lang="en-US"/>
-          </a:p>
-          <a:p>
-            <a:r>
-              <a:rPr lang="en-US">
-                <a:sym typeface="+mn-ea"/>
-              </a:rPr>
-              <a:t>https://www.mysqltutorial.org/mysql-basics/mysql-compare-two-tables/</a:t>
-            </a:r>
-            <a:endParaRPr lang="en-US"/>
-          </a:p>
-          <a:p>
-            <a:r>
-              <a:rPr lang="en-US">
-                <a:sym typeface="+mn-ea"/>
-              </a:rPr>
-              <a:t>https://www.mysqltutorial.org/mysql-basics/mysql-delete-duplicate-rows/</a:t>
-            </a:r>
-            <a:endParaRPr lang="en-US"/>
-          </a:p>
-          <a:p>
-            <a:r>
-              <a:rPr lang="en-US">
-                <a:sym typeface="+mn-ea"/>
-              </a:rPr>
-              <a:t>https://www.mysqltutorial.org/mysql-basics/mysql-compare-rows-within-the-same-table/</a:t>
-            </a:r>
-            <a:endParaRPr lang="en-US"/>
-          </a:p>
-          <a:p>
-            <a:r>
-              <a:rPr lang="en-US">
-                <a:sym typeface="+mn-ea"/>
-              </a:rPr>
-              <a:t>https://www.mysqltutorial.org/mysql-basics/mysql-select-random/</a:t>
-            </a:r>
-            <a:endParaRPr lang="en-US"/>
-          </a:p>
-          <a:p>
-            <a:endParaRPr lang="en-US"/>
-          </a:p>
-          <a:p>
-            <a:r>
-              <a:rPr lang="en-US">
-                <a:sym typeface="+mn-ea"/>
-              </a:rPr>
-              <a:t>https://www.mysqltutorial.org/mysql-basics/mysql-export-table-to-csv/</a:t>
-            </a:r>
-            <a:endParaRPr lang="en-US"/>
-          </a:p>
-          <a:p>
-            <a:endParaRPr lang="en-US"/>
-          </a:p>
-          <a:p>
-            <a:endParaRPr lang="en-US"/>
-          </a:p>
-        </p:txBody>
-      </p:sp>
-      <p:sp>
-        <p:nvSpPr>
-          <p:cNvPr id="4" name="Text Box 3"/>
-          <p:cNvSpPr txBox="1"/>
-          <p:nvPr/>
-        </p:nvSpPr>
-        <p:spPr>
-          <a:xfrm>
-            <a:off x="643255" y="4559300"/>
-            <a:ext cx="9503410" cy="1476375"/>
-          </a:xfrm>
-          <a:prstGeom prst="rect">
-            <a:avLst/>
-          </a:prstGeom>
-          <a:noFill/>
-        </p:spPr>
-        <p:txBody>
-          <a:bodyPr wrap="square" rtlCol="0" anchor="t">
-            <a:spAutoFit/>
-          </a:bodyPr>
-          <a:p>
-            <a:r>
-              <a:rPr lang="en-US">
-                <a:sym typeface="+mn-ea"/>
-              </a:rPr>
-              <a:t>https://www.javatpoint.com/mysql-union-vs-join</a:t>
-            </a:r>
-            <a:endParaRPr lang="en-US"/>
-          </a:p>
-          <a:p>
-            <a:r>
-              <a:rPr lang="en-US">
-                <a:sym typeface="+mn-ea"/>
-              </a:rPr>
-              <a:t>https://www.javatpoint.com/mysql-trigger</a:t>
-            </a:r>
-            <a:endParaRPr lang="en-US"/>
-          </a:p>
-          <a:p>
-            <a:r>
-              <a:rPr lang="en-US">
-                <a:sym typeface="+mn-ea"/>
-              </a:rPr>
-              <a:t>https://www.javatpoint.com/mysql-export-and-import-database </a:t>
-            </a:r>
-            <a:endParaRPr lang="en-US"/>
-          </a:p>
-          <a:p>
-            <a:r>
-              <a:rPr lang="en-US">
-                <a:sym typeface="+mn-ea"/>
-              </a:rPr>
-              <a:t>https://www.javatpoint.com/mysql-common-table-expression</a:t>
-            </a:r>
-            <a:endParaRPr lang="en-US"/>
-          </a:p>
-          <a:p>
-            <a:r>
-              <a:rPr lang="en-US">
-                <a:sym typeface="+mn-ea"/>
-              </a:rPr>
-              <a:t>https://www.javatpoint.com/mysql-on-delete-cascade</a:t>
-            </a:r>
-            <a:endParaRPr lang="en-US">
+            <a:pPr marL="0" indent="0">
+              <a:spcBef>
+                <a:spcPts val="1000"/>
+              </a:spcBef>
+              <a:spcAft>
+                <a:spcPts val="500"/>
+              </a:spcAft>
+            </a:pPr>
+            <a:r>
+              <a:rPr sz="2100">
+                <a:solidFill>
+                  <a:srgbClr val="001D35"/>
+                </a:solidFill>
+                <a:latin typeface="Google Sans"/>
+                <a:ea typeface="Google Sans"/>
+                <a:sym typeface="+mn-ea"/>
+              </a:rPr>
+              <a:t>3. Combine the results using </a:t>
+            </a:r>
+            <a:r>
+              <a:rPr sz="2100">
+                <a:solidFill>
+                  <a:srgbClr val="001D35"/>
+                </a:solidFill>
+                <a:latin typeface="monospace"/>
+                <a:ea typeface="monospace"/>
+                <a:sym typeface="+mn-ea"/>
+              </a:rPr>
+              <a:t>UNION ALL</a:t>
+            </a:r>
+            <a:r>
+              <a:rPr sz="2100">
+                <a:solidFill>
+                  <a:srgbClr val="001D35"/>
+                </a:solidFill>
+                <a:latin typeface="Google Sans"/>
+                <a:ea typeface="Google Sans"/>
+                <a:sym typeface="+mn-ea"/>
+              </a:rPr>
+              <a:t>:</a:t>
+            </a:r>
+            <a:endParaRPr sz="2100" b="0" i="0">
+              <a:solidFill>
+                <a:srgbClr val="001D35"/>
+              </a:solidFill>
+              <a:latin typeface="Google Sans"/>
+              <a:ea typeface="Google Sans"/>
+            </a:endParaRPr>
+          </a:p>
+          <a:p>
+            <a:pPr marL="0" indent="0">
+              <a:spcAft>
+                <a:spcPts val="1000"/>
+              </a:spcAft>
+            </a:pPr>
+            <a:r>
+              <a:rPr sz="1600">
+                <a:solidFill>
+                  <a:srgbClr val="001D35"/>
+                </a:solidFill>
+                <a:latin typeface="Google Sans"/>
+                <a:ea typeface="Google Sans"/>
+                <a:sym typeface="+mn-ea"/>
+              </a:rPr>
+              <a:t>Code</a:t>
+            </a:r>
+            <a:endParaRPr sz="1600" b="0" i="0">
+              <a:solidFill>
+                <a:srgbClr val="001D35"/>
+              </a:solidFill>
+              <a:latin typeface="Google Sans"/>
+              <a:ea typeface="Google Sans"/>
+            </a:endParaRPr>
+          </a:p>
+          <a:p>
+            <a:pPr marL="0" indent="0">
+              <a:lnSpc>
+                <a:spcPts val="1100"/>
+              </a:lnSpc>
+              <a:spcBef>
+                <a:spcPct val="0"/>
+              </a:spcBef>
+              <a:spcAft>
+                <a:spcPct val="0"/>
+              </a:spcAft>
+            </a:pPr>
+            <a:r>
+              <a:rPr sz="1600">
+                <a:solidFill>
+                  <a:srgbClr val="9334E6"/>
+                </a:solidFill>
+                <a:latin typeface="monospace"/>
+                <a:ea typeface="monospace"/>
+                <a:sym typeface="+mn-ea"/>
+              </a:rPr>
+              <a:t>SELECT</a:t>
+            </a:r>
+            <a:r>
+              <a:rPr sz="1600">
+                <a:solidFill>
+                  <a:srgbClr val="001D35"/>
+                </a:solidFill>
+                <a:latin typeface="monospace"/>
+                <a:ea typeface="monospace"/>
+                <a:sym typeface="+mn-ea"/>
+              </a:rPr>
+              <a:t> *</a:t>
+            </a:r>
+            <a:endParaRPr sz="1600" b="0" i="0">
+              <a:solidFill>
+                <a:srgbClr val="001D35"/>
+              </a:solidFill>
+              <a:latin typeface="monospace"/>
+              <a:ea typeface="monospace"/>
+            </a:endParaRPr>
+          </a:p>
+          <a:p>
+            <a:pPr marL="0" indent="0">
+              <a:lnSpc>
+                <a:spcPts val="1100"/>
+              </a:lnSpc>
+              <a:spcBef>
+                <a:spcPct val="0"/>
+              </a:spcBef>
+              <a:spcAft>
+                <a:spcPct val="0"/>
+              </a:spcAft>
+            </a:pPr>
+            <a:r>
+              <a:rPr sz="1600">
+                <a:solidFill>
+                  <a:srgbClr val="9334E6"/>
+                </a:solidFill>
+                <a:latin typeface="monospace"/>
+                <a:ea typeface="monospace"/>
+                <a:sym typeface="+mn-ea"/>
+              </a:rPr>
+              <a:t>FROM</a:t>
+            </a:r>
+            <a:r>
+              <a:rPr sz="1600">
+                <a:solidFill>
+                  <a:srgbClr val="001D35"/>
+                </a:solidFill>
+                <a:latin typeface="monospace"/>
+                <a:ea typeface="monospace"/>
+                <a:sym typeface="+mn-ea"/>
+              </a:rPr>
+              <a:t> table1</a:t>
+            </a:r>
+            <a:endParaRPr sz="1600" b="0" i="0">
+              <a:solidFill>
+                <a:srgbClr val="001D35"/>
+              </a:solidFill>
+              <a:latin typeface="monospace"/>
+              <a:ea typeface="monospace"/>
+            </a:endParaRPr>
+          </a:p>
+          <a:p>
+            <a:pPr marL="0" indent="0">
+              <a:lnSpc>
+                <a:spcPts val="1100"/>
+              </a:lnSpc>
+              <a:spcBef>
+                <a:spcPct val="0"/>
+              </a:spcBef>
+              <a:spcAft>
+                <a:spcPct val="0"/>
+              </a:spcAft>
+            </a:pPr>
+            <a:r>
+              <a:rPr sz="1600">
+                <a:solidFill>
+                  <a:srgbClr val="9334E6"/>
+                </a:solidFill>
+                <a:latin typeface="monospace"/>
+                <a:ea typeface="monospace"/>
+                <a:sym typeface="+mn-ea"/>
+              </a:rPr>
+              <a:t>LEFTJOIN</a:t>
+            </a:r>
+            <a:r>
+              <a:rPr sz="1600">
+                <a:solidFill>
+                  <a:srgbClr val="001D35"/>
+                </a:solidFill>
+                <a:latin typeface="monospace"/>
+                <a:ea typeface="monospace"/>
+                <a:sym typeface="+mn-ea"/>
+              </a:rPr>
+              <a:t> table2 </a:t>
+            </a:r>
+            <a:r>
+              <a:rPr sz="1600">
+                <a:solidFill>
+                  <a:srgbClr val="9334E6"/>
+                </a:solidFill>
+                <a:latin typeface="monospace"/>
+                <a:ea typeface="monospace"/>
+                <a:sym typeface="+mn-ea"/>
+              </a:rPr>
+              <a:t>ON</a:t>
+            </a:r>
+            <a:r>
+              <a:rPr sz="1600">
+                <a:solidFill>
+                  <a:srgbClr val="001D35"/>
+                </a:solidFill>
+                <a:latin typeface="monospace"/>
+                <a:ea typeface="monospace"/>
+                <a:sym typeface="+mn-ea"/>
+              </a:rPr>
+              <a:t> table1.matching_column = table2.matching_column</a:t>
+            </a:r>
+            <a:endParaRPr sz="1600" b="0" i="0">
+              <a:solidFill>
+                <a:srgbClr val="001D35"/>
+              </a:solidFill>
+              <a:latin typeface="monospace"/>
+              <a:ea typeface="monospace"/>
+            </a:endParaRPr>
+          </a:p>
+          <a:p>
+            <a:pPr marL="0" indent="0">
+              <a:lnSpc>
+                <a:spcPts val="1100"/>
+              </a:lnSpc>
+              <a:spcBef>
+                <a:spcPct val="0"/>
+              </a:spcBef>
+              <a:spcAft>
+                <a:spcPct val="0"/>
+              </a:spcAft>
+            </a:pPr>
+            <a:r>
+              <a:rPr sz="1600">
+                <a:solidFill>
+                  <a:srgbClr val="9334E6"/>
+                </a:solidFill>
+                <a:latin typeface="monospace"/>
+                <a:ea typeface="monospace"/>
+                <a:sym typeface="+mn-ea"/>
+              </a:rPr>
+              <a:t>UNIONALL</a:t>
+            </a:r>
+            <a:endParaRPr sz="1600" b="0" i="0">
+              <a:solidFill>
+                <a:srgbClr val="9334E6"/>
+              </a:solidFill>
+              <a:latin typeface="monospace"/>
+              <a:ea typeface="monospace"/>
+            </a:endParaRPr>
+          </a:p>
+          <a:p>
+            <a:pPr marL="0" indent="0">
+              <a:lnSpc>
+                <a:spcPts val="1100"/>
+              </a:lnSpc>
+              <a:spcBef>
+                <a:spcPct val="0"/>
+              </a:spcBef>
+              <a:spcAft>
+                <a:spcPct val="0"/>
+              </a:spcAft>
+            </a:pPr>
+            <a:r>
+              <a:rPr sz="1600">
+                <a:solidFill>
+                  <a:srgbClr val="9334E6"/>
+                </a:solidFill>
+                <a:latin typeface="monospace"/>
+                <a:ea typeface="monospace"/>
+                <a:sym typeface="+mn-ea"/>
+              </a:rPr>
+              <a:t>SELECT</a:t>
+            </a:r>
+            <a:r>
+              <a:rPr sz="1600">
+                <a:solidFill>
+                  <a:srgbClr val="001D35"/>
+                </a:solidFill>
+                <a:latin typeface="monospace"/>
+                <a:ea typeface="monospace"/>
+                <a:sym typeface="+mn-ea"/>
+              </a:rPr>
+              <a:t> *</a:t>
+            </a:r>
+            <a:endParaRPr sz="1600" b="0" i="0">
+              <a:solidFill>
+                <a:srgbClr val="001D35"/>
+              </a:solidFill>
+              <a:latin typeface="monospace"/>
+              <a:ea typeface="monospace"/>
+            </a:endParaRPr>
+          </a:p>
+          <a:p>
+            <a:pPr marL="0" indent="0">
+              <a:lnSpc>
+                <a:spcPts val="1100"/>
+              </a:lnSpc>
+              <a:spcBef>
+                <a:spcPct val="0"/>
+              </a:spcBef>
+              <a:spcAft>
+                <a:spcPct val="0"/>
+              </a:spcAft>
+            </a:pPr>
+            <a:r>
+              <a:rPr sz="1600">
+                <a:solidFill>
+                  <a:srgbClr val="9334E6"/>
+                </a:solidFill>
+                <a:latin typeface="monospace"/>
+                <a:ea typeface="monospace"/>
+                <a:sym typeface="+mn-ea"/>
+              </a:rPr>
+              <a:t>FROM</a:t>
+            </a:r>
+            <a:r>
+              <a:rPr sz="1600">
+                <a:solidFill>
+                  <a:srgbClr val="001D35"/>
+                </a:solidFill>
+                <a:latin typeface="monospace"/>
+                <a:ea typeface="monospace"/>
+                <a:sym typeface="+mn-ea"/>
+              </a:rPr>
+              <a:t> table1</a:t>
+            </a:r>
+            <a:endParaRPr sz="1600" b="0" i="0">
+              <a:solidFill>
+                <a:srgbClr val="001D35"/>
+              </a:solidFill>
+              <a:latin typeface="monospace"/>
+              <a:ea typeface="monospace"/>
+            </a:endParaRPr>
+          </a:p>
+          <a:p>
+            <a:pPr marL="0" indent="0">
+              <a:lnSpc>
+                <a:spcPts val="1100"/>
+              </a:lnSpc>
+              <a:spcBef>
+                <a:spcPct val="0"/>
+              </a:spcBef>
+              <a:spcAft>
+                <a:spcPct val="0"/>
+              </a:spcAft>
+            </a:pPr>
+            <a:r>
+              <a:rPr sz="1600">
+                <a:solidFill>
+                  <a:srgbClr val="9334E6"/>
+                </a:solidFill>
+                <a:latin typeface="monospace"/>
+                <a:ea typeface="monospace"/>
+                <a:sym typeface="+mn-ea"/>
+              </a:rPr>
+              <a:t>RIGHTJOIN</a:t>
+            </a:r>
+            <a:r>
+              <a:rPr sz="1600">
+                <a:solidFill>
+                  <a:srgbClr val="001D35"/>
+                </a:solidFill>
+                <a:latin typeface="monospace"/>
+                <a:ea typeface="monospace"/>
+                <a:sym typeface="+mn-ea"/>
+              </a:rPr>
+              <a:t> table2 </a:t>
+            </a:r>
+            <a:r>
+              <a:rPr sz="1600">
+                <a:solidFill>
+                  <a:srgbClr val="9334E6"/>
+                </a:solidFill>
+                <a:latin typeface="monospace"/>
+                <a:ea typeface="monospace"/>
+                <a:sym typeface="+mn-ea"/>
+              </a:rPr>
+              <a:t>ON</a:t>
+            </a:r>
+            <a:r>
+              <a:rPr sz="1600">
+                <a:solidFill>
+                  <a:srgbClr val="001D35"/>
+                </a:solidFill>
+                <a:latin typeface="monospace"/>
+                <a:ea typeface="monospace"/>
+                <a:sym typeface="+mn-ea"/>
+              </a:rPr>
+              <a:t> table1.matching_column = table2.matching_column;</a:t>
+            </a:r>
+            <a:endParaRPr sz="1600" b="0" i="0">
+              <a:solidFill>
+                <a:srgbClr val="001D35"/>
+              </a:solidFill>
+              <a:latin typeface="monospace"/>
+              <a:ea typeface="monospace"/>
+            </a:endParaRPr>
+          </a:p>
+          <a:p>
+            <a:pPr marL="0" indent="0">
+              <a:spcBef>
+                <a:spcPts val="1000"/>
+              </a:spcBef>
+              <a:spcAft>
+                <a:spcPts val="500"/>
+              </a:spcAft>
+            </a:pPr>
+            <a:r>
+              <a:rPr sz="2100">
+                <a:solidFill>
+                  <a:srgbClr val="001D35"/>
+                </a:solidFill>
+                <a:latin typeface="Google Sans"/>
+                <a:ea typeface="Google Sans"/>
+                <a:sym typeface="+mn-ea"/>
+              </a:rPr>
+              <a:t>Explanation:</a:t>
+            </a:r>
+            <a:endParaRPr sz="2100" b="0" i="0">
+              <a:solidFill>
+                <a:srgbClr val="001D35"/>
+              </a:solidFill>
+              <a:latin typeface="Google Sans"/>
+              <a:ea typeface="Google Sans"/>
+            </a:endParaRPr>
+          </a:p>
+          <a:p>
+            <a:pPr marL="0" indent="0">
+              <a:spcBef>
+                <a:spcPct val="0"/>
+              </a:spcBef>
+              <a:spcAft>
+                <a:spcPts val="400"/>
+              </a:spcAft>
+              <a:buFont typeface="Arial" panose="020B0604020202020204"/>
+              <a:buChar char="•"/>
+            </a:pPr>
+            <a:r>
+              <a:rPr sz="2100">
+                <a:solidFill>
+                  <a:srgbClr val="001D35"/>
+                </a:solidFill>
+                <a:latin typeface="monospace"/>
+                <a:ea typeface="monospace"/>
+                <a:sym typeface="+mn-ea"/>
+              </a:rPr>
+              <a:t>LEFT JOIN</a:t>
+            </a:r>
+            <a:r>
+              <a:rPr sz="2100">
+                <a:solidFill>
+                  <a:srgbClr val="001D35"/>
+                </a:solidFill>
+                <a:latin typeface="Google Sans"/>
+                <a:ea typeface="Google Sans"/>
+                <a:sym typeface="+mn-ea"/>
+              </a:rPr>
+              <a:t> returns all rows from the left table (table1) and matching rows from the right table (table2). </a:t>
+            </a:r>
+            <a:endParaRPr sz="2100" b="0" i="0">
+              <a:solidFill>
+                <a:srgbClr val="001D35"/>
+              </a:solidFill>
+              <a:latin typeface="Google Sans"/>
+              <a:ea typeface="Google Sans"/>
+            </a:endParaRPr>
+          </a:p>
+          <a:p>
+            <a:pPr marL="0" indent="0">
+              <a:spcBef>
+                <a:spcPct val="0"/>
+              </a:spcBef>
+              <a:spcAft>
+                <a:spcPts val="400"/>
+              </a:spcAft>
+              <a:buFont typeface="Arial" panose="020B0604020202020204"/>
+              <a:buChar char="•"/>
+            </a:pPr>
+            <a:r>
+              <a:rPr sz="2100">
+                <a:solidFill>
+                  <a:srgbClr val="001D35"/>
+                </a:solidFill>
+                <a:latin typeface="monospace"/>
+                <a:ea typeface="monospace"/>
+                <a:sym typeface="+mn-ea"/>
+              </a:rPr>
+              <a:t>RIGHT JOIN</a:t>
+            </a:r>
+            <a:r>
+              <a:rPr sz="2100">
+                <a:solidFill>
+                  <a:srgbClr val="001D35"/>
+                </a:solidFill>
+                <a:latin typeface="Google Sans"/>
+                <a:ea typeface="Google Sans"/>
+                <a:sym typeface="+mn-ea"/>
+              </a:rPr>
+              <a:t> returns all rows from the right table (table2) and matching rows from the left table (table1). </a:t>
+            </a:r>
+            <a:endParaRPr sz="2100" b="0" i="0">
+              <a:solidFill>
+                <a:srgbClr val="001D35"/>
+              </a:solidFill>
+              <a:latin typeface="Google Sans"/>
+              <a:ea typeface="Google Sans"/>
+            </a:endParaRPr>
+          </a:p>
+          <a:p>
+            <a:pPr marL="0" indent="0">
+              <a:spcBef>
+                <a:spcPct val="0"/>
+              </a:spcBef>
+              <a:spcAft>
+                <a:spcPts val="400"/>
+              </a:spcAft>
+              <a:buFont typeface="Arial" panose="020B0604020202020204"/>
+              <a:buChar char="•"/>
+            </a:pPr>
+            <a:r>
+              <a:rPr sz="2100">
+                <a:solidFill>
+                  <a:srgbClr val="001D35"/>
+                </a:solidFill>
+                <a:latin typeface="monospace"/>
+                <a:ea typeface="monospace"/>
+                <a:sym typeface="+mn-ea"/>
+              </a:rPr>
+              <a:t>UNION ALL</a:t>
+            </a:r>
+            <a:r>
+              <a:rPr sz="2100">
+                <a:solidFill>
+                  <a:srgbClr val="001D35"/>
+                </a:solidFill>
+                <a:latin typeface="Google Sans"/>
+                <a:ea typeface="Google Sans"/>
+                <a:sym typeface="+mn-ea"/>
+              </a:rPr>
+              <a:t> combines the results of the two joins, including all rows from both tables, even if they don't have matches in the other table. </a:t>
+            </a:r>
+            <a:endParaRPr sz="2100" b="0" i="0">
+              <a:solidFill>
+                <a:srgbClr val="001D35"/>
+              </a:solidFill>
+              <a:latin typeface="Google Sans"/>
+              <a:ea typeface="Google Sans"/>
+            </a:endParaRPr>
+          </a:p>
+          <a:p>
+            <a:pPr marL="0" indent="0">
+              <a:spcBef>
+                <a:spcPct val="0"/>
+              </a:spcBef>
+              <a:spcAft>
+                <a:spcPct val="0"/>
+              </a:spcAft>
+              <a:buFont typeface="Arial" panose="020B0604020202020204"/>
+              <a:buChar char="•"/>
+            </a:pPr>
+            <a:r>
+              <a:rPr sz="2100">
+                <a:solidFill>
+                  <a:srgbClr val="001D35"/>
+                </a:solidFill>
+                <a:latin typeface="monospace"/>
+                <a:ea typeface="monospace"/>
+                <a:sym typeface="+mn-ea"/>
+              </a:rPr>
+              <a:t>UNION ALL</a:t>
+            </a:r>
+            <a:r>
+              <a:rPr sz="2100">
+                <a:solidFill>
+                  <a:srgbClr val="001D35"/>
+                </a:solidFill>
+                <a:latin typeface="Google Sans"/>
+                <a:ea typeface="Google Sans"/>
+                <a:sym typeface="+mn-ea"/>
+              </a:rPr>
+              <a:t> is used instead of </a:t>
+            </a:r>
+            <a:r>
+              <a:rPr sz="2100">
+                <a:solidFill>
+                  <a:srgbClr val="001D35"/>
+                </a:solidFill>
+                <a:latin typeface="monospace"/>
+                <a:ea typeface="monospace"/>
+                <a:sym typeface="+mn-ea"/>
+              </a:rPr>
+              <a:t>UNION</a:t>
+            </a:r>
+            <a:r>
+              <a:rPr sz="2100">
+                <a:solidFill>
+                  <a:srgbClr val="001D35"/>
+                </a:solidFill>
+                <a:latin typeface="Google Sans"/>
+                <a:ea typeface="Google Sans"/>
+                <a:sym typeface="+mn-ea"/>
+              </a:rPr>
+              <a:t> to preserve all rows, including duplicates. </a:t>
+            </a:r>
+            <a:endParaRPr lang="en-US" sz="2100">
+              <a:solidFill>
+                <a:srgbClr val="001D35"/>
+              </a:solidFill>
+              <a:latin typeface="Google Sans"/>
+              <a:ea typeface="Google Sans"/>
               <a:sym typeface="+mn-ea"/>
             </a:endParaRPr>
           </a:p>
@@ -6979,168 +7388,7 @@
 </p:sld>
 </file>
 
-<file path=ppt/slides/slide8.xml><?xml version="1.0" encoding="utf-8"?>
-<p:sld xmlns:a="http://schemas.openxmlformats.org/drawingml/2006/main" xmlns:r="http://schemas.openxmlformats.org/officeDocument/2006/relationships" xmlns:p="http://schemas.openxmlformats.org/presentationml/2006/main">
-  <p:cSld>
-    <p:spTree>
-      <p:nvGrpSpPr>
-        <p:cNvPr id="1" name=""/>
-        <p:cNvGrpSpPr/>
-        <p:nvPr/>
-      </p:nvGrpSpPr>
-      <p:grpSpPr/>
-      <p:sp>
-        <p:nvSpPr>
-          <p:cNvPr id="2" name="Text Box 1"/>
-          <p:cNvSpPr txBox="1"/>
-          <p:nvPr/>
-        </p:nvSpPr>
-        <p:spPr>
-          <a:xfrm>
-            <a:off x="476250" y="506095"/>
-            <a:ext cx="10570210" cy="3138170"/>
-          </a:xfrm>
-          <a:prstGeom prst="rect">
-            <a:avLst/>
-          </a:prstGeom>
-          <a:noFill/>
-        </p:spPr>
-        <p:txBody>
-          <a:bodyPr wrap="square" rtlCol="0" anchor="t">
-            <a:spAutoFit/>
-          </a:bodyPr>
-          <a:p>
-            <a:pPr marL="285750" indent="-285750">
-              <a:buFont typeface="Arial" panose="020B0604020202020204" pitchFamily="34" charset="0"/>
-              <a:buChar char="•"/>
-            </a:pPr>
-            <a:r>
-              <a:rPr lang="en-US"/>
-              <a:t>https://www.javatpoint.com/mysql-date-and-time</a:t>
-            </a:r>
-            <a:endParaRPr lang="en-US"/>
-          </a:p>
-          <a:p>
-            <a:pPr marL="285750" indent="-285750">
-              <a:buFont typeface="Arial" panose="020B0604020202020204" pitchFamily="34" charset="0"/>
-              <a:buChar char="•"/>
-            </a:pPr>
-            <a:r>
-              <a:rPr lang="en-US"/>
-              <a:t>https://www.javatpoint.com/mysql-change-column-type  ALTER</a:t>
-            </a:r>
-            <a:endParaRPr lang="en-US"/>
-          </a:p>
-          <a:p>
-            <a:pPr marL="285750" indent="-285750">
-              <a:buFont typeface="Arial" panose="020B0604020202020204" pitchFamily="34" charset="0"/>
-              <a:buChar char="•"/>
-            </a:pPr>
-            <a:r>
-              <a:rPr lang="en-US"/>
-              <a:t>https://www.javatpoint.com/docker-compose-mysql</a:t>
-            </a:r>
-            <a:endParaRPr lang="en-US"/>
-          </a:p>
-          <a:p>
-            <a:pPr marL="285750" indent="-285750">
-              <a:buFont typeface="Arial" panose="020B0604020202020204" pitchFamily="34" charset="0"/>
-              <a:buChar char="•"/>
-            </a:pPr>
-            <a:r>
-              <a:rPr lang="en-US"/>
-              <a:t>https://www.javatpoint.com/azure-mysql</a:t>
-            </a:r>
-            <a:endParaRPr lang="en-US"/>
-          </a:p>
-          <a:p>
-            <a:pPr marL="285750" indent="-285750">
-              <a:buFont typeface="Arial" panose="020B0604020202020204" pitchFamily="34" charset="0"/>
-              <a:buChar char="•"/>
-            </a:pPr>
-            <a:r>
-              <a:rPr lang="en-US"/>
-              <a:t>https://www.javatpoint.com/run-mysql-online</a:t>
-            </a:r>
-            <a:endParaRPr lang="en-US"/>
-          </a:p>
-          <a:p>
-            <a:pPr marL="285750" indent="-285750">
-              <a:buFont typeface="Arial" panose="020B0604020202020204" pitchFamily="34" charset="0"/>
-              <a:buChar char="•"/>
-            </a:pPr>
-            <a:r>
-              <a:rPr lang="en-US"/>
-              <a:t>https://www.javatpoint.com/free-mysql-hosting</a:t>
-            </a:r>
-            <a:endParaRPr lang="en-US"/>
-          </a:p>
-          <a:p>
-            <a:pPr marL="285750" indent="-285750">
-              <a:buFont typeface="Arial" panose="020B0604020202020204" pitchFamily="34" charset="0"/>
-              <a:buChar char="•"/>
-            </a:pPr>
-            <a:r>
-              <a:rPr lang="en-US"/>
-              <a:t>https://www.javatpoint.com/disabling-safe-mode-in-mysql</a:t>
-            </a:r>
-            <a:endParaRPr lang="en-US"/>
-          </a:p>
-          <a:p>
-            <a:pPr marL="285750" indent="-285750">
-              <a:buFont typeface="Arial" panose="020B0604020202020204" pitchFamily="34" charset="0"/>
-              <a:buChar char="•"/>
-            </a:pPr>
-            <a:r>
-              <a:rPr lang="en-US"/>
-              <a:t>https://www.javatpoint.com/mysql-import-dump</a:t>
-            </a:r>
-            <a:endParaRPr lang="en-US"/>
-          </a:p>
-          <a:p>
-            <a:pPr marL="285750" indent="-285750">
-              <a:buFont typeface="Arial" panose="020B0604020202020204" pitchFamily="34" charset="0"/>
-              <a:buChar char="•"/>
-            </a:pPr>
-            <a:r>
-              <a:rPr lang="en-US"/>
-              <a:t>https://www.javatpoint.com/data-analyst-skills</a:t>
-            </a:r>
-            <a:endParaRPr lang="en-US"/>
-          </a:p>
-          <a:p>
-            <a:pPr marL="285750" indent="-285750">
-              <a:buFont typeface="Arial" panose="020B0604020202020204" pitchFamily="34" charset="0"/>
-              <a:buChar char="•"/>
-            </a:pPr>
-            <a:r>
-              <a:rPr lang="en-US"/>
-              <a:t>https://www.javatpoint.com/mysql-fulltext-search</a:t>
-            </a:r>
-            <a:endParaRPr lang="en-US"/>
-          </a:p>
-          <a:p>
-            <a:pPr marL="285750" indent="-285750">
-              <a:buFont typeface="Arial" panose="020B0604020202020204" pitchFamily="34" charset="0"/>
-              <a:buChar char="•"/>
-            </a:pPr>
-            <a:r>
-              <a:rPr lang="en-US"/>
-              <a:t>https://www.javatpoint.com/table-vs-view</a:t>
-            </a:r>
-            <a:endParaRPr lang="en-US"/>
-          </a:p>
-        </p:txBody>
-      </p:sp>
-    </p:spTree>
-  </p:cSld>
-  <p:clrMapOvr>
-    <a:masterClrMapping/>
-  </p:clrMapOvr>
-</p:sld>
-</file>
-
-<file path=ppt/slides/slide9.xml><?xml version="1.0" encoding="utf-8"?>
+<file path=ppt/slides/slide16.xml><?xml version="1.0" encoding="utf-8"?>
 <p:sld xmlns:a="http://schemas.openxmlformats.org/drawingml/2006/main" xmlns:r="http://schemas.openxmlformats.org/officeDocument/2006/relationships" xmlns:p="http://schemas.openxmlformats.org/presentationml/2006/main">
   <p:cSld>
     <p:bg>
@@ -7292,6 +7540,3129 @@
           </a:fontRef>
         </p:style>
       </p:sp>
+    </p:spTree>
+  </p:cSld>
+  <p:clrMapOvr>
+    <a:masterClrMapping/>
+  </p:clrMapOvr>
+</p:sld>
+</file>
+
+<file path=ppt/slides/slide2.xml><?xml version="1.0" encoding="utf-8"?>
+<p:sld xmlns:a="http://schemas.openxmlformats.org/drawingml/2006/main" xmlns:r="http://schemas.openxmlformats.org/officeDocument/2006/relationships" xmlns:p="http://schemas.openxmlformats.org/presentationml/2006/main">
+  <p:cSld>
+    <p:spTree>
+      <p:nvGrpSpPr>
+        <p:cNvPr id="1" name=""/>
+        <p:cNvGrpSpPr/>
+        <p:nvPr/>
+      </p:nvGrpSpPr>
+      <p:grpSpPr>
+        <a:xfrm>
+          <a:off x="0" y="0"/>
+          <a:ext cx="0" cy="0"/>
+          <a:chOff x="0" y="0"/>
+          <a:chExt cx="0" cy="0"/>
+        </a:xfrm>
+      </p:grpSpPr>
+      <p:sp>
+        <p:nvSpPr>
+          <p:cNvPr id="2" name="Text Box 1"/>
+          <p:cNvSpPr txBox="1"/>
+          <p:nvPr/>
+        </p:nvSpPr>
+        <p:spPr>
+          <a:xfrm>
+            <a:off x="6590665" y="-3493"/>
+            <a:ext cx="5080000" cy="6494780"/>
+          </a:xfrm>
+          <a:prstGeom prst="rect">
+            <a:avLst/>
+          </a:prstGeom>
+        </p:spPr>
+        <p:txBody>
+          <a:bodyPr>
+            <a:spAutoFit/>
+          </a:bodyPr>
+          <a:p>
+            <a:pPr defTabSz="266700">
+              <a:lnSpc>
+                <a:spcPct val="107000"/>
+              </a:lnSpc>
+              <a:spcAft>
+                <a:spcPts val="800"/>
+              </a:spcAft>
+            </a:pPr>
+            <a:r>
+              <a:rPr sz="1400" b="1">
+                <a:solidFill>
+                  <a:schemeClr val="tx1"/>
+                </a:solidFill>
+                <a:latin typeface="Calibri" panose="020F0502020204030204"/>
+                <a:ea typeface="Calibri" panose="020F0502020204030204"/>
+              </a:rPr>
+              <a:t> </a:t>
+            </a:r>
+            <a:r>
+              <a:rPr sz="1400" b="1" u="sng">
+                <a:solidFill>
+                  <a:schemeClr val="tx1"/>
+                </a:solidFill>
+                <a:latin typeface="Calibri" panose="020F0502020204030204"/>
+                <a:ea typeface="Calibri" panose="020F0502020204030204"/>
+              </a:rPr>
+              <a:t>Unlock the Built in Functions</a:t>
+            </a:r>
+            <a:endParaRPr sz="1400" b="1" u="sng">
+              <a:solidFill>
+                <a:schemeClr val="tx1"/>
+              </a:solidFill>
+              <a:latin typeface="Calibri" panose="020F0502020204030204"/>
+              <a:ea typeface="Calibri" panose="020F0502020204030204"/>
+            </a:endParaRPr>
+          </a:p>
+          <a:p>
+            <a:pPr defTabSz="266700">
+              <a:lnSpc>
+                <a:spcPct val="107000"/>
+              </a:lnSpc>
+              <a:spcAft>
+                <a:spcPts val="800"/>
+              </a:spcAft>
+            </a:pPr>
+            <a:r>
+              <a:rPr sz="1400">
+                <a:solidFill>
+                  <a:schemeClr val="tx1"/>
+                </a:solidFill>
+                <a:latin typeface="Calibri" panose="020F0502020204030204"/>
+                <a:ea typeface="Calibri" panose="020F0502020204030204"/>
+              </a:rPr>
+              <a:t> </a:t>
+            </a:r>
+            <a:r>
+              <a:rPr sz="1400" u="sng">
+                <a:solidFill>
+                  <a:schemeClr val="tx1"/>
+                </a:solidFill>
+                <a:latin typeface="Calibri" panose="020F0502020204030204"/>
+                <a:ea typeface="Calibri" panose="020F0502020204030204"/>
+              </a:rPr>
+              <a:t>String Function</a:t>
+            </a:r>
+            <a:endParaRPr sz="1400" u="sng">
+              <a:solidFill>
+                <a:schemeClr val="tx1"/>
+              </a:solidFill>
+              <a:latin typeface="Calibri" panose="020F0502020204030204"/>
+              <a:ea typeface="Calibri" panose="020F0502020204030204"/>
+            </a:endParaRPr>
+          </a:p>
+          <a:p>
+            <a:pPr defTabSz="266700"/>
+            <a:r>
+              <a:rPr sz="1400" u="sng">
+                <a:solidFill>
+                  <a:schemeClr val="tx1"/>
+                </a:solidFill>
+                <a:latin typeface="Calibri" panose="020F0502020204030204"/>
+                <a:ea typeface="Calibri" panose="020F0502020204030204"/>
+              </a:rPr>
+              <a:t>Math Function</a:t>
+            </a:r>
+            <a:r>
+              <a:rPr sz="1400">
+                <a:solidFill>
+                  <a:schemeClr val="tx1"/>
+                </a:solidFill>
+                <a:latin typeface="Calibri" panose="020F0502020204030204"/>
+                <a:ea typeface="Calibri" panose="020F0502020204030204"/>
+              </a:rPr>
+              <a:t>  </a:t>
+            </a:r>
+            <a:endParaRPr sz="1400">
+              <a:solidFill>
+                <a:schemeClr val="tx1"/>
+              </a:solidFill>
+              <a:latin typeface="Calibri" panose="020F0502020204030204"/>
+              <a:ea typeface="Calibri" panose="020F0502020204030204"/>
+            </a:endParaRPr>
+          </a:p>
+          <a:p>
+            <a:pPr defTabSz="266700"/>
+            <a:r>
+              <a:rPr sz="1400" u="sng">
+                <a:solidFill>
+                  <a:schemeClr val="tx1"/>
+                </a:solidFill>
+                <a:latin typeface="Calibri" panose="020F0502020204030204"/>
+                <a:ea typeface="Calibri" panose="020F0502020204030204"/>
+              </a:rPr>
+              <a:t>Date Function</a:t>
+            </a:r>
+            <a:r>
+              <a:rPr sz="1400">
+                <a:solidFill>
+                  <a:schemeClr val="tx1"/>
+                </a:solidFill>
+                <a:latin typeface="Calibri" panose="020F0502020204030204"/>
+                <a:ea typeface="Calibri" panose="020F0502020204030204"/>
+              </a:rPr>
+              <a:t>  </a:t>
+            </a:r>
+            <a:endParaRPr sz="1400">
+              <a:solidFill>
+                <a:schemeClr val="tx1"/>
+              </a:solidFill>
+              <a:latin typeface="Calibri" panose="020F0502020204030204"/>
+              <a:ea typeface="Calibri" panose="020F0502020204030204"/>
+            </a:endParaRPr>
+          </a:p>
+          <a:p>
+            <a:pPr defTabSz="266700"/>
+            <a:r>
+              <a:rPr sz="1400" u="sng">
+                <a:solidFill>
+                  <a:schemeClr val="tx1"/>
+                </a:solidFill>
+                <a:latin typeface="Calibri" panose="020F0502020204030204"/>
+                <a:ea typeface="Calibri" panose="020F0502020204030204"/>
+              </a:rPr>
+              <a:t>Comparison Functions</a:t>
+            </a:r>
+            <a:r>
+              <a:rPr sz="1400">
+                <a:solidFill>
+                  <a:schemeClr val="tx1"/>
+                </a:solidFill>
+                <a:latin typeface="Calibri" panose="020F0502020204030204"/>
+                <a:ea typeface="Calibri" panose="020F0502020204030204"/>
+              </a:rPr>
+              <a:t> </a:t>
+            </a:r>
+            <a:endParaRPr sz="1400">
+              <a:solidFill>
+                <a:schemeClr val="tx1"/>
+              </a:solidFill>
+              <a:latin typeface="Calibri" panose="020F0502020204030204"/>
+              <a:ea typeface="Calibri" panose="020F0502020204030204"/>
+            </a:endParaRPr>
+          </a:p>
+          <a:p>
+            <a:pPr defTabSz="266700"/>
+            <a:r>
+              <a:rPr sz="1400" u="sng">
+                <a:solidFill>
+                  <a:schemeClr val="tx1"/>
+                </a:solidFill>
+                <a:latin typeface="Calibri" panose="020F0502020204030204"/>
+                <a:ea typeface="Calibri" panose="020F0502020204030204"/>
+              </a:rPr>
+              <a:t>Aggregate Function</a:t>
+            </a:r>
+            <a:r>
+              <a:rPr sz="1400">
+                <a:solidFill>
+                  <a:schemeClr val="tx1"/>
+                </a:solidFill>
+                <a:latin typeface="Calibri" panose="020F0502020204030204"/>
+                <a:ea typeface="Calibri" panose="020F0502020204030204"/>
+              </a:rPr>
+              <a:t>  </a:t>
+            </a:r>
+            <a:endParaRPr sz="1400">
+              <a:solidFill>
+                <a:schemeClr val="tx1"/>
+              </a:solidFill>
+              <a:latin typeface="Calibri" panose="020F0502020204030204"/>
+              <a:ea typeface="Calibri" panose="020F0502020204030204"/>
+            </a:endParaRPr>
+          </a:p>
+          <a:p>
+            <a:pPr defTabSz="266700"/>
+            <a:r>
+              <a:rPr sz="1400" u="sng">
+                <a:solidFill>
+                  <a:schemeClr val="tx1"/>
+                </a:solidFill>
+                <a:latin typeface="Calibri" panose="020F0502020204030204"/>
+                <a:ea typeface="Calibri" panose="020F0502020204030204"/>
+              </a:rPr>
+              <a:t>GROUP BY clause with HAVING</a:t>
+            </a:r>
+            <a:r>
+              <a:rPr sz="1400">
+                <a:solidFill>
+                  <a:schemeClr val="tx1"/>
+                </a:solidFill>
+                <a:latin typeface="Calibri" panose="020F0502020204030204"/>
+                <a:ea typeface="Calibri" panose="020F0502020204030204"/>
+              </a:rPr>
+              <a:t>  </a:t>
+            </a:r>
+            <a:endParaRPr sz="1400">
+              <a:solidFill>
+                <a:schemeClr val="tx1"/>
+              </a:solidFill>
+              <a:latin typeface="Calibri" panose="020F0502020204030204"/>
+              <a:ea typeface="Calibri" panose="020F0502020204030204"/>
+            </a:endParaRPr>
+          </a:p>
+          <a:p>
+            <a:pPr defTabSz="266700"/>
+            <a:r>
+              <a:rPr sz="1400" u="sng">
+                <a:solidFill>
+                  <a:schemeClr val="tx1"/>
+                </a:solidFill>
+                <a:latin typeface="Calibri" panose="020F0502020204030204"/>
+                <a:ea typeface="Calibri" panose="020F0502020204030204"/>
+              </a:rPr>
+              <a:t>Assignment</a:t>
+            </a:r>
+            <a:r>
+              <a:rPr sz="1400">
+                <a:solidFill>
+                  <a:schemeClr val="tx1"/>
+                </a:solidFill>
+                <a:latin typeface="Calibri" panose="020F0502020204030204"/>
+                <a:ea typeface="Calibri" panose="020F0502020204030204"/>
+              </a:rPr>
+              <a:t> </a:t>
+            </a:r>
+            <a:endParaRPr sz="1400">
+              <a:solidFill>
+                <a:schemeClr val="tx1"/>
+              </a:solidFill>
+              <a:latin typeface="Calibri" panose="020F0502020204030204"/>
+              <a:ea typeface="Calibri" panose="020F0502020204030204"/>
+            </a:endParaRPr>
+          </a:p>
+          <a:p>
+            <a:pPr defTabSz="266700">
+              <a:lnSpc>
+                <a:spcPct val="107000"/>
+              </a:lnSpc>
+              <a:spcAft>
+                <a:spcPts val="800"/>
+              </a:spcAft>
+            </a:pPr>
+            <a:r>
+              <a:rPr sz="1400">
+                <a:solidFill>
+                  <a:schemeClr val="tx1"/>
+                </a:solidFill>
+                <a:latin typeface="Calibri" panose="020F0502020204030204"/>
+                <a:ea typeface="Calibri" panose="020F0502020204030204"/>
+              </a:rPr>
+              <a:t> </a:t>
+            </a:r>
+            <a:endParaRPr sz="1400">
+              <a:solidFill>
+                <a:schemeClr val="tx1"/>
+              </a:solidFill>
+              <a:latin typeface="Calibri" panose="020F0502020204030204"/>
+              <a:ea typeface="Calibri" panose="020F0502020204030204"/>
+            </a:endParaRPr>
+          </a:p>
+          <a:p>
+            <a:pPr defTabSz="266700">
+              <a:lnSpc>
+                <a:spcPct val="107000"/>
+              </a:lnSpc>
+              <a:spcAft>
+                <a:spcPts val="800"/>
+              </a:spcAft>
+            </a:pPr>
+            <a:r>
+              <a:rPr sz="1400" b="1">
+                <a:solidFill>
+                  <a:schemeClr val="tx1"/>
+                </a:solidFill>
+                <a:latin typeface="Calibri" panose="020F0502020204030204"/>
+                <a:ea typeface="Calibri" panose="020F0502020204030204"/>
+              </a:rPr>
+              <a:t> </a:t>
+            </a:r>
+            <a:r>
+              <a:rPr sz="1400" b="1" u="sng">
+                <a:solidFill>
+                  <a:schemeClr val="tx1"/>
+                </a:solidFill>
+                <a:latin typeface="Calibri" panose="020F0502020204030204"/>
+                <a:ea typeface="Calibri" panose="020F0502020204030204"/>
+              </a:rPr>
+              <a:t>Connecting Data for Insights</a:t>
+            </a:r>
+            <a:endParaRPr sz="1400" b="1" u="sng">
+              <a:solidFill>
+                <a:schemeClr val="tx1"/>
+              </a:solidFill>
+              <a:latin typeface="Calibri" panose="020F0502020204030204"/>
+              <a:ea typeface="Calibri" panose="020F0502020204030204"/>
+            </a:endParaRPr>
+          </a:p>
+          <a:p>
+            <a:pPr defTabSz="266700">
+              <a:lnSpc>
+                <a:spcPct val="107000"/>
+              </a:lnSpc>
+              <a:spcAft>
+                <a:spcPts val="800"/>
+              </a:spcAft>
+            </a:pPr>
+            <a:r>
+              <a:rPr sz="1400">
+                <a:solidFill>
+                  <a:schemeClr val="tx1"/>
+                </a:solidFill>
+                <a:latin typeface="Calibri" panose="020F0502020204030204"/>
+                <a:ea typeface="Calibri" panose="020F0502020204030204"/>
+              </a:rPr>
+              <a:t> </a:t>
+            </a:r>
+            <a:r>
+              <a:rPr sz="1400" u="sng">
+                <a:solidFill>
+                  <a:schemeClr val="tx1"/>
+                </a:solidFill>
+                <a:latin typeface="Calibri" panose="020F0502020204030204"/>
+                <a:ea typeface="Calibri" panose="020F0502020204030204"/>
+              </a:rPr>
+              <a:t>Introduction to Joins</a:t>
+            </a:r>
+            <a:endParaRPr sz="1400" u="sng">
+              <a:solidFill>
+                <a:schemeClr val="tx1"/>
+              </a:solidFill>
+              <a:latin typeface="Calibri" panose="020F0502020204030204"/>
+              <a:ea typeface="Calibri" panose="020F0502020204030204"/>
+            </a:endParaRPr>
+          </a:p>
+          <a:p>
+            <a:pPr defTabSz="266700"/>
+            <a:r>
+              <a:rPr sz="1400" u="sng">
+                <a:solidFill>
+                  <a:schemeClr val="tx1"/>
+                </a:solidFill>
+                <a:latin typeface="Calibri" panose="020F0502020204030204"/>
+                <a:ea typeface="Calibri" panose="020F0502020204030204"/>
+              </a:rPr>
+              <a:t>Types of Joins</a:t>
+            </a:r>
+            <a:r>
+              <a:rPr sz="1400">
+                <a:solidFill>
+                  <a:schemeClr val="tx1"/>
+                </a:solidFill>
+                <a:latin typeface="Calibri" panose="020F0502020204030204"/>
+                <a:ea typeface="Calibri" panose="020F0502020204030204"/>
+              </a:rPr>
+              <a:t> </a:t>
+            </a:r>
+            <a:endParaRPr sz="1400">
+              <a:solidFill>
+                <a:schemeClr val="tx1"/>
+              </a:solidFill>
+              <a:latin typeface="Calibri" panose="020F0502020204030204"/>
+              <a:ea typeface="Calibri" panose="020F0502020204030204"/>
+            </a:endParaRPr>
+          </a:p>
+          <a:p>
+            <a:pPr defTabSz="266700"/>
+            <a:r>
+              <a:rPr sz="1400" u="sng">
+                <a:solidFill>
+                  <a:schemeClr val="tx1"/>
+                </a:solidFill>
+                <a:latin typeface="Calibri" panose="020F0502020204030204"/>
+                <a:ea typeface="Calibri" panose="020F0502020204030204"/>
+              </a:rPr>
+              <a:t>Types of Sub-queries</a:t>
+            </a:r>
+            <a:r>
+              <a:rPr sz="1400">
+                <a:solidFill>
+                  <a:schemeClr val="tx1"/>
+                </a:solidFill>
+                <a:latin typeface="Calibri" panose="020F0502020204030204"/>
+                <a:ea typeface="Calibri" panose="020F0502020204030204"/>
+              </a:rPr>
+              <a:t>  </a:t>
+            </a:r>
+            <a:endParaRPr sz="1400">
+              <a:solidFill>
+                <a:schemeClr val="tx1"/>
+              </a:solidFill>
+              <a:latin typeface="Calibri" panose="020F0502020204030204"/>
+              <a:ea typeface="Calibri" panose="020F0502020204030204"/>
+            </a:endParaRPr>
+          </a:p>
+          <a:p>
+            <a:pPr defTabSz="266700"/>
+            <a:r>
+              <a:rPr sz="1400" u="sng">
+                <a:solidFill>
+                  <a:schemeClr val="tx1"/>
+                </a:solidFill>
+                <a:latin typeface="Calibri" panose="020F0502020204030204"/>
+                <a:ea typeface="Calibri" panose="020F0502020204030204"/>
+              </a:rPr>
+              <a:t>Introduction to Views</a:t>
+            </a:r>
+            <a:r>
+              <a:rPr sz="1400">
+                <a:solidFill>
+                  <a:schemeClr val="tx1"/>
+                </a:solidFill>
+                <a:latin typeface="Calibri" panose="020F0502020204030204"/>
+                <a:ea typeface="Calibri" panose="020F0502020204030204"/>
+              </a:rPr>
+              <a:t>  </a:t>
+            </a:r>
+            <a:endParaRPr sz="1400">
+              <a:solidFill>
+                <a:schemeClr val="tx1"/>
+              </a:solidFill>
+              <a:latin typeface="Calibri" panose="020F0502020204030204"/>
+              <a:ea typeface="Calibri" panose="020F0502020204030204"/>
+            </a:endParaRPr>
+          </a:p>
+          <a:p>
+            <a:pPr defTabSz="266700"/>
+            <a:r>
+              <a:rPr sz="1400" u="sng">
+                <a:solidFill>
+                  <a:schemeClr val="tx1"/>
+                </a:solidFill>
+                <a:latin typeface="Calibri" panose="020F0502020204030204"/>
+                <a:ea typeface="Calibri" panose="020F0502020204030204"/>
+              </a:rPr>
+              <a:t>Assignment</a:t>
+            </a:r>
+            <a:r>
+              <a:rPr sz="1400">
+                <a:solidFill>
+                  <a:schemeClr val="tx1"/>
+                </a:solidFill>
+                <a:latin typeface="Calibri" panose="020F0502020204030204"/>
+                <a:ea typeface="Calibri" panose="020F0502020204030204"/>
+              </a:rPr>
+              <a:t> </a:t>
+            </a:r>
+            <a:endParaRPr sz="1400">
+              <a:solidFill>
+                <a:schemeClr val="tx1"/>
+              </a:solidFill>
+              <a:latin typeface="Calibri" panose="020F0502020204030204"/>
+              <a:ea typeface="Calibri" panose="020F0502020204030204"/>
+            </a:endParaRPr>
+          </a:p>
+          <a:p>
+            <a:pPr defTabSz="266700"/>
+            <a:endParaRPr sz="1400">
+              <a:solidFill>
+                <a:schemeClr val="tx1"/>
+              </a:solidFill>
+              <a:latin typeface="Calibri" panose="020F0502020204030204"/>
+              <a:ea typeface="Calibri" panose="020F0502020204030204"/>
+            </a:endParaRPr>
+          </a:p>
+          <a:p>
+            <a:pPr defTabSz="266700"/>
+            <a:r>
+              <a:rPr lang="en-US" sz="1400" b="1">
+                <a:solidFill>
+                  <a:schemeClr val="tx1"/>
+                </a:solidFill>
+                <a:latin typeface="Calibri" panose="020F0502020204030204"/>
+                <a:ea typeface="Calibri" panose="020F0502020204030204"/>
+              </a:rPr>
+              <a:t>FOR EXPERIENCE</a:t>
+            </a:r>
+            <a:endParaRPr sz="1400">
+              <a:solidFill>
+                <a:schemeClr val="tx1"/>
+              </a:solidFill>
+              <a:latin typeface="Calibri" panose="020F0502020204030204"/>
+              <a:ea typeface="Calibri" panose="020F0502020204030204"/>
+            </a:endParaRPr>
+          </a:p>
+          <a:p>
+            <a:pPr lvl="1" defTabSz="266700"/>
+            <a:r>
+              <a:rPr lang="en-US" sz="1400">
+                <a:solidFill>
+                  <a:schemeClr val="tx1"/>
+                </a:solidFill>
+                <a:latin typeface="Calibri" panose="020F0502020204030204"/>
+                <a:ea typeface="Calibri" panose="020F0502020204030204"/>
+              </a:rPr>
+              <a:t>- INDEX</a:t>
+            </a:r>
+            <a:endParaRPr lang="en-US" sz="1400">
+              <a:solidFill>
+                <a:schemeClr val="tx1"/>
+              </a:solidFill>
+              <a:latin typeface="Calibri" panose="020F0502020204030204"/>
+              <a:ea typeface="Calibri" panose="020F0502020204030204"/>
+            </a:endParaRPr>
+          </a:p>
+          <a:p>
+            <a:pPr lvl="1" defTabSz="266700"/>
+            <a:r>
+              <a:rPr lang="en-US" sz="1400">
+                <a:solidFill>
+                  <a:schemeClr val="tx1"/>
+                </a:solidFill>
+                <a:latin typeface="Calibri" panose="020F0502020204030204"/>
+                <a:ea typeface="Calibri" panose="020F0502020204030204"/>
+              </a:rPr>
+              <a:t>- VIEW</a:t>
+            </a:r>
+            <a:endParaRPr lang="en-US" sz="1400">
+              <a:solidFill>
+                <a:schemeClr val="tx1"/>
+              </a:solidFill>
+              <a:latin typeface="Calibri" panose="020F0502020204030204"/>
+              <a:ea typeface="Calibri" panose="020F0502020204030204"/>
+            </a:endParaRPr>
+          </a:p>
+          <a:p>
+            <a:pPr lvl="1" defTabSz="266700"/>
+            <a:r>
+              <a:rPr lang="en-US" sz="1400">
+                <a:solidFill>
+                  <a:schemeClr val="tx1"/>
+                </a:solidFill>
+                <a:latin typeface="Calibri" panose="020F0502020204030204"/>
+                <a:ea typeface="Calibri" panose="020F0502020204030204"/>
+              </a:rPr>
+              <a:t>- CTE </a:t>
+            </a:r>
+            <a:endParaRPr lang="en-US" sz="1400">
+              <a:solidFill>
+                <a:schemeClr val="tx1"/>
+              </a:solidFill>
+              <a:latin typeface="Calibri" panose="020F0502020204030204"/>
+              <a:ea typeface="Calibri" panose="020F0502020204030204"/>
+            </a:endParaRPr>
+          </a:p>
+          <a:p>
+            <a:pPr lvl="1" defTabSz="266700"/>
+            <a:r>
+              <a:rPr lang="en-US" sz="1400">
+                <a:solidFill>
+                  <a:schemeClr val="tx1"/>
+                </a:solidFill>
+                <a:latin typeface="Calibri" panose="020F0502020204030204"/>
+                <a:ea typeface="Calibri" panose="020F0502020204030204"/>
+              </a:rPr>
+              <a:t>- WINDOW FUNCTIONS</a:t>
+            </a:r>
+            <a:endParaRPr lang="en-US" sz="1400">
+              <a:solidFill>
+                <a:schemeClr val="tx1"/>
+              </a:solidFill>
+              <a:latin typeface="Calibri" panose="020F0502020204030204"/>
+              <a:ea typeface="Calibri" panose="020F0502020204030204"/>
+            </a:endParaRPr>
+          </a:p>
+          <a:p>
+            <a:pPr defTabSz="266700"/>
+            <a:endParaRPr lang="en-US" sz="1400">
+              <a:solidFill>
+                <a:schemeClr val="tx1"/>
+              </a:solidFill>
+              <a:latin typeface="Calibri" panose="020F0502020204030204"/>
+              <a:ea typeface="Calibri" panose="020F0502020204030204"/>
+            </a:endParaRPr>
+          </a:p>
+          <a:p>
+            <a:pPr defTabSz="266700"/>
+            <a:r>
+              <a:rPr lang="en-US" sz="1400" b="1">
+                <a:solidFill>
+                  <a:schemeClr val="tx1"/>
+                </a:solidFill>
+                <a:latin typeface="Calibri" panose="020F0502020204030204"/>
+                <a:ea typeface="Calibri" panose="020F0502020204030204"/>
+              </a:rPr>
+              <a:t>OPTIONAL </a:t>
+            </a:r>
+            <a:endParaRPr lang="en-US" sz="1400">
+              <a:solidFill>
+                <a:schemeClr val="tx1"/>
+              </a:solidFill>
+              <a:latin typeface="Calibri" panose="020F0502020204030204"/>
+              <a:ea typeface="Calibri" panose="020F0502020204030204"/>
+            </a:endParaRPr>
+          </a:p>
+          <a:p>
+            <a:pPr lvl="1" defTabSz="266700"/>
+            <a:r>
+              <a:rPr lang="en-US" sz="1400">
+                <a:solidFill>
+                  <a:schemeClr val="tx1"/>
+                </a:solidFill>
+                <a:latin typeface="Calibri" panose="020F0502020204030204"/>
+                <a:ea typeface="Calibri" panose="020F0502020204030204"/>
+              </a:rPr>
+              <a:t>- STORE PROCEDURES</a:t>
+            </a:r>
+            <a:endParaRPr lang="en-US" sz="1400">
+              <a:solidFill>
+                <a:schemeClr val="tx1"/>
+              </a:solidFill>
+              <a:latin typeface="Calibri" panose="020F0502020204030204"/>
+              <a:ea typeface="Calibri" panose="020F0502020204030204"/>
+            </a:endParaRPr>
+          </a:p>
+          <a:p>
+            <a:pPr lvl="1" defTabSz="266700"/>
+            <a:r>
+              <a:rPr lang="en-US" sz="1400">
+                <a:solidFill>
+                  <a:schemeClr val="tx1"/>
+                </a:solidFill>
+                <a:latin typeface="Calibri" panose="020F0502020204030204"/>
+                <a:ea typeface="Calibri" panose="020F0502020204030204"/>
+              </a:rPr>
+              <a:t>- TRIGEERS</a:t>
+            </a:r>
+            <a:endParaRPr lang="en-US" sz="1400">
+              <a:solidFill>
+                <a:schemeClr val="tx1"/>
+              </a:solidFill>
+              <a:latin typeface="Calibri" panose="020F0502020204030204"/>
+              <a:ea typeface="Calibri" panose="020F0502020204030204"/>
+            </a:endParaRPr>
+          </a:p>
+          <a:p>
+            <a:pPr lvl="1" defTabSz="266700"/>
+            <a:r>
+              <a:rPr lang="en-US" sz="1400">
+                <a:solidFill>
+                  <a:schemeClr val="tx1"/>
+                </a:solidFill>
+                <a:latin typeface="Calibri" panose="020F0502020204030204"/>
+                <a:ea typeface="Calibri" panose="020F0502020204030204"/>
+              </a:rPr>
+              <a:t>-FUNCTIONS</a:t>
+            </a:r>
+            <a:endParaRPr lang="en-US" sz="1400">
+              <a:solidFill>
+                <a:schemeClr val="tx1"/>
+              </a:solidFill>
+              <a:latin typeface="Calibri" panose="020F0502020204030204"/>
+              <a:ea typeface="Calibri" panose="020F0502020204030204"/>
+            </a:endParaRPr>
+          </a:p>
+          <a:p>
+            <a:pPr defTabSz="266700"/>
+            <a:endParaRPr lang="en-US" sz="1400">
+              <a:solidFill>
+                <a:schemeClr val="tx1"/>
+              </a:solidFill>
+              <a:latin typeface="Calibri" panose="020F0502020204030204"/>
+              <a:ea typeface="Calibri" panose="020F0502020204030204"/>
+            </a:endParaRPr>
+          </a:p>
+        </p:txBody>
+      </p:sp>
+      <p:sp>
+        <p:nvSpPr>
+          <p:cNvPr id="3" name="Text Box 2"/>
+          <p:cNvSpPr txBox="1"/>
+          <p:nvPr/>
+        </p:nvSpPr>
+        <p:spPr>
+          <a:xfrm>
+            <a:off x="183515" y="65405"/>
+            <a:ext cx="6096000" cy="6416040"/>
+          </a:xfrm>
+          <a:prstGeom prst="rect">
+            <a:avLst/>
+          </a:prstGeom>
+          <a:noFill/>
+        </p:spPr>
+        <p:txBody>
+          <a:bodyPr wrap="square" rtlCol="0" anchor="t">
+            <a:spAutoFit/>
+          </a:bodyPr>
+          <a:p>
+            <a:pPr defTabSz="266700">
+              <a:lnSpc>
+                <a:spcPct val="107000"/>
+              </a:lnSpc>
+              <a:spcAft>
+                <a:spcPts val="800"/>
+              </a:spcAft>
+            </a:pPr>
+            <a:r>
+              <a:rPr lang="en-US" sz="1400" b="1">
+                <a:solidFill>
+                  <a:schemeClr val="tx1"/>
+                </a:solidFill>
+                <a:latin typeface="Calibri" panose="020F0502020204030204"/>
+                <a:ea typeface="Calibri" panose="020F0502020204030204"/>
+                <a:sym typeface="+mn-ea"/>
+              </a:rPr>
+              <a:t>DBMS (NORMS)</a:t>
+            </a:r>
+            <a:r>
+              <a:rPr sz="1400" b="1">
+                <a:solidFill>
+                  <a:schemeClr val="tx1"/>
+                </a:solidFill>
+                <a:latin typeface="Calibri" panose="020F0502020204030204"/>
+                <a:ea typeface="Calibri" panose="020F0502020204030204"/>
+                <a:sym typeface="+mn-ea"/>
+              </a:rPr>
+              <a:t> </a:t>
+            </a:r>
+            <a:endParaRPr sz="1400" b="1">
+              <a:solidFill>
+                <a:schemeClr val="tx1"/>
+              </a:solidFill>
+              <a:latin typeface="Calibri" panose="020F0502020204030204"/>
+              <a:ea typeface="Calibri" panose="020F0502020204030204"/>
+              <a:sym typeface="+mn-ea"/>
+            </a:endParaRPr>
+          </a:p>
+          <a:p>
+            <a:pPr defTabSz="266700">
+              <a:lnSpc>
+                <a:spcPct val="107000"/>
+              </a:lnSpc>
+              <a:spcAft>
+                <a:spcPts val="800"/>
+              </a:spcAft>
+            </a:pPr>
+            <a:r>
+              <a:rPr sz="1400" u="sng">
+                <a:solidFill>
+                  <a:schemeClr val="tx1"/>
+                </a:solidFill>
+                <a:latin typeface="Calibri" panose="020F0502020204030204"/>
+                <a:ea typeface="Calibri" panose="020F0502020204030204"/>
+                <a:sym typeface="+mn-ea"/>
+              </a:rPr>
+              <a:t>SQL Setup and Basics</a:t>
+            </a:r>
+            <a:r>
+              <a:rPr sz="1400">
+                <a:solidFill>
+                  <a:schemeClr val="tx1"/>
+                </a:solidFill>
+                <a:latin typeface="Calibri" panose="020F0502020204030204"/>
+                <a:ea typeface="Calibri" panose="020F0502020204030204"/>
+                <a:sym typeface="+mn-ea"/>
+              </a:rPr>
+              <a:t>  </a:t>
+            </a:r>
+            <a:endParaRPr sz="1400">
+              <a:solidFill>
+                <a:schemeClr val="tx1"/>
+              </a:solidFill>
+              <a:latin typeface="Calibri" panose="020F0502020204030204"/>
+              <a:ea typeface="Calibri" panose="020F0502020204030204"/>
+            </a:endParaRPr>
+          </a:p>
+          <a:p>
+            <a:pPr defTabSz="266700"/>
+            <a:r>
+              <a:rPr sz="1400" u="sng">
+                <a:solidFill>
+                  <a:schemeClr val="tx1"/>
+                </a:solidFill>
+                <a:latin typeface="Calibri" panose="020F0502020204030204"/>
+                <a:ea typeface="Calibri" panose="020F0502020204030204"/>
+                <a:sym typeface="+mn-ea"/>
+              </a:rPr>
+              <a:t>Introduction to MySQL</a:t>
+            </a:r>
+            <a:r>
+              <a:rPr sz="1400">
+                <a:solidFill>
+                  <a:schemeClr val="tx1"/>
+                </a:solidFill>
+                <a:latin typeface="Calibri" panose="020F0502020204030204"/>
+                <a:ea typeface="Calibri" panose="020F0502020204030204"/>
+                <a:sym typeface="+mn-ea"/>
+              </a:rPr>
+              <a:t> </a:t>
+            </a:r>
+            <a:endParaRPr sz="1400">
+              <a:solidFill>
+                <a:schemeClr val="tx1"/>
+              </a:solidFill>
+              <a:latin typeface="Calibri" panose="020F0502020204030204"/>
+              <a:ea typeface="Calibri" panose="020F0502020204030204"/>
+            </a:endParaRPr>
+          </a:p>
+          <a:p>
+            <a:pPr defTabSz="266700"/>
+            <a:r>
+              <a:rPr sz="1400" u="sng">
+                <a:solidFill>
+                  <a:schemeClr val="tx1"/>
+                </a:solidFill>
+                <a:latin typeface="Calibri" panose="020F0502020204030204"/>
+                <a:ea typeface="Calibri" panose="020F0502020204030204"/>
+                <a:sym typeface="+mn-ea"/>
+              </a:rPr>
+              <a:t>First view of Data</a:t>
+            </a:r>
+            <a:r>
+              <a:rPr sz="1400">
+                <a:solidFill>
+                  <a:schemeClr val="tx1"/>
+                </a:solidFill>
+                <a:latin typeface="Calibri" panose="020F0502020204030204"/>
+                <a:ea typeface="Calibri" panose="020F0502020204030204"/>
+                <a:sym typeface="+mn-ea"/>
+              </a:rPr>
+              <a:t> </a:t>
+            </a:r>
+            <a:endParaRPr sz="1400">
+              <a:solidFill>
+                <a:schemeClr val="tx1"/>
+              </a:solidFill>
+              <a:latin typeface="Calibri" panose="020F0502020204030204"/>
+              <a:ea typeface="Calibri" panose="020F0502020204030204"/>
+            </a:endParaRPr>
+          </a:p>
+          <a:p>
+            <a:pPr defTabSz="266700"/>
+            <a:r>
+              <a:rPr sz="1400" u="sng">
+                <a:solidFill>
+                  <a:schemeClr val="tx1"/>
+                </a:solidFill>
+                <a:latin typeface="Calibri" panose="020F0502020204030204"/>
+                <a:ea typeface="Calibri" panose="020F0502020204030204"/>
+                <a:sym typeface="+mn-ea"/>
+              </a:rPr>
+              <a:t>Understanding databases, tables, and rows</a:t>
+            </a:r>
+            <a:r>
+              <a:rPr sz="1400">
+                <a:solidFill>
+                  <a:schemeClr val="tx1"/>
+                </a:solidFill>
+                <a:latin typeface="Calibri" panose="020F0502020204030204"/>
+                <a:ea typeface="Calibri" panose="020F0502020204030204"/>
+                <a:sym typeface="+mn-ea"/>
+              </a:rPr>
+              <a:t> </a:t>
+            </a:r>
+            <a:endParaRPr sz="1400">
+              <a:solidFill>
+                <a:schemeClr val="tx1"/>
+              </a:solidFill>
+              <a:latin typeface="Calibri" panose="020F0502020204030204"/>
+              <a:ea typeface="Calibri" panose="020F0502020204030204"/>
+            </a:endParaRPr>
+          </a:p>
+          <a:p>
+            <a:pPr defTabSz="266700"/>
+            <a:r>
+              <a:rPr sz="1400" u="sng">
+                <a:solidFill>
+                  <a:schemeClr val="tx1"/>
+                </a:solidFill>
+                <a:latin typeface="Calibri" panose="020F0502020204030204"/>
+                <a:ea typeface="Calibri" panose="020F0502020204030204"/>
+                <a:sym typeface="+mn-ea"/>
+              </a:rPr>
+              <a:t>Data types, expressions</a:t>
+            </a:r>
+            <a:r>
+              <a:rPr sz="1400">
+                <a:solidFill>
+                  <a:schemeClr val="tx1"/>
+                </a:solidFill>
+                <a:latin typeface="Calibri" panose="020F0502020204030204"/>
+                <a:ea typeface="Calibri" panose="020F0502020204030204"/>
+                <a:sym typeface="+mn-ea"/>
+              </a:rPr>
+              <a:t> </a:t>
+            </a:r>
+            <a:endParaRPr sz="1400">
+              <a:solidFill>
+                <a:schemeClr val="tx1"/>
+              </a:solidFill>
+              <a:latin typeface="Calibri" panose="020F0502020204030204"/>
+              <a:ea typeface="Calibri" panose="020F0502020204030204"/>
+            </a:endParaRPr>
+          </a:p>
+          <a:p>
+            <a:pPr defTabSz="266700"/>
+            <a:r>
+              <a:rPr sz="1400" u="sng">
+                <a:solidFill>
+                  <a:schemeClr val="tx1"/>
+                </a:solidFill>
+                <a:latin typeface="Calibri" panose="020F0502020204030204"/>
+                <a:ea typeface="Calibri" panose="020F0502020204030204"/>
+                <a:sym typeface="+mn-ea"/>
+              </a:rPr>
+              <a:t>Assignment</a:t>
+            </a:r>
+            <a:r>
+              <a:rPr sz="1400">
+                <a:solidFill>
+                  <a:schemeClr val="tx1"/>
+                </a:solidFill>
+                <a:latin typeface="Calibri" panose="020F0502020204030204"/>
+                <a:ea typeface="Calibri" panose="020F0502020204030204"/>
+                <a:sym typeface="+mn-ea"/>
+              </a:rPr>
+              <a:t> </a:t>
+            </a:r>
+            <a:endParaRPr sz="1400">
+              <a:solidFill>
+                <a:schemeClr val="tx1"/>
+              </a:solidFill>
+              <a:latin typeface="Calibri" panose="020F0502020204030204"/>
+              <a:ea typeface="Calibri" panose="020F0502020204030204"/>
+            </a:endParaRPr>
+          </a:p>
+          <a:p>
+            <a:pPr defTabSz="266700">
+              <a:lnSpc>
+                <a:spcPct val="107000"/>
+              </a:lnSpc>
+              <a:spcAft>
+                <a:spcPts val="800"/>
+              </a:spcAft>
+            </a:pPr>
+            <a:r>
+              <a:rPr sz="1400">
+                <a:solidFill>
+                  <a:schemeClr val="tx1"/>
+                </a:solidFill>
+                <a:latin typeface="Calibri" panose="020F0502020204030204"/>
+                <a:ea typeface="Calibri" panose="020F0502020204030204"/>
+                <a:sym typeface="+mn-ea"/>
+              </a:rPr>
+              <a:t> </a:t>
+            </a:r>
+            <a:endParaRPr sz="1400">
+              <a:solidFill>
+                <a:schemeClr val="tx1"/>
+              </a:solidFill>
+              <a:latin typeface="Calibri" panose="020F0502020204030204"/>
+              <a:ea typeface="Calibri" panose="020F0502020204030204"/>
+            </a:endParaRPr>
+          </a:p>
+          <a:p>
+            <a:pPr defTabSz="266700">
+              <a:lnSpc>
+                <a:spcPct val="107000"/>
+              </a:lnSpc>
+              <a:spcAft>
+                <a:spcPts val="800"/>
+              </a:spcAft>
+            </a:pPr>
+            <a:r>
+              <a:rPr sz="1400" b="1">
+                <a:solidFill>
+                  <a:schemeClr val="tx1"/>
+                </a:solidFill>
+                <a:latin typeface="Calibri" panose="020F0502020204030204"/>
+                <a:ea typeface="Calibri" panose="020F0502020204030204"/>
+                <a:sym typeface="+mn-ea"/>
+              </a:rPr>
+              <a:t> </a:t>
+            </a:r>
+            <a:r>
+              <a:rPr sz="1400" b="1" u="sng">
+                <a:solidFill>
+                  <a:schemeClr val="tx1"/>
+                </a:solidFill>
+                <a:latin typeface="Calibri" panose="020F0502020204030204"/>
+                <a:ea typeface="Calibri" panose="020F0502020204030204"/>
+                <a:sym typeface="+mn-ea"/>
+              </a:rPr>
+              <a:t>Crafting SQL Databases (DDL) &amp; Mastering Data Control (DML</a:t>
+            </a:r>
+            <a:r>
+              <a:rPr sz="1400" u="sng">
+                <a:solidFill>
+                  <a:schemeClr val="tx1"/>
+                </a:solidFill>
+                <a:latin typeface="Calibri" panose="020F0502020204030204"/>
+                <a:ea typeface="Calibri" panose="020F0502020204030204"/>
+                <a:sym typeface="+mn-ea"/>
+              </a:rPr>
+              <a:t>)</a:t>
+            </a:r>
+            <a:endParaRPr sz="1400" u="sng">
+              <a:solidFill>
+                <a:schemeClr val="tx1"/>
+              </a:solidFill>
+              <a:latin typeface="Calibri" panose="020F0502020204030204"/>
+              <a:ea typeface="Calibri" panose="020F0502020204030204"/>
+            </a:endParaRPr>
+          </a:p>
+          <a:p>
+            <a:pPr defTabSz="266700">
+              <a:lnSpc>
+                <a:spcPct val="107000"/>
+              </a:lnSpc>
+              <a:spcAft>
+                <a:spcPts val="800"/>
+              </a:spcAft>
+            </a:pPr>
+            <a:r>
+              <a:rPr sz="1400">
+                <a:solidFill>
+                  <a:schemeClr val="tx1"/>
+                </a:solidFill>
+                <a:latin typeface="Calibri" panose="020F0502020204030204"/>
+                <a:ea typeface="Calibri" panose="020F0502020204030204"/>
+                <a:sym typeface="+mn-ea"/>
+              </a:rPr>
+              <a:t> </a:t>
+            </a:r>
+            <a:r>
+              <a:rPr sz="1400" u="sng">
+                <a:solidFill>
+                  <a:schemeClr val="tx1"/>
+                </a:solidFill>
+                <a:latin typeface="Calibri" panose="020F0502020204030204"/>
+                <a:ea typeface="Calibri" panose="020F0502020204030204"/>
+                <a:sym typeface="+mn-ea"/>
+              </a:rPr>
+              <a:t>Creation of table</a:t>
+            </a:r>
+            <a:endParaRPr sz="1400" u="sng">
+              <a:solidFill>
+                <a:schemeClr val="tx1"/>
+              </a:solidFill>
+              <a:latin typeface="Calibri" panose="020F0502020204030204"/>
+              <a:ea typeface="Calibri" panose="020F0502020204030204"/>
+              <a:sym typeface="+mn-ea"/>
+            </a:endParaRPr>
+          </a:p>
+          <a:p>
+            <a:pPr defTabSz="266700">
+              <a:lnSpc>
+                <a:spcPct val="107000"/>
+              </a:lnSpc>
+              <a:spcAft>
+                <a:spcPts val="800"/>
+              </a:spcAft>
+            </a:pPr>
+            <a:r>
+              <a:rPr sz="1400" u="sng">
+                <a:latin typeface="Calibri" panose="020F0502020204030204"/>
+                <a:ea typeface="Calibri" panose="020F0502020204030204"/>
+                <a:sym typeface="+mn-ea"/>
+              </a:rPr>
+              <a:t>Constraints</a:t>
+            </a:r>
+            <a:endParaRPr sz="1400" u="sng">
+              <a:solidFill>
+                <a:schemeClr val="tx1"/>
+              </a:solidFill>
+              <a:latin typeface="Calibri" panose="020F0502020204030204"/>
+              <a:ea typeface="Calibri" panose="020F0502020204030204"/>
+            </a:endParaRPr>
+          </a:p>
+          <a:p>
+            <a:pPr defTabSz="266700"/>
+            <a:r>
+              <a:rPr sz="1400" u="sng">
+                <a:solidFill>
+                  <a:schemeClr val="tx1"/>
+                </a:solidFill>
+                <a:latin typeface="Calibri" panose="020F0502020204030204"/>
+                <a:ea typeface="Calibri" panose="020F0502020204030204"/>
+                <a:sym typeface="+mn-ea"/>
+              </a:rPr>
+              <a:t>Modifying the structure of a table</a:t>
+            </a:r>
+            <a:r>
+              <a:rPr sz="1400">
+                <a:solidFill>
+                  <a:schemeClr val="tx1"/>
+                </a:solidFill>
+                <a:latin typeface="Calibri" panose="020F0502020204030204"/>
+                <a:ea typeface="Calibri" panose="020F0502020204030204"/>
+                <a:sym typeface="+mn-ea"/>
+              </a:rPr>
+              <a:t> </a:t>
+            </a:r>
+            <a:endParaRPr sz="1400">
+              <a:solidFill>
+                <a:schemeClr val="tx1"/>
+              </a:solidFill>
+              <a:latin typeface="Calibri" panose="020F0502020204030204"/>
+              <a:ea typeface="Calibri" panose="020F0502020204030204"/>
+            </a:endParaRPr>
+          </a:p>
+          <a:p>
+            <a:pPr defTabSz="266700"/>
+            <a:r>
+              <a:rPr sz="1400" u="sng">
+                <a:solidFill>
+                  <a:schemeClr val="tx1"/>
+                </a:solidFill>
+                <a:latin typeface="Calibri" panose="020F0502020204030204"/>
+                <a:ea typeface="Calibri" panose="020F0502020204030204"/>
+                <a:sym typeface="+mn-ea"/>
+              </a:rPr>
+              <a:t>Dropping a table</a:t>
+            </a:r>
+            <a:r>
+              <a:rPr sz="1400">
+                <a:solidFill>
+                  <a:schemeClr val="tx1"/>
+                </a:solidFill>
+                <a:latin typeface="Calibri" panose="020F0502020204030204"/>
+                <a:ea typeface="Calibri" panose="020F0502020204030204"/>
+                <a:sym typeface="+mn-ea"/>
+              </a:rPr>
+              <a:t> </a:t>
+            </a:r>
+            <a:endParaRPr sz="1400">
+              <a:solidFill>
+                <a:schemeClr val="tx1"/>
+              </a:solidFill>
+              <a:latin typeface="Calibri" panose="020F0502020204030204"/>
+              <a:ea typeface="Calibri" panose="020F0502020204030204"/>
+            </a:endParaRPr>
+          </a:p>
+          <a:p>
+            <a:pPr defTabSz="266700"/>
+            <a:r>
+              <a:rPr sz="1400" u="sng">
+                <a:solidFill>
+                  <a:schemeClr val="tx1"/>
+                </a:solidFill>
+                <a:latin typeface="Calibri" panose="020F0502020204030204"/>
+                <a:ea typeface="Calibri" panose="020F0502020204030204"/>
+                <a:sym typeface="+mn-ea"/>
+              </a:rPr>
+              <a:t>INSER</a:t>
+            </a:r>
+            <a:r>
+              <a:rPr lang="en-US" sz="1400" u="sng">
+                <a:solidFill>
+                  <a:schemeClr val="tx1"/>
+                </a:solidFill>
+                <a:latin typeface="Calibri" panose="020F0502020204030204"/>
+                <a:ea typeface="Calibri" panose="020F0502020204030204"/>
+                <a:sym typeface="+mn-ea"/>
+              </a:rPr>
+              <a:t>T, UPDATE, DELETE</a:t>
+            </a:r>
+            <a:r>
+              <a:rPr sz="1400" u="sng">
+                <a:solidFill>
+                  <a:schemeClr val="tx1"/>
+                </a:solidFill>
+                <a:latin typeface="Calibri" panose="020F0502020204030204"/>
+                <a:ea typeface="Calibri" panose="020F0502020204030204"/>
+                <a:sym typeface="+mn-ea"/>
+              </a:rPr>
+              <a:t> statement</a:t>
+            </a:r>
+            <a:r>
+              <a:rPr sz="1400">
+                <a:solidFill>
+                  <a:schemeClr val="tx1"/>
+                </a:solidFill>
+                <a:latin typeface="Calibri" panose="020F0502020204030204"/>
+                <a:ea typeface="Calibri" panose="020F0502020204030204"/>
+                <a:sym typeface="+mn-ea"/>
+              </a:rPr>
+              <a:t>   </a:t>
+            </a:r>
+            <a:endParaRPr sz="1400">
+              <a:solidFill>
+                <a:schemeClr val="tx1"/>
+              </a:solidFill>
+              <a:latin typeface="Calibri" panose="020F0502020204030204"/>
+              <a:ea typeface="Calibri" panose="020F0502020204030204"/>
+            </a:endParaRPr>
+          </a:p>
+          <a:p>
+            <a:pPr defTabSz="266700"/>
+            <a:r>
+              <a:rPr sz="1400" u="sng">
+                <a:solidFill>
+                  <a:schemeClr val="tx1"/>
+                </a:solidFill>
+                <a:latin typeface="Calibri" panose="020F0502020204030204"/>
+                <a:ea typeface="Calibri" panose="020F0502020204030204"/>
+                <a:sym typeface="+mn-ea"/>
+              </a:rPr>
+              <a:t>Assignment</a:t>
+            </a:r>
+            <a:r>
+              <a:rPr sz="1400">
+                <a:solidFill>
+                  <a:schemeClr val="tx1"/>
+                </a:solidFill>
+                <a:latin typeface="Calibri" panose="020F0502020204030204"/>
+                <a:ea typeface="Calibri" panose="020F0502020204030204"/>
+                <a:sym typeface="+mn-ea"/>
+              </a:rPr>
+              <a:t> </a:t>
+            </a:r>
+            <a:endParaRPr sz="1400">
+              <a:solidFill>
+                <a:schemeClr val="tx1"/>
+              </a:solidFill>
+              <a:latin typeface="Calibri" panose="020F0502020204030204"/>
+              <a:ea typeface="Calibri" panose="020F0502020204030204"/>
+              <a:sym typeface="+mn-ea"/>
+            </a:endParaRPr>
+          </a:p>
+          <a:p>
+            <a:pPr defTabSz="266700"/>
+            <a:endParaRPr sz="1400">
+              <a:solidFill>
+                <a:schemeClr val="tx1"/>
+              </a:solidFill>
+              <a:latin typeface="Calibri" panose="020F0502020204030204"/>
+              <a:ea typeface="Calibri" panose="020F0502020204030204"/>
+            </a:endParaRPr>
+          </a:p>
+          <a:p>
+            <a:pPr defTabSz="266700">
+              <a:lnSpc>
+                <a:spcPct val="107000"/>
+              </a:lnSpc>
+              <a:spcAft>
+                <a:spcPts val="800"/>
+              </a:spcAft>
+            </a:pPr>
+            <a:r>
+              <a:rPr sz="1400" b="1">
+                <a:solidFill>
+                  <a:schemeClr val="tx1"/>
+                </a:solidFill>
+                <a:latin typeface="Calibri" panose="020F0502020204030204"/>
+                <a:ea typeface="Calibri" panose="020F0502020204030204"/>
+                <a:sym typeface="+mn-ea"/>
+              </a:rPr>
+              <a:t> </a:t>
+            </a:r>
+            <a:r>
+              <a:rPr sz="1400" b="1" u="sng">
+                <a:solidFill>
+                  <a:schemeClr val="tx1"/>
+                </a:solidFill>
+                <a:latin typeface="Calibri" panose="020F0502020204030204"/>
+                <a:ea typeface="Calibri" panose="020F0502020204030204"/>
+                <a:sym typeface="+mn-ea"/>
+              </a:rPr>
+              <a:t>Querying into Data (DQL)</a:t>
+            </a:r>
+            <a:endParaRPr sz="1400" b="1" u="sng">
+              <a:solidFill>
+                <a:schemeClr val="tx1"/>
+              </a:solidFill>
+              <a:latin typeface="Calibri" panose="020F0502020204030204"/>
+              <a:ea typeface="Calibri" panose="020F0502020204030204"/>
+            </a:endParaRPr>
+          </a:p>
+          <a:p>
+            <a:pPr defTabSz="266700">
+              <a:lnSpc>
+                <a:spcPct val="107000"/>
+              </a:lnSpc>
+              <a:spcAft>
+                <a:spcPts val="800"/>
+              </a:spcAft>
+            </a:pPr>
+            <a:r>
+              <a:rPr sz="1400">
+                <a:solidFill>
+                  <a:schemeClr val="tx1"/>
+                </a:solidFill>
+                <a:latin typeface="Calibri" panose="020F0502020204030204"/>
+                <a:ea typeface="Calibri" panose="020F0502020204030204"/>
+                <a:sym typeface="+mn-ea"/>
+              </a:rPr>
+              <a:t> </a:t>
+            </a:r>
+            <a:r>
+              <a:rPr sz="1400" u="sng">
+                <a:solidFill>
+                  <a:schemeClr val="tx1"/>
+                </a:solidFill>
+                <a:latin typeface="Calibri" panose="020F0502020204030204"/>
+                <a:ea typeface="Calibri" panose="020F0502020204030204"/>
+                <a:sym typeface="+mn-ea"/>
+              </a:rPr>
+              <a:t>SELECT statement</a:t>
+            </a:r>
+            <a:endParaRPr sz="1400" u="sng">
+              <a:solidFill>
+                <a:schemeClr val="tx1"/>
+              </a:solidFill>
+              <a:latin typeface="Calibri" panose="020F0502020204030204"/>
+              <a:ea typeface="Calibri" panose="020F0502020204030204"/>
+            </a:endParaRPr>
+          </a:p>
+          <a:p>
+            <a:pPr defTabSz="266700"/>
+            <a:r>
+              <a:rPr sz="1400" u="sng">
+                <a:solidFill>
+                  <a:schemeClr val="tx1"/>
+                </a:solidFill>
+                <a:latin typeface="Calibri" panose="020F0502020204030204"/>
+                <a:ea typeface="Calibri" panose="020F0502020204030204"/>
+                <a:sym typeface="+mn-ea"/>
+              </a:rPr>
+              <a:t>WHERE clause search condition</a:t>
+            </a:r>
+            <a:r>
+              <a:rPr sz="1400">
+                <a:solidFill>
+                  <a:schemeClr val="tx1"/>
+                </a:solidFill>
+                <a:latin typeface="Calibri" panose="020F0502020204030204"/>
+                <a:ea typeface="Calibri" panose="020F0502020204030204"/>
+                <a:sym typeface="+mn-ea"/>
+              </a:rPr>
+              <a:t> </a:t>
+            </a:r>
+            <a:endParaRPr sz="1400">
+              <a:solidFill>
+                <a:schemeClr val="tx1"/>
+              </a:solidFill>
+              <a:latin typeface="Calibri" panose="020F0502020204030204"/>
+              <a:ea typeface="Calibri" panose="020F0502020204030204"/>
+            </a:endParaRPr>
+          </a:p>
+          <a:p>
+            <a:pPr defTabSz="266700"/>
+            <a:r>
+              <a:rPr sz="1400" u="sng">
+                <a:solidFill>
+                  <a:schemeClr val="tx1"/>
+                </a:solidFill>
+                <a:latin typeface="Calibri" panose="020F0502020204030204"/>
+                <a:ea typeface="Calibri" panose="020F0502020204030204"/>
+                <a:sym typeface="+mn-ea"/>
+              </a:rPr>
+              <a:t>Arithmetic, Comparison and Logical operator</a:t>
+            </a:r>
+            <a:r>
+              <a:rPr sz="1400">
+                <a:solidFill>
+                  <a:schemeClr val="tx1"/>
+                </a:solidFill>
+                <a:latin typeface="Calibri" panose="020F0502020204030204"/>
+                <a:ea typeface="Calibri" panose="020F0502020204030204"/>
+                <a:sym typeface="+mn-ea"/>
+              </a:rPr>
+              <a:t> </a:t>
+            </a:r>
+            <a:endParaRPr sz="1400">
+              <a:solidFill>
+                <a:schemeClr val="tx1"/>
+              </a:solidFill>
+              <a:latin typeface="Calibri" panose="020F0502020204030204"/>
+              <a:ea typeface="Calibri" panose="020F0502020204030204"/>
+            </a:endParaRPr>
+          </a:p>
+          <a:p>
+            <a:pPr defTabSz="266700"/>
+            <a:r>
+              <a:rPr sz="1400" u="sng">
+                <a:solidFill>
+                  <a:schemeClr val="tx1"/>
+                </a:solidFill>
+                <a:latin typeface="Calibri" panose="020F0502020204030204"/>
+                <a:ea typeface="Calibri" panose="020F0502020204030204"/>
+                <a:sym typeface="+mn-ea"/>
+              </a:rPr>
+              <a:t>Range operator</a:t>
+            </a:r>
+            <a:r>
+              <a:rPr sz="1400">
+                <a:solidFill>
+                  <a:schemeClr val="tx1"/>
+                </a:solidFill>
+                <a:latin typeface="Calibri" panose="020F0502020204030204"/>
+                <a:ea typeface="Calibri" panose="020F0502020204030204"/>
+                <a:sym typeface="+mn-ea"/>
+              </a:rPr>
+              <a:t> </a:t>
+            </a:r>
+            <a:r>
+              <a:rPr lang="en-US" sz="1400">
+                <a:solidFill>
+                  <a:schemeClr val="tx1"/>
+                </a:solidFill>
+                <a:latin typeface="Calibri" panose="020F0502020204030204"/>
+                <a:ea typeface="Calibri" panose="020F0502020204030204"/>
+                <a:sym typeface="+mn-ea"/>
+              </a:rPr>
+              <a:t>,</a:t>
+            </a:r>
+            <a:r>
+              <a:rPr sz="1400" u="sng">
+                <a:solidFill>
+                  <a:schemeClr val="tx1"/>
+                </a:solidFill>
+                <a:latin typeface="Calibri" panose="020F0502020204030204"/>
+                <a:ea typeface="Calibri" panose="020F0502020204030204"/>
+                <a:sym typeface="+mn-ea"/>
+              </a:rPr>
+              <a:t>List operator</a:t>
+            </a:r>
+            <a:r>
+              <a:rPr sz="1400">
+                <a:solidFill>
+                  <a:schemeClr val="tx1"/>
+                </a:solidFill>
+                <a:latin typeface="Calibri" panose="020F0502020204030204"/>
+                <a:ea typeface="Calibri" panose="020F0502020204030204"/>
+                <a:sym typeface="+mn-ea"/>
+              </a:rPr>
+              <a:t> </a:t>
+            </a:r>
+            <a:r>
+              <a:rPr lang="en-US" sz="1400">
+                <a:solidFill>
+                  <a:schemeClr val="tx1"/>
+                </a:solidFill>
+                <a:latin typeface="Calibri" panose="020F0502020204030204"/>
+                <a:ea typeface="Calibri" panose="020F0502020204030204"/>
+                <a:sym typeface="+mn-ea"/>
+              </a:rPr>
+              <a:t>,</a:t>
+            </a:r>
+            <a:r>
+              <a:rPr sz="1400" u="sng">
+                <a:solidFill>
+                  <a:schemeClr val="tx1"/>
+                </a:solidFill>
+                <a:latin typeface="Calibri" panose="020F0502020204030204"/>
+                <a:ea typeface="Calibri" panose="020F0502020204030204"/>
+                <a:sym typeface="+mn-ea"/>
+              </a:rPr>
+              <a:t>Like operator</a:t>
+            </a:r>
+            <a:r>
+              <a:rPr sz="1400">
+                <a:solidFill>
+                  <a:schemeClr val="tx1"/>
+                </a:solidFill>
+                <a:latin typeface="Calibri" panose="020F0502020204030204"/>
+                <a:ea typeface="Calibri" panose="020F0502020204030204"/>
+                <a:sym typeface="+mn-ea"/>
+              </a:rPr>
+              <a:t> </a:t>
+            </a:r>
+            <a:endParaRPr sz="1400">
+              <a:solidFill>
+                <a:schemeClr val="tx1"/>
+              </a:solidFill>
+              <a:latin typeface="Calibri" panose="020F0502020204030204"/>
+              <a:ea typeface="Calibri" panose="020F0502020204030204"/>
+            </a:endParaRPr>
+          </a:p>
+          <a:p>
+            <a:pPr defTabSz="266700"/>
+            <a:r>
+              <a:rPr sz="1400" u="sng">
+                <a:solidFill>
+                  <a:schemeClr val="tx1"/>
+                </a:solidFill>
+                <a:latin typeface="Calibri" panose="020F0502020204030204"/>
+                <a:ea typeface="Calibri" panose="020F0502020204030204"/>
+                <a:sym typeface="+mn-ea"/>
+              </a:rPr>
+              <a:t>Using ORDER BY, DISTINCT and TOP</a:t>
+            </a:r>
+            <a:r>
+              <a:rPr sz="1400">
+                <a:solidFill>
+                  <a:schemeClr val="tx1"/>
+                </a:solidFill>
+                <a:latin typeface="Calibri" panose="020F0502020204030204"/>
+                <a:ea typeface="Calibri" panose="020F0502020204030204"/>
+                <a:sym typeface="+mn-ea"/>
+              </a:rPr>
+              <a:t> </a:t>
+            </a:r>
+            <a:endParaRPr sz="1400">
+              <a:solidFill>
+                <a:schemeClr val="tx1"/>
+              </a:solidFill>
+              <a:latin typeface="Calibri" panose="020F0502020204030204"/>
+              <a:ea typeface="Calibri" panose="020F0502020204030204"/>
+            </a:endParaRPr>
+          </a:p>
+          <a:p>
+            <a:pPr defTabSz="266700"/>
+            <a:r>
+              <a:rPr sz="1400" u="sng">
+                <a:solidFill>
+                  <a:schemeClr val="tx1"/>
+                </a:solidFill>
+                <a:latin typeface="Calibri" panose="020F0502020204030204"/>
+                <a:ea typeface="Calibri" panose="020F0502020204030204"/>
+                <a:sym typeface="+mn-ea"/>
+              </a:rPr>
+              <a:t>Using IS NULL and IS NOT NULL</a:t>
+            </a:r>
+            <a:r>
+              <a:rPr sz="1400">
+                <a:solidFill>
+                  <a:schemeClr val="tx1"/>
+                </a:solidFill>
+                <a:latin typeface="Calibri" panose="020F0502020204030204"/>
+                <a:ea typeface="Calibri" panose="020F0502020204030204"/>
+                <a:sym typeface="+mn-ea"/>
+              </a:rPr>
+              <a:t>  </a:t>
+            </a:r>
+            <a:endParaRPr sz="1400">
+              <a:solidFill>
+                <a:schemeClr val="tx1"/>
+              </a:solidFill>
+              <a:latin typeface="Calibri" panose="020F0502020204030204"/>
+              <a:ea typeface="Calibri" panose="020F0502020204030204"/>
+            </a:endParaRPr>
+          </a:p>
+          <a:p>
+            <a:pPr defTabSz="266700"/>
+            <a:r>
+              <a:rPr sz="1400" u="sng">
+                <a:solidFill>
+                  <a:schemeClr val="tx1"/>
+                </a:solidFill>
+                <a:latin typeface="Calibri" panose="020F0502020204030204"/>
+                <a:ea typeface="Calibri" panose="020F0502020204030204"/>
+                <a:sym typeface="+mn-ea"/>
+              </a:rPr>
+              <a:t>CASE statement</a:t>
+            </a:r>
+            <a:r>
+              <a:rPr sz="1400">
+                <a:solidFill>
+                  <a:schemeClr val="tx1"/>
+                </a:solidFill>
+                <a:latin typeface="Calibri" panose="020F0502020204030204"/>
+                <a:ea typeface="Calibri" panose="020F0502020204030204"/>
+                <a:sym typeface="+mn-ea"/>
+              </a:rPr>
+              <a:t> </a:t>
+            </a:r>
+            <a:endParaRPr sz="1400">
+              <a:solidFill>
+                <a:schemeClr val="tx1"/>
+              </a:solidFill>
+              <a:latin typeface="Calibri" panose="020F0502020204030204"/>
+              <a:ea typeface="Calibri" panose="020F0502020204030204"/>
+            </a:endParaRPr>
+          </a:p>
+          <a:p>
+            <a:pPr defTabSz="266700"/>
+            <a:r>
+              <a:rPr sz="1400" u="sng">
+                <a:solidFill>
+                  <a:schemeClr val="tx1"/>
+                </a:solidFill>
+                <a:latin typeface="Calibri" panose="020F0502020204030204"/>
+                <a:ea typeface="Calibri" panose="020F0502020204030204"/>
+                <a:sym typeface="+mn-ea"/>
+              </a:rPr>
+              <a:t>Assignment</a:t>
+            </a:r>
+            <a:r>
+              <a:rPr sz="1400">
+                <a:solidFill>
+                  <a:schemeClr val="tx1"/>
+                </a:solidFill>
+                <a:latin typeface="Calibri" panose="020F0502020204030204"/>
+                <a:ea typeface="Calibri" panose="020F0502020204030204"/>
+                <a:sym typeface="+mn-ea"/>
+              </a:rPr>
+              <a:t> </a:t>
+            </a:r>
+            <a:endParaRPr lang="en-US" sz="1400">
+              <a:solidFill>
+                <a:schemeClr val="tx1"/>
+              </a:solidFill>
+              <a:latin typeface="Calibri" panose="020F0502020204030204"/>
+              <a:ea typeface="Calibri" panose="020F0502020204030204"/>
+              <a:sym typeface="+mn-ea"/>
+            </a:endParaRPr>
+          </a:p>
+        </p:txBody>
+      </p:sp>
+    </p:spTree>
+  </p:cSld>
+  <p:clrMapOvr>
+    <a:masterClrMapping/>
+  </p:clrMapOvr>
+</p:sld>
+</file>
+
+<file path=ppt/slides/slide3.xml><?xml version="1.0" encoding="utf-8"?>
+<p:sld xmlns:a="http://schemas.openxmlformats.org/drawingml/2006/main" xmlns:r="http://schemas.openxmlformats.org/officeDocument/2006/relationships" xmlns:p="http://schemas.openxmlformats.org/presentationml/2006/main">
+  <p:cSld>
+    <p:spTree>
+      <p:nvGrpSpPr>
+        <p:cNvPr id="1" name=""/>
+        <p:cNvGrpSpPr/>
+        <p:nvPr/>
+      </p:nvGrpSpPr>
+      <p:grpSpPr/>
+      <p:sp>
+        <p:nvSpPr>
+          <p:cNvPr id="2" name="Text Box 1"/>
+          <p:cNvSpPr txBox="1"/>
+          <p:nvPr/>
+        </p:nvSpPr>
+        <p:spPr>
+          <a:xfrm>
+            <a:off x="288290" y="84455"/>
+            <a:ext cx="9263380" cy="4523105"/>
+          </a:xfrm>
+          <a:prstGeom prst="rect">
+            <a:avLst/>
+          </a:prstGeom>
+          <a:noFill/>
+        </p:spPr>
+        <p:txBody>
+          <a:bodyPr wrap="square" rtlCol="0" anchor="t">
+            <a:spAutoFit/>
+          </a:bodyPr>
+          <a:p>
+            <a:r>
+              <a:rPr lang="en-US" sz="2400" b="1">
+                <a:solidFill>
+                  <a:srgbClr val="C00000"/>
+                </a:solidFill>
+              </a:rPr>
+              <a:t>******</a:t>
+            </a:r>
+            <a:endParaRPr lang="en-US" sz="2400" b="1">
+              <a:solidFill>
+                <a:srgbClr val="C00000"/>
+              </a:solidFill>
+            </a:endParaRPr>
+          </a:p>
+          <a:p>
+            <a:r>
+              <a:rPr lang="en-US" sz="2400" b="1">
+                <a:solidFill>
+                  <a:srgbClr val="C00000"/>
+                </a:solidFill>
+              </a:rPr>
+              <a:t>LEARN</a:t>
+            </a:r>
+            <a:endParaRPr lang="en-US" sz="2400" b="1">
+              <a:solidFill>
+                <a:srgbClr val="C00000"/>
+              </a:solidFill>
+            </a:endParaRPr>
+          </a:p>
+          <a:p>
+            <a:pPr marL="342900" indent="-342900">
+              <a:buFont typeface="Arial" panose="020B0604020202020204" pitchFamily="34" charset="0"/>
+              <a:buChar char="•"/>
+            </a:pPr>
+            <a:r>
+              <a:rPr lang="en-US" sz="2400">
+                <a:sym typeface="+mn-ea"/>
+              </a:rPr>
+              <a:t>https://www.javatpoint.com/dbms-tutorial</a:t>
+            </a:r>
+            <a:endParaRPr lang="en-US" sz="2400" b="1">
+              <a:solidFill>
+                <a:srgbClr val="C00000"/>
+              </a:solidFill>
+            </a:endParaRPr>
+          </a:p>
+          <a:p>
+            <a:pPr marL="285750" indent="-285750">
+              <a:buFont typeface="Arial" panose="020B0604020202020204" pitchFamily="34" charset="0"/>
+              <a:buChar char="•"/>
+            </a:pPr>
+            <a:r>
+              <a:rPr lang="en-US" sz="2400"/>
+              <a:t>https://www.mysqltutorial.org/mysql-basics/</a:t>
+            </a:r>
+            <a:endParaRPr lang="en-US" sz="2400"/>
+          </a:p>
+          <a:p>
+            <a:pPr marL="285750" indent="-285750">
+              <a:buFont typeface="Arial" panose="020B0604020202020204" pitchFamily="34" charset="0"/>
+              <a:buChar char="•"/>
+            </a:pPr>
+            <a:r>
+              <a:rPr lang="en-US" sz="2400"/>
+              <a:t>https://www.javatpoint.com/mysql-tutorial</a:t>
+            </a:r>
+            <a:endParaRPr lang="en-US" sz="2400"/>
+          </a:p>
+          <a:p>
+            <a:pPr marL="285750" indent="-285750">
+              <a:buFont typeface="Arial" panose="020B0604020202020204" pitchFamily="34" charset="0"/>
+              <a:buChar char="•"/>
+            </a:pPr>
+            <a:r>
+              <a:rPr lang="en-US" sz="2400"/>
+              <a:t>https://www.geeksforgeeks.org/mysql-tutorial/</a:t>
+            </a:r>
+            <a:endParaRPr lang="en-US" sz="2400"/>
+          </a:p>
+          <a:p>
+            <a:endParaRPr lang="en-US" sz="2400"/>
+          </a:p>
+          <a:p>
+            <a:r>
+              <a:rPr lang="en-US" sz="2400" b="1">
+                <a:solidFill>
+                  <a:srgbClr val="C00000"/>
+                </a:solidFill>
+              </a:rPr>
+              <a:t>QUESTIONS PRACTICE</a:t>
+            </a:r>
+            <a:endParaRPr lang="en-US" sz="2400"/>
+          </a:p>
+          <a:p>
+            <a:pPr marL="285750" indent="-285750">
+              <a:buFont typeface="Arial" panose="020B0604020202020204" pitchFamily="34" charset="0"/>
+              <a:buChar char="•"/>
+            </a:pPr>
+            <a:r>
+              <a:rPr lang="en-US" sz="2400"/>
+              <a:t>https://www.w3resource.com/mysql-exercises/join-exercises/</a:t>
+            </a:r>
+            <a:endParaRPr lang="en-US" sz="2400"/>
+          </a:p>
+          <a:p>
+            <a:pPr marL="342900" indent="-342900">
+              <a:buFont typeface="Arial" panose="020B0604020202020204" pitchFamily="34" charset="0"/>
+              <a:buChar char="•"/>
+            </a:pPr>
+            <a:r>
+              <a:rPr lang="en-US" sz="2400"/>
+              <a:t>https://test.sanfoundry.com/mysql-tests/ (mcQ)</a:t>
+            </a:r>
+            <a:endParaRPr lang="en-US" sz="2400"/>
+          </a:p>
+          <a:p>
+            <a:pPr marL="342900" indent="-342900">
+              <a:buFont typeface="Arial" panose="020B0604020202020204" pitchFamily="34" charset="0"/>
+              <a:buChar char="•"/>
+            </a:pPr>
+            <a:r>
+              <a:rPr lang="en-US" sz="2400"/>
+              <a:t>https://www.interviewbit.com/courses/databases/sql-queries/</a:t>
+            </a:r>
+            <a:endParaRPr lang="en-US" sz="2400"/>
+          </a:p>
+          <a:p>
+            <a:pPr marL="342900" indent="-342900">
+              <a:buFont typeface="Arial" panose="020B0604020202020204" pitchFamily="34" charset="0"/>
+              <a:buChar char="•"/>
+            </a:pPr>
+            <a:r>
+              <a:rPr lang="en-US" sz="2400"/>
+              <a:t>https://www.hackerrank.com/domains/sql</a:t>
+            </a:r>
+            <a:endParaRPr lang="en-US" sz="2400"/>
+          </a:p>
+        </p:txBody>
+      </p:sp>
+      <p:sp>
+        <p:nvSpPr>
+          <p:cNvPr id="5" name="Text Box 4"/>
+          <p:cNvSpPr txBox="1"/>
+          <p:nvPr/>
+        </p:nvSpPr>
+        <p:spPr>
+          <a:xfrm>
+            <a:off x="-115570" y="5694045"/>
+            <a:ext cx="6096000" cy="645160"/>
+          </a:xfrm>
+          <a:prstGeom prst="rect">
+            <a:avLst/>
+          </a:prstGeom>
+          <a:noFill/>
+        </p:spPr>
+        <p:txBody>
+          <a:bodyPr wrap="square" rtlCol="0" anchor="t">
+            <a:spAutoFit/>
+          </a:bodyPr>
+          <a:p>
+            <a:r>
+              <a:rPr lang="en-US"/>
+              <a:t>- </a:t>
+            </a:r>
+            <a:r>
+              <a:rPr lang="en-US" b="1"/>
+              <a:t>online complier</a:t>
+            </a:r>
+            <a:endParaRPr lang="en-US"/>
+          </a:p>
+          <a:p>
+            <a:pPr indent="457200"/>
+            <a:r>
+              <a:rPr lang="en-US"/>
+              <a:t>https://onecompiler.com/mysql</a:t>
+            </a:r>
+            <a:endParaRPr lang="en-US"/>
+          </a:p>
+        </p:txBody>
+      </p:sp>
+      <p:sp>
+        <p:nvSpPr>
+          <p:cNvPr id="6" name="Text Box 5"/>
+          <p:cNvSpPr txBox="1"/>
+          <p:nvPr/>
+        </p:nvSpPr>
+        <p:spPr>
+          <a:xfrm>
+            <a:off x="288290" y="4430395"/>
+            <a:ext cx="8495030" cy="1198880"/>
+          </a:xfrm>
+          <a:prstGeom prst="rect">
+            <a:avLst/>
+          </a:prstGeom>
+          <a:noFill/>
+        </p:spPr>
+        <p:txBody>
+          <a:bodyPr wrap="square" rtlCol="0" anchor="t">
+            <a:spAutoFit/>
+          </a:bodyPr>
+          <a:p>
+            <a:r>
+              <a:rPr lang="en-US" b="1"/>
+              <a:t>- Pracice</a:t>
+            </a:r>
+            <a:endParaRPr lang="en-US" b="1"/>
+          </a:p>
+          <a:p>
+            <a:pPr indent="457200"/>
+            <a:r>
+              <a:rPr lang="en-US"/>
+              <a:t>1. sqlbotl</a:t>
+            </a:r>
+            <a:endParaRPr lang="en-US"/>
+          </a:p>
+          <a:p>
+            <a:pPr indent="457200"/>
+            <a:r>
+              <a:rPr lang="en-US"/>
+              <a:t>3.https://sqlpad.io/playground/mysql/</a:t>
+            </a:r>
+            <a:endParaRPr lang="en-US"/>
+          </a:p>
+          <a:p>
+            <a:pPr indent="457200"/>
+            <a:r>
+              <a:rPr lang="en-US"/>
+              <a:t>4. https://8weeksqlchallenge.com/case-study-6/ -- analyst</a:t>
+            </a:r>
+            <a:endParaRPr lang="en-US"/>
+          </a:p>
+        </p:txBody>
+      </p:sp>
+      <p:sp>
+        <p:nvSpPr>
+          <p:cNvPr id="4" name="Text Box 3"/>
+          <p:cNvSpPr txBox="1"/>
+          <p:nvPr/>
+        </p:nvSpPr>
+        <p:spPr>
+          <a:xfrm>
+            <a:off x="5823585" y="419735"/>
+            <a:ext cx="6096000" cy="1198880"/>
+          </a:xfrm>
+          <a:prstGeom prst="rect">
+            <a:avLst/>
+          </a:prstGeom>
+          <a:noFill/>
+        </p:spPr>
+        <p:txBody>
+          <a:bodyPr wrap="square" rtlCol="0" anchor="t">
+            <a:spAutoFit/>
+          </a:bodyPr>
+          <a:p>
+            <a:r>
+              <a:rPr lang="en-US" b="1"/>
+              <a:t>learn resource mysql</a:t>
+            </a:r>
+            <a:endParaRPr lang="en-US" b="1"/>
+          </a:p>
+          <a:p>
+            <a:pPr indent="457200"/>
+            <a:r>
+              <a:rPr lang="en-US"/>
+              <a:t>https://www.mysqltutorial.org</a:t>
+            </a:r>
+            <a:endParaRPr lang="en-US"/>
+          </a:p>
+          <a:p>
+            <a:pPr indent="457200"/>
+            <a:r>
+              <a:rPr lang="en-US">
+                <a:sym typeface="+mn-ea"/>
+              </a:rPr>
+              <a:t>https://www.geeksforgeeks.org/mysql-tutorial/?ref=lbp</a:t>
+            </a:r>
+            <a:endParaRPr lang="en-US"/>
+          </a:p>
+          <a:p>
+            <a:endParaRPr lang="en-US"/>
+          </a:p>
+        </p:txBody>
+      </p:sp>
+      <p:sp>
+        <p:nvSpPr>
+          <p:cNvPr id="7" name="Text Box 6"/>
+          <p:cNvSpPr txBox="1"/>
+          <p:nvPr/>
+        </p:nvSpPr>
+        <p:spPr>
+          <a:xfrm>
+            <a:off x="6920865" y="4697095"/>
+            <a:ext cx="8495030" cy="1476375"/>
+          </a:xfrm>
+          <a:prstGeom prst="rect">
+            <a:avLst/>
+          </a:prstGeom>
+          <a:noFill/>
+        </p:spPr>
+        <p:txBody>
+          <a:bodyPr wrap="square" rtlCol="0" anchor="t">
+            <a:spAutoFit/>
+          </a:bodyPr>
+          <a:p>
+            <a:r>
+              <a:rPr lang="en-US" b="1"/>
+              <a:t>- Pracice</a:t>
+            </a:r>
+            <a:endParaRPr lang="en-US" b="1"/>
+          </a:p>
+          <a:p>
+            <a:pPr indent="457200"/>
+            <a:r>
+              <a:rPr lang="en-US"/>
+              <a:t>1. sqlbotl</a:t>
+            </a:r>
+            <a:endParaRPr lang="en-US"/>
+          </a:p>
+          <a:p>
+            <a:pPr indent="457200"/>
+            <a:r>
+              <a:rPr lang="en-US"/>
+              <a:t>2, hackerrank</a:t>
+            </a:r>
+            <a:endParaRPr lang="en-US"/>
+          </a:p>
+          <a:p>
+            <a:pPr indent="457200"/>
+            <a:r>
+              <a:rPr lang="en-US"/>
+              <a:t>3.https://sqlpad.io/playground/mysql/</a:t>
+            </a:r>
+            <a:endParaRPr lang="en-US"/>
+          </a:p>
+          <a:p>
+            <a:pPr indent="457200"/>
+            <a:r>
+              <a:rPr lang="en-US"/>
+              <a:t>4. https://8weeksqlchallenge.com/case-study-6/ -- analyst</a:t>
+            </a:r>
+            <a:endParaRPr lang="en-US"/>
+          </a:p>
+        </p:txBody>
+      </p:sp>
+    </p:spTree>
+  </p:cSld>
+  <p:clrMapOvr>
+    <a:masterClrMapping/>
+  </p:clrMapOvr>
+</p:sld>
+</file>
+
+<file path=ppt/slides/slide4.xml><?xml version="1.0" encoding="utf-8"?>
+<p:sld xmlns:a="http://schemas.openxmlformats.org/drawingml/2006/main" xmlns:r="http://schemas.openxmlformats.org/officeDocument/2006/relationships" xmlns:p="http://schemas.openxmlformats.org/presentationml/2006/main">
+  <p:cSld>
+    <p:spTree>
+      <p:nvGrpSpPr>
+        <p:cNvPr id="1" name=""/>
+        <p:cNvGrpSpPr/>
+        <p:nvPr/>
+      </p:nvGrpSpPr>
+      <p:grpSpPr/>
+      <p:sp>
+        <p:nvSpPr>
+          <p:cNvPr id="2" name="Text Box 1"/>
+          <p:cNvSpPr txBox="1"/>
+          <p:nvPr/>
+        </p:nvSpPr>
+        <p:spPr>
+          <a:xfrm>
+            <a:off x="278130" y="212090"/>
+            <a:ext cx="6096000" cy="420370"/>
+          </a:xfrm>
+          <a:prstGeom prst="rect">
+            <a:avLst/>
+          </a:prstGeom>
+          <a:noFill/>
+        </p:spPr>
+        <p:txBody>
+          <a:bodyPr wrap="square" rtlCol="0" anchor="t">
+            <a:spAutoFit/>
+          </a:bodyPr>
+          <a:p>
+            <a:pPr defTabSz="266700">
+              <a:lnSpc>
+                <a:spcPct val="107000"/>
+              </a:lnSpc>
+              <a:spcAft>
+                <a:spcPts val="800"/>
+              </a:spcAft>
+            </a:pPr>
+            <a:r>
+              <a:rPr lang="en-US" sz="2000" b="1">
+                <a:latin typeface="Calibri" panose="020F0502020204030204"/>
+                <a:ea typeface="Calibri" panose="020F0502020204030204"/>
+                <a:sym typeface="+mn-ea"/>
+              </a:rPr>
+              <a:t>DBMS (NORMS)</a:t>
+            </a:r>
+            <a:r>
+              <a:rPr sz="2000" b="1">
+                <a:latin typeface="Calibri" panose="020F0502020204030204"/>
+                <a:ea typeface="Calibri" panose="020F0502020204030204"/>
+                <a:sym typeface="+mn-ea"/>
+              </a:rPr>
+              <a:t> </a:t>
+            </a:r>
+            <a:endParaRPr lang="en-US" sz="2000">
+              <a:latin typeface="Calibri" panose="020F0502020204030204"/>
+              <a:ea typeface="Calibri" panose="020F0502020204030204"/>
+              <a:sym typeface="+mn-ea"/>
+            </a:endParaRPr>
+          </a:p>
+        </p:txBody>
+      </p:sp>
+      <p:sp>
+        <p:nvSpPr>
+          <p:cNvPr id="3" name="Text Box 2"/>
+          <p:cNvSpPr txBox="1"/>
+          <p:nvPr/>
+        </p:nvSpPr>
+        <p:spPr>
+          <a:xfrm>
+            <a:off x="392430" y="632460"/>
+            <a:ext cx="6096000" cy="1198880"/>
+          </a:xfrm>
+          <a:prstGeom prst="rect">
+            <a:avLst/>
+          </a:prstGeom>
+          <a:noFill/>
+        </p:spPr>
+        <p:txBody>
+          <a:bodyPr wrap="square" rtlCol="0" anchor="t">
+            <a:spAutoFit/>
+          </a:bodyPr>
+          <a:p>
+            <a:r>
+              <a:rPr lang="en-US"/>
+              <a:t>teach from pdf DBMS</a:t>
+            </a:r>
+            <a:endParaRPr lang="en-US"/>
+          </a:p>
+          <a:p>
+            <a:pPr marL="285750" indent="-285750">
+              <a:buFont typeface="Arial" panose="020B0604020202020204" pitchFamily="34" charset="0"/>
+              <a:buChar char="•"/>
+            </a:pPr>
+            <a:r>
+              <a:rPr lang="en-US"/>
+              <a:t>https://www.javatpoint.com/dbms-normalization</a:t>
+            </a:r>
+            <a:endParaRPr lang="en-US"/>
+          </a:p>
+          <a:p>
+            <a:pPr marL="285750" indent="-285750">
+              <a:buFont typeface="Arial" panose="020B0604020202020204" pitchFamily="34" charset="0"/>
+              <a:buChar char="•"/>
+            </a:pPr>
+            <a:r>
+              <a:rPr lang="en-US"/>
+              <a:t>https://www.javatpoint.com/dbms-interview-questions</a:t>
+            </a:r>
+            <a:endParaRPr lang="en-US"/>
+          </a:p>
+          <a:p>
+            <a:pPr marL="285750" indent="-285750">
+              <a:buFont typeface="Arial" panose="020B0604020202020204" pitchFamily="34" charset="0"/>
+              <a:buChar char="•"/>
+            </a:pPr>
+            <a:r>
+              <a:rPr lang="en-US"/>
+              <a:t>https://www.interviewbit.com/dbms-interview-questions</a:t>
+            </a:r>
+            <a:endParaRPr lang="en-US"/>
+          </a:p>
+        </p:txBody>
+      </p:sp>
+    </p:spTree>
+  </p:cSld>
+  <p:clrMapOvr>
+    <a:masterClrMapping/>
+  </p:clrMapOvr>
+</p:sld>
+</file>
+
+<file path=ppt/slides/slide5.xml><?xml version="1.0" encoding="utf-8"?>
+<p:sld xmlns:a="http://schemas.openxmlformats.org/drawingml/2006/main" xmlns:r="http://schemas.openxmlformats.org/officeDocument/2006/relationships" xmlns:p="http://schemas.openxmlformats.org/presentationml/2006/main">
+  <p:cSld>
+    <p:spTree>
+      <p:nvGrpSpPr>
+        <p:cNvPr id="1" name=""/>
+        <p:cNvGrpSpPr/>
+        <p:nvPr/>
+      </p:nvGrpSpPr>
+      <p:grpSpPr/>
+      <p:sp>
+        <p:nvSpPr>
+          <p:cNvPr id="2" name="Text Box 1"/>
+          <p:cNvSpPr txBox="1"/>
+          <p:nvPr/>
+        </p:nvSpPr>
+        <p:spPr>
+          <a:xfrm>
+            <a:off x="2200910" y="1065530"/>
+            <a:ext cx="7137400" cy="4615815"/>
+          </a:xfrm>
+          <a:prstGeom prst="rect">
+            <a:avLst/>
+          </a:prstGeom>
+          <a:noFill/>
+        </p:spPr>
+        <p:txBody>
+          <a:bodyPr wrap="square" rtlCol="0">
+            <a:spAutoFit/>
+          </a:bodyPr>
+          <a:p>
+            <a:r>
+              <a:rPr lang="en-US"/>
+              <a:t>workbench </a:t>
+            </a:r>
+            <a:endParaRPr lang="en-US"/>
+          </a:p>
+          <a:p>
+            <a:endParaRPr lang="en-US"/>
+          </a:p>
+          <a:p>
+            <a:r>
+              <a:rPr lang="en-US" sz="2400" b="1">
+                <a:solidFill>
+                  <a:srgbClr val="C00000"/>
+                </a:solidFill>
+                <a:effectLst>
+                  <a:outerShdw blurRad="38100" dist="38100" dir="2700000" algn="tl">
+                    <a:srgbClr val="000000">
+                      <a:alpha val="43137"/>
+                    </a:srgbClr>
+                  </a:outerShdw>
+                </a:effectLst>
+                <a:latin typeface="Arial" panose="020B0604020202020204" pitchFamily="34" charset="0"/>
+                <a:cs typeface="Arial" panose="020B0604020202020204" pitchFamily="34" charset="0"/>
+              </a:rPr>
+              <a:t> run in </a:t>
+            </a:r>
+            <a:r>
+              <a:rPr lang="en-US" sz="2400" b="1">
+                <a:solidFill>
+                  <a:srgbClr val="C00000"/>
+                </a:solidFill>
+                <a:effectLst>
+                  <a:outerShdw blurRad="38100" dist="38100" dir="2700000" algn="tl">
+                    <a:srgbClr val="000000">
+                      <a:alpha val="43137"/>
+                    </a:srgbClr>
+                  </a:outerShdw>
+                </a:effectLst>
+                <a:latin typeface="Arial" panose="020B0604020202020204" pitchFamily="34" charset="0"/>
+                <a:cs typeface="Arial" panose="020B0604020202020204" pitchFamily="34" charset="0"/>
+                <a:sym typeface="+mn-ea"/>
+              </a:rPr>
+              <a:t>shell</a:t>
+            </a:r>
+            <a:endParaRPr lang="en-US" sz="2400" b="1">
+              <a:solidFill>
+                <a:srgbClr val="C00000"/>
+              </a:solidFill>
+              <a:effectLst>
+                <a:outerShdw blurRad="38100" dist="38100" dir="2700000" algn="tl">
+                  <a:srgbClr val="000000">
+                    <a:alpha val="43137"/>
+                  </a:srgbClr>
+                </a:outerShdw>
+              </a:effectLst>
+              <a:latin typeface="Arial" panose="020B0604020202020204" pitchFamily="34" charset="0"/>
+              <a:cs typeface="Arial" panose="020B0604020202020204" pitchFamily="34" charset="0"/>
+            </a:endParaRPr>
+          </a:p>
+          <a:p>
+            <a:endParaRPr lang="en-US"/>
+          </a:p>
+          <a:p>
+            <a:pPr lvl="1"/>
+            <a:r>
+              <a:rPr lang="en-US" altLang="en-US"/>
+              <a:t>After you run MySQL Shell and you have seen following:</a:t>
+            </a:r>
+            <a:endParaRPr lang="en-US" altLang="en-US"/>
+          </a:p>
+          <a:p>
+            <a:pPr lvl="1"/>
+            <a:endParaRPr lang="en-US" altLang="en-US"/>
+          </a:p>
+          <a:p>
+            <a:pPr lvl="1"/>
+            <a:r>
+              <a:rPr lang="en-US" altLang="en-US"/>
+              <a:t>mysql-js&gt;</a:t>
+            </a:r>
+            <a:endParaRPr lang="en-US" altLang="en-US"/>
+          </a:p>
+          <a:p>
+            <a:pPr lvl="1"/>
+            <a:r>
+              <a:rPr lang="en-US" altLang="en-US"/>
+              <a:t>Firstly, you should:</a:t>
+            </a:r>
+            <a:endParaRPr lang="en-US" altLang="en-US"/>
+          </a:p>
+          <a:p>
+            <a:pPr lvl="1"/>
+            <a:endParaRPr lang="en-US" altLang="en-US"/>
+          </a:p>
+          <a:p>
+            <a:pPr lvl="1"/>
+            <a:r>
+              <a:rPr lang="en-US" altLang="en-US"/>
+              <a:t>mysql-js&gt;\sql</a:t>
+            </a:r>
+            <a:endParaRPr lang="en-US" altLang="en-US"/>
+          </a:p>
+          <a:p>
+            <a:pPr lvl="1"/>
+            <a:r>
+              <a:rPr lang="en-US" altLang="en-US"/>
+              <a:t>Secondly:</a:t>
+            </a:r>
+            <a:endParaRPr lang="en-US" altLang="en-US"/>
+          </a:p>
+          <a:p>
+            <a:pPr lvl="1"/>
+            <a:endParaRPr lang="en-US" altLang="en-US"/>
+          </a:p>
+          <a:p>
+            <a:pPr lvl="1"/>
+            <a:r>
+              <a:rPr lang="en-US" altLang="en-US"/>
+              <a:t> mysql-sql&gt;\connect username@servername (root@localhost)</a:t>
+            </a:r>
+            <a:endParaRPr lang="en-US" altLang="en-US"/>
+          </a:p>
+          <a:p>
+            <a:pPr lvl="1"/>
+            <a:r>
+              <a:rPr lang="en-US" altLang="en-US"/>
+              <a:t>And finally:</a:t>
+            </a:r>
+            <a:endParaRPr lang="en-US" altLang="en-US"/>
+          </a:p>
+          <a:p>
+            <a:pPr lvl="1"/>
+            <a:endParaRPr lang="en-US" altLang="en-US"/>
+          </a:p>
+          <a:p>
+            <a:pPr lvl="1"/>
+            <a:r>
+              <a:rPr lang="en-US" altLang="en-US"/>
+              <a:t>Enter password:*********</a:t>
+            </a:r>
+            <a:endParaRPr lang="en-US" altLang="en-US"/>
+          </a:p>
+        </p:txBody>
+      </p:sp>
+    </p:spTree>
+  </p:cSld>
+  <p:clrMapOvr>
+    <a:masterClrMapping/>
+  </p:clrMapOvr>
+</p:sld>
+</file>
+
+<file path=ppt/slides/slide6.xml><?xml version="1.0" encoding="utf-8"?>
+<p:sld xmlns:a="http://schemas.openxmlformats.org/drawingml/2006/main" xmlns:r="http://schemas.openxmlformats.org/officeDocument/2006/relationships" xmlns:p="http://schemas.openxmlformats.org/presentationml/2006/main">
+  <p:cSld>
+    <p:spTree>
+      <p:nvGrpSpPr>
+        <p:cNvPr id="1" name=""/>
+        <p:cNvGrpSpPr/>
+        <p:nvPr/>
+      </p:nvGrpSpPr>
+      <p:grpSpPr/>
+      <p:sp>
+        <p:nvSpPr>
+          <p:cNvPr id="3" name="Text Box 2"/>
+          <p:cNvSpPr txBox="1"/>
+          <p:nvPr/>
+        </p:nvSpPr>
+        <p:spPr>
+          <a:xfrm>
+            <a:off x="570230" y="495935"/>
+            <a:ext cx="9807575" cy="1753235"/>
+          </a:xfrm>
+          <a:prstGeom prst="rect">
+            <a:avLst/>
+          </a:prstGeom>
+          <a:noFill/>
+        </p:spPr>
+        <p:txBody>
+          <a:bodyPr wrap="square" rtlCol="0" anchor="t">
+            <a:spAutoFit/>
+          </a:bodyPr>
+          <a:p>
+            <a:r>
+              <a:rPr lang="en-US" b="1">
+                <a:gradFill>
+                  <a:gsLst>
+                    <a:gs pos="0">
+                      <a:srgbClr val="E30000"/>
+                    </a:gs>
+                    <a:gs pos="100000">
+                      <a:srgbClr val="760303"/>
+                    </a:gs>
+                  </a:gsLst>
+                  <a:lin scaled="0"/>
+                </a:gradFill>
+              </a:rPr>
+              <a:t>EXTRA TOPICS</a:t>
+            </a:r>
+            <a:endParaRPr lang="en-US" b="1">
+              <a:gradFill>
+                <a:gsLst>
+                  <a:gs pos="0">
+                    <a:srgbClr val="E30000"/>
+                  </a:gs>
+                  <a:gs pos="100000">
+                    <a:srgbClr val="760303"/>
+                  </a:gs>
+                </a:gsLst>
+                <a:lin scaled="0"/>
+              </a:gradFill>
+            </a:endParaRPr>
+          </a:p>
+          <a:p>
+            <a:endParaRPr lang="en-US" b="1">
+              <a:gradFill>
+                <a:gsLst>
+                  <a:gs pos="0">
+                    <a:srgbClr val="E30000"/>
+                  </a:gs>
+                  <a:gs pos="100000">
+                    <a:srgbClr val="760303"/>
+                  </a:gs>
+                </a:gsLst>
+                <a:lin scaled="0"/>
+              </a:gradFill>
+            </a:endParaRPr>
+          </a:p>
+          <a:p>
+            <a:r>
+              <a:rPr lang="en-US">
+                <a:sym typeface="+mn-ea"/>
+              </a:rPr>
+              <a:t>https://www.mysqltutorial.org/mysql-basics/import-csv-file-mysql-table/          ***</a:t>
+            </a:r>
+            <a:endParaRPr lang="en-US"/>
+          </a:p>
+          <a:p>
+            <a:r>
+              <a:rPr lang="en-US">
+                <a:sym typeface="+mn-ea"/>
+              </a:rPr>
+              <a:t>https://www.mysqltutorial.org/mysql-basics/mysql-export-table-to-csv/</a:t>
+            </a:r>
+            <a:endParaRPr lang="en-US"/>
+          </a:p>
+          <a:p>
+            <a:endParaRPr lang="en-US"/>
+          </a:p>
+          <a:p>
+            <a:r>
+              <a:rPr lang="en-US">
+                <a:sym typeface="+mn-ea"/>
+              </a:rPr>
+              <a:t>https://www.mysqltutorial.org/getting-started-with-mysql/mysql-sample-database/</a:t>
+            </a:r>
+            <a:endParaRPr lang="en-US">
+              <a:sym typeface="+mn-ea"/>
+            </a:endParaRPr>
+          </a:p>
+        </p:txBody>
+      </p:sp>
+      <p:sp>
+        <p:nvSpPr>
+          <p:cNvPr id="4" name="Text Box 3"/>
+          <p:cNvSpPr txBox="1"/>
+          <p:nvPr/>
+        </p:nvSpPr>
+        <p:spPr>
+          <a:xfrm>
+            <a:off x="570230" y="2712085"/>
+            <a:ext cx="11301730" cy="3138170"/>
+          </a:xfrm>
+          <a:prstGeom prst="rect">
+            <a:avLst/>
+          </a:prstGeom>
+          <a:noFill/>
+        </p:spPr>
+        <p:txBody>
+          <a:bodyPr wrap="square" rtlCol="0" anchor="t">
+            <a:spAutoFit/>
+          </a:bodyPr>
+          <a:p>
+            <a:pPr marL="285750" indent="-285750">
+              <a:buFont typeface="Arial" panose="020B0604020202020204" pitchFamily="34" charset="0"/>
+              <a:buChar char="•"/>
+            </a:pPr>
+            <a:r>
+              <a:rPr lang="en-US" b="1"/>
+              <a:t>TEMPORARY TABLE --&gt; </a:t>
+            </a:r>
+            <a:r>
+              <a:rPr lang="en-US"/>
+              <a:t>https://www.javatpoint.com/mysql-temporary-table</a:t>
+            </a:r>
+            <a:endParaRPr lang="en-US"/>
+          </a:p>
+          <a:p>
+            <a:pPr marL="285750" indent="-285750">
+              <a:buFont typeface="Arial" panose="020B0604020202020204" pitchFamily="34" charset="0"/>
+              <a:buChar char="•"/>
+            </a:pPr>
+            <a:r>
+              <a:rPr lang="en-US" b="1"/>
+              <a:t>VIEWS  </a:t>
+            </a:r>
+            <a:r>
+              <a:rPr lang="en-US"/>
+              <a:t>https://www.geeksforgeeks.org/mysql-view/?ref=lbp</a:t>
+            </a:r>
+            <a:endParaRPr lang="en-US"/>
+          </a:p>
+          <a:p>
+            <a:pPr marL="285750" indent="-285750">
+              <a:buFont typeface="Arial" panose="020B0604020202020204" pitchFamily="34" charset="0"/>
+              <a:buChar char="•"/>
+            </a:pPr>
+            <a:r>
+              <a:rPr lang="en-US" b="1"/>
+              <a:t>INDEX   </a:t>
+            </a:r>
+            <a:r>
+              <a:rPr lang="en-US"/>
+              <a:t>https://www.geeksforgeeks.org/mysql-create-index-statement/?ref=lbp</a:t>
+            </a:r>
+            <a:endParaRPr lang="en-US"/>
+          </a:p>
+          <a:p>
+            <a:pPr marL="285750" indent="-285750">
+              <a:buFont typeface="Arial" panose="020B0604020202020204" pitchFamily="34" charset="0"/>
+              <a:buChar char="•"/>
+            </a:pPr>
+            <a:r>
+              <a:rPr lang="en-US" b="1"/>
+              <a:t>CTE    </a:t>
+            </a:r>
+            <a:r>
+              <a:rPr lang="en-US"/>
+              <a:t>https://www.javatpoint.com/mysql-common-table-expression</a:t>
+            </a:r>
+            <a:endParaRPr lang="en-US"/>
+          </a:p>
+          <a:p>
+            <a:pPr marL="285750" indent="-285750">
+              <a:buFont typeface="Arial" panose="020B0604020202020204" pitchFamily="34" charset="0"/>
+              <a:buChar char="•"/>
+            </a:pPr>
+            <a:r>
+              <a:rPr lang="en-US" b="1"/>
+              <a:t>WINDOW FUNC</a:t>
+            </a:r>
+            <a:r>
+              <a:rPr lang="en-US"/>
+              <a:t> -- https://www.mysqltutorial.org/mysql-window-functions/      https://www.javatpoint.com/mysql-window-functions</a:t>
+            </a:r>
+            <a:endParaRPr lang="en-US"/>
+          </a:p>
+          <a:p>
+            <a:pPr marL="285750" indent="-285750">
+              <a:buFont typeface="Arial" panose="020B0604020202020204" pitchFamily="34" charset="0"/>
+              <a:buChar char="•"/>
+            </a:pPr>
+            <a:r>
+              <a:rPr lang="en-US" b="1"/>
+              <a:t>JOINS </a:t>
+            </a:r>
+            <a:r>
+              <a:rPr lang="en-US"/>
+              <a:t>     https://www.mysqltutorial.org/mysql-basics/mysql-join/</a:t>
+            </a:r>
+            <a:endParaRPr lang="en-US"/>
+          </a:p>
+          <a:p>
+            <a:pPr marL="285750" indent="-285750">
+              <a:buFont typeface="Arial" panose="020B0604020202020204" pitchFamily="34" charset="0"/>
+              <a:buChar char="•"/>
+            </a:pPr>
+            <a:r>
+              <a:rPr lang="en-US" b="1"/>
+              <a:t>SUBQUERIES     </a:t>
+            </a:r>
+            <a:r>
+              <a:rPr lang="en-US"/>
+              <a:t>https://www.mysqltutorial.org/mysql-basics/mysql-subquery/</a:t>
+            </a:r>
+            <a:endParaRPr lang="en-US"/>
+          </a:p>
+          <a:p>
+            <a:pPr marL="285750" indent="-285750">
+              <a:buFont typeface="Arial" panose="020B0604020202020204" pitchFamily="34" charset="0"/>
+              <a:buChar char="•"/>
+            </a:pPr>
+            <a:r>
+              <a:rPr lang="en-US" b="1"/>
+              <a:t>STORE_PROCEDURES</a:t>
+            </a:r>
+            <a:r>
+              <a:rPr lang="en-US"/>
+              <a:t>   https://www.geeksforgeeks.org/different-types-of-procedures-in-mysql/?ref=lbp</a:t>
+            </a:r>
+            <a:endParaRPr lang="en-US"/>
+          </a:p>
+          <a:p>
+            <a:pPr marL="285750" indent="-285750">
+              <a:buFont typeface="Arial" panose="020B0604020202020204" pitchFamily="34" charset="0"/>
+              <a:buChar char="•"/>
+            </a:pPr>
+            <a:r>
+              <a:rPr lang="en-US" b="1"/>
+              <a:t>FUNTIONS     </a:t>
+            </a:r>
+            <a:r>
+              <a:rPr lang="en-US"/>
+              <a:t>https://www.javatpoint.com/mysql-stored-function</a:t>
+            </a:r>
+            <a:endParaRPr lang="en-US"/>
+          </a:p>
+          <a:p>
+            <a:pPr marL="285750" indent="-285750">
+              <a:buFont typeface="Arial" panose="020B0604020202020204" pitchFamily="34" charset="0"/>
+              <a:buChar char="•"/>
+            </a:pPr>
+            <a:r>
+              <a:rPr lang="en-US" b="1"/>
+              <a:t>TRIGGERS   </a:t>
+            </a:r>
+            <a:r>
+              <a:rPr lang="en-US"/>
+              <a:t>https://www.geeksforgeeks.org/different-types-of-mysql-triggers-with-examples/?ref=lbp</a:t>
+            </a:r>
+            <a:endParaRPr lang="en-US"/>
+          </a:p>
+        </p:txBody>
+      </p:sp>
+    </p:spTree>
+  </p:cSld>
+  <p:clrMapOvr>
+    <a:masterClrMapping/>
+  </p:clrMapOvr>
+</p:sld>
+</file>
+
+<file path=ppt/slides/slide7.xml><?xml version="1.0" encoding="utf-8"?>
+<p:sld xmlns:a="http://schemas.openxmlformats.org/drawingml/2006/main" xmlns:r="http://schemas.openxmlformats.org/officeDocument/2006/relationships" xmlns:p="http://schemas.openxmlformats.org/presentationml/2006/main">
+  <p:cSld>
+    <p:spTree>
+      <p:nvGrpSpPr>
+        <p:cNvPr id="1" name=""/>
+        <p:cNvGrpSpPr/>
+        <p:nvPr/>
+      </p:nvGrpSpPr>
+      <p:grpSpPr/>
+      <p:sp>
+        <p:nvSpPr>
+          <p:cNvPr id="2" name="Text Box 1"/>
+          <p:cNvSpPr txBox="1"/>
+          <p:nvPr/>
+        </p:nvSpPr>
+        <p:spPr>
+          <a:xfrm>
+            <a:off x="528320" y="377825"/>
+            <a:ext cx="10130790" cy="1506855"/>
+          </a:xfrm>
+          <a:prstGeom prst="rect">
+            <a:avLst/>
+          </a:prstGeom>
+          <a:noFill/>
+        </p:spPr>
+        <p:txBody>
+          <a:bodyPr wrap="square" rtlCol="0" anchor="t">
+            <a:spAutoFit/>
+          </a:bodyPr>
+          <a:p>
+            <a:r>
+              <a:rPr lang="en-US" b="1">
+                <a:gradFill>
+                  <a:gsLst>
+                    <a:gs pos="0">
+                      <a:srgbClr val="E30000"/>
+                    </a:gs>
+                    <a:gs pos="100000">
+                      <a:srgbClr val="760303"/>
+                    </a:gs>
+                  </a:gsLst>
+                  <a:lin scaled="0"/>
+                </a:gradFill>
+              </a:rPr>
+              <a:t>TOPICS IN DETAILS LINK</a:t>
+            </a:r>
+            <a:endParaRPr lang="en-US" b="1">
+              <a:gradFill>
+                <a:gsLst>
+                  <a:gs pos="0">
+                    <a:srgbClr val="E30000"/>
+                  </a:gs>
+                  <a:gs pos="100000">
+                    <a:srgbClr val="760303"/>
+                  </a:gs>
+                </a:gsLst>
+                <a:lin scaled="0"/>
+              </a:gradFill>
+            </a:endParaRPr>
+          </a:p>
+          <a:p>
+            <a:endParaRPr lang="en-US" b="1">
+              <a:gradFill>
+                <a:gsLst>
+                  <a:gs pos="0">
+                    <a:srgbClr val="E30000"/>
+                  </a:gs>
+                  <a:gs pos="100000">
+                    <a:srgbClr val="760303"/>
+                  </a:gs>
+                </a:gsLst>
+                <a:lin scaled="0"/>
+              </a:gradFill>
+            </a:endParaRPr>
+          </a:p>
+          <a:p>
+            <a:r>
+              <a:rPr lang="en-US"/>
+              <a:t>https://www.mysqltutorial.org/mysql-basics/import-csv-file-mysql-table/          </a:t>
+            </a:r>
+            <a:r>
+              <a:rPr lang="en-US" sz="2000" b="1"/>
+              <a:t>***</a:t>
+            </a:r>
+            <a:endParaRPr lang="en-US" sz="2000" b="1"/>
+          </a:p>
+          <a:p>
+            <a:r>
+              <a:rPr lang="en-US"/>
+              <a:t>https://www.mysqltutorial.org/mysql-basics/mysql-export-table-to-csv/</a:t>
+            </a:r>
+            <a:endParaRPr lang="en-US"/>
+          </a:p>
+          <a:p>
+            <a:r>
+              <a:rPr lang="en-US"/>
+              <a:t>https://www.mysqltutorial.org/getting-started-with-mysql/mysql-sample-database/</a:t>
+            </a:r>
+            <a:endParaRPr lang="en-US"/>
+          </a:p>
+        </p:txBody>
+      </p:sp>
+      <p:sp>
+        <p:nvSpPr>
+          <p:cNvPr id="3" name="Text Box 2"/>
+          <p:cNvSpPr txBox="1"/>
+          <p:nvPr/>
+        </p:nvSpPr>
+        <p:spPr>
+          <a:xfrm>
+            <a:off x="528320" y="2455545"/>
+            <a:ext cx="11363960" cy="2584450"/>
+          </a:xfrm>
+          <a:prstGeom prst="rect">
+            <a:avLst/>
+          </a:prstGeom>
+          <a:noFill/>
+        </p:spPr>
+        <p:txBody>
+          <a:bodyPr wrap="square" rtlCol="0" anchor="t">
+            <a:spAutoFit/>
+          </a:bodyPr>
+          <a:p>
+            <a:r>
+              <a:rPr lang="en-US">
+                <a:sym typeface="+mn-ea"/>
+              </a:rPr>
+              <a:t>https://www.mysqltutorial.org/mysql-basics/mysql-find-duplicate-values/</a:t>
+            </a:r>
+            <a:endParaRPr lang="en-US"/>
+          </a:p>
+          <a:p>
+            <a:r>
+              <a:rPr lang="en-US">
+                <a:sym typeface="+mn-ea"/>
+              </a:rPr>
+              <a:t>https://www.mysqltutorial.org/mysql-basics/mysql-compare-two-tables/</a:t>
+            </a:r>
+            <a:endParaRPr lang="en-US"/>
+          </a:p>
+          <a:p>
+            <a:r>
+              <a:rPr lang="en-US">
+                <a:sym typeface="+mn-ea"/>
+              </a:rPr>
+              <a:t>https://www.mysqltutorial.org/mysql-basics/mysql-delete-duplicate-rows/</a:t>
+            </a:r>
+            <a:endParaRPr lang="en-US"/>
+          </a:p>
+          <a:p>
+            <a:r>
+              <a:rPr lang="en-US">
+                <a:sym typeface="+mn-ea"/>
+              </a:rPr>
+              <a:t>https://www.mysqltutorial.org/mysql-basics/mysql-compare-rows-within-the-same-table/</a:t>
+            </a:r>
+            <a:endParaRPr lang="en-US"/>
+          </a:p>
+          <a:p>
+            <a:r>
+              <a:rPr lang="en-US">
+                <a:sym typeface="+mn-ea"/>
+              </a:rPr>
+              <a:t>https://www.mysqltutorial.org/mysql-basics/mysql-select-random/</a:t>
+            </a:r>
+            <a:endParaRPr lang="en-US"/>
+          </a:p>
+          <a:p>
+            <a:endParaRPr lang="en-US"/>
+          </a:p>
+          <a:p>
+            <a:r>
+              <a:rPr lang="en-US">
+                <a:sym typeface="+mn-ea"/>
+              </a:rPr>
+              <a:t>https://www.mysqltutorial.org/mysql-basics/mysql-export-table-to-csv/</a:t>
+            </a:r>
+            <a:endParaRPr lang="en-US"/>
+          </a:p>
+          <a:p>
+            <a:endParaRPr lang="en-US"/>
+          </a:p>
+          <a:p>
+            <a:endParaRPr lang="en-US"/>
+          </a:p>
+        </p:txBody>
+      </p:sp>
+      <p:sp>
+        <p:nvSpPr>
+          <p:cNvPr id="4" name="Text Box 3"/>
+          <p:cNvSpPr txBox="1"/>
+          <p:nvPr/>
+        </p:nvSpPr>
+        <p:spPr>
+          <a:xfrm>
+            <a:off x="643255" y="4559300"/>
+            <a:ext cx="9503410" cy="1476375"/>
+          </a:xfrm>
+          <a:prstGeom prst="rect">
+            <a:avLst/>
+          </a:prstGeom>
+          <a:noFill/>
+        </p:spPr>
+        <p:txBody>
+          <a:bodyPr wrap="square" rtlCol="0" anchor="t">
+            <a:spAutoFit/>
+          </a:bodyPr>
+          <a:p>
+            <a:r>
+              <a:rPr lang="en-US">
+                <a:sym typeface="+mn-ea"/>
+              </a:rPr>
+              <a:t>https://www.javatpoint.com/mysql-union-vs-join</a:t>
+            </a:r>
+            <a:endParaRPr lang="en-US"/>
+          </a:p>
+          <a:p>
+            <a:r>
+              <a:rPr lang="en-US">
+                <a:sym typeface="+mn-ea"/>
+              </a:rPr>
+              <a:t>https://www.javatpoint.com/mysql-trigger</a:t>
+            </a:r>
+            <a:endParaRPr lang="en-US"/>
+          </a:p>
+          <a:p>
+            <a:r>
+              <a:rPr lang="en-US">
+                <a:sym typeface="+mn-ea"/>
+              </a:rPr>
+              <a:t>https://www.javatpoint.com/mysql-export-and-import-database </a:t>
+            </a:r>
+            <a:endParaRPr lang="en-US"/>
+          </a:p>
+          <a:p>
+            <a:r>
+              <a:rPr lang="en-US">
+                <a:sym typeface="+mn-ea"/>
+              </a:rPr>
+              <a:t>https://www.javatpoint.com/mysql-common-table-expression</a:t>
+            </a:r>
+            <a:endParaRPr lang="en-US"/>
+          </a:p>
+          <a:p>
+            <a:r>
+              <a:rPr lang="en-US">
+                <a:sym typeface="+mn-ea"/>
+              </a:rPr>
+              <a:t>https://www.javatpoint.com/mysql-on-delete-cascade</a:t>
+            </a:r>
+            <a:endParaRPr lang="en-US">
+              <a:sym typeface="+mn-ea"/>
+            </a:endParaRPr>
+          </a:p>
+        </p:txBody>
+      </p:sp>
+    </p:spTree>
+  </p:cSld>
+  <p:clrMapOvr>
+    <a:masterClrMapping/>
+  </p:clrMapOvr>
+</p:sld>
+</file>
+
+<file path=ppt/slides/slide8.xml><?xml version="1.0" encoding="utf-8"?>
+<p:sld xmlns:a="http://schemas.openxmlformats.org/drawingml/2006/main" xmlns:r="http://schemas.openxmlformats.org/officeDocument/2006/relationships" xmlns:p="http://schemas.openxmlformats.org/presentationml/2006/main">
+  <p:cSld>
+    <p:spTree>
+      <p:nvGrpSpPr>
+        <p:cNvPr id="1" name=""/>
+        <p:cNvGrpSpPr/>
+        <p:nvPr/>
+      </p:nvGrpSpPr>
+      <p:grpSpPr/>
+      <p:sp>
+        <p:nvSpPr>
+          <p:cNvPr id="2" name="Text Box 1"/>
+          <p:cNvSpPr txBox="1"/>
+          <p:nvPr/>
+        </p:nvSpPr>
+        <p:spPr>
+          <a:xfrm>
+            <a:off x="476250" y="506095"/>
+            <a:ext cx="10570210" cy="3138170"/>
+          </a:xfrm>
+          <a:prstGeom prst="rect">
+            <a:avLst/>
+          </a:prstGeom>
+          <a:noFill/>
+        </p:spPr>
+        <p:txBody>
+          <a:bodyPr wrap="square" rtlCol="0" anchor="t">
+            <a:spAutoFit/>
+          </a:bodyPr>
+          <a:p>
+            <a:pPr marL="285750" indent="-285750">
+              <a:buFont typeface="Arial" panose="020B0604020202020204" pitchFamily="34" charset="0"/>
+              <a:buChar char="•"/>
+            </a:pPr>
+            <a:r>
+              <a:rPr lang="en-US"/>
+              <a:t>https://www.javatpoint.com/mysql-date-and-time</a:t>
+            </a:r>
+            <a:endParaRPr lang="en-US"/>
+          </a:p>
+          <a:p>
+            <a:pPr marL="285750" indent="-285750">
+              <a:buFont typeface="Arial" panose="020B0604020202020204" pitchFamily="34" charset="0"/>
+              <a:buChar char="•"/>
+            </a:pPr>
+            <a:r>
+              <a:rPr lang="en-US"/>
+              <a:t>https://www.javatpoint.com/mysql-change-column-type  ALTER</a:t>
+            </a:r>
+            <a:endParaRPr lang="en-US"/>
+          </a:p>
+          <a:p>
+            <a:pPr marL="285750" indent="-285750">
+              <a:buFont typeface="Arial" panose="020B0604020202020204" pitchFamily="34" charset="0"/>
+              <a:buChar char="•"/>
+            </a:pPr>
+            <a:r>
+              <a:rPr lang="en-US"/>
+              <a:t>https://www.javatpoint.com/docker-compose-mysql</a:t>
+            </a:r>
+            <a:endParaRPr lang="en-US"/>
+          </a:p>
+          <a:p>
+            <a:pPr marL="285750" indent="-285750">
+              <a:buFont typeface="Arial" panose="020B0604020202020204" pitchFamily="34" charset="0"/>
+              <a:buChar char="•"/>
+            </a:pPr>
+            <a:r>
+              <a:rPr lang="en-US"/>
+              <a:t>https://www.javatpoint.com/azure-mysql</a:t>
+            </a:r>
+            <a:endParaRPr lang="en-US"/>
+          </a:p>
+          <a:p>
+            <a:pPr marL="285750" indent="-285750">
+              <a:buFont typeface="Arial" panose="020B0604020202020204" pitchFamily="34" charset="0"/>
+              <a:buChar char="•"/>
+            </a:pPr>
+            <a:r>
+              <a:rPr lang="en-US"/>
+              <a:t>https://www.javatpoint.com/run-mysql-online</a:t>
+            </a:r>
+            <a:endParaRPr lang="en-US"/>
+          </a:p>
+          <a:p>
+            <a:pPr marL="285750" indent="-285750">
+              <a:buFont typeface="Arial" panose="020B0604020202020204" pitchFamily="34" charset="0"/>
+              <a:buChar char="•"/>
+            </a:pPr>
+            <a:r>
+              <a:rPr lang="en-US"/>
+              <a:t>https://www.javatpoint.com/free-mysql-hosting</a:t>
+            </a:r>
+            <a:endParaRPr lang="en-US"/>
+          </a:p>
+          <a:p>
+            <a:pPr marL="285750" indent="-285750">
+              <a:buFont typeface="Arial" panose="020B0604020202020204" pitchFamily="34" charset="0"/>
+              <a:buChar char="•"/>
+            </a:pPr>
+            <a:r>
+              <a:rPr lang="en-US"/>
+              <a:t>https://www.javatpoint.com/disabling-safe-mode-in-mysql</a:t>
+            </a:r>
+            <a:endParaRPr lang="en-US"/>
+          </a:p>
+          <a:p>
+            <a:pPr marL="285750" indent="-285750">
+              <a:buFont typeface="Arial" panose="020B0604020202020204" pitchFamily="34" charset="0"/>
+              <a:buChar char="•"/>
+            </a:pPr>
+            <a:r>
+              <a:rPr lang="en-US"/>
+              <a:t>https://www.javatpoint.com/mysql-import-dump</a:t>
+            </a:r>
+            <a:endParaRPr lang="en-US"/>
+          </a:p>
+          <a:p>
+            <a:pPr marL="285750" indent="-285750">
+              <a:buFont typeface="Arial" panose="020B0604020202020204" pitchFamily="34" charset="0"/>
+              <a:buChar char="•"/>
+            </a:pPr>
+            <a:r>
+              <a:rPr lang="en-US"/>
+              <a:t>https://www.javatpoint.com/data-analyst-skills</a:t>
+            </a:r>
+            <a:endParaRPr lang="en-US"/>
+          </a:p>
+          <a:p>
+            <a:pPr marL="285750" indent="-285750">
+              <a:buFont typeface="Arial" panose="020B0604020202020204" pitchFamily="34" charset="0"/>
+              <a:buChar char="•"/>
+            </a:pPr>
+            <a:r>
+              <a:rPr lang="en-US"/>
+              <a:t>https://www.javatpoint.com/mysql-fulltext-search</a:t>
+            </a:r>
+            <a:endParaRPr lang="en-US"/>
+          </a:p>
+          <a:p>
+            <a:pPr marL="285750" indent="-285750">
+              <a:buFont typeface="Arial" panose="020B0604020202020204" pitchFamily="34" charset="0"/>
+              <a:buChar char="•"/>
+            </a:pPr>
+            <a:r>
+              <a:rPr lang="en-US"/>
+              <a:t>https://www.javatpoint.com/table-vs-view</a:t>
+            </a:r>
+            <a:endParaRPr lang="en-US"/>
+          </a:p>
+        </p:txBody>
+      </p:sp>
+    </p:spTree>
+  </p:cSld>
+  <p:clrMapOvr>
+    <a:masterClrMapping/>
+  </p:clrMapOvr>
+</p:sld>
+</file>
+
+<file path=ppt/slides/slide9.xml><?xml version="1.0" encoding="utf-8"?>
+<p:sld xmlns:a="http://schemas.openxmlformats.org/drawingml/2006/main" xmlns:r="http://schemas.openxmlformats.org/officeDocument/2006/relationships" xmlns:p="http://schemas.openxmlformats.org/presentationml/2006/main">
+  <p:cSld>
+    <p:spTree>
+      <p:nvGrpSpPr>
+        <p:cNvPr id="1" name=""/>
+        <p:cNvGrpSpPr/>
+        <p:nvPr/>
+      </p:nvGrpSpPr>
+      <p:grpSpPr/>
+      <p:pic>
+        <p:nvPicPr>
+          <p:cNvPr id="2" name="Picture 1" descr="SQL-COMMANDS-ShekhAli-min"/>
+          <p:cNvPicPr>
+            <a:picLocks noChangeAspect="1"/>
+          </p:cNvPicPr>
+          <p:nvPr/>
+        </p:nvPicPr>
+        <p:blipFill>
+          <a:blip r:embed="rId1"/>
+          <a:stretch>
+            <a:fillRect/>
+          </a:stretch>
+        </p:blipFill>
+        <p:spPr>
+          <a:xfrm>
+            <a:off x="929640" y="130175"/>
+            <a:ext cx="8590915" cy="5611495"/>
+          </a:xfrm>
+          <a:prstGeom prst="rect">
+            <a:avLst/>
+          </a:prstGeom>
+        </p:spPr>
+      </p:pic>
     </p:spTree>
   </p:cSld>
   <p:clrMapOvr>
